--- a/doc/assets/ppt/系统设计.pptx
+++ b/doc/assets/ppt/系统设计.pptx
@@ -5,12 +5,11 @@
     <p:sldMasterId id="2147483648" r:id="rId1"/>
   </p:sldMasterIdLst>
   <p:notesMasterIdLst>
-    <p:notesMasterId r:id="rId5"/>
+    <p:notesMasterId r:id="rId4"/>
   </p:notesMasterIdLst>
   <p:sldIdLst>
-    <p:sldId id="314" r:id="rId2"/>
-    <p:sldId id="287" r:id="rId3"/>
-    <p:sldId id="288" r:id="rId4"/>
+    <p:sldId id="287" r:id="rId2"/>
+    <p:sldId id="288" r:id="rId3"/>
   </p:sldIdLst>
   <p:sldSz cx="5040313" cy="3600450"/>
   <p:notesSz cx="6858000" cy="9144000"/>
@@ -114,7 +113,6 @@
       <p14:sectionLst xmlns:p14="http://schemas.microsoft.com/office/powerpoint/2010/main">
         <p14:section name="参考标准" id="{B31B90C0-5D5C-CC44-91AE-5FEC509FADEB}">
           <p14:sldIdLst>
-            <p14:sldId id="314"/>
             <p14:sldId id="287"/>
             <p14:sldId id="288"/>
           </p14:sldIdLst>
@@ -140,60 +138,6 @@
 </p:cmAuthorLst>
 </file>
 
-<file path=ppt/ink/ink1.xml><?xml version="1.0" encoding="utf-8"?>
-<inkml:ink xmlns:inkml="http://www.w3.org/2003/InkML">
-  <inkml:definitions>
-    <inkml:context xml:id="ctx0">
-      <inkml:inkSource xml:id="inkSrc0">
-        <inkml:traceFormat>
-          <inkml:channel name="X" type="integer" min="-2.14748E9" max="2.14748E9" units="cm"/>
-          <inkml:channel name="Y" type="integer" min="-2.14748E9" max="2.14748E9" units="cm"/>
-          <inkml:channel name="F" type="integer" max="32767" units="dev"/>
-        </inkml:traceFormat>
-        <inkml:channelProperties>
-          <inkml:channelProperty channel="X" name="resolution" value="1000" units="1/cm"/>
-          <inkml:channelProperty channel="Y" name="resolution" value="1000" units="1/cm"/>
-          <inkml:channelProperty channel="F" name="resolution" value="0" units="1/dev"/>
-        </inkml:channelProperties>
-      </inkml:inkSource>
-      <inkml:timestamp xml:id="ts0" timeString="2021-08-01T06:10:46.894"/>
-    </inkml:context>
-    <inkml:brush xml:id="br0">
-      <inkml:brushProperty name="width" value="0.05" units="cm"/>
-      <inkml:brushProperty name="height" value="0.05" units="cm"/>
-    </inkml:brush>
-  </inkml:definitions>
-  <inkml:trace contextRef="#ctx0" brushRef="#br0">0 2 24575,'43'0'0,"1"0"0,48 0 0,2 0-1652,-26 0 0,4 0 1652,0-1 0,3 2-980,17 5 1,2 4 979,-1 2 0,-4 1 0,-15-2 0,-1 3 40,9 9 0,-5 0-40,-25-10 0,-1 1-225,15 9 1,-2 4 224,-17-5 0,-3 0 0,23 16 1366,-16 13-1366,-31-14 2340,3 11-2340,-20 21 0,-3-6 0,-7 18 0,-6-2 751,-13-2-751,8-28 0,-1 0 0,-18 35 518,6-13-518,1-10 0,11-22 0,-7 9 0,10-21 0,2-2 589,7-18-589,2-2 68,1-3-68,0-2 0,-1 0 0,1 0 0,0 0 0,-3 0 0,-7 0 0,-4 0 0,-5 0 0,-1 0 0,0 0 0,0-3 0,7 0 0,0 0 0,12-1 0,0 3 0,5-1 0</inkml:trace>
-</inkml:ink>
-</file>
-
-<file path=ppt/ink/ink2.xml><?xml version="1.0" encoding="utf-8"?>
-<inkml:ink xmlns:inkml="http://www.w3.org/2003/InkML">
-  <inkml:definitions>
-    <inkml:context xml:id="ctx0">
-      <inkml:inkSource xml:id="inkSrc0">
-        <inkml:traceFormat>
-          <inkml:channel name="X" type="integer" min="-2.14748E9" max="2.14748E9" units="cm"/>
-          <inkml:channel name="Y" type="integer" min="-2.14748E9" max="2.14748E9" units="cm"/>
-          <inkml:channel name="F" type="integer" max="32767" units="dev"/>
-        </inkml:traceFormat>
-        <inkml:channelProperties>
-          <inkml:channelProperty channel="X" name="resolution" value="1000" units="1/cm"/>
-          <inkml:channelProperty channel="Y" name="resolution" value="1000" units="1/cm"/>
-          <inkml:channelProperty channel="F" name="resolution" value="0" units="1/dev"/>
-        </inkml:channelProperties>
-      </inkml:inkSource>
-      <inkml:timestamp xml:id="ts0" timeString="2021-08-01T06:10:48.431"/>
-    </inkml:context>
-    <inkml:brush xml:id="br0">
-      <inkml:brushProperty name="width" value="0.05" units="cm"/>
-      <inkml:brushProperty name="height" value="0.05" units="cm"/>
-    </inkml:brush>
-  </inkml:definitions>
-  <inkml:trace contextRef="#ctx0" brushRef="#br0">0 2821 24575,'64'0'0,"14"0"0,-14 0 0,6 0-2171,10 0 0,4 0 2171,10-1 0,3 2-716,-26 0 0,2 0 0,1 2 716,-1 2 0,0 2 0,1 0 0,-1 0 0,1 2 0,-1 1 0,1 3 0,0 3 0,-4-2 23,5 0 1,-1 1-24,18 5 0,-8-1-413,-14-2 413,-6-2 0,-2-1 0,1 3 1724,14 7-1724,-19-8 2783,-20-2-2783,-7-5 1746,-13-3-1746,-4-1 603,-8-2-603,-1-1 0,2-2 0,3 0 0,11 0 0,8-10 0,27-21 0,7-9 0,-20 2 0,1-5-861,1 1 1,-1-4 860,5-15 0,1-10-1301,-4 4 0,2-7 0,-3-2 1301,-4-4 0,-2-2 0,1-4-1039,-2 8 1,1-4 0,0-2-1,-4-1 1039,-5 0 0,-2-2 0,-3 1 0,-1 2 0,5-11 0,-2 3 0,-2-4-501,-5 10 1,0-5 0,-2 3 0,-3 7 500,2-17 0,-2 5-105,-2 21 0,0-2 0,-1 4 105,-1-5 0,-1 4 826,0 9 1,0 1-827,-2-3 0,0 4 3897,5-26-3897,-6 38 3205,-1 22-3205,-1 12 2275,-2 11-2275,-1 4 1064,-6 5-1064,-2 0 0,-2 1 0,-1 0 0,4-2 0,-2 2 0,4-3 0,-1 1 0,4-1 0,-2 1 0,0-3 0,1 2 0,0-4 0,1 2 0</inkml:trace>
-</inkml:ink>
-</file>
-
 <file path=ppt/notesMasters/notesMaster1.xml><?xml version="1.0" encoding="utf-8"?>
 <p:notesMaster xmlns:a="http://schemas.openxmlformats.org/drawingml/2006/main" xmlns:r="http://schemas.openxmlformats.org/officeDocument/2006/relationships" xmlns:p="http://schemas.openxmlformats.org/presentationml/2006/main">
   <p:cSld>
@@ -276,7 +220,7 @@
           <a:p>
             <a:fld id="{E47FC481-15AF-45CA-8376-B9BCE636A15E}" type="datetimeFigureOut">
               <a:rPr lang="zh-CN" altLang="en-US" smtClean="0"/>
-              <a:t>2021/8/1</a:t>
+              <a:t>2021/8/14</a:t>
             </a:fld>
             <a:endParaRPr lang="zh-CN" altLang="en-US"/>
           </a:p>
@@ -686,7 +630,7 @@
           <a:p>
             <a:fld id="{DCD554A7-7CC4-40A9-A60E-4E72AAE3CDC5}" type="datetimeFigureOut">
               <a:rPr lang="zh-CN" altLang="en-US" smtClean="0"/>
-              <a:t>2021/8/1</a:t>
+              <a:t>2021/8/14</a:t>
             </a:fld>
             <a:endParaRPr lang="zh-CN" altLang="en-US"/>
           </a:p>
@@ -894,7 +838,7 @@
           <a:p>
             <a:fld id="{DCD554A7-7CC4-40A9-A60E-4E72AAE3CDC5}" type="datetimeFigureOut">
               <a:rPr lang="zh-CN" altLang="en-US" smtClean="0"/>
-              <a:t>2021/8/1</a:t>
+              <a:t>2021/8/14</a:t>
             </a:fld>
             <a:endParaRPr lang="zh-CN" altLang="en-US"/>
           </a:p>
@@ -1102,7 +1046,7 @@
           <a:p>
             <a:fld id="{DCD554A7-7CC4-40A9-A60E-4E72AAE3CDC5}" type="datetimeFigureOut">
               <a:rPr lang="zh-CN" altLang="en-US" smtClean="0"/>
-              <a:t>2021/8/1</a:t>
+              <a:t>2021/8/14</a:t>
             </a:fld>
             <a:endParaRPr lang="zh-CN" altLang="en-US"/>
           </a:p>
@@ -1310,7 +1254,7 @@
           <a:p>
             <a:fld id="{DCD554A7-7CC4-40A9-A60E-4E72AAE3CDC5}" type="datetimeFigureOut">
               <a:rPr lang="zh-CN" altLang="en-US" smtClean="0"/>
-              <a:t>2021/8/1</a:t>
+              <a:t>2021/8/14</a:t>
             </a:fld>
             <a:endParaRPr lang="zh-CN" altLang="en-US"/>
           </a:p>
@@ -1585,7 +1529,7 @@
           <a:p>
             <a:fld id="{DCD554A7-7CC4-40A9-A60E-4E72AAE3CDC5}" type="datetimeFigureOut">
               <a:rPr lang="zh-CN" altLang="en-US" smtClean="0"/>
-              <a:t>2021/8/1</a:t>
+              <a:t>2021/8/14</a:t>
             </a:fld>
             <a:endParaRPr lang="zh-CN" altLang="en-US"/>
           </a:p>
@@ -1852,7 +1796,7 @@
           <a:p>
             <a:fld id="{DCD554A7-7CC4-40A9-A60E-4E72AAE3CDC5}" type="datetimeFigureOut">
               <a:rPr lang="zh-CN" altLang="en-US" smtClean="0"/>
-              <a:t>2021/8/1</a:t>
+              <a:t>2021/8/14</a:t>
             </a:fld>
             <a:endParaRPr lang="zh-CN" altLang="en-US"/>
           </a:p>
@@ -2255,7 +2199,7 @@
           <a:p>
             <a:fld id="{DCD554A7-7CC4-40A9-A60E-4E72AAE3CDC5}" type="datetimeFigureOut">
               <a:rPr lang="zh-CN" altLang="en-US" smtClean="0"/>
-              <a:t>2021/8/1</a:t>
+              <a:t>2021/8/14</a:t>
             </a:fld>
             <a:endParaRPr lang="zh-CN" altLang="en-US"/>
           </a:p>
@@ -2404,7 +2348,7 @@
           <a:p>
             <a:fld id="{DCD554A7-7CC4-40A9-A60E-4E72AAE3CDC5}" type="datetimeFigureOut">
               <a:rPr lang="zh-CN" altLang="en-US" smtClean="0"/>
-              <a:t>2021/8/1</a:t>
+              <a:t>2021/8/14</a:t>
             </a:fld>
             <a:endParaRPr lang="zh-CN" altLang="en-US"/>
           </a:p>
@@ -2523,7 +2467,7 @@
           <a:p>
             <a:fld id="{DCD554A7-7CC4-40A9-A60E-4E72AAE3CDC5}" type="datetimeFigureOut">
               <a:rPr lang="zh-CN" altLang="en-US" smtClean="0"/>
-              <a:t>2021/8/1</a:t>
+              <a:t>2021/8/14</a:t>
             </a:fld>
             <a:endParaRPr lang="zh-CN" altLang="en-US"/>
           </a:p>
@@ -2831,7 +2775,7 @@
           <a:p>
             <a:fld id="{DCD554A7-7CC4-40A9-A60E-4E72AAE3CDC5}" type="datetimeFigureOut">
               <a:rPr lang="zh-CN" altLang="en-US" smtClean="0"/>
-              <a:t>2021/8/1</a:t>
+              <a:t>2021/8/14</a:t>
             </a:fld>
             <a:endParaRPr lang="zh-CN" altLang="en-US"/>
           </a:p>
@@ -3116,7 +3060,7 @@
           <a:p>
             <a:fld id="{DCD554A7-7CC4-40A9-A60E-4E72AAE3CDC5}" type="datetimeFigureOut">
               <a:rPr lang="zh-CN" altLang="en-US" smtClean="0"/>
-              <a:t>2021/8/1</a:t>
+              <a:t>2021/8/14</a:t>
             </a:fld>
             <a:endParaRPr lang="zh-CN" altLang="en-US"/>
           </a:p>
@@ -7424,46 +7368,185 @@
       </p:grpSpPr>
       <p:sp>
         <p:nvSpPr>
-          <p:cNvPr id="2" name="文本框 1">
-            <a:extLst>
-              <a:ext uri="{FF2B5EF4-FFF2-40B4-BE49-F238E27FC236}">
-                <a16:creationId xmlns:a16="http://schemas.microsoft.com/office/drawing/2014/main" id="{CD1F9D14-F62E-5B42-A50D-342D6B98A3F2}"/>
-              </a:ext>
-            </a:extLst>
-          </p:cNvPr>
-          <p:cNvSpPr txBox="1"/>
+          <p:cNvPr id="4" name="矩形 3"/>
+          <p:cNvSpPr/>
           <p:nvPr/>
         </p:nvSpPr>
         <p:spPr>
           <a:xfrm>
-            <a:off x="-34390" y="814192"/>
-            <a:ext cx="5109091" cy="1569660"/>
-          </a:xfrm>
-          <a:prstGeom prst="rect">
-            <a:avLst/>
-          </a:prstGeom>
-          <a:noFill/>
-        </p:spPr>
-        <p:txBody>
-          <a:bodyPr wrap="none" rtlCol="0">
+            <a:off x="484188" y="603874"/>
+            <a:ext cx="3463926" cy="2574423"/>
+          </a:xfrm>
+          <a:prstGeom prst="rect">
+            <a:avLst/>
+          </a:prstGeom>
+        </p:spPr>
+        <p:txBody>
+          <a:bodyPr wrap="square">
             <a:spAutoFit/>
           </a:bodyPr>
           <a:lstStyle/>
           <a:p>
-            <a:r>
-              <a:rPr kumimoji="1" lang="zh-CN" altLang="en-US" sz="9600" dirty="0">
-                <a:latin typeface="SimHei" panose="02010609060101010101" pitchFamily="49" charset="-122"/>
-                <a:ea typeface="SimHei" panose="02010609060101010101" pitchFamily="49" charset="-122"/>
-              </a:rPr>
-              <a:t>技术插图</a:t>
-            </a:r>
-          </a:p>
-        </p:txBody>
-      </p:sp>
+            <a:pPr algn="ctr"/>
+            <a:r>
+              <a:rPr lang="zh-CN" altLang="en-US" sz="1400" dirty="0"/>
+              <a:t>画图说明</a:t>
+            </a:r>
+            <a:endParaRPr lang="en-US" altLang="zh-CN" sz="1400" dirty="0"/>
+          </a:p>
+          <a:p>
+            <a:pPr algn="ctr"/>
+            <a:endParaRPr lang="en-US" altLang="zh-CN" sz="1400" dirty="0"/>
+          </a:p>
+          <a:p>
+            <a:pPr marL="171442" indent="-171442">
+              <a:buFont typeface="Arial" panose="020B0604020202020204" pitchFamily="34" charset="0"/>
+              <a:buChar char="•"/>
+            </a:pPr>
+            <a:r>
+              <a:rPr lang="en-US" altLang="zh-CN" dirty="0"/>
+              <a:t>PPT</a:t>
+            </a:r>
+            <a:r>
+              <a:rPr lang="zh-CN" altLang="en-US" dirty="0"/>
+              <a:t>文档的尺寸已改为</a:t>
+            </a:r>
+            <a:r>
+              <a:rPr lang="en-US" altLang="zh-CN" dirty="0"/>
+              <a:t>14mm×10mm</a:t>
+            </a:r>
+            <a:r>
+              <a:rPr lang="zh-CN" altLang="en-US" dirty="0"/>
+              <a:t>，插图在这个范围内绘制，大小就是标准的，排版时不用再进行缩放。可以保证图上线条的粗细和文字大小是一致的。</a:t>
+            </a:r>
+            <a:endParaRPr lang="en-US" altLang="zh-CN" dirty="0"/>
+          </a:p>
+          <a:p>
+            <a:pPr marL="171442" indent="-171442">
+              <a:buFont typeface="Arial" panose="020B0604020202020204" pitchFamily="34" charset="0"/>
+              <a:buChar char="•"/>
+            </a:pPr>
+            <a:r>
+              <a:rPr lang="zh-CN" altLang="en-US" dirty="0"/>
+              <a:t>线条的线型请使用 1 磅，过粗和过细的印刷效果都不好。</a:t>
+            </a:r>
+            <a:endParaRPr lang="en-US" altLang="zh-CN" dirty="0"/>
+          </a:p>
+          <a:p>
+            <a:pPr marL="171442" indent="-171442">
+              <a:buFont typeface="Arial" panose="020B0604020202020204" pitchFamily="34" charset="0"/>
+              <a:buChar char="•"/>
+            </a:pPr>
+            <a:r>
+              <a:rPr lang="zh-CN" altLang="en-US" dirty="0"/>
+              <a:t>箭头请设置为右图中格式。</a:t>
+            </a:r>
+            <a:endParaRPr lang="en-US" altLang="zh-CN" dirty="0"/>
+          </a:p>
+          <a:p>
+            <a:pPr marL="171442" indent="-171442">
+              <a:buFont typeface="Arial" panose="020B0604020202020204" pitchFamily="34" charset="0"/>
+              <a:buChar char="•"/>
+            </a:pPr>
+            <a:r>
+              <a:rPr lang="zh-CN" altLang="en-US" dirty="0"/>
+              <a:t>所有字体，设置为中文黑体，英文为</a:t>
+            </a:r>
+            <a:r>
+              <a:rPr lang="en-US" altLang="zh-CN" dirty="0"/>
+              <a:t>Times New Roman</a:t>
+            </a:r>
+            <a:r>
+              <a:rPr lang="zh-CN" altLang="en-US" dirty="0"/>
+              <a:t>，全部</a:t>
+            </a:r>
+            <a:r>
+              <a:rPr lang="en-US" altLang="zh-CN" dirty="0"/>
+              <a:t>9</a:t>
+            </a:r>
+            <a:r>
+              <a:rPr lang="zh-CN" altLang="en-US" dirty="0"/>
+              <a:t>号字。</a:t>
+            </a:r>
+            <a:endParaRPr lang="en-US" altLang="zh-CN" dirty="0"/>
+          </a:p>
+          <a:p>
+            <a:pPr marL="171442" indent="-171442">
+              <a:buFont typeface="Arial" panose="020B0604020202020204" pitchFamily="34" charset="0"/>
+              <a:buChar char="•"/>
+            </a:pPr>
+            <a:r>
+              <a:rPr lang="zh-CN" altLang="en-US" dirty="0"/>
+              <a:t>注意字体的加粗是有规范的，只有张量需要用加粗，例如矩阵和向量。其他字体请不要加粗</a:t>
+            </a:r>
+            <a:endParaRPr lang="en-US" altLang="zh-CN" dirty="0"/>
+          </a:p>
+          <a:p>
+            <a:pPr marL="171442" indent="-171442">
+              <a:buFont typeface="Arial" panose="020B0604020202020204" pitchFamily="34" charset="0"/>
+              <a:buChar char="•"/>
+            </a:pPr>
+            <a:r>
+              <a:rPr lang="zh-CN" altLang="en-US" dirty="0"/>
+              <a:t>凡是需要填充颜色的区域，请设置为无轮廓，也就是去掉四周的轮廓线。</a:t>
+            </a:r>
+            <a:endParaRPr lang="en-US" altLang="zh-CN" dirty="0"/>
+          </a:p>
+          <a:p>
+            <a:pPr marL="171442" indent="-171442">
+              <a:buFont typeface="Arial" panose="020B0604020202020204" pitchFamily="34" charset="0"/>
+              <a:buChar char="•"/>
+            </a:pPr>
+            <a:r>
+              <a:rPr lang="zh-CN" altLang="en-US" dirty="0"/>
+              <a:t>变量的字母为斜体，对应的数字为下角。</a:t>
+            </a:r>
+            <a:endParaRPr lang="en-US" altLang="zh-CN" dirty="0"/>
+          </a:p>
+          <a:p>
+            <a:pPr marL="171442" indent="-171442">
+              <a:buFont typeface="Arial" panose="020B0604020202020204" pitchFamily="34" charset="0"/>
+              <a:buChar char="•"/>
+            </a:pPr>
+            <a:r>
+              <a:rPr lang="zh-CN" altLang="en-US" dirty="0"/>
+              <a:t>注意背景图不能有参考线，需要是纯色的白底。</a:t>
+            </a:r>
+            <a:endParaRPr lang="en-US" altLang="zh-CN" dirty="0"/>
+          </a:p>
+          <a:p>
+            <a:endParaRPr lang="zh-CN" altLang="en-US" dirty="0"/>
+          </a:p>
+        </p:txBody>
+      </p:sp>
+      <p:pic>
+        <p:nvPicPr>
+          <p:cNvPr id="5" name="图片 4"/>
+          <p:cNvPicPr>
+            <a:picLocks noChangeAspect="1"/>
+          </p:cNvPicPr>
+          <p:nvPr/>
+        </p:nvPicPr>
+        <p:blipFill>
+          <a:blip r:embed="rId2"/>
+          <a:stretch>
+            <a:fillRect/>
+          </a:stretch>
+        </p:blipFill>
+        <p:spPr>
+          <a:xfrm>
+            <a:off x="3370001" y="141144"/>
+            <a:ext cx="1299100" cy="925465"/>
+          </a:xfrm>
+          <a:prstGeom prst="rect">
+            <a:avLst/>
+          </a:prstGeom>
+        </p:spPr>
+      </p:pic>
     </p:spTree>
     <p:extLst>
       <p:ext uri="{BB962C8B-B14F-4D97-AF65-F5344CB8AC3E}">
-        <p14:creationId xmlns:p14="http://schemas.microsoft.com/office/powerpoint/2010/main" val="2951951201"/>
+        <p14:creationId xmlns:p14="http://schemas.microsoft.com/office/powerpoint/2010/main" val="3501574137"/>
       </p:ext>
     </p:extLst>
   </p:cSld>
@@ -7490,396 +7573,6 @@
           <a:chExt cx="0" cy="0"/>
         </a:xfrm>
       </p:grpSpPr>
-      <p:sp>
-        <p:nvSpPr>
-          <p:cNvPr id="4" name="矩形 3"/>
-          <p:cNvSpPr/>
-          <p:nvPr/>
-        </p:nvSpPr>
-        <p:spPr>
-          <a:xfrm>
-            <a:off x="484188" y="603874"/>
-            <a:ext cx="3463926" cy="2574423"/>
-          </a:xfrm>
-          <a:prstGeom prst="rect">
-            <a:avLst/>
-          </a:prstGeom>
-        </p:spPr>
-        <p:txBody>
-          <a:bodyPr wrap="square">
-            <a:spAutoFit/>
-          </a:bodyPr>
-          <a:lstStyle/>
-          <a:p>
-            <a:pPr algn="ctr"/>
-            <a:r>
-              <a:rPr lang="zh-CN" altLang="en-US" sz="1400" dirty="0"/>
-              <a:t>画图说明</a:t>
-            </a:r>
-            <a:endParaRPr lang="en-US" altLang="zh-CN" sz="1400" dirty="0"/>
-          </a:p>
-          <a:p>
-            <a:pPr algn="ctr"/>
-            <a:endParaRPr lang="en-US" altLang="zh-CN" sz="1400" dirty="0"/>
-          </a:p>
-          <a:p>
-            <a:pPr marL="171442" indent="-171442">
-              <a:buFont typeface="Arial" panose="020B0604020202020204" pitchFamily="34" charset="0"/>
-              <a:buChar char="•"/>
-            </a:pPr>
-            <a:r>
-              <a:rPr lang="en-US" altLang="zh-CN" dirty="0"/>
-              <a:t>PPT</a:t>
-            </a:r>
-            <a:r>
-              <a:rPr lang="zh-CN" altLang="en-US" dirty="0"/>
-              <a:t>文档的尺寸已改为</a:t>
-            </a:r>
-            <a:r>
-              <a:rPr lang="en-US" altLang="zh-CN" dirty="0"/>
-              <a:t>14mm×10mm</a:t>
-            </a:r>
-            <a:r>
-              <a:rPr lang="zh-CN" altLang="en-US" dirty="0"/>
-              <a:t>，插图在这个范围内绘制，大小就是标准的，排版时不用再进行缩放。可以保证图上线条的粗细和文字大小是一致的。</a:t>
-            </a:r>
-            <a:endParaRPr lang="en-US" altLang="zh-CN" dirty="0"/>
-          </a:p>
-          <a:p>
-            <a:pPr marL="171442" indent="-171442">
-              <a:buFont typeface="Arial" panose="020B0604020202020204" pitchFamily="34" charset="0"/>
-              <a:buChar char="•"/>
-            </a:pPr>
-            <a:r>
-              <a:rPr lang="zh-CN" altLang="en-US" dirty="0"/>
-              <a:t>线条的线型请使用 1 磅，过粗和过细的印刷效果都不好。</a:t>
-            </a:r>
-            <a:endParaRPr lang="en-US" altLang="zh-CN" dirty="0"/>
-          </a:p>
-          <a:p>
-            <a:pPr marL="171442" indent="-171442">
-              <a:buFont typeface="Arial" panose="020B0604020202020204" pitchFamily="34" charset="0"/>
-              <a:buChar char="•"/>
-            </a:pPr>
-            <a:r>
-              <a:rPr lang="zh-CN" altLang="en-US" dirty="0"/>
-              <a:t>箭头请设置为右图中格式。</a:t>
-            </a:r>
-            <a:endParaRPr lang="en-US" altLang="zh-CN" dirty="0"/>
-          </a:p>
-          <a:p>
-            <a:pPr marL="171442" indent="-171442">
-              <a:buFont typeface="Arial" panose="020B0604020202020204" pitchFamily="34" charset="0"/>
-              <a:buChar char="•"/>
-            </a:pPr>
-            <a:r>
-              <a:rPr lang="zh-CN" altLang="en-US" dirty="0"/>
-              <a:t>所有字体，设置为中文黑体，英文为</a:t>
-            </a:r>
-            <a:r>
-              <a:rPr lang="en-US" altLang="zh-CN" dirty="0"/>
-              <a:t>Times New Roman</a:t>
-            </a:r>
-            <a:r>
-              <a:rPr lang="zh-CN" altLang="en-US" dirty="0"/>
-              <a:t>，全部</a:t>
-            </a:r>
-            <a:r>
-              <a:rPr lang="en-US" altLang="zh-CN" dirty="0"/>
-              <a:t>9</a:t>
-            </a:r>
-            <a:r>
-              <a:rPr lang="zh-CN" altLang="en-US" dirty="0"/>
-              <a:t>号字。</a:t>
-            </a:r>
-            <a:endParaRPr lang="en-US" altLang="zh-CN" dirty="0"/>
-          </a:p>
-          <a:p>
-            <a:pPr marL="171442" indent="-171442">
-              <a:buFont typeface="Arial" panose="020B0604020202020204" pitchFamily="34" charset="0"/>
-              <a:buChar char="•"/>
-            </a:pPr>
-            <a:r>
-              <a:rPr lang="zh-CN" altLang="en-US" dirty="0"/>
-              <a:t>注意字体的加粗是有规范的，只有张量需要用加粗，例如矩阵和向量。其他字体请不要加粗</a:t>
-            </a:r>
-            <a:endParaRPr lang="en-US" altLang="zh-CN" dirty="0"/>
-          </a:p>
-          <a:p>
-            <a:pPr marL="171442" indent="-171442">
-              <a:buFont typeface="Arial" panose="020B0604020202020204" pitchFamily="34" charset="0"/>
-              <a:buChar char="•"/>
-            </a:pPr>
-            <a:r>
-              <a:rPr lang="zh-CN" altLang="en-US" dirty="0"/>
-              <a:t>凡是需要填充颜色的区域，请设置为无轮廓，也就是去掉四周的轮廓线。</a:t>
-            </a:r>
-            <a:endParaRPr lang="en-US" altLang="zh-CN" dirty="0"/>
-          </a:p>
-          <a:p>
-            <a:pPr marL="171442" indent="-171442">
-              <a:buFont typeface="Arial" panose="020B0604020202020204" pitchFamily="34" charset="0"/>
-              <a:buChar char="•"/>
-            </a:pPr>
-            <a:r>
-              <a:rPr lang="zh-CN" altLang="en-US" dirty="0"/>
-              <a:t>变量的字母为斜体，对应的数字为下角。</a:t>
-            </a:r>
-            <a:endParaRPr lang="en-US" altLang="zh-CN" dirty="0"/>
-          </a:p>
-          <a:p>
-            <a:pPr marL="171442" indent="-171442">
-              <a:buFont typeface="Arial" panose="020B0604020202020204" pitchFamily="34" charset="0"/>
-              <a:buChar char="•"/>
-            </a:pPr>
-            <a:r>
-              <a:rPr lang="zh-CN" altLang="en-US" dirty="0"/>
-              <a:t>注意背景图不能有参考线，需要是纯色的白底。</a:t>
-            </a:r>
-            <a:endParaRPr lang="en-US" altLang="zh-CN" dirty="0"/>
-          </a:p>
-          <a:p>
-            <a:endParaRPr lang="zh-CN" altLang="en-US" dirty="0"/>
-          </a:p>
-        </p:txBody>
-      </p:sp>
-      <p:pic>
-        <p:nvPicPr>
-          <p:cNvPr id="5" name="图片 4"/>
-          <p:cNvPicPr>
-            <a:picLocks noChangeAspect="1"/>
-          </p:cNvPicPr>
-          <p:nvPr/>
-        </p:nvPicPr>
-        <p:blipFill>
-          <a:blip r:embed="rId2"/>
-          <a:stretch>
-            <a:fillRect/>
-          </a:stretch>
-        </p:blipFill>
-        <p:spPr>
-          <a:xfrm>
-            <a:off x="3370001" y="141144"/>
-            <a:ext cx="1299100" cy="925465"/>
-          </a:xfrm>
-          <a:prstGeom prst="rect">
-            <a:avLst/>
-          </a:prstGeom>
-        </p:spPr>
-      </p:pic>
-    </p:spTree>
-    <p:extLst>
-      <p:ext uri="{BB962C8B-B14F-4D97-AF65-F5344CB8AC3E}">
-        <p14:creationId xmlns:p14="http://schemas.microsoft.com/office/powerpoint/2010/main" val="3501574137"/>
-      </p:ext>
-    </p:extLst>
-  </p:cSld>
-  <p:clrMapOvr>
-    <a:masterClrMapping/>
-  </p:clrMapOvr>
-</p:sld>
-</file>
-
-<file path=ppt/slides/slide3.xml><?xml version="1.0" encoding="utf-8"?>
-<p:sld xmlns:a="http://schemas.openxmlformats.org/drawingml/2006/main" xmlns:r="http://schemas.openxmlformats.org/officeDocument/2006/relationships" xmlns:p="http://schemas.openxmlformats.org/presentationml/2006/main">
-  <p:cSld>
-    <p:spTree>
-      <p:nvGrpSpPr>
-        <p:cNvPr id="1" name=""/>
-        <p:cNvGrpSpPr/>
-        <p:nvPr/>
-      </p:nvGrpSpPr>
-      <p:grpSpPr>
-        <a:xfrm>
-          <a:off x="0" y="0"/>
-          <a:ext cx="0" cy="0"/>
-          <a:chOff x="0" y="0"/>
-          <a:chExt cx="0" cy="0"/>
-        </a:xfrm>
-      </p:grpSpPr>
-      <p:sp>
-        <p:nvSpPr>
-          <p:cNvPr id="3" name="上弧形箭头 2">
-            <a:extLst>
-              <a:ext uri="{FF2B5EF4-FFF2-40B4-BE49-F238E27FC236}">
-                <a16:creationId xmlns:a16="http://schemas.microsoft.com/office/drawing/2014/main" id="{6F33ABC3-4408-0544-83FB-BF757A495CF5}"/>
-              </a:ext>
-            </a:extLst>
-          </p:cNvPr>
-          <p:cNvSpPr/>
-          <p:nvPr/>
-        </p:nvSpPr>
-        <p:spPr>
-          <a:xfrm rot="8482118" flipH="1">
-            <a:off x="2153976" y="1846254"/>
-            <a:ext cx="860781" cy="431256"/>
-          </a:xfrm>
-          <a:prstGeom prst="curvedUpArrow">
-            <a:avLst>
-              <a:gd name="adj1" fmla="val 5701"/>
-              <a:gd name="adj2" fmla="val 36851"/>
-              <a:gd name="adj3" fmla="val 61349"/>
-            </a:avLst>
-          </a:prstGeom>
-          <a:solidFill>
-            <a:srgbClr val="FF0000"/>
-          </a:solidFill>
-          <a:ln>
-            <a:noFill/>
-          </a:ln>
-        </p:spPr>
-        <p:style>
-          <a:lnRef idx="2">
-            <a:schemeClr val="accent1">
-              <a:shade val="50000"/>
-            </a:schemeClr>
-          </a:lnRef>
-          <a:fillRef idx="1">
-            <a:schemeClr val="accent1"/>
-          </a:fillRef>
-          <a:effectRef idx="0">
-            <a:schemeClr val="accent1"/>
-          </a:effectRef>
-          <a:fontRef idx="minor">
-            <a:schemeClr val="lt1"/>
-          </a:fontRef>
-        </p:style>
-        <p:txBody>
-          <a:bodyPr rtlCol="0" anchor="ctr"/>
-          <a:lstStyle/>
-          <a:p>
-            <a:pPr algn="ctr"/>
-            <a:endParaRPr kumimoji="1" lang="zh-CN" altLang="en-US">
-              <a:solidFill>
-                <a:srgbClr val="FF0000"/>
-              </a:solidFill>
-            </a:endParaRPr>
-          </a:p>
-        </p:txBody>
-      </p:sp>
-      <p:grpSp>
-        <p:nvGrpSpPr>
-          <p:cNvPr id="6" name="组合 5">
-            <a:extLst>
-              <a:ext uri="{FF2B5EF4-FFF2-40B4-BE49-F238E27FC236}">
-                <a16:creationId xmlns:a16="http://schemas.microsoft.com/office/drawing/2014/main" id="{3C4E626E-4720-C248-9EB5-8A4D80C7F576}"/>
-              </a:ext>
-            </a:extLst>
-          </p:cNvPr>
-          <p:cNvGrpSpPr/>
-          <p:nvPr/>
-        </p:nvGrpSpPr>
-        <p:grpSpPr>
-          <a:xfrm>
-            <a:off x="431768" y="295294"/>
-            <a:ext cx="1315440" cy="1124640"/>
-            <a:chOff x="431768" y="295294"/>
-            <a:chExt cx="1315440" cy="1124640"/>
-          </a:xfrm>
-        </p:grpSpPr>
-        <mc:AlternateContent xmlns:mc="http://schemas.openxmlformats.org/markup-compatibility/2006">
-          <mc:Choice xmlns:p14="http://schemas.microsoft.com/office/powerpoint/2010/main" Requires="p14">
-            <p:contentPart p14:bwMode="auto" r:id="rId2">
-              <p14:nvContentPartPr>
-                <p14:cNvPr id="4" name="墨迹 3">
-                  <a:extLst>
-                    <a:ext uri="{FF2B5EF4-FFF2-40B4-BE49-F238E27FC236}">
-                      <a16:creationId xmlns:a16="http://schemas.microsoft.com/office/drawing/2014/main" id="{A71BC027-FC6D-5947-9A8D-F23F7A56AC23}"/>
-                    </a:ext>
-                  </a:extLst>
-                </p14:cNvPr>
-                <p14:cNvContentPartPr/>
-                <p14:nvPr/>
-              </p14:nvContentPartPr>
-              <p14:xfrm>
-                <a:off x="431768" y="724774"/>
-                <a:ext cx="620280" cy="448200"/>
-              </p14:xfrm>
-            </p:contentPart>
-          </mc:Choice>
-          <mc:Fallback>
-            <p:pic>
-              <p:nvPicPr>
-                <p:cNvPr id="4" name="墨迹 3">
-                  <a:extLst>
-                    <a:ext uri="{FF2B5EF4-FFF2-40B4-BE49-F238E27FC236}">
-                      <a16:creationId xmlns:a16="http://schemas.microsoft.com/office/drawing/2014/main" id="{A71BC027-FC6D-5947-9A8D-F23F7A56AC23}"/>
-                    </a:ext>
-                  </a:extLst>
-                </p:cNvPr>
-                <p:cNvPicPr/>
-                <p:nvPr/>
-              </p:nvPicPr>
-              <p:blipFill>
-                <a:blip r:embed="rId3"/>
-                <a:stretch>
-                  <a:fillRect/>
-                </a:stretch>
-              </p:blipFill>
-              <p:spPr>
-                <a:xfrm>
-                  <a:off x="422768" y="716134"/>
-                  <a:ext cx="637920" cy="465840"/>
-                </a:xfrm>
-                <a:prstGeom prst="rect">
-                  <a:avLst/>
-                </a:prstGeom>
-              </p:spPr>
-            </p:pic>
-          </mc:Fallback>
-        </mc:AlternateContent>
-        <mc:AlternateContent xmlns:mc="http://schemas.openxmlformats.org/markup-compatibility/2006">
-          <mc:Choice xmlns:p14="http://schemas.microsoft.com/office/powerpoint/2010/main" Requires="p14">
-            <p:contentPart p14:bwMode="auto" r:id="rId4">
-              <p14:nvContentPartPr>
-                <p14:cNvPr id="5" name="墨迹 4">
-                  <a:extLst>
-                    <a:ext uri="{FF2B5EF4-FFF2-40B4-BE49-F238E27FC236}">
-                      <a16:creationId xmlns:a16="http://schemas.microsoft.com/office/drawing/2014/main" id="{7D5C07FE-257A-1B42-A231-23B62A071A45}"/>
-                    </a:ext>
-                  </a:extLst>
-                </p14:cNvPr>
-                <p14:cNvContentPartPr/>
-                <p14:nvPr/>
-              </p14:nvContentPartPr>
-              <p14:xfrm>
-                <a:off x="438968" y="295294"/>
-                <a:ext cx="1308240" cy="1124640"/>
-              </p14:xfrm>
-            </p:contentPart>
-          </mc:Choice>
-          <mc:Fallback>
-            <p:pic>
-              <p:nvPicPr>
-                <p:cNvPr id="5" name="墨迹 4">
-                  <a:extLst>
-                    <a:ext uri="{FF2B5EF4-FFF2-40B4-BE49-F238E27FC236}">
-                      <a16:creationId xmlns:a16="http://schemas.microsoft.com/office/drawing/2014/main" id="{7D5C07FE-257A-1B42-A231-23B62A071A45}"/>
-                    </a:ext>
-                  </a:extLst>
-                </p:cNvPr>
-                <p:cNvPicPr/>
-                <p:nvPr/>
-              </p:nvPicPr>
-              <p:blipFill>
-                <a:blip r:embed="rId5"/>
-                <a:stretch>
-                  <a:fillRect/>
-                </a:stretch>
-              </p:blipFill>
-              <p:spPr>
-                <a:xfrm>
-                  <a:off x="429968" y="286294"/>
-                  <a:ext cx="1325880" cy="1142280"/>
-                </a:xfrm>
-                <a:prstGeom prst="rect">
-                  <a:avLst/>
-                </a:prstGeom>
-              </p:spPr>
-            </p:pic>
-          </mc:Fallback>
-        </mc:AlternateContent>
-      </p:grpSp>
     </p:spTree>
     <p:extLst>
       <p:ext uri="{BB962C8B-B14F-4D97-AF65-F5344CB8AC3E}">

--- a/doc/assets/ppt/系统设计.pptx
+++ b/doc/assets/ppt/系统设计.pptx
@@ -5,11 +5,12 @@
     <p:sldMasterId id="2147483648" r:id="rId1"/>
   </p:sldMasterIdLst>
   <p:notesMasterIdLst>
-    <p:notesMasterId r:id="rId4"/>
+    <p:notesMasterId r:id="rId5"/>
   </p:notesMasterIdLst>
   <p:sldIdLst>
     <p:sldId id="287" r:id="rId2"/>
     <p:sldId id="288" r:id="rId3"/>
+    <p:sldId id="289" r:id="rId4"/>
   </p:sldIdLst>
   <p:sldSz cx="5040313" cy="3600450"/>
   <p:notesSz cx="6858000" cy="9144000"/>
@@ -115,6 +116,7 @@
           <p14:sldIdLst>
             <p14:sldId id="287"/>
             <p14:sldId id="288"/>
+            <p14:sldId id="289"/>
           </p14:sldIdLst>
         </p14:section>
       </p14:sectionLst>
@@ -220,7 +222,7 @@
           <a:p>
             <a:fld id="{E47FC481-15AF-45CA-8376-B9BCE636A15E}" type="datetimeFigureOut">
               <a:rPr lang="zh-CN" altLang="en-US" smtClean="0"/>
-              <a:t>2021/8/14</a:t>
+              <a:t>2021/8/22</a:t>
             </a:fld>
             <a:endParaRPr lang="zh-CN" altLang="en-US"/>
           </a:p>
@@ -630,7 +632,7 @@
           <a:p>
             <a:fld id="{DCD554A7-7CC4-40A9-A60E-4E72AAE3CDC5}" type="datetimeFigureOut">
               <a:rPr lang="zh-CN" altLang="en-US" smtClean="0"/>
-              <a:t>2021/8/14</a:t>
+              <a:t>2021/8/22</a:t>
             </a:fld>
             <a:endParaRPr lang="zh-CN" altLang="en-US"/>
           </a:p>
@@ -838,7 +840,7 @@
           <a:p>
             <a:fld id="{DCD554A7-7CC4-40A9-A60E-4E72AAE3CDC5}" type="datetimeFigureOut">
               <a:rPr lang="zh-CN" altLang="en-US" smtClean="0"/>
-              <a:t>2021/8/14</a:t>
+              <a:t>2021/8/22</a:t>
             </a:fld>
             <a:endParaRPr lang="zh-CN" altLang="en-US"/>
           </a:p>
@@ -1046,7 +1048,7 @@
           <a:p>
             <a:fld id="{DCD554A7-7CC4-40A9-A60E-4E72AAE3CDC5}" type="datetimeFigureOut">
               <a:rPr lang="zh-CN" altLang="en-US" smtClean="0"/>
-              <a:t>2021/8/14</a:t>
+              <a:t>2021/8/22</a:t>
             </a:fld>
             <a:endParaRPr lang="zh-CN" altLang="en-US"/>
           </a:p>
@@ -1254,7 +1256,7 @@
           <a:p>
             <a:fld id="{DCD554A7-7CC4-40A9-A60E-4E72AAE3CDC5}" type="datetimeFigureOut">
               <a:rPr lang="zh-CN" altLang="en-US" smtClean="0"/>
-              <a:t>2021/8/14</a:t>
+              <a:t>2021/8/22</a:t>
             </a:fld>
             <a:endParaRPr lang="zh-CN" altLang="en-US"/>
           </a:p>
@@ -1529,7 +1531,7 @@
           <a:p>
             <a:fld id="{DCD554A7-7CC4-40A9-A60E-4E72AAE3CDC5}" type="datetimeFigureOut">
               <a:rPr lang="zh-CN" altLang="en-US" smtClean="0"/>
-              <a:t>2021/8/14</a:t>
+              <a:t>2021/8/22</a:t>
             </a:fld>
             <a:endParaRPr lang="zh-CN" altLang="en-US"/>
           </a:p>
@@ -1796,7 +1798,7 @@
           <a:p>
             <a:fld id="{DCD554A7-7CC4-40A9-A60E-4E72AAE3CDC5}" type="datetimeFigureOut">
               <a:rPr lang="zh-CN" altLang="en-US" smtClean="0"/>
-              <a:t>2021/8/14</a:t>
+              <a:t>2021/8/22</a:t>
             </a:fld>
             <a:endParaRPr lang="zh-CN" altLang="en-US"/>
           </a:p>
@@ -2199,7 +2201,7 @@
           <a:p>
             <a:fld id="{DCD554A7-7CC4-40A9-A60E-4E72AAE3CDC5}" type="datetimeFigureOut">
               <a:rPr lang="zh-CN" altLang="en-US" smtClean="0"/>
-              <a:t>2021/8/14</a:t>
+              <a:t>2021/8/22</a:t>
             </a:fld>
             <a:endParaRPr lang="zh-CN" altLang="en-US"/>
           </a:p>
@@ -2348,7 +2350,7 @@
           <a:p>
             <a:fld id="{DCD554A7-7CC4-40A9-A60E-4E72AAE3CDC5}" type="datetimeFigureOut">
               <a:rPr lang="zh-CN" altLang="en-US" smtClean="0"/>
-              <a:t>2021/8/14</a:t>
+              <a:t>2021/8/22</a:t>
             </a:fld>
             <a:endParaRPr lang="zh-CN" altLang="en-US"/>
           </a:p>
@@ -2467,7 +2469,7 @@
           <a:p>
             <a:fld id="{DCD554A7-7CC4-40A9-A60E-4E72AAE3CDC5}" type="datetimeFigureOut">
               <a:rPr lang="zh-CN" altLang="en-US" smtClean="0"/>
-              <a:t>2021/8/14</a:t>
+              <a:t>2021/8/22</a:t>
             </a:fld>
             <a:endParaRPr lang="zh-CN" altLang="en-US"/>
           </a:p>
@@ -2775,7 +2777,7 @@
           <a:p>
             <a:fld id="{DCD554A7-7CC4-40A9-A60E-4E72AAE3CDC5}" type="datetimeFigureOut">
               <a:rPr lang="zh-CN" altLang="en-US" smtClean="0"/>
-              <a:t>2021/8/14</a:t>
+              <a:t>2021/8/22</a:t>
             </a:fld>
             <a:endParaRPr lang="zh-CN" altLang="en-US"/>
           </a:p>
@@ -3060,7 +3062,7 @@
           <a:p>
             <a:fld id="{DCD554A7-7CC4-40A9-A60E-4E72AAE3CDC5}" type="datetimeFigureOut">
               <a:rPr lang="zh-CN" altLang="en-US" smtClean="0"/>
-              <a:t>2021/8/14</a:t>
+              <a:t>2021/8/22</a:t>
             </a:fld>
             <a:endParaRPr lang="zh-CN" altLang="en-US"/>
           </a:p>
@@ -7573,10 +7575,3512 @@
           <a:chExt cx="0" cy="0"/>
         </a:xfrm>
       </p:grpSpPr>
+      <p:pic>
+        <p:nvPicPr>
+          <p:cNvPr id="3" name="图片 2">
+            <a:extLst>
+              <a:ext uri="{FF2B5EF4-FFF2-40B4-BE49-F238E27FC236}">
+                <a16:creationId xmlns:a16="http://schemas.microsoft.com/office/drawing/2014/main" id="{64BB9C28-6218-1646-817A-BBB3C63474A4}"/>
+              </a:ext>
+            </a:extLst>
+          </p:cNvPr>
+          <p:cNvPicPr>
+            <a:picLocks noChangeAspect="1"/>
+          </p:cNvPicPr>
+          <p:nvPr/>
+        </p:nvPicPr>
+        <p:blipFill>
+          <a:blip r:embed="rId2">
+            <a:extLst>
+              <a:ext uri="{28A0092B-C50C-407E-A947-70E740481C1C}">
+                <a14:useLocalDpi xmlns:a14="http://schemas.microsoft.com/office/drawing/2010/main" val="0"/>
+              </a:ext>
+            </a:extLst>
+          </a:blip>
+          <a:stretch>
+            <a:fillRect/>
+          </a:stretch>
+        </p:blipFill>
+        <p:spPr>
+          <a:xfrm>
+            <a:off x="0" y="-1"/>
+            <a:ext cx="4744579" cy="3600450"/>
+          </a:xfrm>
+          <a:prstGeom prst="rect">
+            <a:avLst/>
+          </a:prstGeom>
+        </p:spPr>
+      </p:pic>
+      <p:sp>
+        <p:nvSpPr>
+          <p:cNvPr id="4" name="椭圆 3">
+            <a:extLst>
+              <a:ext uri="{FF2B5EF4-FFF2-40B4-BE49-F238E27FC236}">
+                <a16:creationId xmlns:a16="http://schemas.microsoft.com/office/drawing/2014/main" id="{34D0E62C-0A0A-9240-885E-6B4808031DFC}"/>
+              </a:ext>
+            </a:extLst>
+          </p:cNvPr>
+          <p:cNvSpPr/>
+          <p:nvPr/>
+        </p:nvSpPr>
+        <p:spPr>
+          <a:xfrm>
+            <a:off x="1684750" y="479121"/>
+            <a:ext cx="394571" cy="165970"/>
+          </a:xfrm>
+          <a:prstGeom prst="ellipse">
+            <a:avLst/>
+          </a:prstGeom>
+          <a:noFill/>
+          <a:ln>
+            <a:solidFill>
+              <a:srgbClr val="FFFF00"/>
+            </a:solidFill>
+          </a:ln>
+        </p:spPr>
+        <p:style>
+          <a:lnRef idx="2">
+            <a:schemeClr val="accent1">
+              <a:shade val="50000"/>
+            </a:schemeClr>
+          </a:lnRef>
+          <a:fillRef idx="1">
+            <a:schemeClr val="accent1"/>
+          </a:fillRef>
+          <a:effectRef idx="0">
+            <a:schemeClr val="accent1"/>
+          </a:effectRef>
+          <a:fontRef idx="minor">
+            <a:schemeClr val="lt1"/>
+          </a:fontRef>
+        </p:style>
+        <p:txBody>
+          <a:bodyPr rtlCol="0" anchor="ctr"/>
+          <a:lstStyle/>
+          <a:p>
+            <a:pPr algn="ctr"/>
+            <a:endParaRPr kumimoji="1" lang="zh-CN" altLang="en-US">
+              <a:solidFill>
+                <a:srgbClr val="FF0000"/>
+              </a:solidFill>
+            </a:endParaRPr>
+          </a:p>
+        </p:txBody>
+      </p:sp>
+      <p:cxnSp>
+        <p:nvCxnSpPr>
+          <p:cNvPr id="5" name="直线箭头连接符 4">
+            <a:extLst>
+              <a:ext uri="{FF2B5EF4-FFF2-40B4-BE49-F238E27FC236}">
+                <a16:creationId xmlns:a16="http://schemas.microsoft.com/office/drawing/2014/main" id="{7A67C282-1645-C248-BB8D-245A95EB72C9}"/>
+              </a:ext>
+            </a:extLst>
+          </p:cNvPr>
+          <p:cNvCxnSpPr>
+            <a:cxnSpLocks/>
+            <a:stCxn id="8" idx="1"/>
+            <a:endCxn id="4" idx="6"/>
+          </p:cNvCxnSpPr>
+          <p:nvPr/>
+        </p:nvCxnSpPr>
+        <p:spPr>
+          <a:xfrm flipH="1">
+            <a:off x="2079321" y="343256"/>
+            <a:ext cx="463464" cy="218850"/>
+          </a:xfrm>
+          <a:prstGeom prst="straightConnector1">
+            <a:avLst/>
+          </a:prstGeom>
+          <a:ln>
+            <a:solidFill>
+              <a:srgbClr val="FFFF00"/>
+            </a:solidFill>
+            <a:tailEnd type="triangle"/>
+          </a:ln>
+        </p:spPr>
+        <p:style>
+          <a:lnRef idx="1">
+            <a:schemeClr val="accent1"/>
+          </a:lnRef>
+          <a:fillRef idx="0">
+            <a:schemeClr val="accent1"/>
+          </a:fillRef>
+          <a:effectRef idx="0">
+            <a:schemeClr val="accent1"/>
+          </a:effectRef>
+          <a:fontRef idx="minor">
+            <a:schemeClr val="tx1"/>
+          </a:fontRef>
+        </p:style>
+      </p:cxnSp>
+      <p:sp>
+        <p:nvSpPr>
+          <p:cNvPr id="8" name="文本框 7">
+            <a:extLst>
+              <a:ext uri="{FF2B5EF4-FFF2-40B4-BE49-F238E27FC236}">
+                <a16:creationId xmlns:a16="http://schemas.microsoft.com/office/drawing/2014/main" id="{2E927A27-1CAB-AB4B-BEE2-144D7F271CA2}"/>
+              </a:ext>
+            </a:extLst>
+          </p:cNvPr>
+          <p:cNvSpPr txBox="1"/>
+          <p:nvPr/>
+        </p:nvSpPr>
+        <p:spPr>
+          <a:xfrm>
+            <a:off x="2542785" y="223832"/>
+            <a:ext cx="914400" cy="238848"/>
+          </a:xfrm>
+          <a:prstGeom prst="rect">
+            <a:avLst/>
+          </a:prstGeom>
+          <a:noFill/>
+        </p:spPr>
+        <p:txBody>
+          <a:bodyPr wrap="square" rtlCol="0">
+            <a:spAutoFit/>
+          </a:bodyPr>
+          <a:lstStyle/>
+          <a:p>
+            <a:r>
+              <a:rPr kumimoji="1" lang="zh-CN" altLang="en-US">
+                <a:solidFill>
+                  <a:srgbClr val="FFFF00"/>
+                </a:solidFill>
+              </a:rPr>
+              <a:t>抽奖策略领域</a:t>
+            </a:r>
+          </a:p>
+        </p:txBody>
+      </p:sp>
+      <p:sp>
+        <p:nvSpPr>
+          <p:cNvPr id="11" name="圆角矩形 10">
+            <a:extLst>
+              <a:ext uri="{FF2B5EF4-FFF2-40B4-BE49-F238E27FC236}">
+                <a16:creationId xmlns:a16="http://schemas.microsoft.com/office/drawing/2014/main" id="{E35956C3-BE7D-9647-8818-777BFD51916C}"/>
+              </a:ext>
+            </a:extLst>
+          </p:cNvPr>
+          <p:cNvSpPr/>
+          <p:nvPr/>
+        </p:nvSpPr>
+        <p:spPr>
+          <a:xfrm>
+            <a:off x="576196" y="645091"/>
+            <a:ext cx="2254685" cy="751561"/>
+          </a:xfrm>
+          <a:prstGeom prst="roundRect">
+            <a:avLst>
+              <a:gd name="adj" fmla="val 5023"/>
+            </a:avLst>
+          </a:prstGeom>
+          <a:noFill/>
+          <a:ln w="6350">
+            <a:solidFill>
+              <a:schemeClr val="accent1">
+                <a:lumMod val="20000"/>
+                <a:lumOff val="80000"/>
+              </a:schemeClr>
+            </a:solidFill>
+            <a:extLst>
+              <a:ext uri="{C807C97D-BFC1-408E-A445-0C87EB9F89A2}">
+                <ask:lineSketchStyleProps xmlns:ask="http://schemas.microsoft.com/office/drawing/2018/sketchyshapes" sd="3432359896">
+                  <a:custGeom>
+                    <a:avLst/>
+                    <a:gdLst>
+                      <a:gd name="connsiteX0" fmla="*/ 0 w 2254685"/>
+                      <a:gd name="connsiteY0" fmla="*/ 37751 h 751561"/>
+                      <a:gd name="connsiteX1" fmla="*/ 37751 w 2254685"/>
+                      <a:gd name="connsiteY1" fmla="*/ 0 h 751561"/>
+                      <a:gd name="connsiteX2" fmla="*/ 582547 w 2254685"/>
+                      <a:gd name="connsiteY2" fmla="*/ 0 h 751561"/>
+                      <a:gd name="connsiteX3" fmla="*/ 1105551 w 2254685"/>
+                      <a:gd name="connsiteY3" fmla="*/ 0 h 751561"/>
+                      <a:gd name="connsiteX4" fmla="*/ 1584971 w 2254685"/>
+                      <a:gd name="connsiteY4" fmla="*/ 0 h 751561"/>
+                      <a:gd name="connsiteX5" fmla="*/ 2216934 w 2254685"/>
+                      <a:gd name="connsiteY5" fmla="*/ 0 h 751561"/>
+                      <a:gd name="connsiteX6" fmla="*/ 2254685 w 2254685"/>
+                      <a:gd name="connsiteY6" fmla="*/ 37751 h 751561"/>
+                      <a:gd name="connsiteX7" fmla="*/ 2254685 w 2254685"/>
+                      <a:gd name="connsiteY7" fmla="*/ 713810 h 751561"/>
+                      <a:gd name="connsiteX8" fmla="*/ 2216934 w 2254685"/>
+                      <a:gd name="connsiteY8" fmla="*/ 751561 h 751561"/>
+                      <a:gd name="connsiteX9" fmla="*/ 1672138 w 2254685"/>
+                      <a:gd name="connsiteY9" fmla="*/ 751561 h 751561"/>
+                      <a:gd name="connsiteX10" fmla="*/ 1127343 w 2254685"/>
+                      <a:gd name="connsiteY10" fmla="*/ 751561 h 751561"/>
+                      <a:gd name="connsiteX11" fmla="*/ 538963 w 2254685"/>
+                      <a:gd name="connsiteY11" fmla="*/ 751561 h 751561"/>
+                      <a:gd name="connsiteX12" fmla="*/ 37751 w 2254685"/>
+                      <a:gd name="connsiteY12" fmla="*/ 751561 h 751561"/>
+                      <a:gd name="connsiteX13" fmla="*/ 0 w 2254685"/>
+                      <a:gd name="connsiteY13" fmla="*/ 713810 h 751561"/>
+                      <a:gd name="connsiteX14" fmla="*/ 0 w 2254685"/>
+                      <a:gd name="connsiteY14" fmla="*/ 37751 h 751561"/>
+                    </a:gdLst>
+                    <a:ahLst/>
+                    <a:cxnLst>
+                      <a:cxn ang="0">
+                        <a:pos x="connsiteX0" y="connsiteY0"/>
+                      </a:cxn>
+                      <a:cxn ang="0">
+                        <a:pos x="connsiteX1" y="connsiteY1"/>
+                      </a:cxn>
+                      <a:cxn ang="0">
+                        <a:pos x="connsiteX2" y="connsiteY2"/>
+                      </a:cxn>
+                      <a:cxn ang="0">
+                        <a:pos x="connsiteX3" y="connsiteY3"/>
+                      </a:cxn>
+                      <a:cxn ang="0">
+                        <a:pos x="connsiteX4" y="connsiteY4"/>
+                      </a:cxn>
+                      <a:cxn ang="0">
+                        <a:pos x="connsiteX5" y="connsiteY5"/>
+                      </a:cxn>
+                      <a:cxn ang="0">
+                        <a:pos x="connsiteX6" y="connsiteY6"/>
+                      </a:cxn>
+                      <a:cxn ang="0">
+                        <a:pos x="connsiteX7" y="connsiteY7"/>
+                      </a:cxn>
+                      <a:cxn ang="0">
+                        <a:pos x="connsiteX8" y="connsiteY8"/>
+                      </a:cxn>
+                      <a:cxn ang="0">
+                        <a:pos x="connsiteX9" y="connsiteY9"/>
+                      </a:cxn>
+                      <a:cxn ang="0">
+                        <a:pos x="connsiteX10" y="connsiteY10"/>
+                      </a:cxn>
+                      <a:cxn ang="0">
+                        <a:pos x="connsiteX11" y="connsiteY11"/>
+                      </a:cxn>
+                      <a:cxn ang="0">
+                        <a:pos x="connsiteX12" y="connsiteY12"/>
+                      </a:cxn>
+                      <a:cxn ang="0">
+                        <a:pos x="connsiteX13" y="connsiteY13"/>
+                      </a:cxn>
+                      <a:cxn ang="0">
+                        <a:pos x="connsiteX14" y="connsiteY14"/>
+                      </a:cxn>
+                    </a:cxnLst>
+                    <a:rect l="l" t="t" r="r" b="b"/>
+                    <a:pathLst>
+                      <a:path w="2254685" h="751561" extrusionOk="0">
+                        <a:moveTo>
+                          <a:pt x="0" y="37751"/>
+                        </a:moveTo>
+                        <a:cubicBezTo>
+                          <a:pt x="747" y="15495"/>
+                          <a:pt x="17032" y="1599"/>
+                          <a:pt x="37751" y="0"/>
+                        </a:cubicBezTo>
+                        <a:cubicBezTo>
+                          <a:pt x="271662" y="24299"/>
+                          <a:pt x="378220" y="22882"/>
+                          <a:pt x="582547" y="0"/>
+                        </a:cubicBezTo>
+                        <a:cubicBezTo>
+                          <a:pt x="786874" y="-22882"/>
+                          <a:pt x="881521" y="-14198"/>
+                          <a:pt x="1105551" y="0"/>
+                        </a:cubicBezTo>
+                        <a:cubicBezTo>
+                          <a:pt x="1329581" y="14198"/>
+                          <a:pt x="1470170" y="-11037"/>
+                          <a:pt x="1584971" y="0"/>
+                        </a:cubicBezTo>
+                        <a:cubicBezTo>
+                          <a:pt x="1699772" y="11037"/>
+                          <a:pt x="1995933" y="-31363"/>
+                          <a:pt x="2216934" y="0"/>
+                        </a:cubicBezTo>
+                        <a:cubicBezTo>
+                          <a:pt x="2238121" y="-3349"/>
+                          <a:pt x="2250224" y="19099"/>
+                          <a:pt x="2254685" y="37751"/>
+                        </a:cubicBezTo>
+                        <a:cubicBezTo>
+                          <a:pt x="2248276" y="241810"/>
+                          <a:pt x="2285648" y="489158"/>
+                          <a:pt x="2254685" y="713810"/>
+                        </a:cubicBezTo>
+                        <a:cubicBezTo>
+                          <a:pt x="2258455" y="737041"/>
+                          <a:pt x="2240445" y="751847"/>
+                          <a:pt x="2216934" y="751561"/>
+                        </a:cubicBezTo>
+                        <a:cubicBezTo>
+                          <a:pt x="1985692" y="755573"/>
+                          <a:pt x="1905523" y="749308"/>
+                          <a:pt x="1672138" y="751561"/>
+                        </a:cubicBezTo>
+                        <a:cubicBezTo>
+                          <a:pt x="1438753" y="753814"/>
+                          <a:pt x="1375267" y="768993"/>
+                          <a:pt x="1127343" y="751561"/>
+                        </a:cubicBezTo>
+                        <a:cubicBezTo>
+                          <a:pt x="879419" y="734129"/>
+                          <a:pt x="691310" y="755441"/>
+                          <a:pt x="538963" y="751561"/>
+                        </a:cubicBezTo>
+                        <a:cubicBezTo>
+                          <a:pt x="386616" y="747681"/>
+                          <a:pt x="234461" y="742599"/>
+                          <a:pt x="37751" y="751561"/>
+                        </a:cubicBezTo>
+                        <a:cubicBezTo>
+                          <a:pt x="16476" y="749173"/>
+                          <a:pt x="-3162" y="736421"/>
+                          <a:pt x="0" y="713810"/>
+                        </a:cubicBezTo>
+                        <a:cubicBezTo>
+                          <a:pt x="15586" y="533699"/>
+                          <a:pt x="-12878" y="341947"/>
+                          <a:pt x="0" y="37751"/>
+                        </a:cubicBezTo>
+                        <a:close/>
+                      </a:path>
+                    </a:pathLst>
+                  </a:custGeom>
+                  <ask:type>
+                    <ask:lineSketchNone/>
+                  </ask:type>
+                </ask:lineSketchStyleProps>
+              </a:ext>
+            </a:extLst>
+          </a:ln>
+        </p:spPr>
+        <p:style>
+          <a:lnRef idx="2">
+            <a:schemeClr val="accent1">
+              <a:shade val="50000"/>
+            </a:schemeClr>
+          </a:lnRef>
+          <a:fillRef idx="1">
+            <a:schemeClr val="accent1"/>
+          </a:fillRef>
+          <a:effectRef idx="0">
+            <a:schemeClr val="accent1"/>
+          </a:effectRef>
+          <a:fontRef idx="minor">
+            <a:schemeClr val="lt1"/>
+          </a:fontRef>
+        </p:style>
+        <p:txBody>
+          <a:bodyPr rtlCol="0" anchor="ctr"/>
+          <a:lstStyle/>
+          <a:p>
+            <a:pPr algn="ctr"/>
+            <a:endParaRPr kumimoji="1" lang="zh-CN" altLang="en-US">
+              <a:solidFill>
+                <a:srgbClr val="FF0000"/>
+              </a:solidFill>
+            </a:endParaRPr>
+          </a:p>
+        </p:txBody>
+      </p:sp>
+      <p:sp>
+        <p:nvSpPr>
+          <p:cNvPr id="12" name="圆角矩形 11">
+            <a:extLst>
+              <a:ext uri="{FF2B5EF4-FFF2-40B4-BE49-F238E27FC236}">
+                <a16:creationId xmlns:a16="http://schemas.microsoft.com/office/drawing/2014/main" id="{7E735476-EB67-6B49-A2F7-1523A990DB10}"/>
+              </a:ext>
+            </a:extLst>
+          </p:cNvPr>
+          <p:cNvSpPr/>
+          <p:nvPr/>
+        </p:nvSpPr>
+        <p:spPr>
+          <a:xfrm>
+            <a:off x="576196" y="1411723"/>
+            <a:ext cx="2254685" cy="504564"/>
+          </a:xfrm>
+          <a:prstGeom prst="roundRect">
+            <a:avLst>
+              <a:gd name="adj" fmla="val 5023"/>
+            </a:avLst>
+          </a:prstGeom>
+          <a:noFill/>
+          <a:ln w="6350">
+            <a:solidFill>
+              <a:schemeClr val="accent1">
+                <a:lumMod val="20000"/>
+                <a:lumOff val="80000"/>
+              </a:schemeClr>
+            </a:solidFill>
+            <a:extLst>
+              <a:ext uri="{C807C97D-BFC1-408E-A445-0C87EB9F89A2}">
+                <ask:lineSketchStyleProps xmlns:ask="http://schemas.microsoft.com/office/drawing/2018/sketchyshapes" sd="3432359896">
+                  <a:custGeom>
+                    <a:avLst/>
+                    <a:gdLst>
+                      <a:gd name="connsiteX0" fmla="*/ 0 w 2254685"/>
+                      <a:gd name="connsiteY0" fmla="*/ 25344 h 504564"/>
+                      <a:gd name="connsiteX1" fmla="*/ 25344 w 2254685"/>
+                      <a:gd name="connsiteY1" fmla="*/ 0 h 504564"/>
+                      <a:gd name="connsiteX2" fmla="*/ 576343 w 2254685"/>
+                      <a:gd name="connsiteY2" fmla="*/ 0 h 504564"/>
+                      <a:gd name="connsiteX3" fmla="*/ 1105303 w 2254685"/>
+                      <a:gd name="connsiteY3" fmla="*/ 0 h 504564"/>
+                      <a:gd name="connsiteX4" fmla="*/ 1590182 w 2254685"/>
+                      <a:gd name="connsiteY4" fmla="*/ 0 h 504564"/>
+                      <a:gd name="connsiteX5" fmla="*/ 2229341 w 2254685"/>
+                      <a:gd name="connsiteY5" fmla="*/ 0 h 504564"/>
+                      <a:gd name="connsiteX6" fmla="*/ 2254685 w 2254685"/>
+                      <a:gd name="connsiteY6" fmla="*/ 25344 h 504564"/>
+                      <a:gd name="connsiteX7" fmla="*/ 2254685 w 2254685"/>
+                      <a:gd name="connsiteY7" fmla="*/ 479220 h 504564"/>
+                      <a:gd name="connsiteX8" fmla="*/ 2229341 w 2254685"/>
+                      <a:gd name="connsiteY8" fmla="*/ 504564 h 504564"/>
+                      <a:gd name="connsiteX9" fmla="*/ 1678342 w 2254685"/>
+                      <a:gd name="connsiteY9" fmla="*/ 504564 h 504564"/>
+                      <a:gd name="connsiteX10" fmla="*/ 1127343 w 2254685"/>
+                      <a:gd name="connsiteY10" fmla="*/ 504564 h 504564"/>
+                      <a:gd name="connsiteX11" fmla="*/ 532263 w 2254685"/>
+                      <a:gd name="connsiteY11" fmla="*/ 504564 h 504564"/>
+                      <a:gd name="connsiteX12" fmla="*/ 25344 w 2254685"/>
+                      <a:gd name="connsiteY12" fmla="*/ 504564 h 504564"/>
+                      <a:gd name="connsiteX13" fmla="*/ 0 w 2254685"/>
+                      <a:gd name="connsiteY13" fmla="*/ 479220 h 504564"/>
+                      <a:gd name="connsiteX14" fmla="*/ 0 w 2254685"/>
+                      <a:gd name="connsiteY14" fmla="*/ 25344 h 504564"/>
+                    </a:gdLst>
+                    <a:ahLst/>
+                    <a:cxnLst>
+                      <a:cxn ang="0">
+                        <a:pos x="connsiteX0" y="connsiteY0"/>
+                      </a:cxn>
+                      <a:cxn ang="0">
+                        <a:pos x="connsiteX1" y="connsiteY1"/>
+                      </a:cxn>
+                      <a:cxn ang="0">
+                        <a:pos x="connsiteX2" y="connsiteY2"/>
+                      </a:cxn>
+                      <a:cxn ang="0">
+                        <a:pos x="connsiteX3" y="connsiteY3"/>
+                      </a:cxn>
+                      <a:cxn ang="0">
+                        <a:pos x="connsiteX4" y="connsiteY4"/>
+                      </a:cxn>
+                      <a:cxn ang="0">
+                        <a:pos x="connsiteX5" y="connsiteY5"/>
+                      </a:cxn>
+                      <a:cxn ang="0">
+                        <a:pos x="connsiteX6" y="connsiteY6"/>
+                      </a:cxn>
+                      <a:cxn ang="0">
+                        <a:pos x="connsiteX7" y="connsiteY7"/>
+                      </a:cxn>
+                      <a:cxn ang="0">
+                        <a:pos x="connsiteX8" y="connsiteY8"/>
+                      </a:cxn>
+                      <a:cxn ang="0">
+                        <a:pos x="connsiteX9" y="connsiteY9"/>
+                      </a:cxn>
+                      <a:cxn ang="0">
+                        <a:pos x="connsiteX10" y="connsiteY10"/>
+                      </a:cxn>
+                      <a:cxn ang="0">
+                        <a:pos x="connsiteX11" y="connsiteY11"/>
+                      </a:cxn>
+                      <a:cxn ang="0">
+                        <a:pos x="connsiteX12" y="connsiteY12"/>
+                      </a:cxn>
+                      <a:cxn ang="0">
+                        <a:pos x="connsiteX13" y="connsiteY13"/>
+                      </a:cxn>
+                      <a:cxn ang="0">
+                        <a:pos x="connsiteX14" y="connsiteY14"/>
+                      </a:cxn>
+                    </a:cxnLst>
+                    <a:rect l="l" t="t" r="r" b="b"/>
+                    <a:pathLst>
+                      <a:path w="2254685" h="504564" extrusionOk="0">
+                        <a:moveTo>
+                          <a:pt x="0" y="25344"/>
+                        </a:moveTo>
+                        <a:cubicBezTo>
+                          <a:pt x="1350" y="8805"/>
+                          <a:pt x="11411" y="792"/>
+                          <a:pt x="25344" y="0"/>
+                        </a:cubicBezTo>
+                        <a:cubicBezTo>
+                          <a:pt x="287022" y="-17631"/>
+                          <a:pt x="425063" y="-21134"/>
+                          <a:pt x="576343" y="0"/>
+                        </a:cubicBezTo>
+                        <a:cubicBezTo>
+                          <a:pt x="727623" y="21134"/>
+                          <a:pt x="965430" y="4705"/>
+                          <a:pt x="1105303" y="0"/>
+                        </a:cubicBezTo>
+                        <a:cubicBezTo>
+                          <a:pt x="1245176" y="-4705"/>
+                          <a:pt x="1354020" y="11574"/>
+                          <a:pt x="1590182" y="0"/>
+                        </a:cubicBezTo>
+                        <a:cubicBezTo>
+                          <a:pt x="1826344" y="-11574"/>
+                          <a:pt x="2030724" y="29366"/>
+                          <a:pt x="2229341" y="0"/>
+                        </a:cubicBezTo>
+                        <a:cubicBezTo>
+                          <a:pt x="2243638" y="-2976"/>
+                          <a:pt x="2252142" y="12599"/>
+                          <a:pt x="2254685" y="25344"/>
+                        </a:cubicBezTo>
+                        <a:cubicBezTo>
+                          <a:pt x="2260493" y="176785"/>
+                          <a:pt x="2277375" y="372482"/>
+                          <a:pt x="2254685" y="479220"/>
+                        </a:cubicBezTo>
+                        <a:cubicBezTo>
+                          <a:pt x="2257561" y="495035"/>
+                          <a:pt x="2245443" y="504790"/>
+                          <a:pt x="2229341" y="504564"/>
+                        </a:cubicBezTo>
+                        <a:cubicBezTo>
+                          <a:pt x="2113039" y="494719"/>
+                          <a:pt x="1874900" y="518425"/>
+                          <a:pt x="1678342" y="504564"/>
+                        </a:cubicBezTo>
+                        <a:cubicBezTo>
+                          <a:pt x="1481784" y="490703"/>
+                          <a:pt x="1362388" y="491208"/>
+                          <a:pt x="1127343" y="504564"/>
+                        </a:cubicBezTo>
+                        <a:cubicBezTo>
+                          <a:pt x="892298" y="517920"/>
+                          <a:pt x="734545" y="517431"/>
+                          <a:pt x="532263" y="504564"/>
+                        </a:cubicBezTo>
+                        <a:cubicBezTo>
+                          <a:pt x="329981" y="491697"/>
+                          <a:pt x="131000" y="481297"/>
+                          <a:pt x="25344" y="504564"/>
+                        </a:cubicBezTo>
+                        <a:cubicBezTo>
+                          <a:pt x="11224" y="503876"/>
+                          <a:pt x="-2875" y="494820"/>
+                          <a:pt x="0" y="479220"/>
+                        </a:cubicBezTo>
+                        <a:cubicBezTo>
+                          <a:pt x="-16044" y="369649"/>
+                          <a:pt x="2185" y="238636"/>
+                          <a:pt x="0" y="25344"/>
+                        </a:cubicBezTo>
+                        <a:close/>
+                      </a:path>
+                    </a:pathLst>
+                  </a:custGeom>
+                  <ask:type>
+                    <ask:lineSketchNone/>
+                  </ask:type>
+                </ask:lineSketchStyleProps>
+              </a:ext>
+            </a:extLst>
+          </a:ln>
+        </p:spPr>
+        <p:style>
+          <a:lnRef idx="2">
+            <a:schemeClr val="accent1">
+              <a:shade val="50000"/>
+            </a:schemeClr>
+          </a:lnRef>
+          <a:fillRef idx="1">
+            <a:schemeClr val="accent1"/>
+          </a:fillRef>
+          <a:effectRef idx="0">
+            <a:schemeClr val="accent1"/>
+          </a:effectRef>
+          <a:fontRef idx="minor">
+            <a:schemeClr val="lt1"/>
+          </a:fontRef>
+        </p:style>
+        <p:txBody>
+          <a:bodyPr rtlCol="0" anchor="ctr"/>
+          <a:lstStyle/>
+          <a:p>
+            <a:pPr algn="ctr"/>
+            <a:endParaRPr kumimoji="1" lang="zh-CN" altLang="en-US">
+              <a:solidFill>
+                <a:srgbClr val="FF0000"/>
+              </a:solidFill>
+            </a:endParaRPr>
+          </a:p>
+        </p:txBody>
+      </p:sp>
+      <p:sp>
+        <p:nvSpPr>
+          <p:cNvPr id="13" name="圆角矩形 12">
+            <a:extLst>
+              <a:ext uri="{FF2B5EF4-FFF2-40B4-BE49-F238E27FC236}">
+                <a16:creationId xmlns:a16="http://schemas.microsoft.com/office/drawing/2014/main" id="{BCBBB84D-11F5-D54B-8F83-E5FE564F9533}"/>
+              </a:ext>
+            </a:extLst>
+          </p:cNvPr>
+          <p:cNvSpPr/>
+          <p:nvPr/>
+        </p:nvSpPr>
+        <p:spPr>
+          <a:xfrm>
+            <a:off x="576196" y="1931357"/>
+            <a:ext cx="2254685" cy="1669093"/>
+          </a:xfrm>
+          <a:prstGeom prst="roundRect">
+            <a:avLst>
+              <a:gd name="adj" fmla="val 2021"/>
+            </a:avLst>
+          </a:prstGeom>
+          <a:noFill/>
+          <a:ln w="6350">
+            <a:solidFill>
+              <a:schemeClr val="accent1">
+                <a:lumMod val="20000"/>
+                <a:lumOff val="80000"/>
+              </a:schemeClr>
+            </a:solidFill>
+            <a:extLst>
+              <a:ext uri="{C807C97D-BFC1-408E-A445-0C87EB9F89A2}">
+                <ask:lineSketchStyleProps xmlns:ask="http://schemas.microsoft.com/office/drawing/2018/sketchyshapes" sd="3432359896">
+                  <a:custGeom>
+                    <a:avLst/>
+                    <a:gdLst>
+                      <a:gd name="connsiteX0" fmla="*/ 0 w 2254685"/>
+                      <a:gd name="connsiteY0" fmla="*/ 83839 h 1669093"/>
+                      <a:gd name="connsiteX1" fmla="*/ 83839 w 2254685"/>
+                      <a:gd name="connsiteY1" fmla="*/ 0 h 1669093"/>
+                      <a:gd name="connsiteX2" fmla="*/ 779508 w 2254685"/>
+                      <a:gd name="connsiteY2" fmla="*/ 0 h 1669093"/>
+                      <a:gd name="connsiteX3" fmla="*/ 1454307 w 2254685"/>
+                      <a:gd name="connsiteY3" fmla="*/ 0 h 1669093"/>
+                      <a:gd name="connsiteX4" fmla="*/ 2170846 w 2254685"/>
+                      <a:gd name="connsiteY4" fmla="*/ 0 h 1669093"/>
+                      <a:gd name="connsiteX5" fmla="*/ 2254685 w 2254685"/>
+                      <a:gd name="connsiteY5" fmla="*/ 83839 h 1669093"/>
+                      <a:gd name="connsiteX6" fmla="*/ 2254685 w 2254685"/>
+                      <a:gd name="connsiteY6" fmla="*/ 554282 h 1669093"/>
+                      <a:gd name="connsiteX7" fmla="*/ 2254685 w 2254685"/>
+                      <a:gd name="connsiteY7" fmla="*/ 1084782 h 1669093"/>
+                      <a:gd name="connsiteX8" fmla="*/ 2254685 w 2254685"/>
+                      <a:gd name="connsiteY8" fmla="*/ 1585254 h 1669093"/>
+                      <a:gd name="connsiteX9" fmla="*/ 2170846 w 2254685"/>
+                      <a:gd name="connsiteY9" fmla="*/ 1669093 h 1669093"/>
+                      <a:gd name="connsiteX10" fmla="*/ 1454307 w 2254685"/>
+                      <a:gd name="connsiteY10" fmla="*/ 1669093 h 1669093"/>
+                      <a:gd name="connsiteX11" fmla="*/ 716898 w 2254685"/>
+                      <a:gd name="connsiteY11" fmla="*/ 1669093 h 1669093"/>
+                      <a:gd name="connsiteX12" fmla="*/ 83839 w 2254685"/>
+                      <a:gd name="connsiteY12" fmla="*/ 1669093 h 1669093"/>
+                      <a:gd name="connsiteX13" fmla="*/ 0 w 2254685"/>
+                      <a:gd name="connsiteY13" fmla="*/ 1585254 h 1669093"/>
+                      <a:gd name="connsiteX14" fmla="*/ 0 w 2254685"/>
+                      <a:gd name="connsiteY14" fmla="*/ 1084782 h 1669093"/>
+                      <a:gd name="connsiteX15" fmla="*/ 0 w 2254685"/>
+                      <a:gd name="connsiteY15" fmla="*/ 554282 h 1669093"/>
+                      <a:gd name="connsiteX16" fmla="*/ 0 w 2254685"/>
+                      <a:gd name="connsiteY16" fmla="*/ 83839 h 1669093"/>
+                    </a:gdLst>
+                    <a:ahLst/>
+                    <a:cxnLst>
+                      <a:cxn ang="0">
+                        <a:pos x="connsiteX0" y="connsiteY0"/>
+                      </a:cxn>
+                      <a:cxn ang="0">
+                        <a:pos x="connsiteX1" y="connsiteY1"/>
+                      </a:cxn>
+                      <a:cxn ang="0">
+                        <a:pos x="connsiteX2" y="connsiteY2"/>
+                      </a:cxn>
+                      <a:cxn ang="0">
+                        <a:pos x="connsiteX3" y="connsiteY3"/>
+                      </a:cxn>
+                      <a:cxn ang="0">
+                        <a:pos x="connsiteX4" y="connsiteY4"/>
+                      </a:cxn>
+                      <a:cxn ang="0">
+                        <a:pos x="connsiteX5" y="connsiteY5"/>
+                      </a:cxn>
+                      <a:cxn ang="0">
+                        <a:pos x="connsiteX6" y="connsiteY6"/>
+                      </a:cxn>
+                      <a:cxn ang="0">
+                        <a:pos x="connsiteX7" y="connsiteY7"/>
+                      </a:cxn>
+                      <a:cxn ang="0">
+                        <a:pos x="connsiteX8" y="connsiteY8"/>
+                      </a:cxn>
+                      <a:cxn ang="0">
+                        <a:pos x="connsiteX9" y="connsiteY9"/>
+                      </a:cxn>
+                      <a:cxn ang="0">
+                        <a:pos x="connsiteX10" y="connsiteY10"/>
+                      </a:cxn>
+                      <a:cxn ang="0">
+                        <a:pos x="connsiteX11" y="connsiteY11"/>
+                      </a:cxn>
+                      <a:cxn ang="0">
+                        <a:pos x="connsiteX12" y="connsiteY12"/>
+                      </a:cxn>
+                      <a:cxn ang="0">
+                        <a:pos x="connsiteX13" y="connsiteY13"/>
+                      </a:cxn>
+                      <a:cxn ang="0">
+                        <a:pos x="connsiteX14" y="connsiteY14"/>
+                      </a:cxn>
+                      <a:cxn ang="0">
+                        <a:pos x="connsiteX15" y="connsiteY15"/>
+                      </a:cxn>
+                      <a:cxn ang="0">
+                        <a:pos x="connsiteX16" y="connsiteY16"/>
+                      </a:cxn>
+                    </a:cxnLst>
+                    <a:rect l="l" t="t" r="r" b="b"/>
+                    <a:pathLst>
+                      <a:path w="2254685" h="1669093" extrusionOk="0">
+                        <a:moveTo>
+                          <a:pt x="0" y="83839"/>
+                        </a:moveTo>
+                        <a:cubicBezTo>
+                          <a:pt x="1182" y="35310"/>
+                          <a:pt x="38233" y="8576"/>
+                          <a:pt x="83839" y="0"/>
+                        </a:cubicBezTo>
+                        <a:cubicBezTo>
+                          <a:pt x="340535" y="3279"/>
+                          <a:pt x="481753" y="-11143"/>
+                          <a:pt x="779508" y="0"/>
+                        </a:cubicBezTo>
+                        <a:cubicBezTo>
+                          <a:pt x="1077263" y="11143"/>
+                          <a:pt x="1280615" y="-10193"/>
+                          <a:pt x="1454307" y="0"/>
+                        </a:cubicBezTo>
+                        <a:cubicBezTo>
+                          <a:pt x="1627999" y="10193"/>
+                          <a:pt x="1897754" y="-29662"/>
+                          <a:pt x="2170846" y="0"/>
+                        </a:cubicBezTo>
+                        <a:cubicBezTo>
+                          <a:pt x="2212246" y="7983"/>
+                          <a:pt x="2251847" y="33446"/>
+                          <a:pt x="2254685" y="83839"/>
+                        </a:cubicBezTo>
+                        <a:cubicBezTo>
+                          <a:pt x="2251903" y="269273"/>
+                          <a:pt x="2233317" y="350853"/>
+                          <a:pt x="2254685" y="554282"/>
+                        </a:cubicBezTo>
+                        <a:cubicBezTo>
+                          <a:pt x="2276053" y="757711"/>
+                          <a:pt x="2252821" y="953014"/>
+                          <a:pt x="2254685" y="1084782"/>
+                        </a:cubicBezTo>
+                        <a:cubicBezTo>
+                          <a:pt x="2256549" y="1216550"/>
+                          <a:pt x="2240643" y="1379782"/>
+                          <a:pt x="2254685" y="1585254"/>
+                        </a:cubicBezTo>
+                        <a:cubicBezTo>
+                          <a:pt x="2252902" y="1629221"/>
+                          <a:pt x="2223190" y="1678155"/>
+                          <a:pt x="2170846" y="1669093"/>
+                        </a:cubicBezTo>
+                        <a:cubicBezTo>
+                          <a:pt x="1999894" y="1688707"/>
+                          <a:pt x="1795178" y="1699783"/>
+                          <a:pt x="1454307" y="1669093"/>
+                        </a:cubicBezTo>
+                        <a:cubicBezTo>
+                          <a:pt x="1113436" y="1638403"/>
+                          <a:pt x="1061651" y="1666322"/>
+                          <a:pt x="716898" y="1669093"/>
+                        </a:cubicBezTo>
+                        <a:cubicBezTo>
+                          <a:pt x="372145" y="1671864"/>
+                          <a:pt x="352280" y="1644689"/>
+                          <a:pt x="83839" y="1669093"/>
+                        </a:cubicBezTo>
+                        <a:cubicBezTo>
+                          <a:pt x="36084" y="1660960"/>
+                          <a:pt x="-8761" y="1636441"/>
+                          <a:pt x="0" y="1585254"/>
+                        </a:cubicBezTo>
+                        <a:cubicBezTo>
+                          <a:pt x="15555" y="1352045"/>
+                          <a:pt x="15908" y="1312208"/>
+                          <a:pt x="0" y="1084782"/>
+                        </a:cubicBezTo>
+                        <a:cubicBezTo>
+                          <a:pt x="-15908" y="857356"/>
+                          <a:pt x="-5462" y="811205"/>
+                          <a:pt x="0" y="554282"/>
+                        </a:cubicBezTo>
+                        <a:cubicBezTo>
+                          <a:pt x="5462" y="297359"/>
+                          <a:pt x="13622" y="234540"/>
+                          <a:pt x="0" y="83839"/>
+                        </a:cubicBezTo>
+                        <a:close/>
+                      </a:path>
+                    </a:pathLst>
+                  </a:custGeom>
+                  <ask:type>
+                    <ask:lineSketchNone/>
+                  </ask:type>
+                </ask:lineSketchStyleProps>
+              </a:ext>
+            </a:extLst>
+          </a:ln>
+        </p:spPr>
+        <p:style>
+          <a:lnRef idx="2">
+            <a:schemeClr val="accent1">
+              <a:shade val="50000"/>
+            </a:schemeClr>
+          </a:lnRef>
+          <a:fillRef idx="1">
+            <a:schemeClr val="accent1"/>
+          </a:fillRef>
+          <a:effectRef idx="0">
+            <a:schemeClr val="accent1"/>
+          </a:effectRef>
+          <a:fontRef idx="minor">
+            <a:schemeClr val="lt1"/>
+          </a:fontRef>
+        </p:style>
+        <p:txBody>
+          <a:bodyPr rtlCol="0" anchor="ctr"/>
+          <a:lstStyle/>
+          <a:p>
+            <a:pPr algn="ctr"/>
+            <a:endParaRPr kumimoji="1" lang="zh-CN" altLang="en-US">
+              <a:solidFill>
+                <a:srgbClr val="FF0000"/>
+              </a:solidFill>
+            </a:endParaRPr>
+          </a:p>
+        </p:txBody>
+      </p:sp>
+      <p:sp>
+        <p:nvSpPr>
+          <p:cNvPr id="14" name="圆角矩形 13">
+            <a:extLst>
+              <a:ext uri="{FF2B5EF4-FFF2-40B4-BE49-F238E27FC236}">
+                <a16:creationId xmlns:a16="http://schemas.microsoft.com/office/drawing/2014/main" id="{EFC99A35-41C5-D74B-8A39-1D0951A960F4}"/>
+              </a:ext>
+            </a:extLst>
+          </p:cNvPr>
+          <p:cNvSpPr/>
+          <p:nvPr/>
+        </p:nvSpPr>
+        <p:spPr>
+          <a:xfrm>
+            <a:off x="56368" y="645090"/>
+            <a:ext cx="455808" cy="751561"/>
+          </a:xfrm>
+          <a:prstGeom prst="roundRect">
+            <a:avLst>
+              <a:gd name="adj" fmla="val 5023"/>
+            </a:avLst>
+          </a:prstGeom>
+          <a:noFill/>
+          <a:ln w="6350">
+            <a:solidFill>
+              <a:schemeClr val="accent1">
+                <a:lumMod val="20000"/>
+                <a:lumOff val="80000"/>
+              </a:schemeClr>
+            </a:solidFill>
+            <a:extLst>
+              <a:ext uri="{C807C97D-BFC1-408E-A445-0C87EB9F89A2}">
+                <ask:lineSketchStyleProps xmlns:ask="http://schemas.microsoft.com/office/drawing/2018/sketchyshapes" sd="3432359896">
+                  <a:custGeom>
+                    <a:avLst/>
+                    <a:gdLst>
+                      <a:gd name="connsiteX0" fmla="*/ 0 w 2254685"/>
+                      <a:gd name="connsiteY0" fmla="*/ 37751 h 751561"/>
+                      <a:gd name="connsiteX1" fmla="*/ 37751 w 2254685"/>
+                      <a:gd name="connsiteY1" fmla="*/ 0 h 751561"/>
+                      <a:gd name="connsiteX2" fmla="*/ 582547 w 2254685"/>
+                      <a:gd name="connsiteY2" fmla="*/ 0 h 751561"/>
+                      <a:gd name="connsiteX3" fmla="*/ 1105551 w 2254685"/>
+                      <a:gd name="connsiteY3" fmla="*/ 0 h 751561"/>
+                      <a:gd name="connsiteX4" fmla="*/ 1584971 w 2254685"/>
+                      <a:gd name="connsiteY4" fmla="*/ 0 h 751561"/>
+                      <a:gd name="connsiteX5" fmla="*/ 2216934 w 2254685"/>
+                      <a:gd name="connsiteY5" fmla="*/ 0 h 751561"/>
+                      <a:gd name="connsiteX6" fmla="*/ 2254685 w 2254685"/>
+                      <a:gd name="connsiteY6" fmla="*/ 37751 h 751561"/>
+                      <a:gd name="connsiteX7" fmla="*/ 2254685 w 2254685"/>
+                      <a:gd name="connsiteY7" fmla="*/ 713810 h 751561"/>
+                      <a:gd name="connsiteX8" fmla="*/ 2216934 w 2254685"/>
+                      <a:gd name="connsiteY8" fmla="*/ 751561 h 751561"/>
+                      <a:gd name="connsiteX9" fmla="*/ 1672138 w 2254685"/>
+                      <a:gd name="connsiteY9" fmla="*/ 751561 h 751561"/>
+                      <a:gd name="connsiteX10" fmla="*/ 1127343 w 2254685"/>
+                      <a:gd name="connsiteY10" fmla="*/ 751561 h 751561"/>
+                      <a:gd name="connsiteX11" fmla="*/ 538963 w 2254685"/>
+                      <a:gd name="connsiteY11" fmla="*/ 751561 h 751561"/>
+                      <a:gd name="connsiteX12" fmla="*/ 37751 w 2254685"/>
+                      <a:gd name="connsiteY12" fmla="*/ 751561 h 751561"/>
+                      <a:gd name="connsiteX13" fmla="*/ 0 w 2254685"/>
+                      <a:gd name="connsiteY13" fmla="*/ 713810 h 751561"/>
+                      <a:gd name="connsiteX14" fmla="*/ 0 w 2254685"/>
+                      <a:gd name="connsiteY14" fmla="*/ 37751 h 751561"/>
+                    </a:gdLst>
+                    <a:ahLst/>
+                    <a:cxnLst>
+                      <a:cxn ang="0">
+                        <a:pos x="connsiteX0" y="connsiteY0"/>
+                      </a:cxn>
+                      <a:cxn ang="0">
+                        <a:pos x="connsiteX1" y="connsiteY1"/>
+                      </a:cxn>
+                      <a:cxn ang="0">
+                        <a:pos x="connsiteX2" y="connsiteY2"/>
+                      </a:cxn>
+                      <a:cxn ang="0">
+                        <a:pos x="connsiteX3" y="connsiteY3"/>
+                      </a:cxn>
+                      <a:cxn ang="0">
+                        <a:pos x="connsiteX4" y="connsiteY4"/>
+                      </a:cxn>
+                      <a:cxn ang="0">
+                        <a:pos x="connsiteX5" y="connsiteY5"/>
+                      </a:cxn>
+                      <a:cxn ang="0">
+                        <a:pos x="connsiteX6" y="connsiteY6"/>
+                      </a:cxn>
+                      <a:cxn ang="0">
+                        <a:pos x="connsiteX7" y="connsiteY7"/>
+                      </a:cxn>
+                      <a:cxn ang="0">
+                        <a:pos x="connsiteX8" y="connsiteY8"/>
+                      </a:cxn>
+                      <a:cxn ang="0">
+                        <a:pos x="connsiteX9" y="connsiteY9"/>
+                      </a:cxn>
+                      <a:cxn ang="0">
+                        <a:pos x="connsiteX10" y="connsiteY10"/>
+                      </a:cxn>
+                      <a:cxn ang="0">
+                        <a:pos x="connsiteX11" y="connsiteY11"/>
+                      </a:cxn>
+                      <a:cxn ang="0">
+                        <a:pos x="connsiteX12" y="connsiteY12"/>
+                      </a:cxn>
+                      <a:cxn ang="0">
+                        <a:pos x="connsiteX13" y="connsiteY13"/>
+                      </a:cxn>
+                      <a:cxn ang="0">
+                        <a:pos x="connsiteX14" y="connsiteY14"/>
+                      </a:cxn>
+                    </a:cxnLst>
+                    <a:rect l="l" t="t" r="r" b="b"/>
+                    <a:pathLst>
+                      <a:path w="2254685" h="751561" extrusionOk="0">
+                        <a:moveTo>
+                          <a:pt x="0" y="37751"/>
+                        </a:moveTo>
+                        <a:cubicBezTo>
+                          <a:pt x="747" y="15495"/>
+                          <a:pt x="17032" y="1599"/>
+                          <a:pt x="37751" y="0"/>
+                        </a:cubicBezTo>
+                        <a:cubicBezTo>
+                          <a:pt x="271662" y="24299"/>
+                          <a:pt x="378220" y="22882"/>
+                          <a:pt x="582547" y="0"/>
+                        </a:cubicBezTo>
+                        <a:cubicBezTo>
+                          <a:pt x="786874" y="-22882"/>
+                          <a:pt x="881521" y="-14198"/>
+                          <a:pt x="1105551" y="0"/>
+                        </a:cubicBezTo>
+                        <a:cubicBezTo>
+                          <a:pt x="1329581" y="14198"/>
+                          <a:pt x="1470170" y="-11037"/>
+                          <a:pt x="1584971" y="0"/>
+                        </a:cubicBezTo>
+                        <a:cubicBezTo>
+                          <a:pt x="1699772" y="11037"/>
+                          <a:pt x="1995933" y="-31363"/>
+                          <a:pt x="2216934" y="0"/>
+                        </a:cubicBezTo>
+                        <a:cubicBezTo>
+                          <a:pt x="2238121" y="-3349"/>
+                          <a:pt x="2250224" y="19099"/>
+                          <a:pt x="2254685" y="37751"/>
+                        </a:cubicBezTo>
+                        <a:cubicBezTo>
+                          <a:pt x="2248276" y="241810"/>
+                          <a:pt x="2285648" y="489158"/>
+                          <a:pt x="2254685" y="713810"/>
+                        </a:cubicBezTo>
+                        <a:cubicBezTo>
+                          <a:pt x="2258455" y="737041"/>
+                          <a:pt x="2240445" y="751847"/>
+                          <a:pt x="2216934" y="751561"/>
+                        </a:cubicBezTo>
+                        <a:cubicBezTo>
+                          <a:pt x="1985692" y="755573"/>
+                          <a:pt x="1905523" y="749308"/>
+                          <a:pt x="1672138" y="751561"/>
+                        </a:cubicBezTo>
+                        <a:cubicBezTo>
+                          <a:pt x="1438753" y="753814"/>
+                          <a:pt x="1375267" y="768993"/>
+                          <a:pt x="1127343" y="751561"/>
+                        </a:cubicBezTo>
+                        <a:cubicBezTo>
+                          <a:pt x="879419" y="734129"/>
+                          <a:pt x="691310" y="755441"/>
+                          <a:pt x="538963" y="751561"/>
+                        </a:cubicBezTo>
+                        <a:cubicBezTo>
+                          <a:pt x="386616" y="747681"/>
+                          <a:pt x="234461" y="742599"/>
+                          <a:pt x="37751" y="751561"/>
+                        </a:cubicBezTo>
+                        <a:cubicBezTo>
+                          <a:pt x="16476" y="749173"/>
+                          <a:pt x="-3162" y="736421"/>
+                          <a:pt x="0" y="713810"/>
+                        </a:cubicBezTo>
+                        <a:cubicBezTo>
+                          <a:pt x="15586" y="533699"/>
+                          <a:pt x="-12878" y="341947"/>
+                          <a:pt x="0" y="37751"/>
+                        </a:cubicBezTo>
+                        <a:close/>
+                      </a:path>
+                    </a:pathLst>
+                  </a:custGeom>
+                  <ask:type>
+                    <ask:lineSketchNone/>
+                  </ask:type>
+                </ask:lineSketchStyleProps>
+              </a:ext>
+            </a:extLst>
+          </a:ln>
+        </p:spPr>
+        <p:style>
+          <a:lnRef idx="2">
+            <a:schemeClr val="accent1">
+              <a:shade val="50000"/>
+            </a:schemeClr>
+          </a:lnRef>
+          <a:fillRef idx="1">
+            <a:schemeClr val="accent1"/>
+          </a:fillRef>
+          <a:effectRef idx="0">
+            <a:schemeClr val="accent1"/>
+          </a:effectRef>
+          <a:fontRef idx="minor">
+            <a:schemeClr val="lt1"/>
+          </a:fontRef>
+        </p:style>
+        <p:txBody>
+          <a:bodyPr rtlCol="0" anchor="ctr"/>
+          <a:lstStyle/>
+          <a:p>
+            <a:pPr algn="ctr"/>
+            <a:r>
+              <a:rPr kumimoji="1" lang="zh-CN" altLang="en-US">
+                <a:solidFill>
+                  <a:schemeClr val="bg1"/>
+                </a:solidFill>
+              </a:rPr>
+              <a:t>聚合</a:t>
+            </a:r>
+            <a:endParaRPr kumimoji="1" lang="en-US" altLang="zh-CN">
+              <a:solidFill>
+                <a:schemeClr val="bg1"/>
+              </a:solidFill>
+            </a:endParaRPr>
+          </a:p>
+          <a:p>
+            <a:pPr algn="ctr"/>
+            <a:r>
+              <a:rPr kumimoji="1" lang="zh-CN" altLang="en-US">
+                <a:solidFill>
+                  <a:schemeClr val="bg1"/>
+                </a:solidFill>
+              </a:rPr>
+              <a:t>对象</a:t>
+            </a:r>
+          </a:p>
+        </p:txBody>
+      </p:sp>
+      <p:sp>
+        <p:nvSpPr>
+          <p:cNvPr id="15" name="圆角矩形 14">
+            <a:extLst>
+              <a:ext uri="{FF2B5EF4-FFF2-40B4-BE49-F238E27FC236}">
+                <a16:creationId xmlns:a16="http://schemas.microsoft.com/office/drawing/2014/main" id="{301BE1E0-86CC-EC44-8003-5742DC2E0719}"/>
+              </a:ext>
+            </a:extLst>
+          </p:cNvPr>
+          <p:cNvSpPr/>
+          <p:nvPr/>
+        </p:nvSpPr>
+        <p:spPr>
+          <a:xfrm>
+            <a:off x="56368" y="1412802"/>
+            <a:ext cx="455808" cy="503486"/>
+          </a:xfrm>
+          <a:prstGeom prst="roundRect">
+            <a:avLst>
+              <a:gd name="adj" fmla="val 5023"/>
+            </a:avLst>
+          </a:prstGeom>
+          <a:noFill/>
+          <a:ln w="6350">
+            <a:solidFill>
+              <a:schemeClr val="accent1">
+                <a:lumMod val="20000"/>
+                <a:lumOff val="80000"/>
+              </a:schemeClr>
+            </a:solidFill>
+            <a:extLst>
+              <a:ext uri="{C807C97D-BFC1-408E-A445-0C87EB9F89A2}">
+                <ask:lineSketchStyleProps xmlns:ask="http://schemas.microsoft.com/office/drawing/2018/sketchyshapes" sd="3432359896">
+                  <a:custGeom>
+                    <a:avLst/>
+                    <a:gdLst>
+                      <a:gd name="connsiteX0" fmla="*/ 0 w 2254685"/>
+                      <a:gd name="connsiteY0" fmla="*/ 37751 h 751561"/>
+                      <a:gd name="connsiteX1" fmla="*/ 37751 w 2254685"/>
+                      <a:gd name="connsiteY1" fmla="*/ 0 h 751561"/>
+                      <a:gd name="connsiteX2" fmla="*/ 582547 w 2254685"/>
+                      <a:gd name="connsiteY2" fmla="*/ 0 h 751561"/>
+                      <a:gd name="connsiteX3" fmla="*/ 1105551 w 2254685"/>
+                      <a:gd name="connsiteY3" fmla="*/ 0 h 751561"/>
+                      <a:gd name="connsiteX4" fmla="*/ 1584971 w 2254685"/>
+                      <a:gd name="connsiteY4" fmla="*/ 0 h 751561"/>
+                      <a:gd name="connsiteX5" fmla="*/ 2216934 w 2254685"/>
+                      <a:gd name="connsiteY5" fmla="*/ 0 h 751561"/>
+                      <a:gd name="connsiteX6" fmla="*/ 2254685 w 2254685"/>
+                      <a:gd name="connsiteY6" fmla="*/ 37751 h 751561"/>
+                      <a:gd name="connsiteX7" fmla="*/ 2254685 w 2254685"/>
+                      <a:gd name="connsiteY7" fmla="*/ 713810 h 751561"/>
+                      <a:gd name="connsiteX8" fmla="*/ 2216934 w 2254685"/>
+                      <a:gd name="connsiteY8" fmla="*/ 751561 h 751561"/>
+                      <a:gd name="connsiteX9" fmla="*/ 1672138 w 2254685"/>
+                      <a:gd name="connsiteY9" fmla="*/ 751561 h 751561"/>
+                      <a:gd name="connsiteX10" fmla="*/ 1127343 w 2254685"/>
+                      <a:gd name="connsiteY10" fmla="*/ 751561 h 751561"/>
+                      <a:gd name="connsiteX11" fmla="*/ 538963 w 2254685"/>
+                      <a:gd name="connsiteY11" fmla="*/ 751561 h 751561"/>
+                      <a:gd name="connsiteX12" fmla="*/ 37751 w 2254685"/>
+                      <a:gd name="connsiteY12" fmla="*/ 751561 h 751561"/>
+                      <a:gd name="connsiteX13" fmla="*/ 0 w 2254685"/>
+                      <a:gd name="connsiteY13" fmla="*/ 713810 h 751561"/>
+                      <a:gd name="connsiteX14" fmla="*/ 0 w 2254685"/>
+                      <a:gd name="connsiteY14" fmla="*/ 37751 h 751561"/>
+                    </a:gdLst>
+                    <a:ahLst/>
+                    <a:cxnLst>
+                      <a:cxn ang="0">
+                        <a:pos x="connsiteX0" y="connsiteY0"/>
+                      </a:cxn>
+                      <a:cxn ang="0">
+                        <a:pos x="connsiteX1" y="connsiteY1"/>
+                      </a:cxn>
+                      <a:cxn ang="0">
+                        <a:pos x="connsiteX2" y="connsiteY2"/>
+                      </a:cxn>
+                      <a:cxn ang="0">
+                        <a:pos x="connsiteX3" y="connsiteY3"/>
+                      </a:cxn>
+                      <a:cxn ang="0">
+                        <a:pos x="connsiteX4" y="connsiteY4"/>
+                      </a:cxn>
+                      <a:cxn ang="0">
+                        <a:pos x="connsiteX5" y="connsiteY5"/>
+                      </a:cxn>
+                      <a:cxn ang="0">
+                        <a:pos x="connsiteX6" y="connsiteY6"/>
+                      </a:cxn>
+                      <a:cxn ang="0">
+                        <a:pos x="connsiteX7" y="connsiteY7"/>
+                      </a:cxn>
+                      <a:cxn ang="0">
+                        <a:pos x="connsiteX8" y="connsiteY8"/>
+                      </a:cxn>
+                      <a:cxn ang="0">
+                        <a:pos x="connsiteX9" y="connsiteY9"/>
+                      </a:cxn>
+                      <a:cxn ang="0">
+                        <a:pos x="connsiteX10" y="connsiteY10"/>
+                      </a:cxn>
+                      <a:cxn ang="0">
+                        <a:pos x="connsiteX11" y="connsiteY11"/>
+                      </a:cxn>
+                      <a:cxn ang="0">
+                        <a:pos x="connsiteX12" y="connsiteY12"/>
+                      </a:cxn>
+                      <a:cxn ang="0">
+                        <a:pos x="connsiteX13" y="connsiteY13"/>
+                      </a:cxn>
+                      <a:cxn ang="0">
+                        <a:pos x="connsiteX14" y="connsiteY14"/>
+                      </a:cxn>
+                    </a:cxnLst>
+                    <a:rect l="l" t="t" r="r" b="b"/>
+                    <a:pathLst>
+                      <a:path w="2254685" h="751561" extrusionOk="0">
+                        <a:moveTo>
+                          <a:pt x="0" y="37751"/>
+                        </a:moveTo>
+                        <a:cubicBezTo>
+                          <a:pt x="747" y="15495"/>
+                          <a:pt x="17032" y="1599"/>
+                          <a:pt x="37751" y="0"/>
+                        </a:cubicBezTo>
+                        <a:cubicBezTo>
+                          <a:pt x="271662" y="24299"/>
+                          <a:pt x="378220" y="22882"/>
+                          <a:pt x="582547" y="0"/>
+                        </a:cubicBezTo>
+                        <a:cubicBezTo>
+                          <a:pt x="786874" y="-22882"/>
+                          <a:pt x="881521" y="-14198"/>
+                          <a:pt x="1105551" y="0"/>
+                        </a:cubicBezTo>
+                        <a:cubicBezTo>
+                          <a:pt x="1329581" y="14198"/>
+                          <a:pt x="1470170" y="-11037"/>
+                          <a:pt x="1584971" y="0"/>
+                        </a:cubicBezTo>
+                        <a:cubicBezTo>
+                          <a:pt x="1699772" y="11037"/>
+                          <a:pt x="1995933" y="-31363"/>
+                          <a:pt x="2216934" y="0"/>
+                        </a:cubicBezTo>
+                        <a:cubicBezTo>
+                          <a:pt x="2238121" y="-3349"/>
+                          <a:pt x="2250224" y="19099"/>
+                          <a:pt x="2254685" y="37751"/>
+                        </a:cubicBezTo>
+                        <a:cubicBezTo>
+                          <a:pt x="2248276" y="241810"/>
+                          <a:pt x="2285648" y="489158"/>
+                          <a:pt x="2254685" y="713810"/>
+                        </a:cubicBezTo>
+                        <a:cubicBezTo>
+                          <a:pt x="2258455" y="737041"/>
+                          <a:pt x="2240445" y="751847"/>
+                          <a:pt x="2216934" y="751561"/>
+                        </a:cubicBezTo>
+                        <a:cubicBezTo>
+                          <a:pt x="1985692" y="755573"/>
+                          <a:pt x="1905523" y="749308"/>
+                          <a:pt x="1672138" y="751561"/>
+                        </a:cubicBezTo>
+                        <a:cubicBezTo>
+                          <a:pt x="1438753" y="753814"/>
+                          <a:pt x="1375267" y="768993"/>
+                          <a:pt x="1127343" y="751561"/>
+                        </a:cubicBezTo>
+                        <a:cubicBezTo>
+                          <a:pt x="879419" y="734129"/>
+                          <a:pt x="691310" y="755441"/>
+                          <a:pt x="538963" y="751561"/>
+                        </a:cubicBezTo>
+                        <a:cubicBezTo>
+                          <a:pt x="386616" y="747681"/>
+                          <a:pt x="234461" y="742599"/>
+                          <a:pt x="37751" y="751561"/>
+                        </a:cubicBezTo>
+                        <a:cubicBezTo>
+                          <a:pt x="16476" y="749173"/>
+                          <a:pt x="-3162" y="736421"/>
+                          <a:pt x="0" y="713810"/>
+                        </a:cubicBezTo>
+                        <a:cubicBezTo>
+                          <a:pt x="15586" y="533699"/>
+                          <a:pt x="-12878" y="341947"/>
+                          <a:pt x="0" y="37751"/>
+                        </a:cubicBezTo>
+                        <a:close/>
+                      </a:path>
+                    </a:pathLst>
+                  </a:custGeom>
+                  <ask:type>
+                    <ask:lineSketchNone/>
+                  </ask:type>
+                </ask:lineSketchStyleProps>
+              </a:ext>
+            </a:extLst>
+          </a:ln>
+        </p:spPr>
+        <p:style>
+          <a:lnRef idx="2">
+            <a:schemeClr val="accent1">
+              <a:shade val="50000"/>
+            </a:schemeClr>
+          </a:lnRef>
+          <a:fillRef idx="1">
+            <a:schemeClr val="accent1"/>
+          </a:fillRef>
+          <a:effectRef idx="0">
+            <a:schemeClr val="accent1"/>
+          </a:effectRef>
+          <a:fontRef idx="minor">
+            <a:schemeClr val="lt1"/>
+          </a:fontRef>
+        </p:style>
+        <p:txBody>
+          <a:bodyPr rtlCol="0" anchor="ctr"/>
+          <a:lstStyle/>
+          <a:p>
+            <a:pPr algn="ctr"/>
+            <a:r>
+              <a:rPr kumimoji="1" lang="zh-CN" altLang="en-US">
+                <a:solidFill>
+                  <a:schemeClr val="bg1"/>
+                </a:solidFill>
+              </a:rPr>
+              <a:t>数据</a:t>
+            </a:r>
+            <a:endParaRPr kumimoji="1" lang="en-US" altLang="zh-CN">
+              <a:solidFill>
+                <a:schemeClr val="bg1"/>
+              </a:solidFill>
+            </a:endParaRPr>
+          </a:p>
+          <a:p>
+            <a:pPr algn="ctr"/>
+            <a:r>
+              <a:rPr kumimoji="1" lang="zh-CN" altLang="en-US">
+                <a:solidFill>
+                  <a:schemeClr val="bg1"/>
+                </a:solidFill>
+              </a:rPr>
+              <a:t>仓储</a:t>
+            </a:r>
+          </a:p>
+        </p:txBody>
+      </p:sp>
+      <p:sp>
+        <p:nvSpPr>
+          <p:cNvPr id="16" name="圆角矩形 15">
+            <a:extLst>
+              <a:ext uri="{FF2B5EF4-FFF2-40B4-BE49-F238E27FC236}">
+                <a16:creationId xmlns:a16="http://schemas.microsoft.com/office/drawing/2014/main" id="{E869C7CC-65C0-4842-A28A-1DCD0CDFD6E9}"/>
+              </a:ext>
+            </a:extLst>
+          </p:cNvPr>
+          <p:cNvSpPr/>
+          <p:nvPr/>
+        </p:nvSpPr>
+        <p:spPr>
+          <a:xfrm>
+            <a:off x="56368" y="1931356"/>
+            <a:ext cx="455808" cy="1669093"/>
+          </a:xfrm>
+          <a:prstGeom prst="roundRect">
+            <a:avLst>
+              <a:gd name="adj" fmla="val 5023"/>
+            </a:avLst>
+          </a:prstGeom>
+          <a:noFill/>
+          <a:ln w="6350">
+            <a:solidFill>
+              <a:schemeClr val="accent1">
+                <a:lumMod val="20000"/>
+                <a:lumOff val="80000"/>
+              </a:schemeClr>
+            </a:solidFill>
+            <a:extLst>
+              <a:ext uri="{C807C97D-BFC1-408E-A445-0C87EB9F89A2}">
+                <ask:lineSketchStyleProps xmlns:ask="http://schemas.microsoft.com/office/drawing/2018/sketchyshapes" sd="3432359896">
+                  <a:custGeom>
+                    <a:avLst/>
+                    <a:gdLst>
+                      <a:gd name="connsiteX0" fmla="*/ 0 w 2254685"/>
+                      <a:gd name="connsiteY0" fmla="*/ 37751 h 751561"/>
+                      <a:gd name="connsiteX1" fmla="*/ 37751 w 2254685"/>
+                      <a:gd name="connsiteY1" fmla="*/ 0 h 751561"/>
+                      <a:gd name="connsiteX2" fmla="*/ 582547 w 2254685"/>
+                      <a:gd name="connsiteY2" fmla="*/ 0 h 751561"/>
+                      <a:gd name="connsiteX3" fmla="*/ 1105551 w 2254685"/>
+                      <a:gd name="connsiteY3" fmla="*/ 0 h 751561"/>
+                      <a:gd name="connsiteX4" fmla="*/ 1584971 w 2254685"/>
+                      <a:gd name="connsiteY4" fmla="*/ 0 h 751561"/>
+                      <a:gd name="connsiteX5" fmla="*/ 2216934 w 2254685"/>
+                      <a:gd name="connsiteY5" fmla="*/ 0 h 751561"/>
+                      <a:gd name="connsiteX6" fmla="*/ 2254685 w 2254685"/>
+                      <a:gd name="connsiteY6" fmla="*/ 37751 h 751561"/>
+                      <a:gd name="connsiteX7" fmla="*/ 2254685 w 2254685"/>
+                      <a:gd name="connsiteY7" fmla="*/ 713810 h 751561"/>
+                      <a:gd name="connsiteX8" fmla="*/ 2216934 w 2254685"/>
+                      <a:gd name="connsiteY8" fmla="*/ 751561 h 751561"/>
+                      <a:gd name="connsiteX9" fmla="*/ 1672138 w 2254685"/>
+                      <a:gd name="connsiteY9" fmla="*/ 751561 h 751561"/>
+                      <a:gd name="connsiteX10" fmla="*/ 1127343 w 2254685"/>
+                      <a:gd name="connsiteY10" fmla="*/ 751561 h 751561"/>
+                      <a:gd name="connsiteX11" fmla="*/ 538963 w 2254685"/>
+                      <a:gd name="connsiteY11" fmla="*/ 751561 h 751561"/>
+                      <a:gd name="connsiteX12" fmla="*/ 37751 w 2254685"/>
+                      <a:gd name="connsiteY12" fmla="*/ 751561 h 751561"/>
+                      <a:gd name="connsiteX13" fmla="*/ 0 w 2254685"/>
+                      <a:gd name="connsiteY13" fmla="*/ 713810 h 751561"/>
+                      <a:gd name="connsiteX14" fmla="*/ 0 w 2254685"/>
+                      <a:gd name="connsiteY14" fmla="*/ 37751 h 751561"/>
+                    </a:gdLst>
+                    <a:ahLst/>
+                    <a:cxnLst>
+                      <a:cxn ang="0">
+                        <a:pos x="connsiteX0" y="connsiteY0"/>
+                      </a:cxn>
+                      <a:cxn ang="0">
+                        <a:pos x="connsiteX1" y="connsiteY1"/>
+                      </a:cxn>
+                      <a:cxn ang="0">
+                        <a:pos x="connsiteX2" y="connsiteY2"/>
+                      </a:cxn>
+                      <a:cxn ang="0">
+                        <a:pos x="connsiteX3" y="connsiteY3"/>
+                      </a:cxn>
+                      <a:cxn ang="0">
+                        <a:pos x="connsiteX4" y="connsiteY4"/>
+                      </a:cxn>
+                      <a:cxn ang="0">
+                        <a:pos x="connsiteX5" y="connsiteY5"/>
+                      </a:cxn>
+                      <a:cxn ang="0">
+                        <a:pos x="connsiteX6" y="connsiteY6"/>
+                      </a:cxn>
+                      <a:cxn ang="0">
+                        <a:pos x="connsiteX7" y="connsiteY7"/>
+                      </a:cxn>
+                      <a:cxn ang="0">
+                        <a:pos x="connsiteX8" y="connsiteY8"/>
+                      </a:cxn>
+                      <a:cxn ang="0">
+                        <a:pos x="connsiteX9" y="connsiteY9"/>
+                      </a:cxn>
+                      <a:cxn ang="0">
+                        <a:pos x="connsiteX10" y="connsiteY10"/>
+                      </a:cxn>
+                      <a:cxn ang="0">
+                        <a:pos x="connsiteX11" y="connsiteY11"/>
+                      </a:cxn>
+                      <a:cxn ang="0">
+                        <a:pos x="connsiteX12" y="connsiteY12"/>
+                      </a:cxn>
+                      <a:cxn ang="0">
+                        <a:pos x="connsiteX13" y="connsiteY13"/>
+                      </a:cxn>
+                      <a:cxn ang="0">
+                        <a:pos x="connsiteX14" y="connsiteY14"/>
+                      </a:cxn>
+                    </a:cxnLst>
+                    <a:rect l="l" t="t" r="r" b="b"/>
+                    <a:pathLst>
+                      <a:path w="2254685" h="751561" extrusionOk="0">
+                        <a:moveTo>
+                          <a:pt x="0" y="37751"/>
+                        </a:moveTo>
+                        <a:cubicBezTo>
+                          <a:pt x="747" y="15495"/>
+                          <a:pt x="17032" y="1599"/>
+                          <a:pt x="37751" y="0"/>
+                        </a:cubicBezTo>
+                        <a:cubicBezTo>
+                          <a:pt x="271662" y="24299"/>
+                          <a:pt x="378220" y="22882"/>
+                          <a:pt x="582547" y="0"/>
+                        </a:cubicBezTo>
+                        <a:cubicBezTo>
+                          <a:pt x="786874" y="-22882"/>
+                          <a:pt x="881521" y="-14198"/>
+                          <a:pt x="1105551" y="0"/>
+                        </a:cubicBezTo>
+                        <a:cubicBezTo>
+                          <a:pt x="1329581" y="14198"/>
+                          <a:pt x="1470170" y="-11037"/>
+                          <a:pt x="1584971" y="0"/>
+                        </a:cubicBezTo>
+                        <a:cubicBezTo>
+                          <a:pt x="1699772" y="11037"/>
+                          <a:pt x="1995933" y="-31363"/>
+                          <a:pt x="2216934" y="0"/>
+                        </a:cubicBezTo>
+                        <a:cubicBezTo>
+                          <a:pt x="2238121" y="-3349"/>
+                          <a:pt x="2250224" y="19099"/>
+                          <a:pt x="2254685" y="37751"/>
+                        </a:cubicBezTo>
+                        <a:cubicBezTo>
+                          <a:pt x="2248276" y="241810"/>
+                          <a:pt x="2285648" y="489158"/>
+                          <a:pt x="2254685" y="713810"/>
+                        </a:cubicBezTo>
+                        <a:cubicBezTo>
+                          <a:pt x="2258455" y="737041"/>
+                          <a:pt x="2240445" y="751847"/>
+                          <a:pt x="2216934" y="751561"/>
+                        </a:cubicBezTo>
+                        <a:cubicBezTo>
+                          <a:pt x="1985692" y="755573"/>
+                          <a:pt x="1905523" y="749308"/>
+                          <a:pt x="1672138" y="751561"/>
+                        </a:cubicBezTo>
+                        <a:cubicBezTo>
+                          <a:pt x="1438753" y="753814"/>
+                          <a:pt x="1375267" y="768993"/>
+                          <a:pt x="1127343" y="751561"/>
+                        </a:cubicBezTo>
+                        <a:cubicBezTo>
+                          <a:pt x="879419" y="734129"/>
+                          <a:pt x="691310" y="755441"/>
+                          <a:pt x="538963" y="751561"/>
+                        </a:cubicBezTo>
+                        <a:cubicBezTo>
+                          <a:pt x="386616" y="747681"/>
+                          <a:pt x="234461" y="742599"/>
+                          <a:pt x="37751" y="751561"/>
+                        </a:cubicBezTo>
+                        <a:cubicBezTo>
+                          <a:pt x="16476" y="749173"/>
+                          <a:pt x="-3162" y="736421"/>
+                          <a:pt x="0" y="713810"/>
+                        </a:cubicBezTo>
+                        <a:cubicBezTo>
+                          <a:pt x="15586" y="533699"/>
+                          <a:pt x="-12878" y="341947"/>
+                          <a:pt x="0" y="37751"/>
+                        </a:cubicBezTo>
+                        <a:close/>
+                      </a:path>
+                    </a:pathLst>
+                  </a:custGeom>
+                  <ask:type>
+                    <ask:lineSketchNone/>
+                  </ask:type>
+                </ask:lineSketchStyleProps>
+              </a:ext>
+            </a:extLst>
+          </a:ln>
+        </p:spPr>
+        <p:style>
+          <a:lnRef idx="2">
+            <a:schemeClr val="accent1">
+              <a:shade val="50000"/>
+            </a:schemeClr>
+          </a:lnRef>
+          <a:fillRef idx="1">
+            <a:schemeClr val="accent1"/>
+          </a:fillRef>
+          <a:effectRef idx="0">
+            <a:schemeClr val="accent1"/>
+          </a:effectRef>
+          <a:fontRef idx="minor">
+            <a:schemeClr val="lt1"/>
+          </a:fontRef>
+        </p:style>
+        <p:txBody>
+          <a:bodyPr rtlCol="0" anchor="ctr"/>
+          <a:lstStyle/>
+          <a:p>
+            <a:pPr algn="ctr"/>
+            <a:r>
+              <a:rPr kumimoji="1" lang="zh-CN" altLang="en-US">
+                <a:solidFill>
+                  <a:schemeClr val="bg1"/>
+                </a:solidFill>
+              </a:rPr>
+              <a:t>领域</a:t>
+            </a:r>
+            <a:endParaRPr kumimoji="1" lang="en-US" altLang="zh-CN">
+              <a:solidFill>
+                <a:schemeClr val="bg1"/>
+              </a:solidFill>
+            </a:endParaRPr>
+          </a:p>
+          <a:p>
+            <a:pPr algn="ctr"/>
+            <a:r>
+              <a:rPr kumimoji="1" lang="zh-CN" altLang="en-US">
+                <a:solidFill>
+                  <a:schemeClr val="bg1"/>
+                </a:solidFill>
+              </a:rPr>
+              <a:t>服务</a:t>
+            </a:r>
+          </a:p>
+        </p:txBody>
+      </p:sp>
+      <p:sp>
+        <p:nvSpPr>
+          <p:cNvPr id="17" name="圆角矩形 16">
+            <a:extLst>
+              <a:ext uri="{FF2B5EF4-FFF2-40B4-BE49-F238E27FC236}">
+                <a16:creationId xmlns:a16="http://schemas.microsoft.com/office/drawing/2014/main" id="{E917708D-A167-394C-B931-97D136D2A078}"/>
+              </a:ext>
+            </a:extLst>
+          </p:cNvPr>
+          <p:cNvSpPr/>
+          <p:nvPr/>
+        </p:nvSpPr>
+        <p:spPr>
+          <a:xfrm>
+            <a:off x="697628" y="2041744"/>
+            <a:ext cx="2011820" cy="776612"/>
+          </a:xfrm>
+          <a:prstGeom prst="roundRect">
+            <a:avLst>
+              <a:gd name="adj" fmla="val 5908"/>
+            </a:avLst>
+          </a:prstGeom>
+          <a:noFill/>
+          <a:ln w="3175">
+            <a:solidFill>
+              <a:srgbClr val="FFC000"/>
+            </a:solidFill>
+            <a:extLst>
+              <a:ext uri="{C807C97D-BFC1-408E-A445-0C87EB9F89A2}">
+                <ask:lineSketchStyleProps xmlns:ask="http://schemas.microsoft.com/office/drawing/2018/sketchyshapes">
+                  <ask:type>
+                    <ask:lineSketchScribble/>
+                  </ask:type>
+                </ask:lineSketchStyleProps>
+              </a:ext>
+            </a:extLst>
+          </a:ln>
+        </p:spPr>
+        <p:style>
+          <a:lnRef idx="2">
+            <a:schemeClr val="accent1">
+              <a:shade val="50000"/>
+            </a:schemeClr>
+          </a:lnRef>
+          <a:fillRef idx="1">
+            <a:schemeClr val="accent1"/>
+          </a:fillRef>
+          <a:effectRef idx="0">
+            <a:schemeClr val="accent1"/>
+          </a:effectRef>
+          <a:fontRef idx="minor">
+            <a:schemeClr val="lt1"/>
+          </a:fontRef>
+        </p:style>
+        <p:txBody>
+          <a:bodyPr rtlCol="0" anchor="ctr"/>
+          <a:lstStyle/>
+          <a:p>
+            <a:pPr algn="ctr"/>
+            <a:endParaRPr kumimoji="1" lang="zh-CN" altLang="en-US">
+              <a:solidFill>
+                <a:srgbClr val="FF0000"/>
+              </a:solidFill>
+            </a:endParaRPr>
+          </a:p>
+        </p:txBody>
+      </p:sp>
+      <p:sp>
+        <p:nvSpPr>
+          <p:cNvPr id="18" name="圆角矩形 17">
+            <a:extLst>
+              <a:ext uri="{FF2B5EF4-FFF2-40B4-BE49-F238E27FC236}">
+                <a16:creationId xmlns:a16="http://schemas.microsoft.com/office/drawing/2014/main" id="{2769CA50-34B8-264C-8D08-286DA676179F}"/>
+              </a:ext>
+            </a:extLst>
+          </p:cNvPr>
+          <p:cNvSpPr/>
+          <p:nvPr/>
+        </p:nvSpPr>
+        <p:spPr>
+          <a:xfrm>
+            <a:off x="697628" y="2861481"/>
+            <a:ext cx="2011820" cy="715630"/>
+          </a:xfrm>
+          <a:prstGeom prst="roundRect">
+            <a:avLst>
+              <a:gd name="adj" fmla="val 5908"/>
+            </a:avLst>
+          </a:prstGeom>
+          <a:noFill/>
+          <a:ln w="3175">
+            <a:solidFill>
+              <a:srgbClr val="FFC000"/>
+            </a:solidFill>
+            <a:extLst>
+              <a:ext uri="{C807C97D-BFC1-408E-A445-0C87EB9F89A2}">
+                <ask:lineSketchStyleProps xmlns:ask="http://schemas.microsoft.com/office/drawing/2018/sketchyshapes">
+                  <ask:type>
+                    <ask:lineSketchScribble/>
+                  </ask:type>
+                </ask:lineSketchStyleProps>
+              </a:ext>
+            </a:extLst>
+          </a:ln>
+        </p:spPr>
+        <p:style>
+          <a:lnRef idx="2">
+            <a:schemeClr val="accent1">
+              <a:shade val="50000"/>
+            </a:schemeClr>
+          </a:lnRef>
+          <a:fillRef idx="1">
+            <a:schemeClr val="accent1"/>
+          </a:fillRef>
+          <a:effectRef idx="0">
+            <a:schemeClr val="accent1"/>
+          </a:effectRef>
+          <a:fontRef idx="minor">
+            <a:schemeClr val="lt1"/>
+          </a:fontRef>
+        </p:style>
+        <p:txBody>
+          <a:bodyPr rtlCol="0" anchor="ctr"/>
+          <a:lstStyle/>
+          <a:p>
+            <a:pPr algn="ctr"/>
+            <a:endParaRPr kumimoji="1" lang="zh-CN" altLang="en-US">
+              <a:solidFill>
+                <a:srgbClr val="FF0000"/>
+              </a:solidFill>
+            </a:endParaRPr>
+          </a:p>
+        </p:txBody>
+      </p:sp>
+      <p:sp>
+        <p:nvSpPr>
+          <p:cNvPr id="19" name="文本框 18">
+            <a:extLst>
+              <a:ext uri="{FF2B5EF4-FFF2-40B4-BE49-F238E27FC236}">
+                <a16:creationId xmlns:a16="http://schemas.microsoft.com/office/drawing/2014/main" id="{B9A01937-64D4-9647-8160-8AE2204E054A}"/>
+              </a:ext>
+            </a:extLst>
+          </p:cNvPr>
+          <p:cNvSpPr txBox="1"/>
+          <p:nvPr/>
+        </p:nvSpPr>
+        <p:spPr>
+          <a:xfrm>
+            <a:off x="2952313" y="2310626"/>
+            <a:ext cx="914400" cy="238848"/>
+          </a:xfrm>
+          <a:prstGeom prst="rect">
+            <a:avLst/>
+          </a:prstGeom>
+          <a:noFill/>
+        </p:spPr>
+        <p:txBody>
+          <a:bodyPr wrap="square" rtlCol="0">
+            <a:spAutoFit/>
+          </a:bodyPr>
+          <a:lstStyle/>
+          <a:p>
+            <a:r>
+              <a:rPr kumimoji="1" lang="zh-CN" altLang="en-US">
+                <a:solidFill>
+                  <a:schemeClr val="bg1"/>
+                </a:solidFill>
+              </a:rPr>
+              <a:t>抽奖策略</a:t>
+            </a:r>
+          </a:p>
+        </p:txBody>
+      </p:sp>
+      <p:sp>
+        <p:nvSpPr>
+          <p:cNvPr id="20" name="文本框 19">
+            <a:extLst>
+              <a:ext uri="{FF2B5EF4-FFF2-40B4-BE49-F238E27FC236}">
+                <a16:creationId xmlns:a16="http://schemas.microsoft.com/office/drawing/2014/main" id="{73EF78C1-E33F-5D40-BEB3-B9DD01C81E9A}"/>
+              </a:ext>
+            </a:extLst>
+          </p:cNvPr>
+          <p:cNvSpPr txBox="1"/>
+          <p:nvPr/>
+        </p:nvSpPr>
+        <p:spPr>
+          <a:xfrm>
+            <a:off x="2952313" y="3099872"/>
+            <a:ext cx="914400" cy="238848"/>
+          </a:xfrm>
+          <a:prstGeom prst="rect">
+            <a:avLst/>
+          </a:prstGeom>
+          <a:noFill/>
+        </p:spPr>
+        <p:txBody>
+          <a:bodyPr wrap="square" rtlCol="0">
+            <a:spAutoFit/>
+          </a:bodyPr>
+          <a:lstStyle/>
+          <a:p>
+            <a:r>
+              <a:rPr kumimoji="1" lang="zh-CN" altLang="en-US">
+                <a:solidFill>
+                  <a:schemeClr val="bg1"/>
+                </a:solidFill>
+              </a:rPr>
+              <a:t>策略包装</a:t>
+            </a:r>
+          </a:p>
+        </p:txBody>
+      </p:sp>
+      <p:cxnSp>
+        <p:nvCxnSpPr>
+          <p:cNvPr id="21" name="直线箭头连接符 20">
+            <a:extLst>
+              <a:ext uri="{FF2B5EF4-FFF2-40B4-BE49-F238E27FC236}">
+                <a16:creationId xmlns:a16="http://schemas.microsoft.com/office/drawing/2014/main" id="{834006C8-3836-2A4E-A930-ABEA6D016312}"/>
+              </a:ext>
+            </a:extLst>
+          </p:cNvPr>
+          <p:cNvCxnSpPr>
+            <a:cxnSpLocks/>
+            <a:stCxn id="17" idx="3"/>
+            <a:endCxn id="19" idx="1"/>
+          </p:cNvCxnSpPr>
+          <p:nvPr/>
+        </p:nvCxnSpPr>
+        <p:spPr>
+          <a:xfrm>
+            <a:off x="2709448" y="2430050"/>
+            <a:ext cx="242865" cy="0"/>
+          </a:xfrm>
+          <a:prstGeom prst="straightConnector1">
+            <a:avLst/>
+          </a:prstGeom>
+          <a:ln>
+            <a:solidFill>
+              <a:schemeClr val="bg1"/>
+            </a:solidFill>
+            <a:tailEnd type="triangle"/>
+          </a:ln>
+        </p:spPr>
+        <p:style>
+          <a:lnRef idx="1">
+            <a:schemeClr val="accent1"/>
+          </a:lnRef>
+          <a:fillRef idx="0">
+            <a:schemeClr val="accent1"/>
+          </a:fillRef>
+          <a:effectRef idx="0">
+            <a:schemeClr val="accent1"/>
+          </a:effectRef>
+          <a:fontRef idx="minor">
+            <a:schemeClr val="tx1"/>
+          </a:fontRef>
+        </p:style>
+      </p:cxnSp>
+      <p:cxnSp>
+        <p:nvCxnSpPr>
+          <p:cNvPr id="25" name="直线箭头连接符 24">
+            <a:extLst>
+              <a:ext uri="{FF2B5EF4-FFF2-40B4-BE49-F238E27FC236}">
+                <a16:creationId xmlns:a16="http://schemas.microsoft.com/office/drawing/2014/main" id="{597E4063-2C76-9649-807A-22CF489C5007}"/>
+              </a:ext>
+            </a:extLst>
+          </p:cNvPr>
+          <p:cNvCxnSpPr>
+            <a:cxnSpLocks/>
+            <a:endCxn id="20" idx="1"/>
+          </p:cNvCxnSpPr>
+          <p:nvPr/>
+        </p:nvCxnSpPr>
+        <p:spPr>
+          <a:xfrm>
+            <a:off x="2709448" y="3219296"/>
+            <a:ext cx="242865" cy="0"/>
+          </a:xfrm>
+          <a:prstGeom prst="straightConnector1">
+            <a:avLst/>
+          </a:prstGeom>
+          <a:ln>
+            <a:solidFill>
+              <a:schemeClr val="bg1"/>
+            </a:solidFill>
+            <a:tailEnd type="triangle"/>
+          </a:ln>
+        </p:spPr>
+        <p:style>
+          <a:lnRef idx="1">
+            <a:schemeClr val="accent1"/>
+          </a:lnRef>
+          <a:fillRef idx="0">
+            <a:schemeClr val="accent1"/>
+          </a:fillRef>
+          <a:effectRef idx="0">
+            <a:schemeClr val="accent1"/>
+          </a:effectRef>
+          <a:fontRef idx="minor">
+            <a:schemeClr val="tx1"/>
+          </a:fontRef>
+        </p:style>
+      </p:cxnSp>
     </p:spTree>
     <p:extLst>
       <p:ext uri="{BB962C8B-B14F-4D97-AF65-F5344CB8AC3E}">
         <p14:creationId xmlns:p14="http://schemas.microsoft.com/office/powerpoint/2010/main" val="3514599753"/>
+      </p:ext>
+    </p:extLst>
+  </p:cSld>
+  <p:clrMapOvr>
+    <a:masterClrMapping/>
+  </p:clrMapOvr>
+</p:sld>
+</file>
+
+<file path=ppt/slides/slide3.xml><?xml version="1.0" encoding="utf-8"?>
+<p:sld xmlns:a="http://schemas.openxmlformats.org/drawingml/2006/main" xmlns:r="http://schemas.openxmlformats.org/officeDocument/2006/relationships" xmlns:p="http://schemas.openxmlformats.org/presentationml/2006/main">
+  <p:cSld>
+    <p:spTree>
+      <p:nvGrpSpPr>
+        <p:cNvPr id="1" name=""/>
+        <p:cNvGrpSpPr/>
+        <p:nvPr/>
+      </p:nvGrpSpPr>
+      <p:grpSpPr>
+        <a:xfrm>
+          <a:off x="0" y="0"/>
+          <a:ext cx="0" cy="0"/>
+          <a:chOff x="0" y="0"/>
+          <a:chExt cx="0" cy="0"/>
+        </a:xfrm>
+      </p:grpSpPr>
+      <p:sp>
+        <p:nvSpPr>
+          <p:cNvPr id="3" name="圆角矩形 2">
+            <a:extLst>
+              <a:ext uri="{FF2B5EF4-FFF2-40B4-BE49-F238E27FC236}">
+                <a16:creationId xmlns:a16="http://schemas.microsoft.com/office/drawing/2014/main" id="{7FAE3C06-24E7-604F-A056-687FA71B9426}"/>
+              </a:ext>
+            </a:extLst>
+          </p:cNvPr>
+          <p:cNvSpPr/>
+          <p:nvPr/>
+        </p:nvSpPr>
+        <p:spPr>
+          <a:xfrm>
+            <a:off x="285319" y="1385351"/>
+            <a:ext cx="436574" cy="354072"/>
+          </a:xfrm>
+          <a:prstGeom prst="roundRect">
+            <a:avLst/>
+          </a:prstGeom>
+          <a:solidFill>
+            <a:schemeClr val="tx1">
+              <a:lumMod val="85000"/>
+              <a:lumOff val="15000"/>
+            </a:schemeClr>
+          </a:solidFill>
+          <a:ln>
+            <a:noFill/>
+          </a:ln>
+        </p:spPr>
+        <p:style>
+          <a:lnRef idx="2">
+            <a:schemeClr val="accent1">
+              <a:shade val="50000"/>
+            </a:schemeClr>
+          </a:lnRef>
+          <a:fillRef idx="1">
+            <a:schemeClr val="accent1"/>
+          </a:fillRef>
+          <a:effectRef idx="0">
+            <a:schemeClr val="accent1"/>
+          </a:effectRef>
+          <a:fontRef idx="minor">
+            <a:schemeClr val="lt1"/>
+          </a:fontRef>
+        </p:style>
+        <p:txBody>
+          <a:bodyPr rtlCol="0" anchor="ctr"/>
+          <a:lstStyle/>
+          <a:p>
+            <a:pPr algn="ctr"/>
+            <a:r>
+              <a:rPr kumimoji="1" lang="en-US" altLang="zh-CN">
+                <a:solidFill>
+                  <a:schemeClr val="bg1"/>
+                </a:solidFill>
+              </a:rPr>
+              <a:t>0.2</a:t>
+            </a:r>
+            <a:endParaRPr kumimoji="1" lang="zh-CN" altLang="en-US">
+              <a:solidFill>
+                <a:schemeClr val="bg1"/>
+              </a:solidFill>
+            </a:endParaRPr>
+          </a:p>
+        </p:txBody>
+      </p:sp>
+      <p:sp>
+        <p:nvSpPr>
+          <p:cNvPr id="4" name="圆角矩形 3">
+            <a:extLst>
+              <a:ext uri="{FF2B5EF4-FFF2-40B4-BE49-F238E27FC236}">
+                <a16:creationId xmlns:a16="http://schemas.microsoft.com/office/drawing/2014/main" id="{584CF0E4-FF24-D04C-A43E-EDF90A943615}"/>
+              </a:ext>
+            </a:extLst>
+          </p:cNvPr>
+          <p:cNvSpPr/>
+          <p:nvPr/>
+        </p:nvSpPr>
+        <p:spPr>
+          <a:xfrm>
+            <a:off x="285319" y="2005300"/>
+            <a:ext cx="436574" cy="354072"/>
+          </a:xfrm>
+          <a:prstGeom prst="roundRect">
+            <a:avLst/>
+          </a:prstGeom>
+          <a:solidFill>
+            <a:schemeClr val="tx1">
+              <a:lumMod val="85000"/>
+              <a:lumOff val="15000"/>
+            </a:schemeClr>
+          </a:solidFill>
+          <a:ln>
+            <a:noFill/>
+          </a:ln>
+        </p:spPr>
+        <p:style>
+          <a:lnRef idx="2">
+            <a:schemeClr val="accent1">
+              <a:shade val="50000"/>
+            </a:schemeClr>
+          </a:lnRef>
+          <a:fillRef idx="1">
+            <a:schemeClr val="accent1"/>
+          </a:fillRef>
+          <a:effectRef idx="0">
+            <a:schemeClr val="accent1"/>
+          </a:effectRef>
+          <a:fontRef idx="minor">
+            <a:schemeClr val="lt1"/>
+          </a:fontRef>
+        </p:style>
+        <p:txBody>
+          <a:bodyPr rtlCol="0" anchor="ctr"/>
+          <a:lstStyle/>
+          <a:p>
+            <a:pPr algn="ctr"/>
+            <a:r>
+              <a:rPr kumimoji="1" lang="en-US" altLang="zh-CN">
+                <a:solidFill>
+                  <a:schemeClr val="bg1"/>
+                </a:solidFill>
+              </a:rPr>
+              <a:t>0.3</a:t>
+            </a:r>
+            <a:endParaRPr kumimoji="1" lang="zh-CN" altLang="en-US">
+              <a:solidFill>
+                <a:schemeClr val="bg1"/>
+              </a:solidFill>
+            </a:endParaRPr>
+          </a:p>
+        </p:txBody>
+      </p:sp>
+      <p:sp>
+        <p:nvSpPr>
+          <p:cNvPr id="9" name="圆角矩形 8">
+            <a:extLst>
+              <a:ext uri="{FF2B5EF4-FFF2-40B4-BE49-F238E27FC236}">
+                <a16:creationId xmlns:a16="http://schemas.microsoft.com/office/drawing/2014/main" id="{C8E68C23-6FC2-A04D-933D-AB0AE90A4114}"/>
+              </a:ext>
+            </a:extLst>
+          </p:cNvPr>
+          <p:cNvSpPr/>
+          <p:nvPr/>
+        </p:nvSpPr>
+        <p:spPr>
+          <a:xfrm>
+            <a:off x="285319" y="2840744"/>
+            <a:ext cx="436575" cy="354072"/>
+          </a:xfrm>
+          <a:prstGeom prst="roundRect">
+            <a:avLst/>
+          </a:prstGeom>
+          <a:solidFill>
+            <a:schemeClr val="tx1">
+              <a:lumMod val="85000"/>
+              <a:lumOff val="15000"/>
+            </a:schemeClr>
+          </a:solidFill>
+          <a:ln>
+            <a:noFill/>
+          </a:ln>
+        </p:spPr>
+        <p:style>
+          <a:lnRef idx="2">
+            <a:schemeClr val="accent1">
+              <a:shade val="50000"/>
+            </a:schemeClr>
+          </a:lnRef>
+          <a:fillRef idx="1">
+            <a:schemeClr val="accent1"/>
+          </a:fillRef>
+          <a:effectRef idx="0">
+            <a:schemeClr val="accent1"/>
+          </a:effectRef>
+          <a:fontRef idx="minor">
+            <a:schemeClr val="lt1"/>
+          </a:fontRef>
+        </p:style>
+        <p:txBody>
+          <a:bodyPr rtlCol="0" anchor="ctr"/>
+          <a:lstStyle/>
+          <a:p>
+            <a:pPr algn="ctr"/>
+            <a:r>
+              <a:rPr kumimoji="1" lang="en-US" altLang="zh-CN">
+                <a:solidFill>
+                  <a:schemeClr val="bg1"/>
+                </a:solidFill>
+              </a:rPr>
+              <a:t>0.5</a:t>
+            </a:r>
+            <a:endParaRPr kumimoji="1" lang="zh-CN" altLang="en-US">
+              <a:solidFill>
+                <a:schemeClr val="bg1"/>
+              </a:solidFill>
+            </a:endParaRPr>
+          </a:p>
+        </p:txBody>
+      </p:sp>
+      <p:cxnSp>
+        <p:nvCxnSpPr>
+          <p:cNvPr id="11" name="直线箭头连接符 10">
+            <a:extLst>
+              <a:ext uri="{FF2B5EF4-FFF2-40B4-BE49-F238E27FC236}">
+                <a16:creationId xmlns:a16="http://schemas.microsoft.com/office/drawing/2014/main" id="{3E86E620-34F9-C849-95E5-F2751E534A2C}"/>
+              </a:ext>
+            </a:extLst>
+          </p:cNvPr>
+          <p:cNvCxnSpPr>
+            <a:cxnSpLocks/>
+            <a:stCxn id="3" idx="2"/>
+            <a:endCxn id="4" idx="0"/>
+          </p:cNvCxnSpPr>
+          <p:nvPr/>
+        </p:nvCxnSpPr>
+        <p:spPr>
+          <a:xfrm>
+            <a:off x="503606" y="1739423"/>
+            <a:ext cx="0" cy="265877"/>
+          </a:xfrm>
+          <a:prstGeom prst="straightConnector1">
+            <a:avLst/>
+          </a:prstGeom>
+        </p:spPr>
+        <p:style>
+          <a:lnRef idx="1">
+            <a:schemeClr val="dk1"/>
+          </a:lnRef>
+          <a:fillRef idx="0">
+            <a:schemeClr val="dk1"/>
+          </a:fillRef>
+          <a:effectRef idx="0">
+            <a:schemeClr val="dk1"/>
+          </a:effectRef>
+          <a:fontRef idx="minor">
+            <a:schemeClr val="tx1"/>
+          </a:fontRef>
+        </p:style>
+      </p:cxnSp>
+      <p:cxnSp>
+        <p:nvCxnSpPr>
+          <p:cNvPr id="16" name="直线箭头连接符 15">
+            <a:extLst>
+              <a:ext uri="{FF2B5EF4-FFF2-40B4-BE49-F238E27FC236}">
+                <a16:creationId xmlns:a16="http://schemas.microsoft.com/office/drawing/2014/main" id="{A6F02C7A-1991-3C4C-8CD0-F50C4FB748B9}"/>
+              </a:ext>
+            </a:extLst>
+          </p:cNvPr>
+          <p:cNvCxnSpPr>
+            <a:cxnSpLocks/>
+            <a:stCxn id="4" idx="2"/>
+            <a:endCxn id="9" idx="0"/>
+          </p:cNvCxnSpPr>
+          <p:nvPr/>
+        </p:nvCxnSpPr>
+        <p:spPr>
+          <a:xfrm>
+            <a:off x="503606" y="2359372"/>
+            <a:ext cx="1" cy="481372"/>
+          </a:xfrm>
+          <a:prstGeom prst="straightConnector1">
+            <a:avLst/>
+          </a:prstGeom>
+        </p:spPr>
+        <p:style>
+          <a:lnRef idx="1">
+            <a:schemeClr val="dk1"/>
+          </a:lnRef>
+          <a:fillRef idx="0">
+            <a:schemeClr val="dk1"/>
+          </a:fillRef>
+          <a:effectRef idx="0">
+            <a:schemeClr val="dk1"/>
+          </a:effectRef>
+          <a:fontRef idx="minor">
+            <a:schemeClr val="tx1"/>
+          </a:fontRef>
+        </p:style>
+      </p:cxnSp>
+      <p:sp>
+        <p:nvSpPr>
+          <p:cNvPr id="23" name="圆角矩形 22">
+            <a:extLst>
+              <a:ext uri="{FF2B5EF4-FFF2-40B4-BE49-F238E27FC236}">
+                <a16:creationId xmlns:a16="http://schemas.microsoft.com/office/drawing/2014/main" id="{3BE8A39D-BBF9-AB48-877C-6CD27EBB95ED}"/>
+              </a:ext>
+            </a:extLst>
+          </p:cNvPr>
+          <p:cNvSpPr/>
+          <p:nvPr/>
+        </p:nvSpPr>
+        <p:spPr>
+          <a:xfrm>
+            <a:off x="285319" y="898341"/>
+            <a:ext cx="436574" cy="354072"/>
+          </a:xfrm>
+          <a:prstGeom prst="roundRect">
+            <a:avLst/>
+          </a:prstGeom>
+          <a:solidFill>
+            <a:schemeClr val="tx1">
+              <a:lumMod val="85000"/>
+              <a:lumOff val="15000"/>
+            </a:schemeClr>
+          </a:solidFill>
+          <a:ln>
+            <a:noFill/>
+          </a:ln>
+        </p:spPr>
+        <p:style>
+          <a:lnRef idx="2">
+            <a:schemeClr val="accent1">
+              <a:shade val="50000"/>
+            </a:schemeClr>
+          </a:lnRef>
+          <a:fillRef idx="1">
+            <a:schemeClr val="accent1"/>
+          </a:fillRef>
+          <a:effectRef idx="0">
+            <a:schemeClr val="accent1"/>
+          </a:effectRef>
+          <a:fontRef idx="minor">
+            <a:schemeClr val="lt1"/>
+          </a:fontRef>
+        </p:style>
+        <p:txBody>
+          <a:bodyPr rtlCol="0" anchor="ctr"/>
+          <a:lstStyle/>
+          <a:p>
+            <a:pPr algn="ctr"/>
+            <a:r>
+              <a:rPr kumimoji="1" lang="en-US" altLang="zh-CN">
+                <a:solidFill>
+                  <a:schemeClr val="bg1"/>
+                </a:solidFill>
+              </a:rPr>
+              <a:t>0</a:t>
+            </a:r>
+            <a:endParaRPr kumimoji="1" lang="zh-CN" altLang="en-US">
+              <a:solidFill>
+                <a:schemeClr val="bg1"/>
+              </a:solidFill>
+            </a:endParaRPr>
+          </a:p>
+        </p:txBody>
+      </p:sp>
+      <p:cxnSp>
+        <p:nvCxnSpPr>
+          <p:cNvPr id="24" name="直线箭头连接符 23">
+            <a:extLst>
+              <a:ext uri="{FF2B5EF4-FFF2-40B4-BE49-F238E27FC236}">
+                <a16:creationId xmlns:a16="http://schemas.microsoft.com/office/drawing/2014/main" id="{8A19A674-56E4-E543-8720-55F6DB2A3FE4}"/>
+              </a:ext>
+            </a:extLst>
+          </p:cNvPr>
+          <p:cNvCxnSpPr>
+            <a:cxnSpLocks/>
+            <a:stCxn id="23" idx="2"/>
+            <a:endCxn id="3" idx="0"/>
+          </p:cNvCxnSpPr>
+          <p:nvPr/>
+        </p:nvCxnSpPr>
+        <p:spPr>
+          <a:xfrm>
+            <a:off x="503606" y="1252413"/>
+            <a:ext cx="0" cy="132938"/>
+          </a:xfrm>
+          <a:prstGeom prst="straightConnector1">
+            <a:avLst/>
+          </a:prstGeom>
+        </p:spPr>
+        <p:style>
+          <a:lnRef idx="1">
+            <a:schemeClr val="dk1"/>
+          </a:lnRef>
+          <a:fillRef idx="0">
+            <a:schemeClr val="dk1"/>
+          </a:fillRef>
+          <a:effectRef idx="0">
+            <a:schemeClr val="dk1"/>
+          </a:effectRef>
+          <a:fontRef idx="minor">
+            <a:schemeClr val="tx1"/>
+          </a:fontRef>
+        </p:style>
+      </p:cxnSp>
+      <p:sp>
+        <p:nvSpPr>
+          <p:cNvPr id="28" name="圆角矩形 27">
+            <a:extLst>
+              <a:ext uri="{FF2B5EF4-FFF2-40B4-BE49-F238E27FC236}">
+                <a16:creationId xmlns:a16="http://schemas.microsoft.com/office/drawing/2014/main" id="{2B677204-8459-FD4E-8A73-3839C2DBF708}"/>
+              </a:ext>
+            </a:extLst>
+          </p:cNvPr>
+          <p:cNvSpPr/>
+          <p:nvPr/>
+        </p:nvSpPr>
+        <p:spPr>
+          <a:xfrm>
+            <a:off x="2190146" y="1385351"/>
+            <a:ext cx="436574" cy="354072"/>
+          </a:xfrm>
+          <a:prstGeom prst="roundRect">
+            <a:avLst/>
+          </a:prstGeom>
+          <a:solidFill>
+            <a:schemeClr val="tx1">
+              <a:lumMod val="75000"/>
+              <a:lumOff val="25000"/>
+            </a:schemeClr>
+          </a:solidFill>
+          <a:ln>
+            <a:noFill/>
+          </a:ln>
+        </p:spPr>
+        <p:style>
+          <a:lnRef idx="2">
+            <a:schemeClr val="accent1">
+              <a:shade val="50000"/>
+            </a:schemeClr>
+          </a:lnRef>
+          <a:fillRef idx="1">
+            <a:schemeClr val="accent1"/>
+          </a:fillRef>
+          <a:effectRef idx="0">
+            <a:schemeClr val="accent1"/>
+          </a:effectRef>
+          <a:fontRef idx="minor">
+            <a:schemeClr val="lt1"/>
+          </a:fontRef>
+        </p:style>
+        <p:txBody>
+          <a:bodyPr rtlCol="0" anchor="ctr"/>
+          <a:lstStyle/>
+          <a:p>
+            <a:pPr algn="ctr"/>
+            <a:r>
+              <a:rPr kumimoji="1" lang="en-US" altLang="zh-CN">
+                <a:solidFill>
+                  <a:schemeClr val="bg1"/>
+                </a:solidFill>
+              </a:rPr>
+              <a:t>0.2</a:t>
+            </a:r>
+            <a:endParaRPr kumimoji="1" lang="zh-CN" altLang="en-US">
+              <a:solidFill>
+                <a:schemeClr val="bg1"/>
+              </a:solidFill>
+            </a:endParaRPr>
+          </a:p>
+        </p:txBody>
+      </p:sp>
+      <p:sp>
+        <p:nvSpPr>
+          <p:cNvPr id="29" name="圆角矩形 28">
+            <a:extLst>
+              <a:ext uri="{FF2B5EF4-FFF2-40B4-BE49-F238E27FC236}">
+                <a16:creationId xmlns:a16="http://schemas.microsoft.com/office/drawing/2014/main" id="{F0176A42-A62D-BF45-9C46-8966A3D14176}"/>
+              </a:ext>
+            </a:extLst>
+          </p:cNvPr>
+          <p:cNvSpPr/>
+          <p:nvPr/>
+        </p:nvSpPr>
+        <p:spPr>
+          <a:xfrm>
+            <a:off x="2190146" y="2005300"/>
+            <a:ext cx="436574" cy="354072"/>
+          </a:xfrm>
+          <a:prstGeom prst="roundRect">
+            <a:avLst/>
+          </a:prstGeom>
+          <a:solidFill>
+            <a:schemeClr val="tx1">
+              <a:lumMod val="85000"/>
+              <a:lumOff val="15000"/>
+            </a:schemeClr>
+          </a:solidFill>
+          <a:ln>
+            <a:noFill/>
+          </a:ln>
+        </p:spPr>
+        <p:style>
+          <a:lnRef idx="2">
+            <a:schemeClr val="accent1">
+              <a:shade val="50000"/>
+            </a:schemeClr>
+          </a:lnRef>
+          <a:fillRef idx="1">
+            <a:schemeClr val="accent1"/>
+          </a:fillRef>
+          <a:effectRef idx="0">
+            <a:schemeClr val="accent1"/>
+          </a:effectRef>
+          <a:fontRef idx="minor">
+            <a:schemeClr val="lt1"/>
+          </a:fontRef>
+        </p:style>
+        <p:txBody>
+          <a:bodyPr rtlCol="0" anchor="ctr"/>
+          <a:lstStyle/>
+          <a:p>
+            <a:pPr algn="ctr"/>
+            <a:r>
+              <a:rPr kumimoji="1" lang="en-US" altLang="zh-CN">
+                <a:solidFill>
+                  <a:schemeClr val="bg1"/>
+                </a:solidFill>
+              </a:rPr>
+              <a:t>0.5</a:t>
+            </a:r>
+            <a:endParaRPr kumimoji="1" lang="zh-CN" altLang="en-US">
+              <a:solidFill>
+                <a:schemeClr val="bg1"/>
+              </a:solidFill>
+            </a:endParaRPr>
+          </a:p>
+        </p:txBody>
+      </p:sp>
+      <p:sp>
+        <p:nvSpPr>
+          <p:cNvPr id="30" name="圆角矩形 29">
+            <a:extLst>
+              <a:ext uri="{FF2B5EF4-FFF2-40B4-BE49-F238E27FC236}">
+                <a16:creationId xmlns:a16="http://schemas.microsoft.com/office/drawing/2014/main" id="{C3BE10F6-83D4-3F4B-964A-DA17733F6209}"/>
+              </a:ext>
+            </a:extLst>
+          </p:cNvPr>
+          <p:cNvSpPr/>
+          <p:nvPr/>
+        </p:nvSpPr>
+        <p:spPr>
+          <a:xfrm>
+            <a:off x="2190146" y="2840744"/>
+            <a:ext cx="436575" cy="354072"/>
+          </a:xfrm>
+          <a:prstGeom prst="roundRect">
+            <a:avLst/>
+          </a:prstGeom>
+          <a:solidFill>
+            <a:schemeClr val="tx1">
+              <a:lumMod val="95000"/>
+              <a:lumOff val="5000"/>
+            </a:schemeClr>
+          </a:solidFill>
+          <a:ln>
+            <a:noFill/>
+          </a:ln>
+        </p:spPr>
+        <p:style>
+          <a:lnRef idx="2">
+            <a:schemeClr val="accent1">
+              <a:shade val="50000"/>
+            </a:schemeClr>
+          </a:lnRef>
+          <a:fillRef idx="1">
+            <a:schemeClr val="accent1"/>
+          </a:fillRef>
+          <a:effectRef idx="0">
+            <a:schemeClr val="accent1"/>
+          </a:effectRef>
+          <a:fontRef idx="minor">
+            <a:schemeClr val="lt1"/>
+          </a:fontRef>
+        </p:style>
+        <p:txBody>
+          <a:bodyPr rtlCol="0" anchor="ctr"/>
+          <a:lstStyle/>
+          <a:p>
+            <a:pPr algn="ctr"/>
+            <a:r>
+              <a:rPr kumimoji="1" lang="en-US" altLang="zh-CN">
+                <a:solidFill>
+                  <a:schemeClr val="bg1"/>
+                </a:solidFill>
+              </a:rPr>
+              <a:t>1.0</a:t>
+            </a:r>
+            <a:endParaRPr kumimoji="1" lang="zh-CN" altLang="en-US">
+              <a:solidFill>
+                <a:schemeClr val="bg1"/>
+              </a:solidFill>
+            </a:endParaRPr>
+          </a:p>
+        </p:txBody>
+      </p:sp>
+      <p:cxnSp>
+        <p:nvCxnSpPr>
+          <p:cNvPr id="31" name="直线箭头连接符 30">
+            <a:extLst>
+              <a:ext uri="{FF2B5EF4-FFF2-40B4-BE49-F238E27FC236}">
+                <a16:creationId xmlns:a16="http://schemas.microsoft.com/office/drawing/2014/main" id="{3B2FC722-7C8D-F943-81F2-986F343C4C89}"/>
+              </a:ext>
+            </a:extLst>
+          </p:cNvPr>
+          <p:cNvCxnSpPr>
+            <a:cxnSpLocks/>
+            <a:stCxn id="28" idx="2"/>
+            <a:endCxn id="29" idx="0"/>
+          </p:cNvCxnSpPr>
+          <p:nvPr/>
+        </p:nvCxnSpPr>
+        <p:spPr>
+          <a:xfrm>
+            <a:off x="2408433" y="1739423"/>
+            <a:ext cx="0" cy="265877"/>
+          </a:xfrm>
+          <a:prstGeom prst="straightConnector1">
+            <a:avLst/>
+          </a:prstGeom>
+        </p:spPr>
+        <p:style>
+          <a:lnRef idx="1">
+            <a:schemeClr val="dk1"/>
+          </a:lnRef>
+          <a:fillRef idx="0">
+            <a:schemeClr val="dk1"/>
+          </a:fillRef>
+          <a:effectRef idx="0">
+            <a:schemeClr val="dk1"/>
+          </a:effectRef>
+          <a:fontRef idx="minor">
+            <a:schemeClr val="tx1"/>
+          </a:fontRef>
+        </p:style>
+      </p:cxnSp>
+      <p:cxnSp>
+        <p:nvCxnSpPr>
+          <p:cNvPr id="32" name="直线箭头连接符 31">
+            <a:extLst>
+              <a:ext uri="{FF2B5EF4-FFF2-40B4-BE49-F238E27FC236}">
+                <a16:creationId xmlns:a16="http://schemas.microsoft.com/office/drawing/2014/main" id="{3A8A8C51-8101-274D-A10B-0BA9E0DBBE7B}"/>
+              </a:ext>
+            </a:extLst>
+          </p:cNvPr>
+          <p:cNvCxnSpPr>
+            <a:cxnSpLocks/>
+            <a:stCxn id="29" idx="2"/>
+            <a:endCxn id="30" idx="0"/>
+          </p:cNvCxnSpPr>
+          <p:nvPr/>
+        </p:nvCxnSpPr>
+        <p:spPr>
+          <a:xfrm>
+            <a:off x="2408433" y="2359372"/>
+            <a:ext cx="1" cy="481372"/>
+          </a:xfrm>
+          <a:prstGeom prst="straightConnector1">
+            <a:avLst/>
+          </a:prstGeom>
+        </p:spPr>
+        <p:style>
+          <a:lnRef idx="1">
+            <a:schemeClr val="dk1"/>
+          </a:lnRef>
+          <a:fillRef idx="0">
+            <a:schemeClr val="dk1"/>
+          </a:fillRef>
+          <a:effectRef idx="0">
+            <a:schemeClr val="dk1"/>
+          </a:effectRef>
+          <a:fontRef idx="minor">
+            <a:schemeClr val="tx1"/>
+          </a:fontRef>
+        </p:style>
+      </p:cxnSp>
+      <p:sp>
+        <p:nvSpPr>
+          <p:cNvPr id="33" name="圆角矩形 32">
+            <a:extLst>
+              <a:ext uri="{FF2B5EF4-FFF2-40B4-BE49-F238E27FC236}">
+                <a16:creationId xmlns:a16="http://schemas.microsoft.com/office/drawing/2014/main" id="{EFF18C08-CB5C-4B40-A131-EDE70F22530A}"/>
+              </a:ext>
+            </a:extLst>
+          </p:cNvPr>
+          <p:cNvSpPr/>
+          <p:nvPr/>
+        </p:nvSpPr>
+        <p:spPr>
+          <a:xfrm>
+            <a:off x="2190146" y="898341"/>
+            <a:ext cx="436574" cy="354072"/>
+          </a:xfrm>
+          <a:prstGeom prst="roundRect">
+            <a:avLst/>
+          </a:prstGeom>
+          <a:solidFill>
+            <a:schemeClr val="tx1">
+              <a:lumMod val="65000"/>
+              <a:lumOff val="35000"/>
+            </a:schemeClr>
+          </a:solidFill>
+          <a:ln>
+            <a:noFill/>
+          </a:ln>
+        </p:spPr>
+        <p:style>
+          <a:lnRef idx="2">
+            <a:schemeClr val="accent1">
+              <a:shade val="50000"/>
+            </a:schemeClr>
+          </a:lnRef>
+          <a:fillRef idx="1">
+            <a:schemeClr val="accent1"/>
+          </a:fillRef>
+          <a:effectRef idx="0">
+            <a:schemeClr val="accent1"/>
+          </a:effectRef>
+          <a:fontRef idx="minor">
+            <a:schemeClr val="lt1"/>
+          </a:fontRef>
+        </p:style>
+        <p:txBody>
+          <a:bodyPr rtlCol="0" anchor="ctr"/>
+          <a:lstStyle/>
+          <a:p>
+            <a:pPr algn="ctr"/>
+            <a:r>
+              <a:rPr kumimoji="1" lang="en-US" altLang="zh-CN">
+                <a:solidFill>
+                  <a:schemeClr val="bg1"/>
+                </a:solidFill>
+              </a:rPr>
+              <a:t>0</a:t>
+            </a:r>
+            <a:endParaRPr kumimoji="1" lang="zh-CN" altLang="en-US">
+              <a:solidFill>
+                <a:schemeClr val="bg1"/>
+              </a:solidFill>
+            </a:endParaRPr>
+          </a:p>
+        </p:txBody>
+      </p:sp>
+      <p:cxnSp>
+        <p:nvCxnSpPr>
+          <p:cNvPr id="34" name="直线箭头连接符 33">
+            <a:extLst>
+              <a:ext uri="{FF2B5EF4-FFF2-40B4-BE49-F238E27FC236}">
+                <a16:creationId xmlns:a16="http://schemas.microsoft.com/office/drawing/2014/main" id="{6D3D9E1B-1823-FA4F-B65F-BDE62969F4CB}"/>
+              </a:ext>
+            </a:extLst>
+          </p:cNvPr>
+          <p:cNvCxnSpPr>
+            <a:cxnSpLocks/>
+            <a:stCxn id="33" idx="2"/>
+            <a:endCxn id="28" idx="0"/>
+          </p:cNvCxnSpPr>
+          <p:nvPr/>
+        </p:nvCxnSpPr>
+        <p:spPr>
+          <a:xfrm>
+            <a:off x="2408433" y="1252413"/>
+            <a:ext cx="0" cy="132938"/>
+          </a:xfrm>
+          <a:prstGeom prst="straightConnector1">
+            <a:avLst/>
+          </a:prstGeom>
+        </p:spPr>
+        <p:style>
+          <a:lnRef idx="1">
+            <a:schemeClr val="dk1"/>
+          </a:lnRef>
+          <a:fillRef idx="0">
+            <a:schemeClr val="dk1"/>
+          </a:fillRef>
+          <a:effectRef idx="0">
+            <a:schemeClr val="dk1"/>
+          </a:effectRef>
+          <a:fontRef idx="minor">
+            <a:schemeClr val="tx1"/>
+          </a:fontRef>
+        </p:style>
+      </p:cxnSp>
+      <p:cxnSp>
+        <p:nvCxnSpPr>
+          <p:cNvPr id="36" name="曲线连接符 35">
+            <a:extLst>
+              <a:ext uri="{FF2B5EF4-FFF2-40B4-BE49-F238E27FC236}">
+                <a16:creationId xmlns:a16="http://schemas.microsoft.com/office/drawing/2014/main" id="{354BE8D4-40F4-B34A-B038-C7AD41083581}"/>
+              </a:ext>
+            </a:extLst>
+          </p:cNvPr>
+          <p:cNvCxnSpPr>
+            <a:cxnSpLocks/>
+            <a:stCxn id="3" idx="3"/>
+            <a:endCxn id="29" idx="1"/>
+          </p:cNvCxnSpPr>
+          <p:nvPr/>
+        </p:nvCxnSpPr>
+        <p:spPr>
+          <a:xfrm>
+            <a:off x="721893" y="1562387"/>
+            <a:ext cx="1468253" cy="619949"/>
+          </a:xfrm>
+          <a:prstGeom prst="curvedConnector3">
+            <a:avLst/>
+          </a:prstGeom>
+          <a:ln>
+            <a:prstDash val="dash"/>
+            <a:tailEnd type="triangle"/>
+          </a:ln>
+        </p:spPr>
+        <p:style>
+          <a:lnRef idx="1">
+            <a:schemeClr val="dk1"/>
+          </a:lnRef>
+          <a:fillRef idx="0">
+            <a:schemeClr val="dk1"/>
+          </a:fillRef>
+          <a:effectRef idx="0">
+            <a:schemeClr val="dk1"/>
+          </a:effectRef>
+          <a:fontRef idx="minor">
+            <a:schemeClr val="tx1"/>
+          </a:fontRef>
+        </p:style>
+      </p:cxnSp>
+      <p:cxnSp>
+        <p:nvCxnSpPr>
+          <p:cNvPr id="42" name="直线箭头连接符 41">
+            <a:extLst>
+              <a:ext uri="{FF2B5EF4-FFF2-40B4-BE49-F238E27FC236}">
+                <a16:creationId xmlns:a16="http://schemas.microsoft.com/office/drawing/2014/main" id="{5A6F1757-59AB-D94B-8153-5B45DC4031A0}"/>
+              </a:ext>
+            </a:extLst>
+          </p:cNvPr>
+          <p:cNvCxnSpPr>
+            <a:cxnSpLocks/>
+            <a:stCxn id="4" idx="3"/>
+            <a:endCxn id="29" idx="1"/>
+          </p:cNvCxnSpPr>
+          <p:nvPr/>
+        </p:nvCxnSpPr>
+        <p:spPr>
+          <a:xfrm>
+            <a:off x="721893" y="2182336"/>
+            <a:ext cx="1468253" cy="0"/>
+          </a:xfrm>
+          <a:prstGeom prst="straightConnector1">
+            <a:avLst/>
+          </a:prstGeom>
+          <a:ln>
+            <a:prstDash val="dash"/>
+            <a:tailEnd type="triangle"/>
+          </a:ln>
+        </p:spPr>
+        <p:style>
+          <a:lnRef idx="1">
+            <a:schemeClr val="dk1"/>
+          </a:lnRef>
+          <a:fillRef idx="0">
+            <a:schemeClr val="dk1"/>
+          </a:fillRef>
+          <a:effectRef idx="0">
+            <a:schemeClr val="dk1"/>
+          </a:effectRef>
+          <a:fontRef idx="minor">
+            <a:schemeClr val="tx1"/>
+          </a:fontRef>
+        </p:style>
+      </p:cxnSp>
+      <p:cxnSp>
+        <p:nvCxnSpPr>
+          <p:cNvPr id="46" name="直线箭头连接符 45">
+            <a:extLst>
+              <a:ext uri="{FF2B5EF4-FFF2-40B4-BE49-F238E27FC236}">
+                <a16:creationId xmlns:a16="http://schemas.microsoft.com/office/drawing/2014/main" id="{E397FB47-4EC2-084B-B6CF-3C1867694E5A}"/>
+              </a:ext>
+            </a:extLst>
+          </p:cNvPr>
+          <p:cNvCxnSpPr>
+            <a:cxnSpLocks/>
+            <a:stCxn id="9" idx="3"/>
+            <a:endCxn id="30" idx="1"/>
+          </p:cNvCxnSpPr>
+          <p:nvPr/>
+        </p:nvCxnSpPr>
+        <p:spPr>
+          <a:xfrm>
+            <a:off x="721894" y="3017780"/>
+            <a:ext cx="1468252" cy="0"/>
+          </a:xfrm>
+          <a:prstGeom prst="straightConnector1">
+            <a:avLst/>
+          </a:prstGeom>
+          <a:ln>
+            <a:prstDash val="lgDash"/>
+            <a:tailEnd type="triangle"/>
+          </a:ln>
+        </p:spPr>
+        <p:style>
+          <a:lnRef idx="1">
+            <a:schemeClr val="accent1"/>
+          </a:lnRef>
+          <a:fillRef idx="0">
+            <a:schemeClr val="accent1"/>
+          </a:fillRef>
+          <a:effectRef idx="0">
+            <a:schemeClr val="accent1"/>
+          </a:effectRef>
+          <a:fontRef idx="minor">
+            <a:schemeClr val="tx1"/>
+          </a:fontRef>
+        </p:style>
+      </p:cxnSp>
+      <p:cxnSp>
+        <p:nvCxnSpPr>
+          <p:cNvPr id="50" name="曲线连接符 49">
+            <a:extLst>
+              <a:ext uri="{FF2B5EF4-FFF2-40B4-BE49-F238E27FC236}">
+                <a16:creationId xmlns:a16="http://schemas.microsoft.com/office/drawing/2014/main" id="{D2C51174-8A6D-0C49-84E1-F2F3F74F7A42}"/>
+              </a:ext>
+            </a:extLst>
+          </p:cNvPr>
+          <p:cNvCxnSpPr>
+            <a:cxnSpLocks/>
+            <a:stCxn id="4" idx="3"/>
+            <a:endCxn id="30" idx="1"/>
+          </p:cNvCxnSpPr>
+          <p:nvPr/>
+        </p:nvCxnSpPr>
+        <p:spPr>
+          <a:xfrm>
+            <a:off x="721893" y="2182336"/>
+            <a:ext cx="1468253" cy="835444"/>
+          </a:xfrm>
+          <a:prstGeom prst="curvedConnector3">
+            <a:avLst>
+              <a:gd name="adj1" fmla="val 43913"/>
+            </a:avLst>
+          </a:prstGeom>
+          <a:ln>
+            <a:prstDash val="lgDash"/>
+            <a:tailEnd type="triangle"/>
+          </a:ln>
+        </p:spPr>
+        <p:style>
+          <a:lnRef idx="1">
+            <a:schemeClr val="accent1"/>
+          </a:lnRef>
+          <a:fillRef idx="0">
+            <a:schemeClr val="accent1"/>
+          </a:fillRef>
+          <a:effectRef idx="0">
+            <a:schemeClr val="accent1"/>
+          </a:effectRef>
+          <a:fontRef idx="minor">
+            <a:schemeClr val="tx1"/>
+          </a:fontRef>
+        </p:style>
+      </p:cxnSp>
+      <p:cxnSp>
+        <p:nvCxnSpPr>
+          <p:cNvPr id="53" name="曲线连接符 52">
+            <a:extLst>
+              <a:ext uri="{FF2B5EF4-FFF2-40B4-BE49-F238E27FC236}">
+                <a16:creationId xmlns:a16="http://schemas.microsoft.com/office/drawing/2014/main" id="{F8F35B96-C28A-0F4E-AEB8-2411C5251ACB}"/>
+              </a:ext>
+            </a:extLst>
+          </p:cNvPr>
+          <p:cNvCxnSpPr>
+            <a:cxnSpLocks/>
+            <a:stCxn id="3" idx="3"/>
+            <a:endCxn id="30" idx="1"/>
+          </p:cNvCxnSpPr>
+          <p:nvPr/>
+        </p:nvCxnSpPr>
+        <p:spPr>
+          <a:xfrm>
+            <a:off x="721893" y="1562387"/>
+            <a:ext cx="1468253" cy="1455393"/>
+          </a:xfrm>
+          <a:prstGeom prst="curvedConnector3">
+            <a:avLst>
+              <a:gd name="adj1" fmla="val 27524"/>
+            </a:avLst>
+          </a:prstGeom>
+          <a:ln>
+            <a:prstDash val="lgDash"/>
+            <a:tailEnd type="triangle"/>
+          </a:ln>
+        </p:spPr>
+        <p:style>
+          <a:lnRef idx="1">
+            <a:schemeClr val="accent1"/>
+          </a:lnRef>
+          <a:fillRef idx="0">
+            <a:schemeClr val="accent1"/>
+          </a:fillRef>
+          <a:effectRef idx="0">
+            <a:schemeClr val="accent1"/>
+          </a:effectRef>
+          <a:fontRef idx="minor">
+            <a:schemeClr val="tx1"/>
+          </a:fontRef>
+        </p:style>
+      </p:cxnSp>
+      <p:sp>
+        <p:nvSpPr>
+          <p:cNvPr id="61" name="文本框 60">
+            <a:extLst>
+              <a:ext uri="{FF2B5EF4-FFF2-40B4-BE49-F238E27FC236}">
+                <a16:creationId xmlns:a16="http://schemas.microsoft.com/office/drawing/2014/main" id="{65D92199-E166-DE4C-A570-C1B042213C45}"/>
+              </a:ext>
+            </a:extLst>
+          </p:cNvPr>
+          <p:cNvSpPr txBox="1"/>
+          <p:nvPr/>
+        </p:nvSpPr>
+        <p:spPr>
+          <a:xfrm>
+            <a:off x="1255121" y="2170659"/>
+            <a:ext cx="914400" cy="238848"/>
+          </a:xfrm>
+          <a:prstGeom prst="rect">
+            <a:avLst/>
+          </a:prstGeom>
+          <a:noFill/>
+        </p:spPr>
+        <p:txBody>
+          <a:bodyPr wrap="square" rtlCol="0">
+            <a:spAutoFit/>
+          </a:bodyPr>
+          <a:lstStyle/>
+          <a:p>
+            <a:r>
+              <a:rPr kumimoji="1" lang="en-US" altLang="zh-CN"/>
+              <a:t>∑</a:t>
+            </a:r>
+            <a:r>
+              <a:rPr kumimoji="1" lang="zh-CN" altLang="en-US"/>
+              <a:t> </a:t>
+            </a:r>
+            <a:r>
+              <a:rPr kumimoji="1" lang="en-US" altLang="zh-CN"/>
+              <a:t>=</a:t>
+            </a:r>
+            <a:r>
+              <a:rPr kumimoji="1" lang="zh-CN" altLang="en-US"/>
+              <a:t> </a:t>
+            </a:r>
+            <a:r>
+              <a:rPr kumimoji="1" lang="en-US" altLang="zh-CN"/>
+              <a:t>0.2</a:t>
+            </a:r>
+            <a:r>
+              <a:rPr kumimoji="1" lang="zh-CN" altLang="en-US"/>
+              <a:t> </a:t>
+            </a:r>
+            <a:r>
+              <a:rPr kumimoji="1" lang="en-US" altLang="zh-CN"/>
+              <a:t>+</a:t>
+            </a:r>
+            <a:r>
+              <a:rPr kumimoji="1" lang="zh-CN" altLang="en-US"/>
+              <a:t> </a:t>
+            </a:r>
+            <a:r>
+              <a:rPr kumimoji="1" lang="en-US" altLang="zh-CN"/>
+              <a:t>0.3</a:t>
+            </a:r>
+            <a:endParaRPr kumimoji="1" lang="zh-CN" altLang="en-US"/>
+          </a:p>
+        </p:txBody>
+      </p:sp>
+      <p:sp>
+        <p:nvSpPr>
+          <p:cNvPr id="62" name="文本框 61">
+            <a:extLst>
+              <a:ext uri="{FF2B5EF4-FFF2-40B4-BE49-F238E27FC236}">
+                <a16:creationId xmlns:a16="http://schemas.microsoft.com/office/drawing/2014/main" id="{766917B6-B227-AB44-B47F-E604EC739A3C}"/>
+              </a:ext>
+            </a:extLst>
+          </p:cNvPr>
+          <p:cNvSpPr txBox="1"/>
+          <p:nvPr/>
+        </p:nvSpPr>
+        <p:spPr>
+          <a:xfrm>
+            <a:off x="853668" y="3041889"/>
+            <a:ext cx="1387642" cy="238848"/>
+          </a:xfrm>
+          <a:prstGeom prst="rect">
+            <a:avLst/>
+          </a:prstGeom>
+          <a:noFill/>
+        </p:spPr>
+        <p:txBody>
+          <a:bodyPr wrap="square" rtlCol="0">
+            <a:spAutoFit/>
+          </a:bodyPr>
+          <a:lstStyle/>
+          <a:p>
+            <a:r>
+              <a:rPr kumimoji="1" lang="en-US" altLang="zh-CN"/>
+              <a:t>∑</a:t>
+            </a:r>
+            <a:r>
+              <a:rPr kumimoji="1" lang="zh-CN" altLang="en-US"/>
+              <a:t> </a:t>
+            </a:r>
+            <a:r>
+              <a:rPr kumimoji="1" lang="en-US" altLang="zh-CN"/>
+              <a:t>=</a:t>
+            </a:r>
+            <a:r>
+              <a:rPr kumimoji="1" lang="zh-CN" altLang="en-US"/>
+              <a:t> </a:t>
+            </a:r>
+            <a:r>
+              <a:rPr kumimoji="1" lang="en-US" altLang="zh-CN"/>
+              <a:t>0.2</a:t>
+            </a:r>
+            <a:r>
+              <a:rPr kumimoji="1" lang="zh-CN" altLang="en-US"/>
+              <a:t> </a:t>
+            </a:r>
+            <a:r>
+              <a:rPr kumimoji="1" lang="en-US" altLang="zh-CN"/>
+              <a:t>+</a:t>
+            </a:r>
+            <a:r>
+              <a:rPr kumimoji="1" lang="zh-CN" altLang="en-US"/>
+              <a:t> </a:t>
+            </a:r>
+            <a:r>
+              <a:rPr kumimoji="1" lang="en-US" altLang="zh-CN"/>
+              <a:t>0.3</a:t>
+            </a:r>
+            <a:r>
+              <a:rPr kumimoji="1" lang="zh-CN" altLang="en-US"/>
+              <a:t> </a:t>
+            </a:r>
+            <a:r>
+              <a:rPr kumimoji="1" lang="en-US" altLang="zh-CN"/>
+              <a:t>+</a:t>
+            </a:r>
+            <a:r>
+              <a:rPr kumimoji="1" lang="zh-CN" altLang="en-US"/>
+              <a:t> </a:t>
+            </a:r>
+            <a:r>
+              <a:rPr kumimoji="1" lang="en-US" altLang="zh-CN"/>
+              <a:t>0.5</a:t>
+            </a:r>
+            <a:endParaRPr kumimoji="1" lang="zh-CN" altLang="en-US"/>
+          </a:p>
+        </p:txBody>
+      </p:sp>
+      <p:sp>
+        <p:nvSpPr>
+          <p:cNvPr id="71" name="圆角矩形 70">
+            <a:extLst>
+              <a:ext uri="{FF2B5EF4-FFF2-40B4-BE49-F238E27FC236}">
+                <a16:creationId xmlns:a16="http://schemas.microsoft.com/office/drawing/2014/main" id="{AFF41015-3B05-D642-8B83-99093A7E6927}"/>
+              </a:ext>
+            </a:extLst>
+          </p:cNvPr>
+          <p:cNvSpPr/>
+          <p:nvPr/>
+        </p:nvSpPr>
+        <p:spPr>
+          <a:xfrm>
+            <a:off x="2988814" y="445725"/>
+            <a:ext cx="436574" cy="354072"/>
+          </a:xfrm>
+          <a:prstGeom prst="roundRect">
+            <a:avLst/>
+          </a:prstGeom>
+          <a:solidFill>
+            <a:srgbClr val="C00000"/>
+          </a:solidFill>
+          <a:ln>
+            <a:noFill/>
+          </a:ln>
+        </p:spPr>
+        <p:style>
+          <a:lnRef idx="2">
+            <a:schemeClr val="accent1">
+              <a:shade val="50000"/>
+            </a:schemeClr>
+          </a:lnRef>
+          <a:fillRef idx="1">
+            <a:schemeClr val="accent1"/>
+          </a:fillRef>
+          <a:effectRef idx="0">
+            <a:schemeClr val="accent1"/>
+          </a:effectRef>
+          <a:fontRef idx="minor">
+            <a:schemeClr val="lt1"/>
+          </a:fontRef>
+        </p:style>
+        <p:txBody>
+          <a:bodyPr rtlCol="0" anchor="ctr"/>
+          <a:lstStyle/>
+          <a:p>
+            <a:pPr algn="ctr"/>
+            <a:r>
+              <a:rPr kumimoji="1" lang="en-US" altLang="zh-CN">
+                <a:solidFill>
+                  <a:schemeClr val="bg1"/>
+                </a:solidFill>
+              </a:rPr>
+              <a:t>0.7</a:t>
+            </a:r>
+            <a:endParaRPr kumimoji="1" lang="zh-CN" altLang="en-US">
+              <a:solidFill>
+                <a:schemeClr val="bg1"/>
+              </a:solidFill>
+            </a:endParaRPr>
+          </a:p>
+        </p:txBody>
+      </p:sp>
+      <p:cxnSp>
+        <p:nvCxnSpPr>
+          <p:cNvPr id="80" name="曲线连接符 79">
+            <a:extLst>
+              <a:ext uri="{FF2B5EF4-FFF2-40B4-BE49-F238E27FC236}">
+                <a16:creationId xmlns:a16="http://schemas.microsoft.com/office/drawing/2014/main" id="{F885D625-B643-AD4E-BA74-4AA05B2D617E}"/>
+              </a:ext>
+            </a:extLst>
+          </p:cNvPr>
+          <p:cNvCxnSpPr>
+            <a:cxnSpLocks/>
+            <a:stCxn id="71" idx="2"/>
+            <a:endCxn id="83" idx="6"/>
+          </p:cNvCxnSpPr>
+          <p:nvPr/>
+        </p:nvCxnSpPr>
+        <p:spPr>
+          <a:xfrm rot="5400000">
+            <a:off x="1939985" y="1265495"/>
+            <a:ext cx="1732814" cy="801419"/>
+          </a:xfrm>
+          <a:prstGeom prst="curvedConnector2">
+            <a:avLst/>
+          </a:prstGeom>
+          <a:ln>
+            <a:solidFill>
+              <a:srgbClr val="C00000"/>
+            </a:solidFill>
+            <a:tailEnd type="triangle"/>
+          </a:ln>
+        </p:spPr>
+        <p:style>
+          <a:lnRef idx="1">
+            <a:schemeClr val="accent1"/>
+          </a:lnRef>
+          <a:fillRef idx="0">
+            <a:schemeClr val="accent1"/>
+          </a:fillRef>
+          <a:effectRef idx="0">
+            <a:schemeClr val="accent1"/>
+          </a:effectRef>
+          <a:fontRef idx="minor">
+            <a:schemeClr val="tx1"/>
+          </a:fontRef>
+        </p:style>
+      </p:cxnSp>
+      <p:sp>
+        <p:nvSpPr>
+          <p:cNvPr id="83" name="椭圆 82">
+            <a:extLst>
+              <a:ext uri="{FF2B5EF4-FFF2-40B4-BE49-F238E27FC236}">
+                <a16:creationId xmlns:a16="http://schemas.microsoft.com/office/drawing/2014/main" id="{45340A8B-BDD4-D449-AAF6-00C361DF9BC0}"/>
+              </a:ext>
+            </a:extLst>
+          </p:cNvPr>
+          <p:cNvSpPr/>
+          <p:nvPr/>
+        </p:nvSpPr>
+        <p:spPr>
+          <a:xfrm>
+            <a:off x="2180520" y="2420030"/>
+            <a:ext cx="225162" cy="225162"/>
+          </a:xfrm>
+          <a:prstGeom prst="ellipse">
+            <a:avLst/>
+          </a:prstGeom>
+          <a:noFill/>
+          <a:ln>
+            <a:noFill/>
+          </a:ln>
+        </p:spPr>
+        <p:style>
+          <a:lnRef idx="2">
+            <a:schemeClr val="accent1">
+              <a:shade val="50000"/>
+            </a:schemeClr>
+          </a:lnRef>
+          <a:fillRef idx="1">
+            <a:schemeClr val="accent1"/>
+          </a:fillRef>
+          <a:effectRef idx="0">
+            <a:schemeClr val="accent1"/>
+          </a:effectRef>
+          <a:fontRef idx="minor">
+            <a:schemeClr val="lt1"/>
+          </a:fontRef>
+        </p:style>
+        <p:txBody>
+          <a:bodyPr rtlCol="0" anchor="ctr"/>
+          <a:lstStyle/>
+          <a:p>
+            <a:pPr algn="ctr"/>
+            <a:endParaRPr kumimoji="1" lang="zh-CN" altLang="en-US">
+              <a:solidFill>
+                <a:srgbClr val="FF0000"/>
+              </a:solidFill>
+            </a:endParaRPr>
+          </a:p>
+        </p:txBody>
+      </p:sp>
+      <p:sp>
+        <p:nvSpPr>
+          <p:cNvPr id="85" name="文本框 84">
+            <a:extLst>
+              <a:ext uri="{FF2B5EF4-FFF2-40B4-BE49-F238E27FC236}">
+                <a16:creationId xmlns:a16="http://schemas.microsoft.com/office/drawing/2014/main" id="{50251605-18A0-5248-8A89-D59A7A176878}"/>
+              </a:ext>
+            </a:extLst>
+          </p:cNvPr>
+          <p:cNvSpPr txBox="1"/>
+          <p:nvPr/>
+        </p:nvSpPr>
+        <p:spPr>
+          <a:xfrm>
+            <a:off x="2581572" y="2350054"/>
+            <a:ext cx="914400" cy="238848"/>
+          </a:xfrm>
+          <a:prstGeom prst="rect">
+            <a:avLst/>
+          </a:prstGeom>
+          <a:noFill/>
+        </p:spPr>
+        <p:txBody>
+          <a:bodyPr wrap="square" rtlCol="0">
+            <a:spAutoFit/>
+          </a:bodyPr>
+          <a:lstStyle/>
+          <a:p>
+            <a:r>
+              <a:rPr kumimoji="1" lang="zh-CN" altLang="en-US">
+                <a:solidFill>
+                  <a:srgbClr val="C00000"/>
+                </a:solidFill>
+              </a:rPr>
+              <a:t>中奖</a:t>
+            </a:r>
+          </a:p>
+        </p:txBody>
+      </p:sp>
+      <p:cxnSp>
+        <p:nvCxnSpPr>
+          <p:cNvPr id="86" name="曲线连接符 85">
+            <a:extLst>
+              <a:ext uri="{FF2B5EF4-FFF2-40B4-BE49-F238E27FC236}">
+                <a16:creationId xmlns:a16="http://schemas.microsoft.com/office/drawing/2014/main" id="{9C3E285C-0447-7340-9794-0364876A54E8}"/>
+              </a:ext>
+            </a:extLst>
+          </p:cNvPr>
+          <p:cNvCxnSpPr>
+            <a:cxnSpLocks/>
+            <a:stCxn id="71" idx="2"/>
+            <a:endCxn id="33" idx="3"/>
+          </p:cNvCxnSpPr>
+          <p:nvPr/>
+        </p:nvCxnSpPr>
+        <p:spPr>
+          <a:xfrm rot="5400000">
+            <a:off x="2779121" y="647397"/>
+            <a:ext cx="275580" cy="580381"/>
+          </a:xfrm>
+          <a:prstGeom prst="curvedConnector2">
+            <a:avLst/>
+          </a:prstGeom>
+          <a:ln>
+            <a:solidFill>
+              <a:srgbClr val="C00000"/>
+            </a:solidFill>
+            <a:prstDash val="dash"/>
+            <a:tailEnd type="triangle"/>
+          </a:ln>
+        </p:spPr>
+        <p:style>
+          <a:lnRef idx="1">
+            <a:schemeClr val="accent1"/>
+          </a:lnRef>
+          <a:fillRef idx="0">
+            <a:schemeClr val="accent1"/>
+          </a:fillRef>
+          <a:effectRef idx="0">
+            <a:schemeClr val="accent1"/>
+          </a:effectRef>
+          <a:fontRef idx="minor">
+            <a:schemeClr val="tx1"/>
+          </a:fontRef>
+        </p:style>
+      </p:cxnSp>
+      <p:cxnSp>
+        <p:nvCxnSpPr>
+          <p:cNvPr id="91" name="曲线连接符 90">
+            <a:extLst>
+              <a:ext uri="{FF2B5EF4-FFF2-40B4-BE49-F238E27FC236}">
+                <a16:creationId xmlns:a16="http://schemas.microsoft.com/office/drawing/2014/main" id="{08AE9FA6-E0A1-2C49-93A1-209ACB69B9DA}"/>
+              </a:ext>
+            </a:extLst>
+          </p:cNvPr>
+          <p:cNvCxnSpPr>
+            <a:cxnSpLocks/>
+            <a:stCxn id="71" idx="2"/>
+            <a:endCxn id="28" idx="3"/>
+          </p:cNvCxnSpPr>
+          <p:nvPr/>
+        </p:nvCxnSpPr>
+        <p:spPr>
+          <a:xfrm rot="5400000">
+            <a:off x="2535616" y="890902"/>
+            <a:ext cx="762590" cy="580381"/>
+          </a:xfrm>
+          <a:prstGeom prst="curvedConnector2">
+            <a:avLst/>
+          </a:prstGeom>
+          <a:ln>
+            <a:solidFill>
+              <a:srgbClr val="C00000"/>
+            </a:solidFill>
+            <a:prstDash val="dash"/>
+            <a:tailEnd type="triangle"/>
+          </a:ln>
+        </p:spPr>
+        <p:style>
+          <a:lnRef idx="1">
+            <a:schemeClr val="accent1"/>
+          </a:lnRef>
+          <a:fillRef idx="0">
+            <a:schemeClr val="accent1"/>
+          </a:fillRef>
+          <a:effectRef idx="0">
+            <a:schemeClr val="accent1"/>
+          </a:effectRef>
+          <a:fontRef idx="minor">
+            <a:schemeClr val="tx1"/>
+          </a:fontRef>
+        </p:style>
+      </p:cxnSp>
+      <p:sp>
+        <p:nvSpPr>
+          <p:cNvPr id="95" name="文本框 94">
+            <a:extLst>
+              <a:ext uri="{FF2B5EF4-FFF2-40B4-BE49-F238E27FC236}">
+                <a16:creationId xmlns:a16="http://schemas.microsoft.com/office/drawing/2014/main" id="{32BBD91E-0EA4-5342-A662-0521A04117BC}"/>
+              </a:ext>
+            </a:extLst>
+          </p:cNvPr>
+          <p:cNvSpPr txBox="1"/>
+          <p:nvPr/>
+        </p:nvSpPr>
+        <p:spPr>
+          <a:xfrm>
+            <a:off x="3018277" y="834535"/>
+            <a:ext cx="477695" cy="1378209"/>
+          </a:xfrm>
+          <a:prstGeom prst="rect">
+            <a:avLst/>
+          </a:prstGeom>
+          <a:noFill/>
+        </p:spPr>
+        <p:txBody>
+          <a:bodyPr vert="eaVert" wrap="square" rtlCol="0">
+            <a:spAutoFit/>
+          </a:bodyPr>
+          <a:lstStyle/>
+          <a:p>
+            <a:r>
+              <a:rPr kumimoji="1" lang="zh-CN" altLang="en-US"/>
+              <a:t>循环匹配范围值</a:t>
+            </a:r>
+          </a:p>
+          <a:p>
+            <a:endParaRPr kumimoji="1" lang="zh-CN" altLang="en-US"/>
+          </a:p>
+        </p:txBody>
+      </p:sp>
+      <p:sp>
+        <p:nvSpPr>
+          <p:cNvPr id="96" name="文本框 95">
+            <a:extLst>
+              <a:ext uri="{FF2B5EF4-FFF2-40B4-BE49-F238E27FC236}">
+                <a16:creationId xmlns:a16="http://schemas.microsoft.com/office/drawing/2014/main" id="{46C2BCA3-5CC9-924F-8F57-C965D554C046}"/>
+              </a:ext>
+            </a:extLst>
+          </p:cNvPr>
+          <p:cNvSpPr txBox="1"/>
+          <p:nvPr/>
+        </p:nvSpPr>
+        <p:spPr>
+          <a:xfrm>
+            <a:off x="2865833" y="214372"/>
+            <a:ext cx="682536" cy="238848"/>
+          </a:xfrm>
+          <a:prstGeom prst="rect">
+            <a:avLst/>
+          </a:prstGeom>
+          <a:noFill/>
+        </p:spPr>
+        <p:txBody>
+          <a:bodyPr wrap="square" rtlCol="0">
+            <a:spAutoFit/>
+          </a:bodyPr>
+          <a:lstStyle/>
+          <a:p>
+            <a:pPr algn="ctr"/>
+            <a:r>
+              <a:rPr kumimoji="1" lang="zh-CN" altLang="en-US"/>
+              <a:t>概率值</a:t>
+            </a:r>
+          </a:p>
+        </p:txBody>
+      </p:sp>
+    </p:spTree>
+    <p:extLst>
+      <p:ext uri="{BB962C8B-B14F-4D97-AF65-F5344CB8AC3E}">
+        <p14:creationId xmlns:p14="http://schemas.microsoft.com/office/powerpoint/2010/main" val="3234446889"/>
       </p:ext>
     </p:extLst>
   </p:cSld>

--- a/doc/assets/ppt/系统设计.pptx
+++ b/doc/assets/ppt/系统设计.pptx
@@ -5,12 +5,13 @@
     <p:sldMasterId id="2147483648" r:id="rId1"/>
   </p:sldMasterIdLst>
   <p:notesMasterIdLst>
-    <p:notesMasterId r:id="rId5"/>
+    <p:notesMasterId r:id="rId6"/>
   </p:notesMasterIdLst>
   <p:sldIdLst>
     <p:sldId id="287" r:id="rId2"/>
     <p:sldId id="288" r:id="rId3"/>
     <p:sldId id="289" r:id="rId4"/>
+    <p:sldId id="290" r:id="rId5"/>
   </p:sldIdLst>
   <p:sldSz cx="5040313" cy="3600450"/>
   <p:notesSz cx="6858000" cy="9144000"/>
@@ -117,6 +118,7 @@
             <p14:sldId id="287"/>
             <p14:sldId id="288"/>
             <p14:sldId id="289"/>
+            <p14:sldId id="290"/>
           </p14:sldIdLst>
         </p14:section>
       </p14:sectionLst>
@@ -222,7 +224,7 @@
           <a:p>
             <a:fld id="{E47FC481-15AF-45CA-8376-B9BCE636A15E}" type="datetimeFigureOut">
               <a:rPr lang="zh-CN" altLang="en-US" smtClean="0"/>
-              <a:t>2021/8/22</a:t>
+              <a:t>2021/9/25</a:t>
             </a:fld>
             <a:endParaRPr lang="zh-CN" altLang="en-US"/>
           </a:p>
@@ -632,7 +634,7 @@
           <a:p>
             <a:fld id="{DCD554A7-7CC4-40A9-A60E-4E72AAE3CDC5}" type="datetimeFigureOut">
               <a:rPr lang="zh-CN" altLang="en-US" smtClean="0"/>
-              <a:t>2021/8/22</a:t>
+              <a:t>2021/9/25</a:t>
             </a:fld>
             <a:endParaRPr lang="zh-CN" altLang="en-US"/>
           </a:p>
@@ -840,7 +842,7 @@
           <a:p>
             <a:fld id="{DCD554A7-7CC4-40A9-A60E-4E72AAE3CDC5}" type="datetimeFigureOut">
               <a:rPr lang="zh-CN" altLang="en-US" smtClean="0"/>
-              <a:t>2021/8/22</a:t>
+              <a:t>2021/9/25</a:t>
             </a:fld>
             <a:endParaRPr lang="zh-CN" altLang="en-US"/>
           </a:p>
@@ -1048,7 +1050,7 @@
           <a:p>
             <a:fld id="{DCD554A7-7CC4-40A9-A60E-4E72AAE3CDC5}" type="datetimeFigureOut">
               <a:rPr lang="zh-CN" altLang="en-US" smtClean="0"/>
-              <a:t>2021/8/22</a:t>
+              <a:t>2021/9/25</a:t>
             </a:fld>
             <a:endParaRPr lang="zh-CN" altLang="en-US"/>
           </a:p>
@@ -1256,7 +1258,7 @@
           <a:p>
             <a:fld id="{DCD554A7-7CC4-40A9-A60E-4E72AAE3CDC5}" type="datetimeFigureOut">
               <a:rPr lang="zh-CN" altLang="en-US" smtClean="0"/>
-              <a:t>2021/8/22</a:t>
+              <a:t>2021/9/25</a:t>
             </a:fld>
             <a:endParaRPr lang="zh-CN" altLang="en-US"/>
           </a:p>
@@ -1531,7 +1533,7 @@
           <a:p>
             <a:fld id="{DCD554A7-7CC4-40A9-A60E-4E72AAE3CDC5}" type="datetimeFigureOut">
               <a:rPr lang="zh-CN" altLang="en-US" smtClean="0"/>
-              <a:t>2021/8/22</a:t>
+              <a:t>2021/9/25</a:t>
             </a:fld>
             <a:endParaRPr lang="zh-CN" altLang="en-US"/>
           </a:p>
@@ -1798,7 +1800,7 @@
           <a:p>
             <a:fld id="{DCD554A7-7CC4-40A9-A60E-4E72AAE3CDC5}" type="datetimeFigureOut">
               <a:rPr lang="zh-CN" altLang="en-US" smtClean="0"/>
-              <a:t>2021/8/22</a:t>
+              <a:t>2021/9/25</a:t>
             </a:fld>
             <a:endParaRPr lang="zh-CN" altLang="en-US"/>
           </a:p>
@@ -2201,7 +2203,7 @@
           <a:p>
             <a:fld id="{DCD554A7-7CC4-40A9-A60E-4E72AAE3CDC5}" type="datetimeFigureOut">
               <a:rPr lang="zh-CN" altLang="en-US" smtClean="0"/>
-              <a:t>2021/8/22</a:t>
+              <a:t>2021/9/25</a:t>
             </a:fld>
             <a:endParaRPr lang="zh-CN" altLang="en-US"/>
           </a:p>
@@ -2350,7 +2352,7 @@
           <a:p>
             <a:fld id="{DCD554A7-7CC4-40A9-A60E-4E72AAE3CDC5}" type="datetimeFigureOut">
               <a:rPr lang="zh-CN" altLang="en-US" smtClean="0"/>
-              <a:t>2021/8/22</a:t>
+              <a:t>2021/9/25</a:t>
             </a:fld>
             <a:endParaRPr lang="zh-CN" altLang="en-US"/>
           </a:p>
@@ -2469,7 +2471,7 @@
           <a:p>
             <a:fld id="{DCD554A7-7CC4-40A9-A60E-4E72AAE3CDC5}" type="datetimeFigureOut">
               <a:rPr lang="zh-CN" altLang="en-US" smtClean="0"/>
-              <a:t>2021/8/22</a:t>
+              <a:t>2021/9/25</a:t>
             </a:fld>
             <a:endParaRPr lang="zh-CN" altLang="en-US"/>
           </a:p>
@@ -2777,7 +2779,7 @@
           <a:p>
             <a:fld id="{DCD554A7-7CC4-40A9-A60E-4E72AAE3CDC5}" type="datetimeFigureOut">
               <a:rPr lang="zh-CN" altLang="en-US" smtClean="0"/>
-              <a:t>2021/8/22</a:t>
+              <a:t>2021/9/25</a:t>
             </a:fld>
             <a:endParaRPr lang="zh-CN" altLang="en-US"/>
           </a:p>
@@ -3062,7 +3064,7 @@
           <a:p>
             <a:fld id="{DCD554A7-7CC4-40A9-A60E-4E72AAE3CDC5}" type="datetimeFigureOut">
               <a:rPr lang="zh-CN" altLang="en-US" smtClean="0"/>
-              <a:t>2021/8/22</a:t>
+              <a:t>2021/9/25</a:t>
             </a:fld>
             <a:endParaRPr lang="zh-CN" altLang="en-US"/>
           </a:p>
@@ -11081,6 +11083,771 @@
     <p:extLst>
       <p:ext uri="{BB962C8B-B14F-4D97-AF65-F5344CB8AC3E}">
         <p14:creationId xmlns:p14="http://schemas.microsoft.com/office/powerpoint/2010/main" val="3234446889"/>
+      </p:ext>
+    </p:extLst>
+  </p:cSld>
+  <p:clrMapOvr>
+    <a:masterClrMapping/>
+  </p:clrMapOvr>
+</p:sld>
+</file>
+
+<file path=ppt/slides/slide4.xml><?xml version="1.0" encoding="utf-8"?>
+<p:sld xmlns:a="http://schemas.openxmlformats.org/drawingml/2006/main" xmlns:r="http://schemas.openxmlformats.org/officeDocument/2006/relationships" xmlns:p="http://schemas.openxmlformats.org/presentationml/2006/main">
+  <p:cSld>
+    <p:spTree>
+      <p:nvGrpSpPr>
+        <p:cNvPr id="1" name=""/>
+        <p:cNvGrpSpPr/>
+        <p:nvPr/>
+      </p:nvGrpSpPr>
+      <p:grpSpPr>
+        <a:xfrm>
+          <a:off x="0" y="0"/>
+          <a:ext cx="0" cy="0"/>
+          <a:chOff x="0" y="0"/>
+          <a:chExt cx="0" cy="0"/>
+        </a:xfrm>
+      </p:grpSpPr>
+      <p:sp>
+        <p:nvSpPr>
+          <p:cNvPr id="5" name="矩形 4">
+            <a:extLst>
+              <a:ext uri="{FF2B5EF4-FFF2-40B4-BE49-F238E27FC236}">
+                <a16:creationId xmlns:a16="http://schemas.microsoft.com/office/drawing/2014/main" id="{24CDBC5D-6C84-1C4C-8942-34063F719411}"/>
+              </a:ext>
+            </a:extLst>
+          </p:cNvPr>
+          <p:cNvSpPr/>
+          <p:nvPr/>
+        </p:nvSpPr>
+        <p:spPr>
+          <a:xfrm>
+            <a:off x="-1" y="-1"/>
+            <a:ext cx="5040313" cy="3600451"/>
+          </a:xfrm>
+          <a:prstGeom prst="rect">
+            <a:avLst/>
+          </a:prstGeom>
+          <a:solidFill>
+            <a:schemeClr val="bg1"/>
+          </a:solidFill>
+          <a:ln>
+            <a:noFill/>
+          </a:ln>
+        </p:spPr>
+        <p:style>
+          <a:lnRef idx="2">
+            <a:schemeClr val="accent1">
+              <a:shade val="50000"/>
+            </a:schemeClr>
+          </a:lnRef>
+          <a:fillRef idx="1">
+            <a:schemeClr val="accent1"/>
+          </a:fillRef>
+          <a:effectRef idx="0">
+            <a:schemeClr val="accent1"/>
+          </a:effectRef>
+          <a:fontRef idx="minor">
+            <a:schemeClr val="lt1"/>
+          </a:fontRef>
+        </p:style>
+        <p:txBody>
+          <a:bodyPr rtlCol="0" anchor="ctr"/>
+          <a:lstStyle/>
+          <a:p>
+            <a:pPr algn="ctr"/>
+            <a:endParaRPr kumimoji="1" lang="zh-CN" altLang="en-US">
+              <a:solidFill>
+                <a:srgbClr val="FF0000"/>
+              </a:solidFill>
+            </a:endParaRPr>
+          </a:p>
+        </p:txBody>
+      </p:sp>
+      <p:sp>
+        <p:nvSpPr>
+          <p:cNvPr id="2" name="AutoShape 2">
+            <a:extLst>
+              <a:ext uri="{FF2B5EF4-FFF2-40B4-BE49-F238E27FC236}">
+                <a16:creationId xmlns:a16="http://schemas.microsoft.com/office/drawing/2014/main" id="{01545138-0B0B-2047-A4B1-35085E930892}"/>
+              </a:ext>
+            </a:extLst>
+          </p:cNvPr>
+          <p:cNvSpPr>
+            <a:spLocks noChangeAspect="1" noChangeArrowheads="1"/>
+          </p:cNvSpPr>
+          <p:nvPr/>
+        </p:nvSpPr>
+        <p:spPr bwMode="auto">
+          <a:xfrm>
+            <a:off x="2366963" y="1647825"/>
+            <a:ext cx="304800" cy="304800"/>
+          </a:xfrm>
+          <a:prstGeom prst="rect">
+            <a:avLst/>
+          </a:prstGeom>
+          <a:noFill/>
+          <a:extLst>
+            <a:ext uri="{909E8E84-426E-40DD-AFC4-6F175D3DCCD1}">
+              <a14:hiddenFill xmlns:a14="http://schemas.microsoft.com/office/drawing/2010/main">
+                <a:solidFill>
+                  <a:srgbClr val="FFFFFF"/>
+                </a:solidFill>
+              </a14:hiddenFill>
+            </a:ext>
+          </a:extLst>
+        </p:spPr>
+        <p:txBody>
+          <a:bodyPr vert="horz" wrap="square" lIns="91440" tIns="45720" rIns="91440" bIns="45720" numCol="1" anchor="t" anchorCtr="0" compatLnSpc="1">
+            <a:prstTxWarp prst="textNoShape">
+              <a:avLst/>
+            </a:prstTxWarp>
+          </a:bodyPr>
+          <a:lstStyle/>
+          <a:p>
+            <a:endParaRPr lang="zh-CN" altLang="en-US"/>
+          </a:p>
+        </p:txBody>
+      </p:sp>
+      <p:pic>
+        <p:nvPicPr>
+          <p:cNvPr id="4" name="图片 3">
+            <a:extLst>
+              <a:ext uri="{FF2B5EF4-FFF2-40B4-BE49-F238E27FC236}">
+                <a16:creationId xmlns:a16="http://schemas.microsoft.com/office/drawing/2014/main" id="{BE33FDAD-041F-A644-9737-2808F236B345}"/>
+              </a:ext>
+            </a:extLst>
+          </p:cNvPr>
+          <p:cNvPicPr>
+            <a:picLocks noChangeAspect="1"/>
+          </p:cNvPicPr>
+          <p:nvPr/>
+        </p:nvPicPr>
+        <p:blipFill>
+          <a:blip r:embed="rId2">
+            <a:extLst>
+              <a:ext uri="{28A0092B-C50C-407E-A947-70E740481C1C}">
+                <a14:useLocalDpi xmlns:a14="http://schemas.microsoft.com/office/drawing/2010/main" val="0"/>
+              </a:ext>
+            </a:extLst>
+          </a:blip>
+          <a:stretch>
+            <a:fillRect/>
+          </a:stretch>
+        </p:blipFill>
+        <p:spPr>
+          <a:xfrm>
+            <a:off x="0" y="-1"/>
+            <a:ext cx="5040313" cy="2139333"/>
+          </a:xfrm>
+          <a:prstGeom prst="rect">
+            <a:avLst/>
+          </a:prstGeom>
+        </p:spPr>
+      </p:pic>
+      <p:cxnSp>
+        <p:nvCxnSpPr>
+          <p:cNvPr id="6" name="直线箭头连接符 5">
+            <a:extLst>
+              <a:ext uri="{FF2B5EF4-FFF2-40B4-BE49-F238E27FC236}">
+                <a16:creationId xmlns:a16="http://schemas.microsoft.com/office/drawing/2014/main" id="{C06EB952-4AE2-0D40-94E8-5EEB3B0387F5}"/>
+              </a:ext>
+            </a:extLst>
+          </p:cNvPr>
+          <p:cNvCxnSpPr>
+            <a:cxnSpLocks/>
+          </p:cNvCxnSpPr>
+          <p:nvPr/>
+        </p:nvCxnSpPr>
+        <p:spPr>
+          <a:xfrm flipV="1">
+            <a:off x="156575" y="2630466"/>
+            <a:ext cx="4528159" cy="1"/>
+          </a:xfrm>
+          <a:prstGeom prst="straightConnector1">
+            <a:avLst/>
+          </a:prstGeom>
+          <a:ln w="19050">
+            <a:solidFill>
+              <a:schemeClr val="bg2">
+                <a:lumMod val="75000"/>
+              </a:schemeClr>
+            </a:solidFill>
+            <a:prstDash val="sysDot"/>
+          </a:ln>
+        </p:spPr>
+        <p:style>
+          <a:lnRef idx="1">
+            <a:schemeClr val="accent1"/>
+          </a:lnRef>
+          <a:fillRef idx="0">
+            <a:schemeClr val="accent1"/>
+          </a:fillRef>
+          <a:effectRef idx="0">
+            <a:schemeClr val="accent1"/>
+          </a:effectRef>
+          <a:fontRef idx="minor">
+            <a:schemeClr val="tx1"/>
+          </a:fontRef>
+        </p:style>
+      </p:cxnSp>
+      <p:sp>
+        <p:nvSpPr>
+          <p:cNvPr id="10" name="椭圆 9">
+            <a:extLst>
+              <a:ext uri="{FF2B5EF4-FFF2-40B4-BE49-F238E27FC236}">
+                <a16:creationId xmlns:a16="http://schemas.microsoft.com/office/drawing/2014/main" id="{740ED648-044E-B642-BF3C-5021A6489B61}"/>
+              </a:ext>
+            </a:extLst>
+          </p:cNvPr>
+          <p:cNvSpPr/>
+          <p:nvPr/>
+        </p:nvSpPr>
+        <p:spPr>
+          <a:xfrm>
+            <a:off x="407095" y="2567835"/>
+            <a:ext cx="125262" cy="125262"/>
+          </a:xfrm>
+          <a:prstGeom prst="ellipse">
+            <a:avLst/>
+          </a:prstGeom>
+          <a:solidFill>
+            <a:schemeClr val="tx1"/>
+          </a:solidFill>
+          <a:ln>
+            <a:noFill/>
+          </a:ln>
+        </p:spPr>
+        <p:style>
+          <a:lnRef idx="2">
+            <a:schemeClr val="accent1">
+              <a:shade val="50000"/>
+            </a:schemeClr>
+          </a:lnRef>
+          <a:fillRef idx="1">
+            <a:schemeClr val="accent1"/>
+          </a:fillRef>
+          <a:effectRef idx="0">
+            <a:schemeClr val="accent1"/>
+          </a:effectRef>
+          <a:fontRef idx="minor">
+            <a:schemeClr val="lt1"/>
+          </a:fontRef>
+        </p:style>
+        <p:txBody>
+          <a:bodyPr rtlCol="0" anchor="ctr"/>
+          <a:lstStyle/>
+          <a:p>
+            <a:pPr algn="ctr"/>
+            <a:endParaRPr kumimoji="1" lang="zh-CN" altLang="en-US">
+              <a:solidFill>
+                <a:srgbClr val="FF0000"/>
+              </a:solidFill>
+            </a:endParaRPr>
+          </a:p>
+        </p:txBody>
+      </p:sp>
+      <p:sp>
+        <p:nvSpPr>
+          <p:cNvPr id="12" name="椭圆 11">
+            <a:extLst>
+              <a:ext uri="{FF2B5EF4-FFF2-40B4-BE49-F238E27FC236}">
+                <a16:creationId xmlns:a16="http://schemas.microsoft.com/office/drawing/2014/main" id="{3D58C59B-5C91-524A-8CE9-6A7008EA8F48}"/>
+              </a:ext>
+            </a:extLst>
+          </p:cNvPr>
+          <p:cNvSpPr/>
+          <p:nvPr/>
+        </p:nvSpPr>
+        <p:spPr>
+          <a:xfrm>
+            <a:off x="1692825" y="2567835"/>
+            <a:ext cx="125262" cy="125262"/>
+          </a:xfrm>
+          <a:prstGeom prst="ellipse">
+            <a:avLst/>
+          </a:prstGeom>
+          <a:solidFill>
+            <a:srgbClr val="00B050"/>
+          </a:solidFill>
+          <a:ln>
+            <a:noFill/>
+          </a:ln>
+        </p:spPr>
+        <p:style>
+          <a:lnRef idx="2">
+            <a:schemeClr val="accent1">
+              <a:shade val="50000"/>
+            </a:schemeClr>
+          </a:lnRef>
+          <a:fillRef idx="1">
+            <a:schemeClr val="accent1"/>
+          </a:fillRef>
+          <a:effectRef idx="0">
+            <a:schemeClr val="accent1"/>
+          </a:effectRef>
+          <a:fontRef idx="minor">
+            <a:schemeClr val="lt1"/>
+          </a:fontRef>
+        </p:style>
+        <p:txBody>
+          <a:bodyPr rtlCol="0" anchor="ctr"/>
+          <a:lstStyle/>
+          <a:p>
+            <a:pPr algn="ctr"/>
+            <a:endParaRPr kumimoji="1" lang="zh-CN" altLang="en-US">
+              <a:solidFill>
+                <a:srgbClr val="FF0000"/>
+              </a:solidFill>
+            </a:endParaRPr>
+          </a:p>
+        </p:txBody>
+      </p:sp>
+      <p:sp>
+        <p:nvSpPr>
+          <p:cNvPr id="14" name="椭圆 13">
+            <a:extLst>
+              <a:ext uri="{FF2B5EF4-FFF2-40B4-BE49-F238E27FC236}">
+                <a16:creationId xmlns:a16="http://schemas.microsoft.com/office/drawing/2014/main" id="{7586F2C3-8B3A-3540-81C5-6B602933D5F6}"/>
+              </a:ext>
+            </a:extLst>
+          </p:cNvPr>
+          <p:cNvSpPr/>
+          <p:nvPr/>
+        </p:nvSpPr>
+        <p:spPr>
+          <a:xfrm>
+            <a:off x="2978555" y="2567835"/>
+            <a:ext cx="125262" cy="125262"/>
+          </a:xfrm>
+          <a:prstGeom prst="ellipse">
+            <a:avLst/>
+          </a:prstGeom>
+          <a:solidFill>
+            <a:srgbClr val="FFC000"/>
+          </a:solidFill>
+          <a:ln>
+            <a:noFill/>
+          </a:ln>
+        </p:spPr>
+        <p:style>
+          <a:lnRef idx="2">
+            <a:schemeClr val="accent1">
+              <a:shade val="50000"/>
+            </a:schemeClr>
+          </a:lnRef>
+          <a:fillRef idx="1">
+            <a:schemeClr val="accent1"/>
+          </a:fillRef>
+          <a:effectRef idx="0">
+            <a:schemeClr val="accent1"/>
+          </a:effectRef>
+          <a:fontRef idx="minor">
+            <a:schemeClr val="lt1"/>
+          </a:fontRef>
+        </p:style>
+        <p:txBody>
+          <a:bodyPr rtlCol="0" anchor="ctr"/>
+          <a:lstStyle/>
+          <a:p>
+            <a:pPr algn="ctr"/>
+            <a:endParaRPr kumimoji="1" lang="zh-CN" altLang="en-US">
+              <a:solidFill>
+                <a:srgbClr val="FF0000"/>
+              </a:solidFill>
+            </a:endParaRPr>
+          </a:p>
+        </p:txBody>
+      </p:sp>
+      <p:sp>
+        <p:nvSpPr>
+          <p:cNvPr id="16" name="椭圆 15">
+            <a:extLst>
+              <a:ext uri="{FF2B5EF4-FFF2-40B4-BE49-F238E27FC236}">
+                <a16:creationId xmlns:a16="http://schemas.microsoft.com/office/drawing/2014/main" id="{EAD0AAF8-8341-4941-B55A-366D2EDE05EA}"/>
+              </a:ext>
+            </a:extLst>
+          </p:cNvPr>
+          <p:cNvSpPr/>
+          <p:nvPr/>
+        </p:nvSpPr>
+        <p:spPr>
+          <a:xfrm>
+            <a:off x="4264285" y="2569265"/>
+            <a:ext cx="125262" cy="125262"/>
+          </a:xfrm>
+          <a:prstGeom prst="ellipse">
+            <a:avLst/>
+          </a:prstGeom>
+          <a:solidFill>
+            <a:srgbClr val="C00000"/>
+          </a:solidFill>
+          <a:ln>
+            <a:noFill/>
+          </a:ln>
+        </p:spPr>
+        <p:style>
+          <a:lnRef idx="2">
+            <a:schemeClr val="accent1">
+              <a:shade val="50000"/>
+            </a:schemeClr>
+          </a:lnRef>
+          <a:fillRef idx="1">
+            <a:schemeClr val="accent1"/>
+          </a:fillRef>
+          <a:effectRef idx="0">
+            <a:schemeClr val="accent1"/>
+          </a:effectRef>
+          <a:fontRef idx="minor">
+            <a:schemeClr val="lt1"/>
+          </a:fontRef>
+        </p:style>
+        <p:txBody>
+          <a:bodyPr rtlCol="0" anchor="ctr"/>
+          <a:lstStyle/>
+          <a:p>
+            <a:pPr algn="ctr"/>
+            <a:endParaRPr kumimoji="1" lang="zh-CN" altLang="en-US">
+              <a:solidFill>
+                <a:srgbClr val="FF0000"/>
+              </a:solidFill>
+            </a:endParaRPr>
+          </a:p>
+        </p:txBody>
+      </p:sp>
+      <p:cxnSp>
+        <p:nvCxnSpPr>
+          <p:cNvPr id="17" name="直线箭头连接符 16">
+            <a:extLst>
+              <a:ext uri="{FF2B5EF4-FFF2-40B4-BE49-F238E27FC236}">
+                <a16:creationId xmlns:a16="http://schemas.microsoft.com/office/drawing/2014/main" id="{B33ADC58-CF8D-7342-93B4-AC4098275F74}"/>
+              </a:ext>
+            </a:extLst>
+          </p:cNvPr>
+          <p:cNvCxnSpPr>
+            <a:cxnSpLocks/>
+            <a:stCxn id="10" idx="4"/>
+          </p:cNvCxnSpPr>
+          <p:nvPr/>
+        </p:nvCxnSpPr>
+        <p:spPr>
+          <a:xfrm>
+            <a:off x="469726" y="2693097"/>
+            <a:ext cx="0" cy="463462"/>
+          </a:xfrm>
+          <a:prstGeom prst="straightConnector1">
+            <a:avLst/>
+          </a:prstGeom>
+          <a:ln>
+            <a:solidFill>
+              <a:schemeClr val="tx1"/>
+            </a:solidFill>
+          </a:ln>
+        </p:spPr>
+        <p:style>
+          <a:lnRef idx="1">
+            <a:schemeClr val="accent1"/>
+          </a:lnRef>
+          <a:fillRef idx="0">
+            <a:schemeClr val="accent1"/>
+          </a:fillRef>
+          <a:effectRef idx="0">
+            <a:schemeClr val="accent1"/>
+          </a:effectRef>
+          <a:fontRef idx="minor">
+            <a:schemeClr val="tx1"/>
+          </a:fontRef>
+        </p:style>
+      </p:cxnSp>
+      <p:sp>
+        <p:nvSpPr>
+          <p:cNvPr id="20" name="文本框 19">
+            <a:extLst>
+              <a:ext uri="{FF2B5EF4-FFF2-40B4-BE49-F238E27FC236}">
+                <a16:creationId xmlns:a16="http://schemas.microsoft.com/office/drawing/2014/main" id="{34A9D5DB-2B4D-944C-AAA6-9F031EB4F171}"/>
+              </a:ext>
+            </a:extLst>
+          </p:cNvPr>
+          <p:cNvSpPr txBox="1"/>
+          <p:nvPr/>
+        </p:nvSpPr>
+        <p:spPr>
+          <a:xfrm>
+            <a:off x="469725" y="2951646"/>
+            <a:ext cx="914400" cy="238848"/>
+          </a:xfrm>
+          <a:prstGeom prst="rect">
+            <a:avLst/>
+          </a:prstGeom>
+          <a:noFill/>
+        </p:spPr>
+        <p:txBody>
+          <a:bodyPr wrap="square" rtlCol="0">
+            <a:spAutoFit/>
+          </a:bodyPr>
+          <a:lstStyle/>
+          <a:p>
+            <a:r>
+              <a:rPr kumimoji="1" lang="zh-CN" altLang="en-US"/>
+              <a:t>为什么搞项目？</a:t>
+            </a:r>
+          </a:p>
+        </p:txBody>
+      </p:sp>
+      <p:cxnSp>
+        <p:nvCxnSpPr>
+          <p:cNvPr id="21" name="直线箭头连接符 20">
+            <a:extLst>
+              <a:ext uri="{FF2B5EF4-FFF2-40B4-BE49-F238E27FC236}">
+                <a16:creationId xmlns:a16="http://schemas.microsoft.com/office/drawing/2014/main" id="{D3FE5359-35BF-B846-9D22-AAB935C2F0A4}"/>
+              </a:ext>
+            </a:extLst>
+          </p:cNvPr>
+          <p:cNvCxnSpPr>
+            <a:cxnSpLocks/>
+            <a:stCxn id="12" idx="4"/>
+          </p:cNvCxnSpPr>
+          <p:nvPr/>
+        </p:nvCxnSpPr>
+        <p:spPr>
+          <a:xfrm>
+            <a:off x="1755456" y="2693097"/>
+            <a:ext cx="0" cy="463462"/>
+          </a:xfrm>
+          <a:prstGeom prst="straightConnector1">
+            <a:avLst/>
+          </a:prstGeom>
+          <a:ln>
+            <a:solidFill>
+              <a:srgbClr val="00B050"/>
+            </a:solidFill>
+          </a:ln>
+        </p:spPr>
+        <p:style>
+          <a:lnRef idx="1">
+            <a:schemeClr val="accent1"/>
+          </a:lnRef>
+          <a:fillRef idx="0">
+            <a:schemeClr val="accent1"/>
+          </a:fillRef>
+          <a:effectRef idx="0">
+            <a:schemeClr val="accent1"/>
+          </a:effectRef>
+          <a:fontRef idx="minor">
+            <a:schemeClr val="tx1"/>
+          </a:fontRef>
+        </p:style>
+      </p:cxnSp>
+      <p:cxnSp>
+        <p:nvCxnSpPr>
+          <p:cNvPr id="24" name="直线箭头连接符 23">
+            <a:extLst>
+              <a:ext uri="{FF2B5EF4-FFF2-40B4-BE49-F238E27FC236}">
+                <a16:creationId xmlns:a16="http://schemas.microsoft.com/office/drawing/2014/main" id="{BEFD2DC5-60F0-794E-BC44-E8C401195116}"/>
+              </a:ext>
+            </a:extLst>
+          </p:cNvPr>
+          <p:cNvCxnSpPr>
+            <a:cxnSpLocks/>
+            <a:stCxn id="14" idx="4"/>
+          </p:cNvCxnSpPr>
+          <p:nvPr/>
+        </p:nvCxnSpPr>
+        <p:spPr>
+          <a:xfrm>
+            <a:off x="3041186" y="2693097"/>
+            <a:ext cx="0" cy="463462"/>
+          </a:xfrm>
+          <a:prstGeom prst="straightConnector1">
+            <a:avLst/>
+          </a:prstGeom>
+          <a:ln>
+            <a:solidFill>
+              <a:srgbClr val="FFC000"/>
+            </a:solidFill>
+          </a:ln>
+        </p:spPr>
+        <p:style>
+          <a:lnRef idx="1">
+            <a:schemeClr val="accent1"/>
+          </a:lnRef>
+          <a:fillRef idx="0">
+            <a:schemeClr val="accent1"/>
+          </a:fillRef>
+          <a:effectRef idx="0">
+            <a:schemeClr val="accent1"/>
+          </a:effectRef>
+          <a:fontRef idx="minor">
+            <a:schemeClr val="tx1"/>
+          </a:fontRef>
+        </p:style>
+      </p:cxnSp>
+      <p:cxnSp>
+        <p:nvCxnSpPr>
+          <p:cNvPr id="27" name="直线箭头连接符 26">
+            <a:extLst>
+              <a:ext uri="{FF2B5EF4-FFF2-40B4-BE49-F238E27FC236}">
+                <a16:creationId xmlns:a16="http://schemas.microsoft.com/office/drawing/2014/main" id="{4562CDB6-58ED-D943-A666-1615174AAFA6}"/>
+              </a:ext>
+            </a:extLst>
+          </p:cNvPr>
+          <p:cNvCxnSpPr>
+            <a:cxnSpLocks/>
+            <a:stCxn id="16" idx="4"/>
+          </p:cNvCxnSpPr>
+          <p:nvPr/>
+        </p:nvCxnSpPr>
+        <p:spPr>
+          <a:xfrm>
+            <a:off x="4326916" y="2694527"/>
+            <a:ext cx="0" cy="462032"/>
+          </a:xfrm>
+          <a:prstGeom prst="straightConnector1">
+            <a:avLst/>
+          </a:prstGeom>
+          <a:ln>
+            <a:solidFill>
+              <a:srgbClr val="C00000"/>
+            </a:solidFill>
+          </a:ln>
+        </p:spPr>
+        <p:style>
+          <a:lnRef idx="1">
+            <a:schemeClr val="accent1"/>
+          </a:lnRef>
+          <a:fillRef idx="0">
+            <a:schemeClr val="accent1"/>
+          </a:fillRef>
+          <a:effectRef idx="0">
+            <a:schemeClr val="accent1"/>
+          </a:effectRef>
+          <a:fontRef idx="minor">
+            <a:schemeClr val="tx1"/>
+          </a:fontRef>
+        </p:style>
+      </p:cxnSp>
+      <p:sp>
+        <p:nvSpPr>
+          <p:cNvPr id="30" name="文本框 29">
+            <a:extLst>
+              <a:ext uri="{FF2B5EF4-FFF2-40B4-BE49-F238E27FC236}">
+                <a16:creationId xmlns:a16="http://schemas.microsoft.com/office/drawing/2014/main" id="{783D644E-A16E-2942-969A-52D434C86BB2}"/>
+              </a:ext>
+            </a:extLst>
+          </p:cNvPr>
+          <p:cNvSpPr txBox="1"/>
+          <p:nvPr/>
+        </p:nvSpPr>
+        <p:spPr>
+          <a:xfrm>
+            <a:off x="1755454" y="2951646"/>
+            <a:ext cx="914400" cy="238848"/>
+          </a:xfrm>
+          <a:prstGeom prst="rect">
+            <a:avLst/>
+          </a:prstGeom>
+          <a:noFill/>
+        </p:spPr>
+        <p:txBody>
+          <a:bodyPr wrap="square" rtlCol="0">
+            <a:spAutoFit/>
+          </a:bodyPr>
+          <a:lstStyle/>
+          <a:p>
+            <a:r>
+              <a:rPr kumimoji="1" lang="zh-CN" altLang="en-US">
+                <a:solidFill>
+                  <a:srgbClr val="00B050"/>
+                </a:solidFill>
+              </a:rPr>
+              <a:t>是什么样项目？</a:t>
+            </a:r>
+          </a:p>
+        </p:txBody>
+      </p:sp>
+      <p:sp>
+        <p:nvSpPr>
+          <p:cNvPr id="31" name="文本框 30">
+            <a:extLst>
+              <a:ext uri="{FF2B5EF4-FFF2-40B4-BE49-F238E27FC236}">
+                <a16:creationId xmlns:a16="http://schemas.microsoft.com/office/drawing/2014/main" id="{5FE66B44-EEC6-5B46-974E-4F8E48ECEA7E}"/>
+              </a:ext>
+            </a:extLst>
+          </p:cNvPr>
+          <p:cNvSpPr txBox="1"/>
+          <p:nvPr/>
+        </p:nvSpPr>
+        <p:spPr>
+          <a:xfrm>
+            <a:off x="3041183" y="2945383"/>
+            <a:ext cx="914400" cy="238848"/>
+          </a:xfrm>
+          <a:prstGeom prst="rect">
+            <a:avLst/>
+          </a:prstGeom>
+          <a:noFill/>
+        </p:spPr>
+        <p:txBody>
+          <a:bodyPr wrap="square" rtlCol="0">
+            <a:spAutoFit/>
+          </a:bodyPr>
+          <a:lstStyle/>
+          <a:p>
+            <a:r>
+              <a:rPr kumimoji="1" lang="zh-CN" altLang="en-US">
+                <a:solidFill>
+                  <a:srgbClr val="FFC000"/>
+                </a:solidFill>
+              </a:rPr>
+              <a:t>要怎么学项目？</a:t>
+            </a:r>
+          </a:p>
+        </p:txBody>
+      </p:sp>
+      <p:sp>
+        <p:nvSpPr>
+          <p:cNvPr id="32" name="文本框 31">
+            <a:extLst>
+              <a:ext uri="{FF2B5EF4-FFF2-40B4-BE49-F238E27FC236}">
+                <a16:creationId xmlns:a16="http://schemas.microsoft.com/office/drawing/2014/main" id="{F3CB8A8E-1B5D-9446-ACFA-BFD44B7A6406}"/>
+              </a:ext>
+            </a:extLst>
+          </p:cNvPr>
+          <p:cNvSpPr txBox="1"/>
+          <p:nvPr/>
+        </p:nvSpPr>
+        <p:spPr>
+          <a:xfrm>
+            <a:off x="4331761" y="2951646"/>
+            <a:ext cx="914400" cy="238848"/>
+          </a:xfrm>
+          <a:prstGeom prst="rect">
+            <a:avLst/>
+          </a:prstGeom>
+          <a:noFill/>
+        </p:spPr>
+        <p:txBody>
+          <a:bodyPr wrap="square" rtlCol="0">
+            <a:spAutoFit/>
+          </a:bodyPr>
+          <a:lstStyle/>
+          <a:p>
+            <a:r>
+              <a:rPr kumimoji="1" lang="zh-CN" altLang="en-US">
+                <a:solidFill>
+                  <a:srgbClr val="C00000"/>
+                </a:solidFill>
+              </a:rPr>
+              <a:t>收获？</a:t>
+            </a:r>
+          </a:p>
+        </p:txBody>
+      </p:sp>
+    </p:spTree>
+    <p:extLst>
+      <p:ext uri="{BB962C8B-B14F-4D97-AF65-F5344CB8AC3E}">
+        <p14:creationId xmlns:p14="http://schemas.microsoft.com/office/powerpoint/2010/main" val="1259849867"/>
       </p:ext>
     </p:extLst>
   </p:cSld>

--- a/doc/assets/ppt/系统设计.pptx
+++ b/doc/assets/ppt/系统设计.pptx
@@ -5,13 +5,15 @@
     <p:sldMasterId id="2147483648" r:id="rId1"/>
   </p:sldMasterIdLst>
   <p:notesMasterIdLst>
-    <p:notesMasterId r:id="rId6"/>
+    <p:notesMasterId r:id="rId8"/>
   </p:notesMasterIdLst>
   <p:sldIdLst>
     <p:sldId id="287" r:id="rId2"/>
     <p:sldId id="288" r:id="rId3"/>
     <p:sldId id="289" r:id="rId4"/>
     <p:sldId id="290" r:id="rId5"/>
+    <p:sldId id="292" r:id="rId6"/>
+    <p:sldId id="291" r:id="rId7"/>
   </p:sldIdLst>
   <p:sldSz cx="5040313" cy="3600450"/>
   <p:notesSz cx="6858000" cy="9144000"/>
@@ -121,6 +123,12 @@
             <p14:sldId id="290"/>
           </p14:sldIdLst>
         </p14:section>
+        <p14:section name="第2节：搭建(DDD + RPC)架构" id="{4E26EDBC-E4C3-0F46-841E-F2CF949D3C9D}">
+          <p14:sldIdLst>
+            <p14:sldId id="292"/>
+            <p14:sldId id="291"/>
+          </p14:sldIdLst>
+        </p14:section>
       </p14:sectionLst>
     </p:ext>
     <p:ext uri="{EFAFB233-063F-42B5-8137-9DF3F51BA10A}">
@@ -224,7 +232,7 @@
           <a:p>
             <a:fld id="{E47FC481-15AF-45CA-8376-B9BCE636A15E}" type="datetimeFigureOut">
               <a:rPr lang="zh-CN" altLang="en-US" smtClean="0"/>
-              <a:t>2021/9/25</a:t>
+              <a:t>2021/10/2</a:t>
             </a:fld>
             <a:endParaRPr lang="zh-CN" altLang="en-US"/>
           </a:p>
@@ -520,7 +528,7 @@
         </p:nvSpPr>
         <p:spPr>
           <a:xfrm>
-            <a:off x="630039" y="589241"/>
+            <a:off x="630041" y="589241"/>
             <a:ext cx="3780235" cy="1253490"/>
           </a:xfrm>
           <a:prstGeom prst="rect">
@@ -554,7 +562,7 @@
         </p:nvSpPr>
         <p:spPr>
           <a:xfrm>
-            <a:off x="630039" y="1891070"/>
+            <a:off x="630041" y="1891074"/>
             <a:ext cx="3780235" cy="869275"/>
           </a:xfrm>
           <a:prstGeom prst="rect">
@@ -568,35 +576,35 @@
               <a:buNone/>
               <a:defRPr sz="993"/>
             </a:lvl1pPr>
-            <a:lvl2pPr marL="188996" indent="0" algn="ctr">
+            <a:lvl2pPr marL="189005" indent="0" algn="ctr">
               <a:buNone/>
               <a:defRPr sz="827"/>
             </a:lvl2pPr>
-            <a:lvl3pPr marL="377994" indent="0" algn="ctr">
+            <a:lvl3pPr marL="378012" indent="0" algn="ctr">
               <a:buNone/>
               <a:defRPr sz="743"/>
             </a:lvl3pPr>
-            <a:lvl4pPr marL="566990" indent="0" algn="ctr">
+            <a:lvl4pPr marL="567017" indent="0" algn="ctr">
               <a:buNone/>
               <a:defRPr sz="661"/>
             </a:lvl4pPr>
-            <a:lvl5pPr marL="755987" indent="0" algn="ctr">
+            <a:lvl5pPr marL="756022" indent="0" algn="ctr">
               <a:buNone/>
               <a:defRPr sz="661"/>
             </a:lvl5pPr>
-            <a:lvl6pPr marL="944983" indent="0" algn="ctr">
+            <a:lvl6pPr marL="945027" indent="0" algn="ctr">
               <a:buNone/>
               <a:defRPr sz="661"/>
             </a:lvl6pPr>
-            <a:lvl7pPr marL="1133981" indent="0" algn="ctr">
+            <a:lvl7pPr marL="1134033" indent="0" algn="ctr">
               <a:buNone/>
               <a:defRPr sz="661"/>
             </a:lvl7pPr>
-            <a:lvl8pPr marL="1322977" indent="0" algn="ctr">
+            <a:lvl8pPr marL="1323038" indent="0" algn="ctr">
               <a:buNone/>
               <a:defRPr sz="661"/>
             </a:lvl8pPr>
-            <a:lvl9pPr marL="1511975" indent="0" algn="ctr">
+            <a:lvl9pPr marL="1512045" indent="0" algn="ctr">
               <a:buNone/>
               <a:defRPr sz="661"/>
             </a:lvl9pPr>
@@ -621,7 +629,7 @@
         </p:nvSpPr>
         <p:spPr>
           <a:xfrm>
-            <a:off x="346522" y="3337085"/>
+            <a:off x="346523" y="3337089"/>
             <a:ext cx="1134070" cy="191691"/>
           </a:xfrm>
           <a:prstGeom prst="rect">
@@ -634,7 +642,7 @@
           <a:p>
             <a:fld id="{DCD554A7-7CC4-40A9-A60E-4E72AAE3CDC5}" type="datetimeFigureOut">
               <a:rPr lang="zh-CN" altLang="en-US" smtClean="0"/>
-              <a:t>2021/9/25</a:t>
+              <a:t>2021/10/2</a:t>
             </a:fld>
             <a:endParaRPr lang="zh-CN" altLang="en-US"/>
           </a:p>
@@ -652,7 +660,7 @@
         </p:nvSpPr>
         <p:spPr>
           <a:xfrm>
-            <a:off x="1669604" y="3337085"/>
+            <a:off x="1669604" y="3337089"/>
             <a:ext cx="1701106" cy="191691"/>
           </a:xfrm>
           <a:prstGeom prst="rect">
@@ -679,7 +687,7 @@
         </p:nvSpPr>
         <p:spPr>
           <a:xfrm>
-            <a:off x="3559721" y="3337085"/>
+            <a:off x="3559721" y="3337089"/>
             <a:ext cx="1134070" cy="191691"/>
           </a:xfrm>
           <a:prstGeom prst="rect">
@@ -740,7 +748,7 @@
         </p:nvSpPr>
         <p:spPr>
           <a:xfrm>
-            <a:off x="346522" y="191691"/>
+            <a:off x="346522" y="191695"/>
             <a:ext cx="4347270" cy="695921"/>
           </a:xfrm>
           <a:prstGeom prst="rect">
@@ -829,7 +837,7 @@
         </p:nvSpPr>
         <p:spPr>
           <a:xfrm>
-            <a:off x="346522" y="3337085"/>
+            <a:off x="346523" y="3337089"/>
             <a:ext cx="1134070" cy="191691"/>
           </a:xfrm>
           <a:prstGeom prst="rect">
@@ -842,7 +850,7 @@
           <a:p>
             <a:fld id="{DCD554A7-7CC4-40A9-A60E-4E72AAE3CDC5}" type="datetimeFigureOut">
               <a:rPr lang="zh-CN" altLang="en-US" smtClean="0"/>
-              <a:t>2021/9/25</a:t>
+              <a:t>2021/10/2</a:t>
             </a:fld>
             <a:endParaRPr lang="zh-CN" altLang="en-US"/>
           </a:p>
@@ -860,7 +868,7 @@
         </p:nvSpPr>
         <p:spPr>
           <a:xfrm>
-            <a:off x="1669604" y="3337085"/>
+            <a:off x="1669604" y="3337089"/>
             <a:ext cx="1701106" cy="191691"/>
           </a:xfrm>
           <a:prstGeom prst="rect">
@@ -887,7 +895,7 @@
         </p:nvSpPr>
         <p:spPr>
           <a:xfrm>
-            <a:off x="3559721" y="3337085"/>
+            <a:off x="3559721" y="3337089"/>
             <a:ext cx="1134070" cy="191691"/>
           </a:xfrm>
           <a:prstGeom prst="rect">
@@ -948,7 +956,7 @@
         </p:nvSpPr>
         <p:spPr>
           <a:xfrm>
-            <a:off x="3606975" y="191690"/>
+            <a:off x="3606975" y="191694"/>
             <a:ext cx="1086817" cy="3051215"/>
           </a:xfrm>
           <a:prstGeom prst="rect">
@@ -978,7 +986,7 @@
         </p:nvSpPr>
         <p:spPr>
           <a:xfrm>
-            <a:off x="346524" y="191690"/>
+            <a:off x="346525" y="191694"/>
             <a:ext cx="3197449" cy="3051215"/>
           </a:xfrm>
           <a:prstGeom prst="rect">
@@ -1037,7 +1045,7 @@
         </p:nvSpPr>
         <p:spPr>
           <a:xfrm>
-            <a:off x="346522" y="3337085"/>
+            <a:off x="346523" y="3337089"/>
             <a:ext cx="1134070" cy="191691"/>
           </a:xfrm>
           <a:prstGeom prst="rect">
@@ -1050,7 +1058,7 @@
           <a:p>
             <a:fld id="{DCD554A7-7CC4-40A9-A60E-4E72AAE3CDC5}" type="datetimeFigureOut">
               <a:rPr lang="zh-CN" altLang="en-US" smtClean="0"/>
-              <a:t>2021/9/25</a:t>
+              <a:t>2021/10/2</a:t>
             </a:fld>
             <a:endParaRPr lang="zh-CN" altLang="en-US"/>
           </a:p>
@@ -1068,7 +1076,7 @@
         </p:nvSpPr>
         <p:spPr>
           <a:xfrm>
-            <a:off x="1669604" y="3337085"/>
+            <a:off x="1669604" y="3337089"/>
             <a:ext cx="1701106" cy="191691"/>
           </a:xfrm>
           <a:prstGeom prst="rect">
@@ -1095,7 +1103,7 @@
         </p:nvSpPr>
         <p:spPr>
           <a:xfrm>
-            <a:off x="3559721" y="3337085"/>
+            <a:off x="3559721" y="3337089"/>
             <a:ext cx="1134070" cy="191691"/>
           </a:xfrm>
           <a:prstGeom prst="rect">
@@ -1156,7 +1164,7 @@
         </p:nvSpPr>
         <p:spPr>
           <a:xfrm>
-            <a:off x="346522" y="191691"/>
+            <a:off x="346522" y="191695"/>
             <a:ext cx="4347270" cy="695921"/>
           </a:xfrm>
           <a:prstGeom prst="rect">
@@ -1245,7 +1253,7 @@
         </p:nvSpPr>
         <p:spPr>
           <a:xfrm>
-            <a:off x="346522" y="3337085"/>
+            <a:off x="346523" y="3337089"/>
             <a:ext cx="1134070" cy="191691"/>
           </a:xfrm>
           <a:prstGeom prst="rect">
@@ -1258,7 +1266,7 @@
           <a:p>
             <a:fld id="{DCD554A7-7CC4-40A9-A60E-4E72AAE3CDC5}" type="datetimeFigureOut">
               <a:rPr lang="zh-CN" altLang="en-US" smtClean="0"/>
-              <a:t>2021/9/25</a:t>
+              <a:t>2021/10/2</a:t>
             </a:fld>
             <a:endParaRPr lang="zh-CN" altLang="en-US"/>
           </a:p>
@@ -1276,7 +1284,7 @@
         </p:nvSpPr>
         <p:spPr>
           <a:xfrm>
-            <a:off x="1669604" y="3337085"/>
+            <a:off x="1669604" y="3337089"/>
             <a:ext cx="1701106" cy="191691"/>
           </a:xfrm>
           <a:prstGeom prst="rect">
@@ -1303,7 +1311,7 @@
         </p:nvSpPr>
         <p:spPr>
           <a:xfrm>
-            <a:off x="3559721" y="3337085"/>
+            <a:off x="3559721" y="3337089"/>
             <a:ext cx="1134070" cy="191691"/>
           </a:xfrm>
           <a:prstGeom prst="rect">
@@ -1364,7 +1372,7 @@
         </p:nvSpPr>
         <p:spPr>
           <a:xfrm>
-            <a:off x="343896" y="897614"/>
+            <a:off x="343896" y="897618"/>
             <a:ext cx="4347270" cy="1497687"/>
           </a:xfrm>
           <a:prstGeom prst="rect">
@@ -1418,7 +1426,7 @@
                 </a:solidFill>
               </a:defRPr>
             </a:lvl1pPr>
-            <a:lvl2pPr marL="188996" indent="0">
+            <a:lvl2pPr marL="189005" indent="0">
               <a:buNone/>
               <a:defRPr sz="827">
                 <a:solidFill>
@@ -1428,7 +1436,7 @@
                 </a:solidFill>
               </a:defRPr>
             </a:lvl2pPr>
-            <a:lvl3pPr marL="377994" indent="0">
+            <a:lvl3pPr marL="378012" indent="0">
               <a:buNone/>
               <a:defRPr sz="743">
                 <a:solidFill>
@@ -1438,7 +1446,7 @@
                 </a:solidFill>
               </a:defRPr>
             </a:lvl3pPr>
-            <a:lvl4pPr marL="566990" indent="0">
+            <a:lvl4pPr marL="567017" indent="0">
               <a:buNone/>
               <a:defRPr sz="661">
                 <a:solidFill>
@@ -1448,7 +1456,7 @@
                 </a:solidFill>
               </a:defRPr>
             </a:lvl4pPr>
-            <a:lvl5pPr marL="755987" indent="0">
+            <a:lvl5pPr marL="756022" indent="0">
               <a:buNone/>
               <a:defRPr sz="661">
                 <a:solidFill>
@@ -1458,7 +1466,7 @@
                 </a:solidFill>
               </a:defRPr>
             </a:lvl5pPr>
-            <a:lvl6pPr marL="944983" indent="0">
+            <a:lvl6pPr marL="945027" indent="0">
               <a:buNone/>
               <a:defRPr sz="661">
                 <a:solidFill>
@@ -1468,7 +1476,7 @@
                 </a:solidFill>
               </a:defRPr>
             </a:lvl6pPr>
-            <a:lvl7pPr marL="1133981" indent="0">
+            <a:lvl7pPr marL="1134033" indent="0">
               <a:buNone/>
               <a:defRPr sz="661">
                 <a:solidFill>
@@ -1478,7 +1486,7 @@
                 </a:solidFill>
               </a:defRPr>
             </a:lvl7pPr>
-            <a:lvl8pPr marL="1322977" indent="0">
+            <a:lvl8pPr marL="1323038" indent="0">
               <a:buNone/>
               <a:defRPr sz="661">
                 <a:solidFill>
@@ -1488,7 +1496,7 @@
                 </a:solidFill>
               </a:defRPr>
             </a:lvl8pPr>
-            <a:lvl9pPr marL="1511975" indent="0">
+            <a:lvl9pPr marL="1512045" indent="0">
               <a:buNone/>
               <a:defRPr sz="661">
                 <a:solidFill>
@@ -1520,7 +1528,7 @@
         </p:nvSpPr>
         <p:spPr>
           <a:xfrm>
-            <a:off x="346522" y="3337085"/>
+            <a:off x="346523" y="3337089"/>
             <a:ext cx="1134070" cy="191691"/>
           </a:xfrm>
           <a:prstGeom prst="rect">
@@ -1533,7 +1541,7 @@
           <a:p>
             <a:fld id="{DCD554A7-7CC4-40A9-A60E-4E72AAE3CDC5}" type="datetimeFigureOut">
               <a:rPr lang="zh-CN" altLang="en-US" smtClean="0"/>
-              <a:t>2021/9/25</a:t>
+              <a:t>2021/10/2</a:t>
             </a:fld>
             <a:endParaRPr lang="zh-CN" altLang="en-US"/>
           </a:p>
@@ -1551,7 +1559,7 @@
         </p:nvSpPr>
         <p:spPr>
           <a:xfrm>
-            <a:off x="1669604" y="3337085"/>
+            <a:off x="1669604" y="3337089"/>
             <a:ext cx="1701106" cy="191691"/>
           </a:xfrm>
           <a:prstGeom prst="rect">
@@ -1578,7 +1586,7 @@
         </p:nvSpPr>
         <p:spPr>
           <a:xfrm>
-            <a:off x="3559721" y="3337085"/>
+            <a:off x="3559721" y="3337089"/>
             <a:ext cx="1134070" cy="191691"/>
           </a:xfrm>
           <a:prstGeom prst="rect">
@@ -1639,7 +1647,7 @@
         </p:nvSpPr>
         <p:spPr>
           <a:xfrm>
-            <a:off x="346522" y="191691"/>
+            <a:off x="346522" y="191695"/>
             <a:ext cx="4347270" cy="695921"/>
           </a:xfrm>
           <a:prstGeom prst="rect">
@@ -1787,7 +1795,7 @@
         </p:nvSpPr>
         <p:spPr>
           <a:xfrm>
-            <a:off x="346522" y="3337085"/>
+            <a:off x="346523" y="3337089"/>
             <a:ext cx="1134070" cy="191691"/>
           </a:xfrm>
           <a:prstGeom prst="rect">
@@ -1800,7 +1808,7 @@
           <a:p>
             <a:fld id="{DCD554A7-7CC4-40A9-A60E-4E72AAE3CDC5}" type="datetimeFigureOut">
               <a:rPr lang="zh-CN" altLang="en-US" smtClean="0"/>
-              <a:t>2021/9/25</a:t>
+              <a:t>2021/10/2</a:t>
             </a:fld>
             <a:endParaRPr lang="zh-CN" altLang="en-US"/>
           </a:p>
@@ -1818,7 +1826,7 @@
         </p:nvSpPr>
         <p:spPr>
           <a:xfrm>
-            <a:off x="1669604" y="3337085"/>
+            <a:off x="1669604" y="3337089"/>
             <a:ext cx="1701106" cy="191691"/>
           </a:xfrm>
           <a:prstGeom prst="rect">
@@ -1845,7 +1853,7 @@
         </p:nvSpPr>
         <p:spPr>
           <a:xfrm>
-            <a:off x="3559721" y="3337085"/>
+            <a:off x="3559721" y="3337089"/>
             <a:ext cx="1134070" cy="191691"/>
           </a:xfrm>
           <a:prstGeom prst="rect">
@@ -1906,7 +1914,7 @@
         </p:nvSpPr>
         <p:spPr>
           <a:xfrm>
-            <a:off x="347178" y="191691"/>
+            <a:off x="347178" y="191695"/>
             <a:ext cx="4347270" cy="695921"/>
           </a:xfrm>
           <a:prstGeom prst="rect">
@@ -1950,35 +1958,35 @@
               <a:buNone/>
               <a:defRPr sz="993" b="1"/>
             </a:lvl1pPr>
-            <a:lvl2pPr marL="188996" indent="0">
+            <a:lvl2pPr marL="189005" indent="0">
               <a:buNone/>
               <a:defRPr sz="827" b="1"/>
             </a:lvl2pPr>
-            <a:lvl3pPr marL="377994" indent="0">
+            <a:lvl3pPr marL="378012" indent="0">
               <a:buNone/>
               <a:defRPr sz="743" b="1"/>
             </a:lvl3pPr>
-            <a:lvl4pPr marL="566990" indent="0">
+            <a:lvl4pPr marL="567017" indent="0">
               <a:buNone/>
               <a:defRPr sz="661" b="1"/>
             </a:lvl4pPr>
-            <a:lvl5pPr marL="755987" indent="0">
+            <a:lvl5pPr marL="756022" indent="0">
               <a:buNone/>
               <a:defRPr sz="661" b="1"/>
             </a:lvl5pPr>
-            <a:lvl6pPr marL="944983" indent="0">
+            <a:lvl6pPr marL="945027" indent="0">
               <a:buNone/>
               <a:defRPr sz="661" b="1"/>
             </a:lvl6pPr>
-            <a:lvl7pPr marL="1133981" indent="0">
+            <a:lvl7pPr marL="1134033" indent="0">
               <a:buNone/>
               <a:defRPr sz="661" b="1"/>
             </a:lvl7pPr>
-            <a:lvl8pPr marL="1322977" indent="0">
+            <a:lvl8pPr marL="1323038" indent="0">
               <a:buNone/>
               <a:defRPr sz="661" b="1"/>
             </a:lvl8pPr>
-            <a:lvl9pPr marL="1511975" indent="0">
+            <a:lvl9pPr marL="1512045" indent="0">
               <a:buNone/>
               <a:defRPr sz="661" b="1"/>
             </a:lvl9pPr>
@@ -2004,7 +2012,7 @@
         </p:nvSpPr>
         <p:spPr>
           <a:xfrm>
-            <a:off x="347178" y="1315165"/>
+            <a:off x="347178" y="1315169"/>
             <a:ext cx="2132288" cy="1934409"/>
           </a:xfrm>
           <a:prstGeom prst="rect">
@@ -2077,35 +2085,35 @@
               <a:buNone/>
               <a:defRPr sz="993" b="1"/>
             </a:lvl1pPr>
-            <a:lvl2pPr marL="188996" indent="0">
+            <a:lvl2pPr marL="189005" indent="0">
               <a:buNone/>
               <a:defRPr sz="827" b="1"/>
             </a:lvl2pPr>
-            <a:lvl3pPr marL="377994" indent="0">
+            <a:lvl3pPr marL="378012" indent="0">
               <a:buNone/>
               <a:defRPr sz="743" b="1"/>
             </a:lvl3pPr>
-            <a:lvl4pPr marL="566990" indent="0">
+            <a:lvl4pPr marL="567017" indent="0">
               <a:buNone/>
               <a:defRPr sz="661" b="1"/>
             </a:lvl4pPr>
-            <a:lvl5pPr marL="755987" indent="0">
+            <a:lvl5pPr marL="756022" indent="0">
               <a:buNone/>
               <a:defRPr sz="661" b="1"/>
             </a:lvl5pPr>
-            <a:lvl6pPr marL="944983" indent="0">
+            <a:lvl6pPr marL="945027" indent="0">
               <a:buNone/>
               <a:defRPr sz="661" b="1"/>
             </a:lvl6pPr>
-            <a:lvl7pPr marL="1133981" indent="0">
+            <a:lvl7pPr marL="1134033" indent="0">
               <a:buNone/>
               <a:defRPr sz="661" b="1"/>
             </a:lvl7pPr>
-            <a:lvl8pPr marL="1322977" indent="0">
+            <a:lvl8pPr marL="1323038" indent="0">
               <a:buNone/>
               <a:defRPr sz="661" b="1"/>
             </a:lvl8pPr>
-            <a:lvl9pPr marL="1511975" indent="0">
+            <a:lvl9pPr marL="1512045" indent="0">
               <a:buNone/>
               <a:defRPr sz="661" b="1"/>
             </a:lvl9pPr>
@@ -2131,7 +2139,7 @@
         </p:nvSpPr>
         <p:spPr>
           <a:xfrm>
-            <a:off x="2551658" y="1315165"/>
+            <a:off x="2551658" y="1315169"/>
             <a:ext cx="2142790" cy="1934409"/>
           </a:xfrm>
           <a:prstGeom prst="rect">
@@ -2190,7 +2198,7 @@
         </p:nvSpPr>
         <p:spPr>
           <a:xfrm>
-            <a:off x="346522" y="3337085"/>
+            <a:off x="346523" y="3337089"/>
             <a:ext cx="1134070" cy="191691"/>
           </a:xfrm>
           <a:prstGeom prst="rect">
@@ -2203,7 +2211,7 @@
           <a:p>
             <a:fld id="{DCD554A7-7CC4-40A9-A60E-4E72AAE3CDC5}" type="datetimeFigureOut">
               <a:rPr lang="zh-CN" altLang="en-US" smtClean="0"/>
-              <a:t>2021/9/25</a:t>
+              <a:t>2021/10/2</a:t>
             </a:fld>
             <a:endParaRPr lang="zh-CN" altLang="en-US"/>
           </a:p>
@@ -2221,7 +2229,7 @@
         </p:nvSpPr>
         <p:spPr>
           <a:xfrm>
-            <a:off x="1669604" y="3337085"/>
+            <a:off x="1669604" y="3337089"/>
             <a:ext cx="1701106" cy="191691"/>
           </a:xfrm>
           <a:prstGeom prst="rect">
@@ -2248,7 +2256,7 @@
         </p:nvSpPr>
         <p:spPr>
           <a:xfrm>
-            <a:off x="3559721" y="3337085"/>
+            <a:off x="3559721" y="3337089"/>
             <a:ext cx="1134070" cy="191691"/>
           </a:xfrm>
           <a:prstGeom prst="rect">
@@ -2309,7 +2317,7 @@
         </p:nvSpPr>
         <p:spPr>
           <a:xfrm>
-            <a:off x="346522" y="191691"/>
+            <a:off x="346522" y="191695"/>
             <a:ext cx="4347270" cy="695921"/>
           </a:xfrm>
           <a:prstGeom prst="rect">
@@ -2339,7 +2347,7 @@
         </p:nvSpPr>
         <p:spPr>
           <a:xfrm>
-            <a:off x="346522" y="3337085"/>
+            <a:off x="346523" y="3337089"/>
             <a:ext cx="1134070" cy="191691"/>
           </a:xfrm>
           <a:prstGeom prst="rect">
@@ -2352,7 +2360,7 @@
           <a:p>
             <a:fld id="{DCD554A7-7CC4-40A9-A60E-4E72AAE3CDC5}" type="datetimeFigureOut">
               <a:rPr lang="zh-CN" altLang="en-US" smtClean="0"/>
-              <a:t>2021/9/25</a:t>
+              <a:t>2021/10/2</a:t>
             </a:fld>
             <a:endParaRPr lang="zh-CN" altLang="en-US"/>
           </a:p>
@@ -2370,7 +2378,7 @@
         </p:nvSpPr>
         <p:spPr>
           <a:xfrm>
-            <a:off x="1669604" y="3337085"/>
+            <a:off x="1669604" y="3337089"/>
             <a:ext cx="1701106" cy="191691"/>
           </a:xfrm>
           <a:prstGeom prst="rect">
@@ -2397,7 +2405,7 @@
         </p:nvSpPr>
         <p:spPr>
           <a:xfrm>
-            <a:off x="3559721" y="3337085"/>
+            <a:off x="3559721" y="3337089"/>
             <a:ext cx="1134070" cy="191691"/>
           </a:xfrm>
           <a:prstGeom prst="rect">
@@ -2458,7 +2466,7 @@
         </p:nvSpPr>
         <p:spPr>
           <a:xfrm>
-            <a:off x="346522" y="3337085"/>
+            <a:off x="346523" y="3337089"/>
             <a:ext cx="1134070" cy="191691"/>
           </a:xfrm>
           <a:prstGeom prst="rect">
@@ -2471,7 +2479,7 @@
           <a:p>
             <a:fld id="{DCD554A7-7CC4-40A9-A60E-4E72AAE3CDC5}" type="datetimeFigureOut">
               <a:rPr lang="zh-CN" altLang="en-US" smtClean="0"/>
-              <a:t>2021/9/25</a:t>
+              <a:t>2021/10/2</a:t>
             </a:fld>
             <a:endParaRPr lang="zh-CN" altLang="en-US"/>
           </a:p>
@@ -2489,7 +2497,7 @@
         </p:nvSpPr>
         <p:spPr>
           <a:xfrm>
-            <a:off x="1669604" y="3337085"/>
+            <a:off x="1669604" y="3337089"/>
             <a:ext cx="1701106" cy="191691"/>
           </a:xfrm>
           <a:prstGeom prst="rect">
@@ -2516,7 +2524,7 @@
         </p:nvSpPr>
         <p:spPr>
           <a:xfrm>
-            <a:off x="3559721" y="3337085"/>
+            <a:off x="3559721" y="3337089"/>
             <a:ext cx="1134070" cy="191691"/>
           </a:xfrm>
           <a:prstGeom prst="rect">
@@ -2577,7 +2585,7 @@
         </p:nvSpPr>
         <p:spPr>
           <a:xfrm>
-            <a:off x="347178" y="240031"/>
+            <a:off x="347178" y="240035"/>
             <a:ext cx="1625632" cy="840105"/>
           </a:xfrm>
           <a:prstGeom prst="rect">
@@ -2611,7 +2619,7 @@
         </p:nvSpPr>
         <p:spPr>
           <a:xfrm>
-            <a:off x="2142790" y="518400"/>
+            <a:off x="2142790" y="518404"/>
             <a:ext cx="2551658" cy="2558653"/>
           </a:xfrm>
           <a:prstGeom prst="rect">
@@ -2712,35 +2720,35 @@
               <a:buNone/>
               <a:defRPr sz="661"/>
             </a:lvl1pPr>
-            <a:lvl2pPr marL="188996" indent="0">
+            <a:lvl2pPr marL="189005" indent="0">
               <a:buNone/>
               <a:defRPr sz="580"/>
             </a:lvl2pPr>
-            <a:lvl3pPr marL="377994" indent="0">
+            <a:lvl3pPr marL="378012" indent="0">
               <a:buNone/>
               <a:defRPr sz="496"/>
             </a:lvl3pPr>
-            <a:lvl4pPr marL="566990" indent="0">
+            <a:lvl4pPr marL="567017" indent="0">
               <a:buNone/>
               <a:defRPr sz="413"/>
             </a:lvl4pPr>
-            <a:lvl5pPr marL="755987" indent="0">
+            <a:lvl5pPr marL="756022" indent="0">
               <a:buNone/>
               <a:defRPr sz="413"/>
             </a:lvl5pPr>
-            <a:lvl6pPr marL="944983" indent="0">
+            <a:lvl6pPr marL="945027" indent="0">
               <a:buNone/>
               <a:defRPr sz="413"/>
             </a:lvl6pPr>
-            <a:lvl7pPr marL="1133981" indent="0">
+            <a:lvl7pPr marL="1134033" indent="0">
               <a:buNone/>
               <a:defRPr sz="413"/>
             </a:lvl7pPr>
-            <a:lvl8pPr marL="1322977" indent="0">
+            <a:lvl8pPr marL="1323038" indent="0">
               <a:buNone/>
               <a:defRPr sz="413"/>
             </a:lvl8pPr>
-            <a:lvl9pPr marL="1511975" indent="0">
+            <a:lvl9pPr marL="1512045" indent="0">
               <a:buNone/>
               <a:defRPr sz="413"/>
             </a:lvl9pPr>
@@ -2766,7 +2774,7 @@
         </p:nvSpPr>
         <p:spPr>
           <a:xfrm>
-            <a:off x="346522" y="3337085"/>
+            <a:off x="346523" y="3337089"/>
             <a:ext cx="1134070" cy="191691"/>
           </a:xfrm>
           <a:prstGeom prst="rect">
@@ -2779,7 +2787,7 @@
           <a:p>
             <a:fld id="{DCD554A7-7CC4-40A9-A60E-4E72AAE3CDC5}" type="datetimeFigureOut">
               <a:rPr lang="zh-CN" altLang="en-US" smtClean="0"/>
-              <a:t>2021/9/25</a:t>
+              <a:t>2021/10/2</a:t>
             </a:fld>
             <a:endParaRPr lang="zh-CN" altLang="en-US"/>
           </a:p>
@@ -2797,7 +2805,7 @@
         </p:nvSpPr>
         <p:spPr>
           <a:xfrm>
-            <a:off x="1669604" y="3337085"/>
+            <a:off x="1669604" y="3337089"/>
             <a:ext cx="1701106" cy="191691"/>
           </a:xfrm>
           <a:prstGeom prst="rect">
@@ -2824,7 +2832,7 @@
         </p:nvSpPr>
         <p:spPr>
           <a:xfrm>
-            <a:off x="3559721" y="3337085"/>
+            <a:off x="3559721" y="3337089"/>
             <a:ext cx="1134070" cy="191691"/>
           </a:xfrm>
           <a:prstGeom prst="rect">
@@ -2885,7 +2893,7 @@
         </p:nvSpPr>
         <p:spPr>
           <a:xfrm>
-            <a:off x="347178" y="240031"/>
+            <a:off x="347178" y="240035"/>
             <a:ext cx="1625632" cy="840105"/>
           </a:xfrm>
           <a:prstGeom prst="rect">
@@ -2919,7 +2927,7 @@
         </p:nvSpPr>
         <p:spPr>
           <a:xfrm>
-            <a:off x="2142790" y="518400"/>
+            <a:off x="2142790" y="518404"/>
             <a:ext cx="2551658" cy="2558653"/>
           </a:xfrm>
           <a:prstGeom prst="rect">
@@ -2933,35 +2941,35 @@
               <a:buNone/>
               <a:defRPr sz="1323"/>
             </a:lvl1pPr>
-            <a:lvl2pPr marL="188996" indent="0">
+            <a:lvl2pPr marL="189005" indent="0">
               <a:buNone/>
               <a:defRPr sz="1158"/>
             </a:lvl2pPr>
-            <a:lvl3pPr marL="377994" indent="0">
+            <a:lvl3pPr marL="378012" indent="0">
               <a:buNone/>
               <a:defRPr sz="993"/>
             </a:lvl3pPr>
-            <a:lvl4pPr marL="566990" indent="0">
+            <a:lvl4pPr marL="567017" indent="0">
               <a:buNone/>
               <a:defRPr sz="827"/>
             </a:lvl4pPr>
-            <a:lvl5pPr marL="755987" indent="0">
+            <a:lvl5pPr marL="756022" indent="0">
               <a:buNone/>
               <a:defRPr sz="827"/>
             </a:lvl5pPr>
-            <a:lvl6pPr marL="944983" indent="0">
+            <a:lvl6pPr marL="945027" indent="0">
               <a:buNone/>
               <a:defRPr sz="827"/>
             </a:lvl6pPr>
-            <a:lvl7pPr marL="1133981" indent="0">
+            <a:lvl7pPr marL="1134033" indent="0">
               <a:buNone/>
               <a:defRPr sz="827"/>
             </a:lvl7pPr>
-            <a:lvl8pPr marL="1322977" indent="0">
+            <a:lvl8pPr marL="1323038" indent="0">
               <a:buNone/>
               <a:defRPr sz="827"/>
             </a:lvl8pPr>
-            <a:lvl9pPr marL="1511975" indent="0">
+            <a:lvl9pPr marL="1512045" indent="0">
               <a:buNone/>
               <a:defRPr sz="827"/>
             </a:lvl9pPr>
@@ -2997,35 +3005,35 @@
               <a:buNone/>
               <a:defRPr sz="661"/>
             </a:lvl1pPr>
-            <a:lvl2pPr marL="188996" indent="0">
+            <a:lvl2pPr marL="189005" indent="0">
               <a:buNone/>
               <a:defRPr sz="580"/>
             </a:lvl2pPr>
-            <a:lvl3pPr marL="377994" indent="0">
+            <a:lvl3pPr marL="378012" indent="0">
               <a:buNone/>
               <a:defRPr sz="496"/>
             </a:lvl3pPr>
-            <a:lvl4pPr marL="566990" indent="0">
+            <a:lvl4pPr marL="567017" indent="0">
               <a:buNone/>
               <a:defRPr sz="413"/>
             </a:lvl4pPr>
-            <a:lvl5pPr marL="755987" indent="0">
+            <a:lvl5pPr marL="756022" indent="0">
               <a:buNone/>
               <a:defRPr sz="413"/>
             </a:lvl5pPr>
-            <a:lvl6pPr marL="944983" indent="0">
+            <a:lvl6pPr marL="945027" indent="0">
               <a:buNone/>
               <a:defRPr sz="413"/>
             </a:lvl6pPr>
-            <a:lvl7pPr marL="1133981" indent="0">
+            <a:lvl7pPr marL="1134033" indent="0">
               <a:buNone/>
               <a:defRPr sz="413"/>
             </a:lvl7pPr>
-            <a:lvl8pPr marL="1322977" indent="0">
+            <a:lvl8pPr marL="1323038" indent="0">
               <a:buNone/>
               <a:defRPr sz="413"/>
             </a:lvl8pPr>
-            <a:lvl9pPr marL="1511975" indent="0">
+            <a:lvl9pPr marL="1512045" indent="0">
               <a:buNone/>
               <a:defRPr sz="413"/>
             </a:lvl9pPr>
@@ -3051,7 +3059,7 @@
         </p:nvSpPr>
         <p:spPr>
           <a:xfrm>
-            <a:off x="346522" y="3337085"/>
+            <a:off x="346523" y="3337089"/>
             <a:ext cx="1134070" cy="191691"/>
           </a:xfrm>
           <a:prstGeom prst="rect">
@@ -3064,7 +3072,7 @@
           <a:p>
             <a:fld id="{DCD554A7-7CC4-40A9-A60E-4E72AAE3CDC5}" type="datetimeFigureOut">
               <a:rPr lang="zh-CN" altLang="en-US" smtClean="0"/>
-              <a:t>2021/9/25</a:t>
+              <a:t>2021/10/2</a:t>
             </a:fld>
             <a:endParaRPr lang="zh-CN" altLang="en-US"/>
           </a:p>
@@ -3082,7 +3090,7 @@
         </p:nvSpPr>
         <p:spPr>
           <a:xfrm>
-            <a:off x="1669604" y="3337085"/>
+            <a:off x="1669604" y="3337089"/>
             <a:ext cx="1701106" cy="191691"/>
           </a:xfrm>
           <a:prstGeom prst="rect">
@@ -3109,7 +3117,7 @@
         </p:nvSpPr>
         <p:spPr>
           <a:xfrm>
-            <a:off x="3559721" y="3337085"/>
+            <a:off x="3559721" y="3337089"/>
             <a:ext cx="1134070" cy="191691"/>
           </a:xfrm>
           <a:prstGeom prst="rect">
@@ -3171,7 +3179,7 @@
         </p:nvSpPr>
         <p:spPr>
           <a:xfrm rot="19612160">
-            <a:off x="-142207" y="-367658"/>
+            <a:off x="-142205" y="-367658"/>
             <a:ext cx="1492908" cy="238848"/>
           </a:xfrm>
           <a:prstGeom prst="rect">
@@ -3186,7 +3194,7 @@
           <a:lstStyle/>
           <a:p>
             <a:r>
-              <a:rPr lang="zh-CN" altLang="en-US" dirty="0">
+              <a:rPr lang="zh-CN" altLang="en-US" sz="952" dirty="0">
                 <a:solidFill>
                   <a:schemeClr val="bg1">
                     <a:lumMod val="95000"/>
@@ -3198,7 +3206,7 @@
               <a:t>小傅哥</a:t>
             </a:r>
             <a:r>
-              <a:rPr lang="en-US" altLang="zh-CN" dirty="0">
+              <a:rPr lang="en-US" altLang="zh-CN" sz="952" dirty="0">
                 <a:solidFill>
                   <a:schemeClr val="bg1">
                     <a:lumMod val="95000"/>
@@ -3209,7 +3217,7 @@
               </a:rPr>
               <a:t> bugstack.cn</a:t>
             </a:r>
-            <a:endParaRPr lang="zh-CN" altLang="en-US" dirty="0">
+            <a:endParaRPr lang="zh-CN" altLang="en-US" sz="952" dirty="0">
               <a:solidFill>
                 <a:schemeClr val="bg1">
                   <a:lumMod val="95000"/>
@@ -3229,7 +3237,7 @@
         </p:nvSpPr>
         <p:spPr>
           <a:xfrm rot="19612160">
-            <a:off x="-221752" y="-59141"/>
+            <a:off x="-221751" y="-59141"/>
             <a:ext cx="1492908" cy="238848"/>
           </a:xfrm>
           <a:prstGeom prst="rect">
@@ -3244,7 +3252,7 @@
           <a:lstStyle/>
           <a:p>
             <a:r>
-              <a:rPr lang="zh-CN" altLang="en-US" dirty="0">
+              <a:rPr lang="zh-CN" altLang="en-US" sz="952" dirty="0">
                 <a:solidFill>
                   <a:schemeClr val="bg1">
                     <a:lumMod val="95000"/>
@@ -3256,7 +3264,7 @@
               <a:t>小傅哥</a:t>
             </a:r>
             <a:r>
-              <a:rPr lang="en-US" altLang="zh-CN" dirty="0">
+              <a:rPr lang="en-US" altLang="zh-CN" sz="952" dirty="0">
                 <a:solidFill>
                   <a:schemeClr val="bg1">
                     <a:lumMod val="95000"/>
@@ -3267,7 +3275,7 @@
               </a:rPr>
               <a:t> bugstack.cn</a:t>
             </a:r>
-            <a:endParaRPr lang="zh-CN" altLang="en-US" dirty="0">
+            <a:endParaRPr lang="zh-CN" altLang="en-US" sz="952" dirty="0">
               <a:solidFill>
                 <a:schemeClr val="bg1">
                   <a:lumMod val="95000"/>
@@ -3302,7 +3310,7 @@
           <a:lstStyle/>
           <a:p>
             <a:r>
-              <a:rPr lang="zh-CN" altLang="en-US" dirty="0">
+              <a:rPr lang="zh-CN" altLang="en-US" sz="952" dirty="0">
                 <a:solidFill>
                   <a:schemeClr val="bg1">
                     <a:lumMod val="95000"/>
@@ -3314,7 +3322,7 @@
               <a:t>小傅哥</a:t>
             </a:r>
             <a:r>
-              <a:rPr lang="en-US" altLang="zh-CN" dirty="0">
+              <a:rPr lang="en-US" altLang="zh-CN" sz="952" dirty="0">
                 <a:solidFill>
                   <a:schemeClr val="bg1">
                     <a:lumMod val="95000"/>
@@ -3325,7 +3333,7 @@
               </a:rPr>
               <a:t> bugstack.cn</a:t>
             </a:r>
-            <a:endParaRPr lang="zh-CN" altLang="en-US" dirty="0">
+            <a:endParaRPr lang="zh-CN" altLang="en-US" sz="952" dirty="0">
               <a:solidFill>
                 <a:schemeClr val="bg1">
                   <a:lumMod val="95000"/>
@@ -3360,7 +3368,7 @@
           <a:lstStyle/>
           <a:p>
             <a:r>
-              <a:rPr lang="zh-CN" altLang="en-US" dirty="0">
+              <a:rPr lang="zh-CN" altLang="en-US" sz="952" dirty="0">
                 <a:solidFill>
                   <a:schemeClr val="bg1">
                     <a:lumMod val="95000"/>
@@ -3372,7 +3380,7 @@
               <a:t>小傅哥</a:t>
             </a:r>
             <a:r>
-              <a:rPr lang="en-US" altLang="zh-CN" dirty="0">
+              <a:rPr lang="en-US" altLang="zh-CN" sz="952" dirty="0">
                 <a:solidFill>
                   <a:schemeClr val="bg1">
                     <a:lumMod val="95000"/>
@@ -3383,7 +3391,7 @@
               </a:rPr>
               <a:t> bugstack.cn</a:t>
             </a:r>
-            <a:endParaRPr lang="zh-CN" altLang="en-US" dirty="0">
+            <a:endParaRPr lang="zh-CN" altLang="en-US" sz="952" dirty="0">
               <a:solidFill>
                 <a:schemeClr val="bg1">
                   <a:lumMod val="95000"/>
@@ -3403,7 +3411,7 @@
         </p:nvSpPr>
         <p:spPr>
           <a:xfrm rot="19612160">
-            <a:off x="-201864" y="723205"/>
+            <a:off x="-201863" y="723205"/>
             <a:ext cx="1492908" cy="238848"/>
           </a:xfrm>
           <a:prstGeom prst="rect">
@@ -3418,7 +3426,7 @@
           <a:lstStyle/>
           <a:p>
             <a:r>
-              <a:rPr lang="zh-CN" altLang="en-US" dirty="0">
+              <a:rPr lang="zh-CN" altLang="en-US" sz="952" dirty="0">
                 <a:solidFill>
                   <a:schemeClr val="bg1">
                     <a:lumMod val="95000"/>
@@ -3430,7 +3438,7 @@
               <a:t>小傅哥</a:t>
             </a:r>
             <a:r>
-              <a:rPr lang="en-US" altLang="zh-CN" dirty="0">
+              <a:rPr lang="en-US" altLang="zh-CN" sz="952" dirty="0">
                 <a:solidFill>
                   <a:schemeClr val="bg1">
                     <a:lumMod val="95000"/>
@@ -3441,7 +3449,7 @@
               </a:rPr>
               <a:t> bugstack.cn</a:t>
             </a:r>
-            <a:endParaRPr lang="zh-CN" altLang="en-US" dirty="0">
+            <a:endParaRPr lang="zh-CN" altLang="en-US" sz="952" dirty="0">
               <a:solidFill>
                 <a:schemeClr val="bg1">
                   <a:lumMod val="95000"/>
@@ -3461,7 +3469,7 @@
         </p:nvSpPr>
         <p:spPr>
           <a:xfrm rot="19612160">
-            <a:off x="-191921" y="997568"/>
+            <a:off x="-191920" y="997568"/>
             <a:ext cx="1492908" cy="238848"/>
           </a:xfrm>
           <a:prstGeom prst="rect">
@@ -3476,7 +3484,7 @@
           <a:lstStyle/>
           <a:p>
             <a:r>
-              <a:rPr lang="zh-CN" altLang="en-US" dirty="0">
+              <a:rPr lang="zh-CN" altLang="en-US" sz="952" dirty="0">
                 <a:solidFill>
                   <a:schemeClr val="bg1">
                     <a:lumMod val="95000"/>
@@ -3488,7 +3496,7 @@
               <a:t>小傅哥</a:t>
             </a:r>
             <a:r>
-              <a:rPr lang="en-US" altLang="zh-CN" dirty="0">
+              <a:rPr lang="en-US" altLang="zh-CN" sz="952" dirty="0">
                 <a:solidFill>
                   <a:schemeClr val="bg1">
                     <a:lumMod val="95000"/>
@@ -3499,7 +3507,7 @@
               </a:rPr>
               <a:t> bugstack.cn</a:t>
             </a:r>
-            <a:endParaRPr lang="zh-CN" altLang="en-US" dirty="0">
+            <a:endParaRPr lang="zh-CN" altLang="en-US" sz="952" dirty="0">
               <a:solidFill>
                 <a:schemeClr val="bg1">
                   <a:lumMod val="95000"/>
@@ -3534,7 +3542,7 @@
           <a:lstStyle/>
           <a:p>
             <a:r>
-              <a:rPr lang="zh-CN" altLang="en-US" dirty="0">
+              <a:rPr lang="zh-CN" altLang="en-US" sz="952" dirty="0">
                 <a:solidFill>
                   <a:schemeClr val="bg1">
                     <a:lumMod val="95000"/>
@@ -3546,7 +3554,7 @@
               <a:t>小傅哥</a:t>
             </a:r>
             <a:r>
-              <a:rPr lang="en-US" altLang="zh-CN" dirty="0">
+              <a:rPr lang="en-US" altLang="zh-CN" sz="952" dirty="0">
                 <a:solidFill>
                   <a:schemeClr val="bg1">
                     <a:lumMod val="95000"/>
@@ -3557,7 +3565,7 @@
               </a:rPr>
               <a:t> bugstack.cn</a:t>
             </a:r>
-            <a:endParaRPr lang="zh-CN" altLang="en-US" dirty="0">
+            <a:endParaRPr lang="zh-CN" altLang="en-US" sz="952" dirty="0">
               <a:solidFill>
                 <a:schemeClr val="bg1">
                   <a:lumMod val="95000"/>
@@ -3592,7 +3600,7 @@
           <a:lstStyle/>
           <a:p>
             <a:r>
-              <a:rPr lang="zh-CN" altLang="en-US" dirty="0">
+              <a:rPr lang="zh-CN" altLang="en-US" sz="952" dirty="0">
                 <a:solidFill>
                   <a:schemeClr val="bg1">
                     <a:lumMod val="95000"/>
@@ -3604,7 +3612,7 @@
               <a:t>小傅哥</a:t>
             </a:r>
             <a:r>
-              <a:rPr lang="en-US" altLang="zh-CN" dirty="0">
+              <a:rPr lang="en-US" altLang="zh-CN" sz="952" dirty="0">
                 <a:solidFill>
                   <a:schemeClr val="bg1">
                     <a:lumMod val="95000"/>
@@ -3615,7 +3623,7 @@
               </a:rPr>
               <a:t> bugstack.cn</a:t>
             </a:r>
-            <a:endParaRPr lang="zh-CN" altLang="en-US" dirty="0">
+            <a:endParaRPr lang="zh-CN" altLang="en-US" sz="952" dirty="0">
               <a:solidFill>
                 <a:schemeClr val="bg1">
                   <a:lumMod val="95000"/>
@@ -3650,7 +3658,7 @@
           <a:lstStyle/>
           <a:p>
             <a:r>
-              <a:rPr lang="zh-CN" altLang="en-US" dirty="0">
+              <a:rPr lang="zh-CN" altLang="en-US" sz="952" dirty="0">
                 <a:solidFill>
                   <a:schemeClr val="bg1">
                     <a:lumMod val="95000"/>
@@ -3662,7 +3670,7 @@
               <a:t>小傅哥</a:t>
             </a:r>
             <a:r>
-              <a:rPr lang="en-US" altLang="zh-CN" dirty="0">
+              <a:rPr lang="en-US" altLang="zh-CN" sz="952" dirty="0">
                 <a:solidFill>
                   <a:schemeClr val="bg1">
                     <a:lumMod val="95000"/>
@@ -3673,7 +3681,7 @@
               </a:rPr>
               <a:t> bugstack.cn</a:t>
             </a:r>
-            <a:endParaRPr lang="zh-CN" altLang="en-US" dirty="0">
+            <a:endParaRPr lang="zh-CN" altLang="en-US" sz="952" dirty="0">
               <a:solidFill>
                 <a:schemeClr val="bg1">
                   <a:lumMod val="95000"/>
@@ -3708,7 +3716,7 @@
           <a:lstStyle/>
           <a:p>
             <a:r>
-              <a:rPr lang="zh-CN" altLang="en-US" dirty="0">
+              <a:rPr lang="zh-CN" altLang="en-US" sz="952" dirty="0">
                 <a:solidFill>
                   <a:schemeClr val="bg1">
                     <a:lumMod val="95000"/>
@@ -3720,7 +3728,7 @@
               <a:t>小傅哥</a:t>
             </a:r>
             <a:r>
-              <a:rPr lang="en-US" altLang="zh-CN" dirty="0">
+              <a:rPr lang="en-US" altLang="zh-CN" sz="952" dirty="0">
                 <a:solidFill>
                   <a:schemeClr val="bg1">
                     <a:lumMod val="95000"/>
@@ -3731,7 +3739,7 @@
               </a:rPr>
               <a:t> bugstack.cn</a:t>
             </a:r>
-            <a:endParaRPr lang="zh-CN" altLang="en-US" dirty="0">
+            <a:endParaRPr lang="zh-CN" altLang="en-US" sz="952" dirty="0">
               <a:solidFill>
                 <a:schemeClr val="bg1">
                   <a:lumMod val="95000"/>
@@ -3766,7 +3774,7 @@
           <a:lstStyle/>
           <a:p>
             <a:r>
-              <a:rPr lang="zh-CN" altLang="en-US" dirty="0">
+              <a:rPr lang="zh-CN" altLang="en-US" sz="952" dirty="0">
                 <a:solidFill>
                   <a:schemeClr val="bg1">
                     <a:lumMod val="95000"/>
@@ -3778,7 +3786,7 @@
               <a:t>小傅哥</a:t>
             </a:r>
             <a:r>
-              <a:rPr lang="en-US" altLang="zh-CN" dirty="0">
+              <a:rPr lang="en-US" altLang="zh-CN" sz="952" dirty="0">
                 <a:solidFill>
                   <a:schemeClr val="bg1">
                     <a:lumMod val="95000"/>
@@ -3789,7 +3797,7 @@
               </a:rPr>
               <a:t> bugstack.cn</a:t>
             </a:r>
-            <a:endParaRPr lang="zh-CN" altLang="en-US" dirty="0">
+            <a:endParaRPr lang="zh-CN" altLang="en-US" sz="952" dirty="0">
               <a:solidFill>
                 <a:schemeClr val="bg1">
                   <a:lumMod val="95000"/>
@@ -3824,7 +3832,7 @@
           <a:lstStyle/>
           <a:p>
             <a:r>
-              <a:rPr lang="zh-CN" altLang="en-US" dirty="0">
+              <a:rPr lang="zh-CN" altLang="en-US" sz="952" dirty="0">
                 <a:solidFill>
                   <a:schemeClr val="bg1">
                     <a:lumMod val="95000"/>
@@ -3836,7 +3844,7 @@
               <a:t>小傅哥</a:t>
             </a:r>
             <a:r>
-              <a:rPr lang="en-US" altLang="zh-CN" dirty="0">
+              <a:rPr lang="en-US" altLang="zh-CN" sz="952" dirty="0">
                 <a:solidFill>
                   <a:schemeClr val="bg1">
                     <a:lumMod val="95000"/>
@@ -3847,7 +3855,7 @@
               </a:rPr>
               <a:t> bugstack.cn</a:t>
             </a:r>
-            <a:endParaRPr lang="zh-CN" altLang="en-US" dirty="0">
+            <a:endParaRPr lang="zh-CN" altLang="en-US" sz="952" dirty="0">
               <a:solidFill>
                 <a:schemeClr val="bg1">
                   <a:lumMod val="95000"/>
@@ -3882,7 +3890,7 @@
           <a:lstStyle/>
           <a:p>
             <a:r>
-              <a:rPr lang="zh-CN" altLang="en-US" dirty="0">
+              <a:rPr lang="zh-CN" altLang="en-US" sz="952" dirty="0">
                 <a:solidFill>
                   <a:schemeClr val="bg1">
                     <a:lumMod val="95000"/>
@@ -3894,7 +3902,7 @@
               <a:t>小傅哥</a:t>
             </a:r>
             <a:r>
-              <a:rPr lang="en-US" altLang="zh-CN" dirty="0">
+              <a:rPr lang="en-US" altLang="zh-CN" sz="952" dirty="0">
                 <a:solidFill>
                   <a:schemeClr val="bg1">
                     <a:lumMod val="95000"/>
@@ -3905,7 +3913,7 @@
               </a:rPr>
               <a:t> bugstack.cn</a:t>
             </a:r>
-            <a:endParaRPr lang="zh-CN" altLang="en-US" dirty="0">
+            <a:endParaRPr lang="zh-CN" altLang="en-US" sz="952" dirty="0">
               <a:solidFill>
                 <a:schemeClr val="bg1">
                   <a:lumMod val="95000"/>
@@ -3925,7 +3933,7 @@
         </p:nvSpPr>
         <p:spPr>
           <a:xfrm rot="19612160">
-            <a:off x="780044" y="-413245"/>
+            <a:off x="780046" y="-413245"/>
             <a:ext cx="1492908" cy="238848"/>
           </a:xfrm>
           <a:prstGeom prst="rect">
@@ -3940,7 +3948,7 @@
           <a:lstStyle/>
           <a:p>
             <a:r>
-              <a:rPr lang="zh-CN" altLang="en-US" dirty="0">
+              <a:rPr lang="zh-CN" altLang="en-US" sz="952" dirty="0">
                 <a:solidFill>
                   <a:schemeClr val="bg1">
                     <a:lumMod val="95000"/>
@@ -3952,7 +3960,7 @@
               <a:t>小傅哥</a:t>
             </a:r>
             <a:r>
-              <a:rPr lang="en-US" altLang="zh-CN" dirty="0">
+              <a:rPr lang="en-US" altLang="zh-CN" sz="952" dirty="0">
                 <a:solidFill>
                   <a:schemeClr val="bg1">
                     <a:lumMod val="95000"/>
@@ -3963,7 +3971,7 @@
               </a:rPr>
               <a:t> bugstack.cn</a:t>
             </a:r>
-            <a:endParaRPr lang="zh-CN" altLang="en-US" dirty="0">
+            <a:endParaRPr lang="zh-CN" altLang="en-US" sz="952" dirty="0">
               <a:solidFill>
                 <a:schemeClr val="bg1">
                   <a:lumMod val="95000"/>
@@ -3983,7 +3991,7 @@
         </p:nvSpPr>
         <p:spPr>
           <a:xfrm rot="19612160">
-            <a:off x="799731" y="-159205"/>
+            <a:off x="799733" y="-159205"/>
             <a:ext cx="1492908" cy="238848"/>
           </a:xfrm>
           <a:prstGeom prst="rect">
@@ -3998,7 +4006,7 @@
           <a:lstStyle/>
           <a:p>
             <a:r>
-              <a:rPr lang="zh-CN" altLang="en-US" dirty="0">
+              <a:rPr lang="zh-CN" altLang="en-US" sz="952" dirty="0">
                 <a:solidFill>
                   <a:schemeClr val="bg1">
                     <a:lumMod val="95000"/>
@@ -4010,7 +4018,7 @@
               <a:t>小傅哥</a:t>
             </a:r>
             <a:r>
-              <a:rPr lang="en-US" altLang="zh-CN" dirty="0">
+              <a:rPr lang="en-US" altLang="zh-CN" sz="952" dirty="0">
                 <a:solidFill>
                   <a:schemeClr val="bg1">
                     <a:lumMod val="95000"/>
@@ -4021,7 +4029,7 @@
               </a:rPr>
               <a:t> bugstack.cn</a:t>
             </a:r>
-            <a:endParaRPr lang="zh-CN" altLang="en-US" dirty="0">
+            <a:endParaRPr lang="zh-CN" altLang="en-US" sz="952" dirty="0">
               <a:solidFill>
                 <a:schemeClr val="bg1">
                   <a:lumMod val="95000"/>
@@ -4056,7 +4064,7 @@
           <a:lstStyle/>
           <a:p>
             <a:r>
-              <a:rPr lang="zh-CN" altLang="en-US" dirty="0">
+              <a:rPr lang="zh-CN" altLang="en-US" sz="952" dirty="0">
                 <a:solidFill>
                   <a:schemeClr val="bg1">
                     <a:lumMod val="95000"/>
@@ -4068,7 +4076,7 @@
               <a:t>小傅哥</a:t>
             </a:r>
             <a:r>
-              <a:rPr lang="en-US" altLang="zh-CN" dirty="0">
+              <a:rPr lang="en-US" altLang="zh-CN" sz="952" dirty="0">
                 <a:solidFill>
                   <a:schemeClr val="bg1">
                     <a:lumMod val="95000"/>
@@ -4079,7 +4087,7 @@
               </a:rPr>
               <a:t> bugstack.cn</a:t>
             </a:r>
-            <a:endParaRPr lang="zh-CN" altLang="en-US" dirty="0">
+            <a:endParaRPr lang="zh-CN" altLang="en-US" sz="952" dirty="0">
               <a:solidFill>
                 <a:schemeClr val="bg1">
                   <a:lumMod val="95000"/>
@@ -4114,7 +4122,7 @@
           <a:lstStyle/>
           <a:p>
             <a:r>
-              <a:rPr lang="zh-CN" altLang="en-US" dirty="0">
+              <a:rPr lang="zh-CN" altLang="en-US" sz="952" dirty="0">
                 <a:solidFill>
                   <a:schemeClr val="bg1">
                     <a:lumMod val="95000"/>
@@ -4126,7 +4134,7 @@
               <a:t>小傅哥</a:t>
             </a:r>
             <a:r>
-              <a:rPr lang="en-US" altLang="zh-CN" dirty="0">
+              <a:rPr lang="en-US" altLang="zh-CN" sz="952" dirty="0">
                 <a:solidFill>
                   <a:schemeClr val="bg1">
                     <a:lumMod val="95000"/>
@@ -4137,7 +4145,7 @@
               </a:rPr>
               <a:t> bugstack.cn</a:t>
             </a:r>
-            <a:endParaRPr lang="zh-CN" altLang="en-US" dirty="0">
+            <a:endParaRPr lang="zh-CN" altLang="en-US" sz="952" dirty="0">
               <a:solidFill>
                 <a:schemeClr val="bg1">
                   <a:lumMod val="95000"/>
@@ -4172,7 +4180,7 @@
           <a:lstStyle/>
           <a:p>
             <a:r>
-              <a:rPr lang="zh-CN" altLang="en-US" dirty="0">
+              <a:rPr lang="zh-CN" altLang="en-US" sz="952" dirty="0">
                 <a:solidFill>
                   <a:schemeClr val="bg1">
                     <a:lumMod val="95000"/>
@@ -4184,7 +4192,7 @@
               <a:t>小傅哥</a:t>
             </a:r>
             <a:r>
-              <a:rPr lang="en-US" altLang="zh-CN" dirty="0">
+              <a:rPr lang="en-US" altLang="zh-CN" sz="952" dirty="0">
                 <a:solidFill>
                   <a:schemeClr val="bg1">
                     <a:lumMod val="95000"/>
@@ -4195,7 +4203,7 @@
               </a:rPr>
               <a:t> bugstack.cn</a:t>
             </a:r>
-            <a:endParaRPr lang="zh-CN" altLang="en-US" dirty="0">
+            <a:endParaRPr lang="zh-CN" altLang="en-US" sz="952" dirty="0">
               <a:solidFill>
                 <a:schemeClr val="bg1">
                   <a:lumMod val="95000"/>
@@ -4215,7 +4223,7 @@
         </p:nvSpPr>
         <p:spPr>
           <a:xfrm rot="19612160">
-            <a:off x="834197" y="982423"/>
+            <a:off x="834198" y="982423"/>
             <a:ext cx="1492908" cy="238848"/>
           </a:xfrm>
           <a:prstGeom prst="rect">
@@ -4230,7 +4238,7 @@
           <a:lstStyle/>
           <a:p>
             <a:r>
-              <a:rPr lang="zh-CN" altLang="en-US" dirty="0">
+              <a:rPr lang="zh-CN" altLang="en-US" sz="952" dirty="0">
                 <a:solidFill>
                   <a:schemeClr val="bg1">
                     <a:lumMod val="95000"/>
@@ -4242,7 +4250,7 @@
               <a:t>小傅哥</a:t>
             </a:r>
             <a:r>
-              <a:rPr lang="en-US" altLang="zh-CN" dirty="0">
+              <a:rPr lang="en-US" altLang="zh-CN" sz="952" dirty="0">
                 <a:solidFill>
                   <a:schemeClr val="bg1">
                     <a:lumMod val="95000"/>
@@ -4253,7 +4261,7 @@
               </a:rPr>
               <a:t> bugstack.cn</a:t>
             </a:r>
-            <a:endParaRPr lang="zh-CN" altLang="en-US" dirty="0">
+            <a:endParaRPr lang="zh-CN" altLang="en-US" sz="952" dirty="0">
               <a:solidFill>
                 <a:schemeClr val="bg1">
                   <a:lumMod val="95000"/>
@@ -4288,7 +4296,7 @@
           <a:lstStyle/>
           <a:p>
             <a:r>
-              <a:rPr lang="zh-CN" altLang="en-US" dirty="0">
+              <a:rPr lang="zh-CN" altLang="en-US" sz="952" dirty="0">
                 <a:solidFill>
                   <a:schemeClr val="bg1">
                     <a:lumMod val="95000"/>
@@ -4300,7 +4308,7 @@
               <a:t>小傅哥</a:t>
             </a:r>
             <a:r>
-              <a:rPr lang="en-US" altLang="zh-CN" dirty="0">
+              <a:rPr lang="en-US" altLang="zh-CN" sz="952" dirty="0">
                 <a:solidFill>
                   <a:schemeClr val="bg1">
                     <a:lumMod val="95000"/>
@@ -4311,7 +4319,7 @@
               </a:rPr>
               <a:t> bugstack.cn</a:t>
             </a:r>
-            <a:endParaRPr lang="zh-CN" altLang="en-US" dirty="0">
+            <a:endParaRPr lang="zh-CN" altLang="en-US" sz="952" dirty="0">
               <a:solidFill>
                 <a:schemeClr val="bg1">
                   <a:lumMod val="95000"/>
@@ -4346,7 +4354,7 @@
           <a:lstStyle/>
           <a:p>
             <a:r>
-              <a:rPr lang="zh-CN" altLang="en-US" dirty="0">
+              <a:rPr lang="zh-CN" altLang="en-US" sz="952" dirty="0">
                 <a:solidFill>
                   <a:schemeClr val="bg1">
                     <a:lumMod val="95000"/>
@@ -4358,7 +4366,7 @@
               <a:t>小傅哥</a:t>
             </a:r>
             <a:r>
-              <a:rPr lang="en-US" altLang="zh-CN" dirty="0">
+              <a:rPr lang="en-US" altLang="zh-CN" sz="952" dirty="0">
                 <a:solidFill>
                   <a:schemeClr val="bg1">
                     <a:lumMod val="95000"/>
@@ -4369,7 +4377,7 @@
               </a:rPr>
               <a:t> bugstack.cn</a:t>
             </a:r>
-            <a:endParaRPr lang="zh-CN" altLang="en-US" dirty="0">
+            <a:endParaRPr lang="zh-CN" altLang="en-US" sz="952" dirty="0">
               <a:solidFill>
                 <a:schemeClr val="bg1">
                   <a:lumMod val="95000"/>
@@ -4404,7 +4412,7 @@
           <a:lstStyle/>
           <a:p>
             <a:r>
-              <a:rPr lang="zh-CN" altLang="en-US" dirty="0">
+              <a:rPr lang="zh-CN" altLang="en-US" sz="952" dirty="0">
                 <a:solidFill>
                   <a:schemeClr val="bg1">
                     <a:lumMod val="95000"/>
@@ -4416,7 +4424,7 @@
               <a:t>小傅哥</a:t>
             </a:r>
             <a:r>
-              <a:rPr lang="en-US" altLang="zh-CN" dirty="0">
+              <a:rPr lang="en-US" altLang="zh-CN" sz="952" dirty="0">
                 <a:solidFill>
                   <a:schemeClr val="bg1">
                     <a:lumMod val="95000"/>
@@ -4427,7 +4435,7 @@
               </a:rPr>
               <a:t> bugstack.cn</a:t>
             </a:r>
-            <a:endParaRPr lang="zh-CN" altLang="en-US" dirty="0">
+            <a:endParaRPr lang="zh-CN" altLang="en-US" sz="952" dirty="0">
               <a:solidFill>
                 <a:schemeClr val="bg1">
                   <a:lumMod val="95000"/>
@@ -4462,7 +4470,7 @@
           <a:lstStyle/>
           <a:p>
             <a:r>
-              <a:rPr lang="zh-CN" altLang="en-US" dirty="0">
+              <a:rPr lang="zh-CN" altLang="en-US" sz="952" dirty="0">
                 <a:solidFill>
                   <a:schemeClr val="bg1">
                     <a:lumMod val="95000"/>
@@ -4474,7 +4482,7 @@
               <a:t>小傅哥</a:t>
             </a:r>
             <a:r>
-              <a:rPr lang="en-US" altLang="zh-CN" dirty="0">
+              <a:rPr lang="en-US" altLang="zh-CN" sz="952" dirty="0">
                 <a:solidFill>
                   <a:schemeClr val="bg1">
                     <a:lumMod val="95000"/>
@@ -4485,7 +4493,7 @@
               </a:rPr>
               <a:t> bugstack.cn</a:t>
             </a:r>
-            <a:endParaRPr lang="zh-CN" altLang="en-US" dirty="0">
+            <a:endParaRPr lang="zh-CN" altLang="en-US" sz="952" dirty="0">
               <a:solidFill>
                 <a:schemeClr val="bg1">
                   <a:lumMod val="95000"/>
@@ -4520,7 +4528,7 @@
           <a:lstStyle/>
           <a:p>
             <a:r>
-              <a:rPr lang="zh-CN" altLang="en-US" dirty="0">
+              <a:rPr lang="zh-CN" altLang="en-US" sz="952" dirty="0">
                 <a:solidFill>
                   <a:schemeClr val="bg1">
                     <a:lumMod val="95000"/>
@@ -4532,7 +4540,7 @@
               <a:t>小傅哥</a:t>
             </a:r>
             <a:r>
-              <a:rPr lang="en-US" altLang="zh-CN" dirty="0">
+              <a:rPr lang="en-US" altLang="zh-CN" sz="952" dirty="0">
                 <a:solidFill>
                   <a:schemeClr val="bg1">
                     <a:lumMod val="95000"/>
@@ -4543,7 +4551,7 @@
               </a:rPr>
               <a:t> bugstack.cn</a:t>
             </a:r>
-            <a:endParaRPr lang="zh-CN" altLang="en-US" dirty="0">
+            <a:endParaRPr lang="zh-CN" altLang="en-US" sz="952" dirty="0">
               <a:solidFill>
                 <a:schemeClr val="bg1">
                   <a:lumMod val="95000"/>
@@ -4578,7 +4586,7 @@
           <a:lstStyle/>
           <a:p>
             <a:r>
-              <a:rPr lang="zh-CN" altLang="en-US" dirty="0">
+              <a:rPr lang="zh-CN" altLang="en-US" sz="952" dirty="0">
                 <a:solidFill>
                   <a:schemeClr val="bg1">
                     <a:lumMod val="95000"/>
@@ -4590,7 +4598,7 @@
               <a:t>小傅哥</a:t>
             </a:r>
             <a:r>
-              <a:rPr lang="en-US" altLang="zh-CN" dirty="0">
+              <a:rPr lang="en-US" altLang="zh-CN" sz="952" dirty="0">
                 <a:solidFill>
                   <a:schemeClr val="bg1">
                     <a:lumMod val="95000"/>
@@ -4601,7 +4609,7 @@
               </a:rPr>
               <a:t> bugstack.cn</a:t>
             </a:r>
-            <a:endParaRPr lang="zh-CN" altLang="en-US" dirty="0">
+            <a:endParaRPr lang="zh-CN" altLang="en-US" sz="952" dirty="0">
               <a:solidFill>
                 <a:schemeClr val="bg1">
                   <a:lumMod val="95000"/>
@@ -4621,7 +4629,7 @@
         </p:nvSpPr>
         <p:spPr>
           <a:xfrm rot="19612160">
-            <a:off x="1594130" y="2369962"/>
+            <a:off x="1594132" y="2369962"/>
             <a:ext cx="1492908" cy="238848"/>
           </a:xfrm>
           <a:prstGeom prst="rect">
@@ -4636,7 +4644,7 @@
           <a:lstStyle/>
           <a:p>
             <a:r>
-              <a:rPr lang="zh-CN" altLang="en-US" dirty="0">
+              <a:rPr lang="zh-CN" altLang="en-US" sz="952" dirty="0">
                 <a:solidFill>
                   <a:schemeClr val="bg1">
                     <a:lumMod val="95000"/>
@@ -4648,7 +4656,7 @@
               <a:t>小傅哥</a:t>
             </a:r>
             <a:r>
-              <a:rPr lang="en-US" altLang="zh-CN" dirty="0">
+              <a:rPr lang="en-US" altLang="zh-CN" sz="952" dirty="0">
                 <a:solidFill>
                   <a:schemeClr val="bg1">
                     <a:lumMod val="95000"/>
@@ -4659,7 +4667,7 @@
               </a:rPr>
               <a:t> bugstack.cn</a:t>
             </a:r>
-            <a:endParaRPr lang="zh-CN" altLang="en-US" dirty="0">
+            <a:endParaRPr lang="zh-CN" altLang="en-US" sz="952" dirty="0">
               <a:solidFill>
                 <a:schemeClr val="bg1">
                   <a:lumMod val="95000"/>
@@ -4694,7 +4702,7 @@
           <a:lstStyle/>
           <a:p>
             <a:r>
-              <a:rPr lang="zh-CN" altLang="en-US" dirty="0">
+              <a:rPr lang="zh-CN" altLang="en-US" sz="952" dirty="0">
                 <a:solidFill>
                   <a:schemeClr val="bg1">
                     <a:lumMod val="95000"/>
@@ -4706,7 +4714,7 @@
               <a:t>小傅哥</a:t>
             </a:r>
             <a:r>
-              <a:rPr lang="en-US" altLang="zh-CN" dirty="0">
+              <a:rPr lang="en-US" altLang="zh-CN" sz="952" dirty="0">
                 <a:solidFill>
                   <a:schemeClr val="bg1">
                     <a:lumMod val="95000"/>
@@ -4717,7 +4725,7 @@
               </a:rPr>
               <a:t> bugstack.cn</a:t>
             </a:r>
-            <a:endParaRPr lang="zh-CN" altLang="en-US" dirty="0">
+            <a:endParaRPr lang="zh-CN" altLang="en-US" sz="952" dirty="0">
               <a:solidFill>
                 <a:schemeClr val="bg1">
                   <a:lumMod val="95000"/>
@@ -4737,7 +4745,7 @@
         </p:nvSpPr>
         <p:spPr>
           <a:xfrm rot="19612160">
-            <a:off x="1980943" y="2403875"/>
+            <a:off x="1980945" y="2403875"/>
             <a:ext cx="1492908" cy="238848"/>
           </a:xfrm>
           <a:prstGeom prst="rect">
@@ -4752,7 +4760,7 @@
           <a:lstStyle/>
           <a:p>
             <a:r>
-              <a:rPr lang="zh-CN" altLang="en-US" dirty="0">
+              <a:rPr lang="zh-CN" altLang="en-US" sz="952" dirty="0">
                 <a:solidFill>
                   <a:schemeClr val="bg1">
                     <a:lumMod val="95000"/>
@@ -4764,7 +4772,7 @@
               <a:t>小傅哥</a:t>
             </a:r>
             <a:r>
-              <a:rPr lang="en-US" altLang="zh-CN" dirty="0">
+              <a:rPr lang="en-US" altLang="zh-CN" sz="952" dirty="0">
                 <a:solidFill>
                   <a:schemeClr val="bg1">
                     <a:lumMod val="95000"/>
@@ -4775,7 +4783,7 @@
               </a:rPr>
               <a:t> bugstack.cn</a:t>
             </a:r>
-            <a:endParaRPr lang="zh-CN" altLang="en-US" dirty="0">
+            <a:endParaRPr lang="zh-CN" altLang="en-US" sz="952" dirty="0">
               <a:solidFill>
                 <a:schemeClr val="bg1">
                   <a:lumMod val="95000"/>
@@ -4795,7 +4803,7 @@
         </p:nvSpPr>
         <p:spPr>
           <a:xfrm rot="19612160">
-            <a:off x="1523087" y="3050506"/>
+            <a:off x="1523089" y="3050506"/>
             <a:ext cx="1492908" cy="238848"/>
           </a:xfrm>
           <a:prstGeom prst="rect">
@@ -4810,7 +4818,7 @@
           <a:lstStyle/>
           <a:p>
             <a:r>
-              <a:rPr lang="zh-CN" altLang="en-US" dirty="0">
+              <a:rPr lang="zh-CN" altLang="en-US" sz="952" dirty="0">
                 <a:solidFill>
                   <a:schemeClr val="bg1">
                     <a:lumMod val="95000"/>
@@ -4822,7 +4830,7 @@
               <a:t>小傅哥</a:t>
             </a:r>
             <a:r>
-              <a:rPr lang="en-US" altLang="zh-CN" dirty="0">
+              <a:rPr lang="en-US" altLang="zh-CN" sz="952" dirty="0">
                 <a:solidFill>
                   <a:schemeClr val="bg1">
                     <a:lumMod val="95000"/>
@@ -4833,7 +4841,7 @@
               </a:rPr>
               <a:t> bugstack.cn</a:t>
             </a:r>
-            <a:endParaRPr lang="zh-CN" altLang="en-US" dirty="0">
+            <a:endParaRPr lang="zh-CN" altLang="en-US" sz="952" dirty="0">
               <a:solidFill>
                 <a:schemeClr val="bg1">
                   <a:lumMod val="95000"/>
@@ -4868,7 +4876,7 @@
           <a:lstStyle/>
           <a:p>
             <a:r>
-              <a:rPr lang="zh-CN" altLang="en-US" dirty="0">
+              <a:rPr lang="zh-CN" altLang="en-US" sz="952" dirty="0">
                 <a:solidFill>
                   <a:schemeClr val="bg1">
                     <a:lumMod val="95000"/>
@@ -4880,7 +4888,7 @@
               <a:t>小傅哥</a:t>
             </a:r>
             <a:r>
-              <a:rPr lang="en-US" altLang="zh-CN" dirty="0">
+              <a:rPr lang="en-US" altLang="zh-CN" sz="952" dirty="0">
                 <a:solidFill>
                   <a:schemeClr val="bg1">
                     <a:lumMod val="95000"/>
@@ -4891,7 +4899,7 @@
               </a:rPr>
               <a:t> bugstack.cn</a:t>
             </a:r>
-            <a:endParaRPr lang="zh-CN" altLang="en-US" dirty="0">
+            <a:endParaRPr lang="zh-CN" altLang="en-US" sz="952" dirty="0">
               <a:solidFill>
                 <a:schemeClr val="bg1">
                   <a:lumMod val="95000"/>
@@ -4911,7 +4919,7 @@
         </p:nvSpPr>
         <p:spPr>
           <a:xfrm rot="19612160">
-            <a:off x="2098407" y="3048858"/>
+            <a:off x="2098408" y="3048858"/>
             <a:ext cx="1492908" cy="238848"/>
           </a:xfrm>
           <a:prstGeom prst="rect">
@@ -4926,7 +4934,7 @@
           <a:lstStyle/>
           <a:p>
             <a:r>
-              <a:rPr lang="zh-CN" altLang="en-US" dirty="0">
+              <a:rPr lang="zh-CN" altLang="en-US" sz="952" dirty="0">
                 <a:solidFill>
                   <a:schemeClr val="bg1">
                     <a:lumMod val="95000"/>
@@ -4938,7 +4946,7 @@
               <a:t>小傅哥</a:t>
             </a:r>
             <a:r>
-              <a:rPr lang="en-US" altLang="zh-CN" dirty="0">
+              <a:rPr lang="en-US" altLang="zh-CN" sz="952" dirty="0">
                 <a:solidFill>
                   <a:schemeClr val="bg1">
                     <a:lumMod val="95000"/>
@@ -4949,7 +4957,7 @@
               </a:rPr>
               <a:t> bugstack.cn</a:t>
             </a:r>
-            <a:endParaRPr lang="zh-CN" altLang="en-US" dirty="0">
+            <a:endParaRPr lang="zh-CN" altLang="en-US" sz="952" dirty="0">
               <a:solidFill>
                 <a:schemeClr val="bg1">
                   <a:lumMod val="95000"/>
@@ -4984,7 +4992,7 @@
           <a:lstStyle/>
           <a:p>
             <a:r>
-              <a:rPr lang="zh-CN" altLang="en-US" dirty="0">
+              <a:rPr lang="zh-CN" altLang="en-US" sz="952" dirty="0">
                 <a:solidFill>
                   <a:schemeClr val="bg1">
                     <a:lumMod val="95000"/>
@@ -4996,7 +5004,7 @@
               <a:t>小傅哥</a:t>
             </a:r>
             <a:r>
-              <a:rPr lang="en-US" altLang="zh-CN" dirty="0">
+              <a:rPr lang="en-US" altLang="zh-CN" sz="952" dirty="0">
                 <a:solidFill>
                   <a:schemeClr val="bg1">
                     <a:lumMod val="95000"/>
@@ -5007,7 +5015,7 @@
               </a:rPr>
               <a:t> bugstack.cn</a:t>
             </a:r>
-            <a:endParaRPr lang="zh-CN" altLang="en-US" dirty="0">
+            <a:endParaRPr lang="zh-CN" altLang="en-US" sz="952" dirty="0">
               <a:solidFill>
                 <a:schemeClr val="bg1">
                   <a:lumMod val="95000"/>
@@ -5027,7 +5035,7 @@
         </p:nvSpPr>
         <p:spPr>
           <a:xfrm rot="19612160">
-            <a:off x="2594919" y="3064068"/>
+            <a:off x="2594920" y="3064068"/>
             <a:ext cx="1492908" cy="238848"/>
           </a:xfrm>
           <a:prstGeom prst="rect">
@@ -5042,7 +5050,7 @@
           <a:lstStyle/>
           <a:p>
             <a:r>
-              <a:rPr lang="zh-CN" altLang="en-US" dirty="0">
+              <a:rPr lang="zh-CN" altLang="en-US" sz="952" dirty="0">
                 <a:solidFill>
                   <a:schemeClr val="bg1">
                     <a:lumMod val="95000"/>
@@ -5054,7 +5062,7 @@
               <a:t>小傅哥</a:t>
             </a:r>
             <a:r>
-              <a:rPr lang="en-US" altLang="zh-CN" dirty="0">
+              <a:rPr lang="en-US" altLang="zh-CN" sz="952" dirty="0">
                 <a:solidFill>
                   <a:schemeClr val="bg1">
                     <a:lumMod val="95000"/>
@@ -5065,7 +5073,7 @@
               </a:rPr>
               <a:t> bugstack.cn</a:t>
             </a:r>
-            <a:endParaRPr lang="zh-CN" altLang="en-US" dirty="0">
+            <a:endParaRPr lang="zh-CN" altLang="en-US" sz="952" dirty="0">
               <a:solidFill>
                 <a:schemeClr val="bg1">
                   <a:lumMod val="95000"/>
@@ -5100,7 +5108,7 @@
           <a:lstStyle/>
           <a:p>
             <a:r>
-              <a:rPr lang="zh-CN" altLang="en-US" dirty="0">
+              <a:rPr lang="zh-CN" altLang="en-US" sz="952" dirty="0">
                 <a:solidFill>
                   <a:schemeClr val="bg1">
                     <a:lumMod val="95000"/>
@@ -5112,7 +5120,7 @@
               <a:t>小傅哥</a:t>
             </a:r>
             <a:r>
-              <a:rPr lang="en-US" altLang="zh-CN" dirty="0">
+              <a:rPr lang="en-US" altLang="zh-CN" sz="952" dirty="0">
                 <a:solidFill>
                   <a:schemeClr val="bg1">
                     <a:lumMod val="95000"/>
@@ -5123,7 +5131,7 @@
               </a:rPr>
               <a:t> bugstack.cn</a:t>
             </a:r>
-            <a:endParaRPr lang="zh-CN" altLang="en-US" dirty="0">
+            <a:endParaRPr lang="zh-CN" altLang="en-US" sz="952" dirty="0">
               <a:solidFill>
                 <a:schemeClr val="bg1">
                   <a:lumMod val="95000"/>
@@ -5143,7 +5151,7 @@
         </p:nvSpPr>
         <p:spPr>
           <a:xfrm rot="19612160">
-            <a:off x="3138878" y="3087676"/>
+            <a:off x="3138879" y="3087676"/>
             <a:ext cx="1492908" cy="238848"/>
           </a:xfrm>
           <a:prstGeom prst="rect">
@@ -5158,7 +5166,7 @@
           <a:lstStyle/>
           <a:p>
             <a:r>
-              <a:rPr lang="zh-CN" altLang="en-US" dirty="0">
+              <a:rPr lang="zh-CN" altLang="en-US" sz="952" dirty="0">
                 <a:solidFill>
                   <a:schemeClr val="bg1">
                     <a:lumMod val="95000"/>
@@ -5170,7 +5178,7 @@
               <a:t>小傅哥</a:t>
             </a:r>
             <a:r>
-              <a:rPr lang="en-US" altLang="zh-CN" dirty="0">
+              <a:rPr lang="en-US" altLang="zh-CN" sz="952" dirty="0">
                 <a:solidFill>
                   <a:schemeClr val="bg1">
                     <a:lumMod val="95000"/>
@@ -5181,7 +5189,7 @@
               </a:rPr>
               <a:t> bugstack.cn</a:t>
             </a:r>
-            <a:endParaRPr lang="zh-CN" altLang="en-US" dirty="0">
+            <a:endParaRPr lang="zh-CN" altLang="en-US" sz="952" dirty="0">
               <a:solidFill>
                 <a:schemeClr val="bg1">
                   <a:lumMod val="95000"/>
@@ -5216,7 +5224,7 @@
           <a:lstStyle/>
           <a:p>
             <a:r>
-              <a:rPr lang="zh-CN" altLang="en-US" dirty="0">
+              <a:rPr lang="zh-CN" altLang="en-US" sz="952" dirty="0">
                 <a:solidFill>
                   <a:schemeClr val="bg1">
                     <a:lumMod val="95000"/>
@@ -5228,7 +5236,7 @@
               <a:t>小傅哥</a:t>
             </a:r>
             <a:r>
-              <a:rPr lang="en-US" altLang="zh-CN" dirty="0">
+              <a:rPr lang="en-US" altLang="zh-CN" sz="952" dirty="0">
                 <a:solidFill>
                   <a:schemeClr val="bg1">
                     <a:lumMod val="95000"/>
@@ -5239,7 +5247,7 @@
               </a:rPr>
               <a:t> bugstack.cn</a:t>
             </a:r>
-            <a:endParaRPr lang="zh-CN" altLang="en-US" dirty="0">
+            <a:endParaRPr lang="zh-CN" altLang="en-US" sz="952" dirty="0">
               <a:solidFill>
                 <a:schemeClr val="bg1">
                   <a:lumMod val="95000"/>
@@ -5259,7 +5267,7 @@
         </p:nvSpPr>
         <p:spPr>
           <a:xfrm rot="19612160">
-            <a:off x="3622789" y="3072045"/>
+            <a:off x="3622791" y="3072045"/>
             <a:ext cx="1492908" cy="238848"/>
           </a:xfrm>
           <a:prstGeom prst="rect">
@@ -5274,7 +5282,7 @@
           <a:lstStyle/>
           <a:p>
             <a:r>
-              <a:rPr lang="zh-CN" altLang="en-US" dirty="0">
+              <a:rPr lang="zh-CN" altLang="en-US" sz="952" dirty="0">
                 <a:solidFill>
                   <a:schemeClr val="bg1">
                     <a:lumMod val="95000"/>
@@ -5286,7 +5294,7 @@
               <a:t>小傅哥</a:t>
             </a:r>
             <a:r>
-              <a:rPr lang="en-US" altLang="zh-CN" dirty="0">
+              <a:rPr lang="en-US" altLang="zh-CN" sz="952" dirty="0">
                 <a:solidFill>
                   <a:schemeClr val="bg1">
                     <a:lumMod val="95000"/>
@@ -5297,7 +5305,7 @@
               </a:rPr>
               <a:t> bugstack.cn</a:t>
             </a:r>
-            <a:endParaRPr lang="zh-CN" altLang="en-US" dirty="0">
+            <a:endParaRPr lang="zh-CN" altLang="en-US" sz="952" dirty="0">
               <a:solidFill>
                 <a:schemeClr val="bg1">
                   <a:lumMod val="95000"/>
@@ -5332,7 +5340,7 @@
           <a:lstStyle/>
           <a:p>
             <a:r>
-              <a:rPr lang="zh-CN" altLang="en-US" dirty="0">
+              <a:rPr lang="zh-CN" altLang="en-US" sz="952" dirty="0">
                 <a:solidFill>
                   <a:schemeClr val="bg1">
                     <a:lumMod val="95000"/>
@@ -5344,7 +5352,7 @@
               <a:t>小傅哥</a:t>
             </a:r>
             <a:r>
-              <a:rPr lang="en-US" altLang="zh-CN" dirty="0">
+              <a:rPr lang="en-US" altLang="zh-CN" sz="952" dirty="0">
                 <a:solidFill>
                   <a:schemeClr val="bg1">
                     <a:lumMod val="95000"/>
@@ -5355,7 +5363,7 @@
               </a:rPr>
               <a:t> bugstack.cn</a:t>
             </a:r>
-            <a:endParaRPr lang="zh-CN" altLang="en-US" dirty="0">
+            <a:endParaRPr lang="zh-CN" altLang="en-US" sz="952" dirty="0">
               <a:solidFill>
                 <a:schemeClr val="bg1">
                   <a:lumMod val="95000"/>
@@ -5390,7 +5398,7 @@
           <a:lstStyle/>
           <a:p>
             <a:r>
-              <a:rPr lang="zh-CN" altLang="en-US" dirty="0">
+              <a:rPr lang="zh-CN" altLang="en-US" sz="952" dirty="0">
                 <a:solidFill>
                   <a:schemeClr val="bg1">
                     <a:lumMod val="95000"/>
@@ -5402,7 +5410,7 @@
               <a:t>小傅哥</a:t>
             </a:r>
             <a:r>
-              <a:rPr lang="en-US" altLang="zh-CN" dirty="0">
+              <a:rPr lang="en-US" altLang="zh-CN" sz="952" dirty="0">
                 <a:solidFill>
                   <a:schemeClr val="bg1">
                     <a:lumMod val="95000"/>
@@ -5413,7 +5421,7 @@
               </a:rPr>
               <a:t> bugstack.cn</a:t>
             </a:r>
-            <a:endParaRPr lang="zh-CN" altLang="en-US" dirty="0">
+            <a:endParaRPr lang="zh-CN" altLang="en-US" sz="952" dirty="0">
               <a:solidFill>
                 <a:schemeClr val="bg1">
                   <a:lumMod val="95000"/>
@@ -5448,7 +5456,7 @@
           <a:lstStyle/>
           <a:p>
             <a:r>
-              <a:rPr lang="zh-CN" altLang="en-US" dirty="0">
+              <a:rPr lang="zh-CN" altLang="en-US" sz="952" dirty="0">
                 <a:solidFill>
                   <a:schemeClr val="bg1">
                     <a:lumMod val="95000"/>
@@ -5460,7 +5468,7 @@
               <a:t>小傅哥</a:t>
             </a:r>
             <a:r>
-              <a:rPr lang="en-US" altLang="zh-CN" dirty="0">
+              <a:rPr lang="en-US" altLang="zh-CN" sz="952" dirty="0">
                 <a:solidFill>
                   <a:schemeClr val="bg1">
                     <a:lumMod val="95000"/>
@@ -5471,7 +5479,7 @@
               </a:rPr>
               <a:t> bugstack.cn</a:t>
             </a:r>
-            <a:endParaRPr lang="zh-CN" altLang="en-US" dirty="0">
+            <a:endParaRPr lang="zh-CN" altLang="en-US" sz="952" dirty="0">
               <a:solidFill>
                 <a:schemeClr val="bg1">
                   <a:lumMod val="95000"/>
@@ -5506,7 +5514,7 @@
           <a:lstStyle/>
           <a:p>
             <a:r>
-              <a:rPr lang="zh-CN" altLang="en-US" dirty="0">
+              <a:rPr lang="zh-CN" altLang="en-US" sz="952" dirty="0">
                 <a:solidFill>
                   <a:schemeClr val="bg1">
                     <a:lumMod val="95000"/>
@@ -5518,7 +5526,7 @@
               <a:t>小傅哥</a:t>
             </a:r>
             <a:r>
-              <a:rPr lang="en-US" altLang="zh-CN" dirty="0">
+              <a:rPr lang="en-US" altLang="zh-CN" sz="952" dirty="0">
                 <a:solidFill>
                   <a:schemeClr val="bg1">
                     <a:lumMod val="95000"/>
@@ -5529,7 +5537,7 @@
               </a:rPr>
               <a:t> bugstack.cn</a:t>
             </a:r>
-            <a:endParaRPr lang="zh-CN" altLang="en-US" dirty="0">
+            <a:endParaRPr lang="zh-CN" altLang="en-US" sz="952" dirty="0">
               <a:solidFill>
                 <a:schemeClr val="bg1">
                   <a:lumMod val="95000"/>
@@ -5564,7 +5572,7 @@
           <a:lstStyle/>
           <a:p>
             <a:r>
-              <a:rPr lang="zh-CN" altLang="en-US" dirty="0">
+              <a:rPr lang="zh-CN" altLang="en-US" sz="952" dirty="0">
                 <a:solidFill>
                   <a:schemeClr val="bg1">
                     <a:lumMod val="95000"/>
@@ -5576,7 +5584,7 @@
               <a:t>小傅哥</a:t>
             </a:r>
             <a:r>
-              <a:rPr lang="en-US" altLang="zh-CN" dirty="0">
+              <a:rPr lang="en-US" altLang="zh-CN" sz="952" dirty="0">
                 <a:solidFill>
                   <a:schemeClr val="bg1">
                     <a:lumMod val="95000"/>
@@ -5587,7 +5595,7 @@
               </a:rPr>
               <a:t> bugstack.cn</a:t>
             </a:r>
-            <a:endParaRPr lang="zh-CN" altLang="en-US" dirty="0">
+            <a:endParaRPr lang="zh-CN" altLang="en-US" sz="952" dirty="0">
               <a:solidFill>
                 <a:schemeClr val="bg1">
                   <a:lumMod val="95000"/>
@@ -5622,7 +5630,7 @@
           <a:lstStyle/>
           <a:p>
             <a:r>
-              <a:rPr lang="zh-CN" altLang="en-US" dirty="0">
+              <a:rPr lang="zh-CN" altLang="en-US" sz="952" dirty="0">
                 <a:solidFill>
                   <a:schemeClr val="bg1">
                     <a:lumMod val="95000"/>
@@ -5634,7 +5642,7 @@
               <a:t>小傅哥</a:t>
             </a:r>
             <a:r>
-              <a:rPr lang="en-US" altLang="zh-CN" dirty="0">
+              <a:rPr lang="en-US" altLang="zh-CN" sz="952" dirty="0">
                 <a:solidFill>
                   <a:schemeClr val="bg1">
                     <a:lumMod val="95000"/>
@@ -5645,7 +5653,7 @@
               </a:rPr>
               <a:t> bugstack.cn</a:t>
             </a:r>
-            <a:endParaRPr lang="zh-CN" altLang="en-US" dirty="0">
+            <a:endParaRPr lang="zh-CN" altLang="en-US" sz="952" dirty="0">
               <a:solidFill>
                 <a:schemeClr val="bg1">
                   <a:lumMod val="95000"/>
@@ -5665,7 +5673,7 @@
         </p:nvSpPr>
         <p:spPr>
           <a:xfrm rot="19612160">
-            <a:off x="1868400" y="634611"/>
+            <a:off x="1868401" y="634611"/>
             <a:ext cx="1492908" cy="238848"/>
           </a:xfrm>
           <a:prstGeom prst="rect">
@@ -5680,7 +5688,7 @@
           <a:lstStyle/>
           <a:p>
             <a:r>
-              <a:rPr lang="zh-CN" altLang="en-US" dirty="0">
+              <a:rPr lang="zh-CN" altLang="en-US" sz="952" dirty="0">
                 <a:solidFill>
                   <a:schemeClr val="bg1">
                     <a:lumMod val="95000"/>
@@ -5692,7 +5700,7 @@
               <a:t>小傅哥</a:t>
             </a:r>
             <a:r>
-              <a:rPr lang="en-US" altLang="zh-CN" dirty="0">
+              <a:rPr lang="en-US" altLang="zh-CN" sz="952" dirty="0">
                 <a:solidFill>
                   <a:schemeClr val="bg1">
                     <a:lumMod val="95000"/>
@@ -5703,7 +5711,7 @@
               </a:rPr>
               <a:t> bugstack.cn</a:t>
             </a:r>
-            <a:endParaRPr lang="zh-CN" altLang="en-US" dirty="0">
+            <a:endParaRPr lang="zh-CN" altLang="en-US" sz="952" dirty="0">
               <a:solidFill>
                 <a:schemeClr val="bg1">
                   <a:lumMod val="95000"/>
@@ -5723,7 +5731,7 @@
         </p:nvSpPr>
         <p:spPr>
           <a:xfrm rot="19612160">
-            <a:off x="1810138" y="976212"/>
+            <a:off x="1810139" y="976212"/>
             <a:ext cx="1492908" cy="238848"/>
           </a:xfrm>
           <a:prstGeom prst="rect">
@@ -5738,7 +5746,7 @@
           <a:lstStyle/>
           <a:p>
             <a:r>
-              <a:rPr lang="zh-CN" altLang="en-US" dirty="0">
+              <a:rPr lang="zh-CN" altLang="en-US" sz="952" dirty="0">
                 <a:solidFill>
                   <a:schemeClr val="bg1">
                     <a:lumMod val="95000"/>
@@ -5750,7 +5758,7 @@
               <a:t>小傅哥</a:t>
             </a:r>
             <a:r>
-              <a:rPr lang="en-US" altLang="zh-CN" dirty="0">
+              <a:rPr lang="en-US" altLang="zh-CN" sz="952" dirty="0">
                 <a:solidFill>
                   <a:schemeClr val="bg1">
                     <a:lumMod val="95000"/>
@@ -5761,7 +5769,7 @@
               </a:rPr>
               <a:t> bugstack.cn</a:t>
             </a:r>
-            <a:endParaRPr lang="zh-CN" altLang="en-US" dirty="0">
+            <a:endParaRPr lang="zh-CN" altLang="en-US" sz="952" dirty="0">
               <a:solidFill>
                 <a:schemeClr val="bg1">
                   <a:lumMod val="95000"/>
@@ -5796,7 +5804,7 @@
           <a:lstStyle/>
           <a:p>
             <a:r>
-              <a:rPr lang="zh-CN" altLang="en-US" dirty="0">
+              <a:rPr lang="zh-CN" altLang="en-US" sz="952" dirty="0">
                 <a:solidFill>
                   <a:schemeClr val="bg1">
                     <a:lumMod val="95000"/>
@@ -5808,7 +5816,7 @@
               <a:t>小傅哥</a:t>
             </a:r>
             <a:r>
-              <a:rPr lang="en-US" altLang="zh-CN" dirty="0">
+              <a:rPr lang="en-US" altLang="zh-CN" sz="952" dirty="0">
                 <a:solidFill>
                   <a:schemeClr val="bg1">
                     <a:lumMod val="95000"/>
@@ -5819,7 +5827,7 @@
               </a:rPr>
               <a:t> bugstack.cn</a:t>
             </a:r>
-            <a:endParaRPr lang="zh-CN" altLang="en-US" dirty="0">
+            <a:endParaRPr lang="zh-CN" altLang="en-US" sz="952" dirty="0">
               <a:solidFill>
                 <a:schemeClr val="bg1">
                   <a:lumMod val="95000"/>
@@ -5854,7 +5862,7 @@
           <a:lstStyle/>
           <a:p>
             <a:r>
-              <a:rPr lang="zh-CN" altLang="en-US" dirty="0">
+              <a:rPr lang="zh-CN" altLang="en-US" sz="952" dirty="0">
                 <a:solidFill>
                   <a:schemeClr val="bg1">
                     <a:lumMod val="95000"/>
@@ -5866,7 +5874,7 @@
               <a:t>小傅哥</a:t>
             </a:r>
             <a:r>
-              <a:rPr lang="en-US" altLang="zh-CN" dirty="0">
+              <a:rPr lang="en-US" altLang="zh-CN" sz="952" dirty="0">
                 <a:solidFill>
                   <a:schemeClr val="bg1">
                     <a:lumMod val="95000"/>
@@ -5877,7 +5885,7 @@
               </a:rPr>
               <a:t> bugstack.cn</a:t>
             </a:r>
-            <a:endParaRPr lang="zh-CN" altLang="en-US" dirty="0">
+            <a:endParaRPr lang="zh-CN" altLang="en-US" sz="952" dirty="0">
               <a:solidFill>
                 <a:schemeClr val="bg1">
                   <a:lumMod val="95000"/>
@@ -5912,7 +5920,7 @@
           <a:lstStyle/>
           <a:p>
             <a:r>
-              <a:rPr lang="zh-CN" altLang="en-US" dirty="0">
+              <a:rPr lang="zh-CN" altLang="en-US" sz="952" dirty="0">
                 <a:solidFill>
                   <a:schemeClr val="bg1">
                     <a:lumMod val="95000"/>
@@ -5924,7 +5932,7 @@
               <a:t>小傅哥</a:t>
             </a:r>
             <a:r>
-              <a:rPr lang="en-US" altLang="zh-CN" dirty="0">
+              <a:rPr lang="en-US" altLang="zh-CN" sz="952" dirty="0">
                 <a:solidFill>
                   <a:schemeClr val="bg1">
                     <a:lumMod val="95000"/>
@@ -5935,7 +5943,7 @@
               </a:rPr>
               <a:t> bugstack.cn</a:t>
             </a:r>
-            <a:endParaRPr lang="zh-CN" altLang="en-US" dirty="0">
+            <a:endParaRPr lang="zh-CN" altLang="en-US" sz="952" dirty="0">
               <a:solidFill>
                 <a:schemeClr val="bg1">
                   <a:lumMod val="95000"/>
@@ -5970,7 +5978,7 @@
           <a:lstStyle/>
           <a:p>
             <a:r>
-              <a:rPr lang="zh-CN" altLang="en-US" dirty="0">
+              <a:rPr lang="zh-CN" altLang="en-US" sz="952" dirty="0">
                 <a:solidFill>
                   <a:schemeClr val="bg1">
                     <a:lumMod val="95000"/>
@@ -5982,7 +5990,7 @@
               <a:t>小傅哥</a:t>
             </a:r>
             <a:r>
-              <a:rPr lang="en-US" altLang="zh-CN" dirty="0">
+              <a:rPr lang="en-US" altLang="zh-CN" sz="952" dirty="0">
                 <a:solidFill>
                   <a:schemeClr val="bg1">
                     <a:lumMod val="95000"/>
@@ -5993,7 +6001,7 @@
               </a:rPr>
               <a:t> bugstack.cn</a:t>
             </a:r>
-            <a:endParaRPr lang="zh-CN" altLang="en-US" dirty="0">
+            <a:endParaRPr lang="zh-CN" altLang="en-US" sz="952" dirty="0">
               <a:solidFill>
                 <a:schemeClr val="bg1">
                   <a:lumMod val="95000"/>
@@ -6028,7 +6036,7 @@
           <a:lstStyle/>
           <a:p>
             <a:r>
-              <a:rPr lang="zh-CN" altLang="en-US" dirty="0">
+              <a:rPr lang="zh-CN" altLang="en-US" sz="952" dirty="0">
                 <a:solidFill>
                   <a:schemeClr val="bg1">
                     <a:lumMod val="95000"/>
@@ -6040,7 +6048,7 @@
               <a:t>小傅哥</a:t>
             </a:r>
             <a:r>
-              <a:rPr lang="en-US" altLang="zh-CN" dirty="0">
+              <a:rPr lang="en-US" altLang="zh-CN" sz="952" dirty="0">
                 <a:solidFill>
                   <a:schemeClr val="bg1">
                     <a:lumMod val="95000"/>
@@ -6051,7 +6059,7 @@
               </a:rPr>
               <a:t> bugstack.cn</a:t>
             </a:r>
-            <a:endParaRPr lang="zh-CN" altLang="en-US" dirty="0">
+            <a:endParaRPr lang="zh-CN" altLang="en-US" sz="952" dirty="0">
               <a:solidFill>
                 <a:schemeClr val="bg1">
                   <a:lumMod val="95000"/>
@@ -6086,7 +6094,7 @@
           <a:lstStyle/>
           <a:p>
             <a:r>
-              <a:rPr lang="zh-CN" altLang="en-US" dirty="0">
+              <a:rPr lang="zh-CN" altLang="en-US" sz="952" dirty="0">
                 <a:solidFill>
                   <a:schemeClr val="bg1">
                     <a:lumMod val="95000"/>
@@ -6098,7 +6106,7 @@
               <a:t>小傅哥</a:t>
             </a:r>
             <a:r>
-              <a:rPr lang="en-US" altLang="zh-CN" dirty="0">
+              <a:rPr lang="en-US" altLang="zh-CN" sz="952" dirty="0">
                 <a:solidFill>
                   <a:schemeClr val="bg1">
                     <a:lumMod val="95000"/>
@@ -6109,7 +6117,7 @@
               </a:rPr>
               <a:t> bugstack.cn</a:t>
             </a:r>
-            <a:endParaRPr lang="zh-CN" altLang="en-US" dirty="0">
+            <a:endParaRPr lang="zh-CN" altLang="en-US" sz="952" dirty="0">
               <a:solidFill>
                 <a:schemeClr val="bg1">
                   <a:lumMod val="95000"/>
@@ -6144,7 +6152,7 @@
           <a:lstStyle/>
           <a:p>
             <a:r>
-              <a:rPr lang="zh-CN" altLang="en-US" dirty="0">
+              <a:rPr lang="zh-CN" altLang="en-US" sz="952" dirty="0">
                 <a:solidFill>
                   <a:schemeClr val="bg1">
                     <a:lumMod val="95000"/>
@@ -6156,7 +6164,7 @@
               <a:t>小傅哥</a:t>
             </a:r>
             <a:r>
-              <a:rPr lang="en-US" altLang="zh-CN" dirty="0">
+              <a:rPr lang="en-US" altLang="zh-CN" sz="952" dirty="0">
                 <a:solidFill>
                   <a:schemeClr val="bg1">
                     <a:lumMod val="95000"/>
@@ -6167,7 +6175,7 @@
               </a:rPr>
               <a:t> bugstack.cn</a:t>
             </a:r>
-            <a:endParaRPr lang="zh-CN" altLang="en-US" dirty="0">
+            <a:endParaRPr lang="zh-CN" altLang="en-US" sz="952" dirty="0">
               <a:solidFill>
                 <a:schemeClr val="bg1">
                   <a:lumMod val="95000"/>
@@ -6202,7 +6210,7 @@
           <a:lstStyle/>
           <a:p>
             <a:r>
-              <a:rPr lang="zh-CN" altLang="en-US" dirty="0">
+              <a:rPr lang="zh-CN" altLang="en-US" sz="952" dirty="0">
                 <a:solidFill>
                   <a:schemeClr val="bg1">
                     <a:lumMod val="95000"/>
@@ -6214,7 +6222,7 @@
               <a:t>小傅哥</a:t>
             </a:r>
             <a:r>
-              <a:rPr lang="en-US" altLang="zh-CN" dirty="0">
+              <a:rPr lang="en-US" altLang="zh-CN" sz="952" dirty="0">
                 <a:solidFill>
                   <a:schemeClr val="bg1">
                     <a:lumMod val="95000"/>
@@ -6225,7 +6233,7 @@
               </a:rPr>
               <a:t> bugstack.cn</a:t>
             </a:r>
-            <a:endParaRPr lang="zh-CN" altLang="en-US" dirty="0">
+            <a:endParaRPr lang="zh-CN" altLang="en-US" sz="952" dirty="0">
               <a:solidFill>
                 <a:schemeClr val="bg1">
                   <a:lumMod val="95000"/>
@@ -6245,7 +6253,7 @@
         </p:nvSpPr>
         <p:spPr>
           <a:xfrm rot="19612160">
-            <a:off x="3836404" y="57329"/>
+            <a:off x="3836405" y="57329"/>
             <a:ext cx="1492908" cy="238848"/>
           </a:xfrm>
           <a:prstGeom prst="rect">
@@ -6260,7 +6268,7 @@
           <a:lstStyle/>
           <a:p>
             <a:r>
-              <a:rPr lang="zh-CN" altLang="en-US" dirty="0">
+              <a:rPr lang="zh-CN" altLang="en-US" sz="952" dirty="0">
                 <a:solidFill>
                   <a:schemeClr val="bg1">
                     <a:lumMod val="95000"/>
@@ -6272,7 +6280,7 @@
               <a:t>小傅哥</a:t>
             </a:r>
             <a:r>
-              <a:rPr lang="en-US" altLang="zh-CN" dirty="0">
+              <a:rPr lang="en-US" altLang="zh-CN" sz="952" dirty="0">
                 <a:solidFill>
                   <a:schemeClr val="bg1">
                     <a:lumMod val="95000"/>
@@ -6283,7 +6291,7 @@
               </a:rPr>
               <a:t> bugstack.cn</a:t>
             </a:r>
-            <a:endParaRPr lang="zh-CN" altLang="en-US" dirty="0">
+            <a:endParaRPr lang="zh-CN" altLang="en-US" sz="952" dirty="0">
               <a:solidFill>
                 <a:schemeClr val="bg1">
                   <a:lumMod val="95000"/>
@@ -6303,7 +6311,7 @@
         </p:nvSpPr>
         <p:spPr>
           <a:xfrm rot="19612160">
-            <a:off x="2883751" y="953180"/>
+            <a:off x="2883753" y="953180"/>
             <a:ext cx="1492908" cy="238848"/>
           </a:xfrm>
           <a:prstGeom prst="rect">
@@ -6318,7 +6326,7 @@
           <a:lstStyle/>
           <a:p>
             <a:r>
-              <a:rPr lang="zh-CN" altLang="en-US" dirty="0">
+              <a:rPr lang="zh-CN" altLang="en-US" sz="952" dirty="0">
                 <a:solidFill>
                   <a:schemeClr val="bg1">
                     <a:lumMod val="95000"/>
@@ -6330,7 +6338,7 @@
               <a:t>小傅哥</a:t>
             </a:r>
             <a:r>
-              <a:rPr lang="en-US" altLang="zh-CN" dirty="0">
+              <a:rPr lang="en-US" altLang="zh-CN" sz="952" dirty="0">
                 <a:solidFill>
                   <a:schemeClr val="bg1">
                     <a:lumMod val="95000"/>
@@ -6341,7 +6349,7 @@
               </a:rPr>
               <a:t> bugstack.cn</a:t>
             </a:r>
-            <a:endParaRPr lang="zh-CN" altLang="en-US" dirty="0">
+            <a:endParaRPr lang="zh-CN" altLang="en-US" sz="952" dirty="0">
               <a:solidFill>
                 <a:schemeClr val="bg1">
                   <a:lumMod val="95000"/>
@@ -6376,7 +6384,7 @@
           <a:lstStyle/>
           <a:p>
             <a:r>
-              <a:rPr lang="zh-CN" altLang="en-US" dirty="0">
+              <a:rPr lang="zh-CN" altLang="en-US" sz="952" dirty="0">
                 <a:solidFill>
                   <a:schemeClr val="bg1">
                     <a:lumMod val="95000"/>
@@ -6388,7 +6396,7 @@
               <a:t>小傅哥</a:t>
             </a:r>
             <a:r>
-              <a:rPr lang="en-US" altLang="zh-CN" dirty="0">
+              <a:rPr lang="en-US" altLang="zh-CN" sz="952" dirty="0">
                 <a:solidFill>
                   <a:schemeClr val="bg1">
                     <a:lumMod val="95000"/>
@@ -6399,7 +6407,7 @@
               </a:rPr>
               <a:t> bugstack.cn</a:t>
             </a:r>
-            <a:endParaRPr lang="zh-CN" altLang="en-US" dirty="0">
+            <a:endParaRPr lang="zh-CN" altLang="en-US" sz="952" dirty="0">
               <a:solidFill>
                 <a:schemeClr val="bg1">
                   <a:lumMod val="95000"/>
@@ -6419,7 +6427,7 @@
         </p:nvSpPr>
         <p:spPr>
           <a:xfrm rot="19612160">
-            <a:off x="3043394" y="1143834"/>
+            <a:off x="3043396" y="1143834"/>
             <a:ext cx="1492908" cy="238848"/>
           </a:xfrm>
           <a:prstGeom prst="rect">
@@ -6434,7 +6442,7 @@
           <a:lstStyle/>
           <a:p>
             <a:r>
-              <a:rPr lang="zh-CN" altLang="en-US" dirty="0">
+              <a:rPr lang="zh-CN" altLang="en-US" sz="952" dirty="0">
                 <a:solidFill>
                   <a:schemeClr val="bg1">
                     <a:lumMod val="95000"/>
@@ -6446,7 +6454,7 @@
               <a:t>小傅哥</a:t>
             </a:r>
             <a:r>
-              <a:rPr lang="en-US" altLang="zh-CN" dirty="0">
+              <a:rPr lang="en-US" altLang="zh-CN" sz="952" dirty="0">
                 <a:solidFill>
                   <a:schemeClr val="bg1">
                     <a:lumMod val="95000"/>
@@ -6457,7 +6465,7 @@
               </a:rPr>
               <a:t> bugstack.cn</a:t>
             </a:r>
-            <a:endParaRPr lang="zh-CN" altLang="en-US" dirty="0">
+            <a:endParaRPr lang="zh-CN" altLang="en-US" sz="952" dirty="0">
               <a:solidFill>
                 <a:schemeClr val="bg1">
                   <a:lumMod val="95000"/>
@@ -6492,7 +6500,7 @@
           <a:lstStyle/>
           <a:p>
             <a:r>
-              <a:rPr lang="zh-CN" altLang="en-US" dirty="0">
+              <a:rPr lang="zh-CN" altLang="en-US" sz="952" dirty="0">
                 <a:solidFill>
                   <a:schemeClr val="bg1">
                     <a:lumMod val="95000"/>
@@ -6504,7 +6512,7 @@
               <a:t>小傅哥</a:t>
             </a:r>
             <a:r>
-              <a:rPr lang="en-US" altLang="zh-CN" dirty="0">
+              <a:rPr lang="en-US" altLang="zh-CN" sz="952" dirty="0">
                 <a:solidFill>
                   <a:schemeClr val="bg1">
                     <a:lumMod val="95000"/>
@@ -6515,7 +6523,7 @@
               </a:rPr>
               <a:t> bugstack.cn</a:t>
             </a:r>
-            <a:endParaRPr lang="zh-CN" altLang="en-US" dirty="0">
+            <a:endParaRPr lang="zh-CN" altLang="en-US" sz="952" dirty="0">
               <a:solidFill>
                 <a:schemeClr val="bg1">
                   <a:lumMod val="95000"/>
@@ -6535,7 +6543,7 @@
         </p:nvSpPr>
         <p:spPr>
           <a:xfrm rot="19612160">
-            <a:off x="2605244" y="1729463"/>
+            <a:off x="2605245" y="1729463"/>
             <a:ext cx="1492908" cy="238848"/>
           </a:xfrm>
           <a:prstGeom prst="rect">
@@ -6550,7 +6558,7 @@
           <a:lstStyle/>
           <a:p>
             <a:r>
-              <a:rPr lang="zh-CN" altLang="en-US" dirty="0">
+              <a:rPr lang="zh-CN" altLang="en-US" sz="952" dirty="0">
                 <a:solidFill>
                   <a:schemeClr val="bg1">
                     <a:lumMod val="95000"/>
@@ -6562,7 +6570,7 @@
               <a:t>小傅哥</a:t>
             </a:r>
             <a:r>
-              <a:rPr lang="en-US" altLang="zh-CN" dirty="0">
+              <a:rPr lang="en-US" altLang="zh-CN" sz="952" dirty="0">
                 <a:solidFill>
                   <a:schemeClr val="bg1">
                     <a:lumMod val="95000"/>
@@ -6573,7 +6581,7 @@
               </a:rPr>
               <a:t> bugstack.cn</a:t>
             </a:r>
-            <a:endParaRPr lang="zh-CN" altLang="en-US" dirty="0">
+            <a:endParaRPr lang="zh-CN" altLang="en-US" sz="952" dirty="0">
               <a:solidFill>
                 <a:schemeClr val="bg1">
                   <a:lumMod val="95000"/>
@@ -6608,7 +6616,7 @@
           <a:lstStyle/>
           <a:p>
             <a:r>
-              <a:rPr lang="zh-CN" altLang="en-US" dirty="0">
+              <a:rPr lang="zh-CN" altLang="en-US" sz="952" dirty="0">
                 <a:solidFill>
                   <a:schemeClr val="bg1">
                     <a:lumMod val="95000"/>
@@ -6620,7 +6628,7 @@
               <a:t>小傅哥</a:t>
             </a:r>
             <a:r>
-              <a:rPr lang="en-US" altLang="zh-CN" dirty="0">
+              <a:rPr lang="en-US" altLang="zh-CN" sz="952" dirty="0">
                 <a:solidFill>
                   <a:schemeClr val="bg1">
                     <a:lumMod val="95000"/>
@@ -6631,7 +6639,7 @@
               </a:rPr>
               <a:t> bugstack.cn</a:t>
             </a:r>
-            <a:endParaRPr lang="zh-CN" altLang="en-US" dirty="0">
+            <a:endParaRPr lang="zh-CN" altLang="en-US" sz="952" dirty="0">
               <a:solidFill>
                 <a:schemeClr val="bg1">
                   <a:lumMod val="95000"/>
@@ -6651,7 +6659,7 @@
         </p:nvSpPr>
         <p:spPr>
           <a:xfrm rot="19612160">
-            <a:off x="4617721" y="440839"/>
+            <a:off x="4617722" y="440839"/>
             <a:ext cx="1492908" cy="238848"/>
           </a:xfrm>
           <a:prstGeom prst="rect">
@@ -6666,7 +6674,7 @@
           <a:lstStyle/>
           <a:p>
             <a:r>
-              <a:rPr lang="zh-CN" altLang="en-US" dirty="0">
+              <a:rPr lang="zh-CN" altLang="en-US" sz="952" dirty="0">
                 <a:solidFill>
                   <a:schemeClr val="bg1">
                     <a:lumMod val="95000"/>
@@ -6678,7 +6686,7 @@
               <a:t>小傅哥</a:t>
             </a:r>
             <a:r>
-              <a:rPr lang="en-US" altLang="zh-CN" dirty="0">
+              <a:rPr lang="en-US" altLang="zh-CN" sz="952" dirty="0">
                 <a:solidFill>
                   <a:schemeClr val="bg1">
                     <a:lumMod val="95000"/>
@@ -6689,7 +6697,7 @@
               </a:rPr>
               <a:t> bugstack.cn</a:t>
             </a:r>
-            <a:endParaRPr lang="zh-CN" altLang="en-US" dirty="0">
+            <a:endParaRPr lang="zh-CN" altLang="en-US" sz="952" dirty="0">
               <a:solidFill>
                 <a:schemeClr val="bg1">
                   <a:lumMod val="95000"/>
@@ -6724,7 +6732,7 @@
           <a:lstStyle/>
           <a:p>
             <a:r>
-              <a:rPr lang="zh-CN" altLang="en-US" dirty="0">
+              <a:rPr lang="zh-CN" altLang="en-US" sz="952" dirty="0">
                 <a:solidFill>
                   <a:schemeClr val="bg1">
                     <a:lumMod val="95000"/>
@@ -6736,7 +6744,7 @@
               <a:t>小傅哥</a:t>
             </a:r>
             <a:r>
-              <a:rPr lang="en-US" altLang="zh-CN" dirty="0">
+              <a:rPr lang="en-US" altLang="zh-CN" sz="952" dirty="0">
                 <a:solidFill>
                   <a:schemeClr val="bg1">
                     <a:lumMod val="95000"/>
@@ -6747,7 +6755,7 @@
               </a:rPr>
               <a:t> bugstack.cn</a:t>
             </a:r>
-            <a:endParaRPr lang="zh-CN" altLang="en-US" dirty="0">
+            <a:endParaRPr lang="zh-CN" altLang="en-US" sz="952" dirty="0">
               <a:solidFill>
                 <a:schemeClr val="bg1">
                   <a:lumMod val="95000"/>
@@ -6782,7 +6790,7 @@
           <a:lstStyle/>
           <a:p>
             <a:r>
-              <a:rPr lang="zh-CN" altLang="en-US" dirty="0">
+              <a:rPr lang="zh-CN" altLang="en-US" sz="952" dirty="0">
                 <a:solidFill>
                   <a:schemeClr val="bg1">
                     <a:lumMod val="95000"/>
@@ -6794,7 +6802,7 @@
               <a:t>小傅哥</a:t>
             </a:r>
             <a:r>
-              <a:rPr lang="en-US" altLang="zh-CN" dirty="0">
+              <a:rPr lang="en-US" altLang="zh-CN" sz="952" dirty="0">
                 <a:solidFill>
                   <a:schemeClr val="bg1">
                     <a:lumMod val="95000"/>
@@ -6805,7 +6813,7 @@
               </a:rPr>
               <a:t> bugstack.cn</a:t>
             </a:r>
-            <a:endParaRPr lang="zh-CN" altLang="en-US" dirty="0">
+            <a:endParaRPr lang="zh-CN" altLang="en-US" sz="952" dirty="0">
               <a:solidFill>
                 <a:schemeClr val="bg1">
                   <a:lumMod val="95000"/>
@@ -6840,7 +6848,7 @@
           <a:lstStyle/>
           <a:p>
             <a:r>
-              <a:rPr lang="zh-CN" altLang="en-US" dirty="0">
+              <a:rPr lang="zh-CN" altLang="en-US" sz="952" dirty="0">
                 <a:solidFill>
                   <a:schemeClr val="bg1">
                     <a:lumMod val="95000"/>
@@ -6852,7 +6860,7 @@
               <a:t>小傅哥</a:t>
             </a:r>
             <a:r>
-              <a:rPr lang="en-US" altLang="zh-CN" dirty="0">
+              <a:rPr lang="en-US" altLang="zh-CN" sz="952" dirty="0">
                 <a:solidFill>
                   <a:schemeClr val="bg1">
                     <a:lumMod val="95000"/>
@@ -6863,7 +6871,7 @@
               </a:rPr>
               <a:t> bugstack.cn</a:t>
             </a:r>
-            <a:endParaRPr lang="zh-CN" altLang="en-US" dirty="0">
+            <a:endParaRPr lang="zh-CN" altLang="en-US" sz="952" dirty="0">
               <a:solidFill>
                 <a:schemeClr val="bg1">
                   <a:lumMod val="95000"/>
@@ -6898,7 +6906,7 @@
           <a:lstStyle/>
           <a:p>
             <a:r>
-              <a:rPr lang="zh-CN" altLang="en-US" dirty="0">
+              <a:rPr lang="zh-CN" altLang="en-US" sz="952" dirty="0">
                 <a:solidFill>
                   <a:schemeClr val="bg1">
                     <a:lumMod val="95000"/>
@@ -6910,7 +6918,7 @@
               <a:t>小傅哥</a:t>
             </a:r>
             <a:r>
-              <a:rPr lang="en-US" altLang="zh-CN" dirty="0">
+              <a:rPr lang="en-US" altLang="zh-CN" sz="952" dirty="0">
                 <a:solidFill>
                   <a:schemeClr val="bg1">
                     <a:lumMod val="95000"/>
@@ -6921,7 +6929,7 @@
               </a:rPr>
               <a:t> bugstack.cn</a:t>
             </a:r>
-            <a:endParaRPr lang="zh-CN" altLang="en-US" dirty="0">
+            <a:endParaRPr lang="zh-CN" altLang="en-US" sz="952" dirty="0">
               <a:solidFill>
                 <a:schemeClr val="bg1">
                   <a:lumMod val="95000"/>
@@ -6941,7 +6949,7 @@
         </p:nvSpPr>
         <p:spPr>
           <a:xfrm rot="19612160">
-            <a:off x="4079186" y="1757380"/>
+            <a:off x="4079187" y="1757380"/>
             <a:ext cx="1492908" cy="238848"/>
           </a:xfrm>
           <a:prstGeom prst="rect">
@@ -6956,7 +6964,7 @@
           <a:lstStyle/>
           <a:p>
             <a:r>
-              <a:rPr lang="zh-CN" altLang="en-US" dirty="0">
+              <a:rPr lang="zh-CN" altLang="en-US" sz="952" dirty="0">
                 <a:solidFill>
                   <a:schemeClr val="bg1">
                     <a:lumMod val="95000"/>
@@ -6968,7 +6976,7 @@
               <a:t>小傅哥</a:t>
             </a:r>
             <a:r>
-              <a:rPr lang="en-US" altLang="zh-CN" dirty="0">
+              <a:rPr lang="en-US" altLang="zh-CN" sz="952" dirty="0">
                 <a:solidFill>
                   <a:schemeClr val="bg1">
                     <a:lumMod val="95000"/>
@@ -6979,7 +6987,7 @@
               </a:rPr>
               <a:t> bugstack.cn</a:t>
             </a:r>
-            <a:endParaRPr lang="zh-CN" altLang="en-US" dirty="0">
+            <a:endParaRPr lang="zh-CN" altLang="en-US" sz="952" dirty="0">
               <a:solidFill>
                 <a:schemeClr val="bg1">
                   <a:lumMod val="95000"/>
@@ -7014,7 +7022,7 @@
           <a:lstStyle/>
           <a:p>
             <a:r>
-              <a:rPr lang="zh-CN" altLang="en-US" dirty="0">
+              <a:rPr lang="zh-CN" altLang="en-US" sz="952" dirty="0">
                 <a:solidFill>
                   <a:schemeClr val="bg1">
                     <a:lumMod val="95000"/>
@@ -7026,7 +7034,7 @@
               <a:t>小傅哥</a:t>
             </a:r>
             <a:r>
-              <a:rPr lang="en-US" altLang="zh-CN" dirty="0">
+              <a:rPr lang="en-US" altLang="zh-CN" sz="952" dirty="0">
                 <a:solidFill>
                   <a:schemeClr val="bg1">
                     <a:lumMod val="95000"/>
@@ -7037,7 +7045,7 @@
               </a:rPr>
               <a:t> bugstack.cn</a:t>
             </a:r>
-            <a:endParaRPr lang="zh-CN" altLang="en-US" dirty="0">
+            <a:endParaRPr lang="zh-CN" altLang="en-US" sz="952" dirty="0">
               <a:solidFill>
                 <a:schemeClr val="bg1">
                   <a:lumMod val="95000"/>
@@ -7072,7 +7080,7 @@
   </p:sldLayoutIdLst>
   <p:txStyles>
     <p:titleStyle>
-      <a:lvl1pPr algn="l" defTabSz="377994" rtl="0" eaLnBrk="1" latinLnBrk="0" hangingPunct="1">
+      <a:lvl1pPr algn="l" defTabSz="378012" rtl="0" eaLnBrk="1" latinLnBrk="0" hangingPunct="1">
         <a:lnSpc>
           <a:spcPct val="90000"/>
         </a:lnSpc>
@@ -7091,7 +7099,7 @@
       </a:lvl1pPr>
     </p:titleStyle>
     <p:bodyStyle>
-      <a:lvl1pPr marL="94497" indent="-94497" algn="l" defTabSz="377994" rtl="0" eaLnBrk="1" latinLnBrk="0" hangingPunct="1">
+      <a:lvl1pPr marL="94502" indent="-94502" algn="l" defTabSz="378012" rtl="0" eaLnBrk="1" latinLnBrk="0" hangingPunct="1">
         <a:lnSpc>
           <a:spcPct val="90000"/>
         </a:lnSpc>
@@ -7109,7 +7117,7 @@
           <a:cs typeface="+mn-cs"/>
         </a:defRPr>
       </a:lvl1pPr>
-      <a:lvl2pPr marL="283495" indent="-94497" algn="l" defTabSz="377994" rtl="0" eaLnBrk="1" latinLnBrk="0" hangingPunct="1">
+      <a:lvl2pPr marL="283508" indent="-94502" algn="l" defTabSz="378012" rtl="0" eaLnBrk="1" latinLnBrk="0" hangingPunct="1">
         <a:lnSpc>
           <a:spcPct val="90000"/>
         </a:lnSpc>
@@ -7127,7 +7135,7 @@
           <a:cs typeface="+mn-cs"/>
         </a:defRPr>
       </a:lvl2pPr>
-      <a:lvl3pPr marL="472491" indent="-94497" algn="l" defTabSz="377994" rtl="0" eaLnBrk="1" latinLnBrk="0" hangingPunct="1">
+      <a:lvl3pPr marL="472513" indent="-94502" algn="l" defTabSz="378012" rtl="0" eaLnBrk="1" latinLnBrk="0" hangingPunct="1">
         <a:lnSpc>
           <a:spcPct val="90000"/>
         </a:lnSpc>
@@ -7145,7 +7153,7 @@
           <a:cs typeface="+mn-cs"/>
         </a:defRPr>
       </a:lvl3pPr>
-      <a:lvl4pPr marL="661489" indent="-94497" algn="l" defTabSz="377994" rtl="0" eaLnBrk="1" latinLnBrk="0" hangingPunct="1">
+      <a:lvl4pPr marL="661520" indent="-94502" algn="l" defTabSz="378012" rtl="0" eaLnBrk="1" latinLnBrk="0" hangingPunct="1">
         <a:lnSpc>
           <a:spcPct val="90000"/>
         </a:lnSpc>
@@ -7163,7 +7171,7 @@
           <a:cs typeface="+mn-cs"/>
         </a:defRPr>
       </a:lvl4pPr>
-      <a:lvl5pPr marL="850485" indent="-94497" algn="l" defTabSz="377994" rtl="0" eaLnBrk="1" latinLnBrk="0" hangingPunct="1">
+      <a:lvl5pPr marL="850524" indent="-94502" algn="l" defTabSz="378012" rtl="0" eaLnBrk="1" latinLnBrk="0" hangingPunct="1">
         <a:lnSpc>
           <a:spcPct val="90000"/>
         </a:lnSpc>
@@ -7181,7 +7189,7 @@
           <a:cs typeface="+mn-cs"/>
         </a:defRPr>
       </a:lvl5pPr>
-      <a:lvl6pPr marL="1039483" indent="-94497" algn="l" defTabSz="377994" rtl="0" eaLnBrk="1" latinLnBrk="0" hangingPunct="1">
+      <a:lvl6pPr marL="1039531" indent="-94502" algn="l" defTabSz="378012" rtl="0" eaLnBrk="1" latinLnBrk="0" hangingPunct="1">
         <a:lnSpc>
           <a:spcPct val="90000"/>
         </a:lnSpc>
@@ -7199,7 +7207,7 @@
           <a:cs typeface="+mn-cs"/>
         </a:defRPr>
       </a:lvl6pPr>
-      <a:lvl7pPr marL="1228479" indent="-94497" algn="l" defTabSz="377994" rtl="0" eaLnBrk="1" latinLnBrk="0" hangingPunct="1">
+      <a:lvl7pPr marL="1228535" indent="-94502" algn="l" defTabSz="378012" rtl="0" eaLnBrk="1" latinLnBrk="0" hangingPunct="1">
         <a:lnSpc>
           <a:spcPct val="90000"/>
         </a:lnSpc>
@@ -7217,7 +7225,7 @@
           <a:cs typeface="+mn-cs"/>
         </a:defRPr>
       </a:lvl7pPr>
-      <a:lvl8pPr marL="1417476" indent="-94497" algn="l" defTabSz="377994" rtl="0" eaLnBrk="1" latinLnBrk="0" hangingPunct="1">
+      <a:lvl8pPr marL="1417542" indent="-94502" algn="l" defTabSz="378012" rtl="0" eaLnBrk="1" latinLnBrk="0" hangingPunct="1">
         <a:lnSpc>
           <a:spcPct val="90000"/>
         </a:lnSpc>
@@ -7235,7 +7243,7 @@
           <a:cs typeface="+mn-cs"/>
         </a:defRPr>
       </a:lvl8pPr>
-      <a:lvl9pPr marL="1606472" indent="-94497" algn="l" defTabSz="377994" rtl="0" eaLnBrk="1" latinLnBrk="0" hangingPunct="1">
+      <a:lvl9pPr marL="1606546" indent="-94502" algn="l" defTabSz="378012" rtl="0" eaLnBrk="1" latinLnBrk="0" hangingPunct="1">
         <a:lnSpc>
           <a:spcPct val="90000"/>
         </a:lnSpc>
@@ -7258,7 +7266,7 @@
       <a:defPPr>
         <a:defRPr lang="zh-CN"/>
       </a:defPPr>
-      <a:lvl1pPr marL="0" algn="l" defTabSz="377994" rtl="0" eaLnBrk="1" latinLnBrk="0" hangingPunct="1">
+      <a:lvl1pPr marL="0" algn="l" defTabSz="378012" rtl="0" eaLnBrk="1" latinLnBrk="0" hangingPunct="1">
         <a:defRPr sz="743" kern="1200">
           <a:solidFill>
             <a:schemeClr val="tx1"/>
@@ -7268,7 +7276,7 @@
           <a:cs typeface="+mn-cs"/>
         </a:defRPr>
       </a:lvl1pPr>
-      <a:lvl2pPr marL="188996" algn="l" defTabSz="377994" rtl="0" eaLnBrk="1" latinLnBrk="0" hangingPunct="1">
+      <a:lvl2pPr marL="189005" algn="l" defTabSz="378012" rtl="0" eaLnBrk="1" latinLnBrk="0" hangingPunct="1">
         <a:defRPr sz="743" kern="1200">
           <a:solidFill>
             <a:schemeClr val="tx1"/>
@@ -7278,7 +7286,7 @@
           <a:cs typeface="+mn-cs"/>
         </a:defRPr>
       </a:lvl2pPr>
-      <a:lvl3pPr marL="377994" algn="l" defTabSz="377994" rtl="0" eaLnBrk="1" latinLnBrk="0" hangingPunct="1">
+      <a:lvl3pPr marL="378012" algn="l" defTabSz="378012" rtl="0" eaLnBrk="1" latinLnBrk="0" hangingPunct="1">
         <a:defRPr sz="743" kern="1200">
           <a:solidFill>
             <a:schemeClr val="tx1"/>
@@ -7288,7 +7296,7 @@
           <a:cs typeface="+mn-cs"/>
         </a:defRPr>
       </a:lvl3pPr>
-      <a:lvl4pPr marL="566990" algn="l" defTabSz="377994" rtl="0" eaLnBrk="1" latinLnBrk="0" hangingPunct="1">
+      <a:lvl4pPr marL="567017" algn="l" defTabSz="378012" rtl="0" eaLnBrk="1" latinLnBrk="0" hangingPunct="1">
         <a:defRPr sz="743" kern="1200">
           <a:solidFill>
             <a:schemeClr val="tx1"/>
@@ -7298,7 +7306,7 @@
           <a:cs typeface="+mn-cs"/>
         </a:defRPr>
       </a:lvl4pPr>
-      <a:lvl5pPr marL="755987" algn="l" defTabSz="377994" rtl="0" eaLnBrk="1" latinLnBrk="0" hangingPunct="1">
+      <a:lvl5pPr marL="756022" algn="l" defTabSz="378012" rtl="0" eaLnBrk="1" latinLnBrk="0" hangingPunct="1">
         <a:defRPr sz="743" kern="1200">
           <a:solidFill>
             <a:schemeClr val="tx1"/>
@@ -7308,7 +7316,7 @@
           <a:cs typeface="+mn-cs"/>
         </a:defRPr>
       </a:lvl5pPr>
-      <a:lvl6pPr marL="944983" algn="l" defTabSz="377994" rtl="0" eaLnBrk="1" latinLnBrk="0" hangingPunct="1">
+      <a:lvl6pPr marL="945027" algn="l" defTabSz="378012" rtl="0" eaLnBrk="1" latinLnBrk="0" hangingPunct="1">
         <a:defRPr sz="743" kern="1200">
           <a:solidFill>
             <a:schemeClr val="tx1"/>
@@ -7318,7 +7326,7 @@
           <a:cs typeface="+mn-cs"/>
         </a:defRPr>
       </a:lvl6pPr>
-      <a:lvl7pPr marL="1133981" algn="l" defTabSz="377994" rtl="0" eaLnBrk="1" latinLnBrk="0" hangingPunct="1">
+      <a:lvl7pPr marL="1134033" algn="l" defTabSz="378012" rtl="0" eaLnBrk="1" latinLnBrk="0" hangingPunct="1">
         <a:defRPr sz="743" kern="1200">
           <a:solidFill>
             <a:schemeClr val="tx1"/>
@@ -7328,7 +7336,7 @@
           <a:cs typeface="+mn-cs"/>
         </a:defRPr>
       </a:lvl7pPr>
-      <a:lvl8pPr marL="1322977" algn="l" defTabSz="377994" rtl="0" eaLnBrk="1" latinLnBrk="0" hangingPunct="1">
+      <a:lvl8pPr marL="1323038" algn="l" defTabSz="378012" rtl="0" eaLnBrk="1" latinLnBrk="0" hangingPunct="1">
         <a:defRPr sz="743" kern="1200">
           <a:solidFill>
             <a:schemeClr val="tx1"/>
@@ -7338,7 +7346,7 @@
           <a:cs typeface="+mn-cs"/>
         </a:defRPr>
       </a:lvl8pPr>
-      <a:lvl9pPr marL="1511975" algn="l" defTabSz="377994" rtl="0" eaLnBrk="1" latinLnBrk="0" hangingPunct="1">
+      <a:lvl9pPr marL="1512045" algn="l" defTabSz="378012" rtl="0" eaLnBrk="1" latinLnBrk="0" hangingPunct="1">
         <a:defRPr sz="743" kern="1200">
           <a:solidFill>
             <a:schemeClr val="tx1"/>
@@ -7378,7 +7386,7 @@
         </p:nvSpPr>
         <p:spPr>
           <a:xfrm>
-            <a:off x="484188" y="603874"/>
+            <a:off x="484188" y="603876"/>
             <a:ext cx="3463926" cy="2574423"/>
           </a:xfrm>
           <a:prstGeom prst="rect">
@@ -7403,7 +7411,7 @@
             <a:endParaRPr lang="en-US" altLang="zh-CN" sz="1400" dirty="0"/>
           </a:p>
           <a:p>
-            <a:pPr marL="171442" indent="-171442">
+            <a:pPr marL="171450" indent="-171450">
               <a:buFont typeface="Arial" panose="020B0604020202020204" pitchFamily="34" charset="0"/>
               <a:buChar char="•"/>
             </a:pPr>
@@ -7426,7 +7434,7 @@
             <a:endParaRPr lang="en-US" altLang="zh-CN" dirty="0"/>
           </a:p>
           <a:p>
-            <a:pPr marL="171442" indent="-171442">
+            <a:pPr marL="171450" indent="-171450">
               <a:buFont typeface="Arial" panose="020B0604020202020204" pitchFamily="34" charset="0"/>
               <a:buChar char="•"/>
             </a:pPr>
@@ -7437,7 +7445,7 @@
             <a:endParaRPr lang="en-US" altLang="zh-CN" dirty="0"/>
           </a:p>
           <a:p>
-            <a:pPr marL="171442" indent="-171442">
+            <a:pPr marL="171450" indent="-171450">
               <a:buFont typeface="Arial" panose="020B0604020202020204" pitchFamily="34" charset="0"/>
               <a:buChar char="•"/>
             </a:pPr>
@@ -7448,7 +7456,7 @@
             <a:endParaRPr lang="en-US" altLang="zh-CN" dirty="0"/>
           </a:p>
           <a:p>
-            <a:pPr marL="171442" indent="-171442">
+            <a:pPr marL="171450" indent="-171450">
               <a:buFont typeface="Arial" panose="020B0604020202020204" pitchFamily="34" charset="0"/>
               <a:buChar char="•"/>
             </a:pPr>
@@ -7475,7 +7483,7 @@
             <a:endParaRPr lang="en-US" altLang="zh-CN" dirty="0"/>
           </a:p>
           <a:p>
-            <a:pPr marL="171442" indent="-171442">
+            <a:pPr marL="171450" indent="-171450">
               <a:buFont typeface="Arial" panose="020B0604020202020204" pitchFamily="34" charset="0"/>
               <a:buChar char="•"/>
             </a:pPr>
@@ -7486,7 +7494,7 @@
             <a:endParaRPr lang="en-US" altLang="zh-CN" dirty="0"/>
           </a:p>
           <a:p>
-            <a:pPr marL="171442" indent="-171442">
+            <a:pPr marL="171450" indent="-171450">
               <a:buFont typeface="Arial" panose="020B0604020202020204" pitchFamily="34" charset="0"/>
               <a:buChar char="•"/>
             </a:pPr>
@@ -7497,7 +7505,7 @@
             <a:endParaRPr lang="en-US" altLang="zh-CN" dirty="0"/>
           </a:p>
           <a:p>
-            <a:pPr marL="171442" indent="-171442">
+            <a:pPr marL="171450" indent="-171450">
               <a:buFont typeface="Arial" panose="020B0604020202020204" pitchFamily="34" charset="0"/>
               <a:buChar char="•"/>
             </a:pPr>
@@ -7508,7 +7516,7 @@
             <a:endParaRPr lang="en-US" altLang="zh-CN" dirty="0"/>
           </a:p>
           <a:p>
-            <a:pPr marL="171442" indent="-171442">
+            <a:pPr marL="171450" indent="-171450">
               <a:buFont typeface="Arial" panose="020B0604020202020204" pitchFamily="34" charset="0"/>
               <a:buChar char="•"/>
             </a:pPr>
@@ -7539,7 +7547,7 @@
         </p:blipFill>
         <p:spPr>
           <a:xfrm>
-            <a:off x="3370001" y="141144"/>
+            <a:off x="3370001" y="141146"/>
             <a:ext cx="1299100" cy="925465"/>
           </a:xfrm>
           <a:prstGeom prst="rect">
@@ -7627,7 +7635,7 @@
         </p:nvSpPr>
         <p:spPr>
           <a:xfrm>
-            <a:off x="1684750" y="479121"/>
+            <a:off x="1684752" y="479122"/>
             <a:ext cx="394571" cy="165970"/>
           </a:xfrm>
           <a:prstGeom prst="ellipse">
@@ -7687,8 +7695,8 @@
         </p:nvCxnSpPr>
         <p:spPr>
           <a:xfrm flipH="1">
-            <a:off x="2079321" y="343256"/>
-            <a:ext cx="463464" cy="218850"/>
+            <a:off x="2079323" y="343256"/>
+            <a:ext cx="463462" cy="218851"/>
           </a:xfrm>
           <a:prstGeom prst="straightConnector1">
             <a:avLst/>
@@ -7768,7 +7776,7 @@
         </p:nvSpPr>
         <p:spPr>
           <a:xfrm>
-            <a:off x="576196" y="645091"/>
+            <a:off x="576198" y="645094"/>
             <a:ext cx="2254685" cy="751561"/>
           </a:xfrm>
           <a:prstGeom prst="roundRect">
@@ -8000,7 +8008,7 @@
         </p:nvSpPr>
         <p:spPr>
           <a:xfrm>
-            <a:off x="576196" y="1411723"/>
+            <a:off x="576198" y="1411724"/>
             <a:ext cx="2254685" cy="504564"/>
           </a:xfrm>
           <a:prstGeom prst="roundRect">
@@ -8232,7 +8240,7 @@
         </p:nvSpPr>
         <p:spPr>
           <a:xfrm>
-            <a:off x="576196" y="1931357"/>
+            <a:off x="576198" y="1931360"/>
             <a:ext cx="2254685" cy="1669093"/>
           </a:xfrm>
           <a:prstGeom prst="roundRect">
@@ -8484,7 +8492,7 @@
         </p:nvSpPr>
         <p:spPr>
           <a:xfrm>
-            <a:off x="56368" y="645090"/>
+            <a:off x="56368" y="645093"/>
             <a:ext cx="455808" cy="751561"/>
           </a:xfrm>
           <a:prstGeom prst="roundRect">
@@ -8986,7 +8994,7 @@
         </p:nvSpPr>
         <p:spPr>
           <a:xfrm>
-            <a:off x="56368" y="1931356"/>
+            <a:off x="56368" y="1931359"/>
             <a:ext cx="455808" cy="1669093"/>
           </a:xfrm>
           <a:prstGeom prst="roundRect">
@@ -9252,7 +9260,189 @@
             </a:solidFill>
             <a:extLst>
               <a:ext uri="{C807C97D-BFC1-408E-A445-0C87EB9F89A2}">
-                <ask:lineSketchStyleProps xmlns:ask="http://schemas.microsoft.com/office/drawing/2018/sketchyshapes">
+                <ask:lineSketchStyleProps xmlns:ask="http://schemas.microsoft.com/office/drawing/2018/sketchyshapes" sd="1136257699">
+                  <a:custGeom>
+                    <a:avLst/>
+                    <a:gdLst>
+                      <a:gd name="connsiteX0" fmla="*/ 0 w 2011820"/>
+                      <a:gd name="connsiteY0" fmla="*/ 45882 h 776612"/>
+                      <a:gd name="connsiteX1" fmla="*/ 45882 w 2011820"/>
+                      <a:gd name="connsiteY1" fmla="*/ 0 h 776612"/>
+                      <a:gd name="connsiteX2" fmla="*/ 468294 w 2011820"/>
+                      <a:gd name="connsiteY2" fmla="*/ 0 h 776612"/>
+                      <a:gd name="connsiteX3" fmla="*/ 909907 w 2011820"/>
+                      <a:gd name="connsiteY3" fmla="*/ 0 h 776612"/>
+                      <a:gd name="connsiteX4" fmla="*/ 1332320 w 2011820"/>
+                      <a:gd name="connsiteY4" fmla="*/ 0 h 776612"/>
+                      <a:gd name="connsiteX5" fmla="*/ 1965938 w 2011820"/>
+                      <a:gd name="connsiteY5" fmla="*/ 0 h 776612"/>
+                      <a:gd name="connsiteX6" fmla="*/ 2011820 w 2011820"/>
+                      <a:gd name="connsiteY6" fmla="*/ 45882 h 776612"/>
+                      <a:gd name="connsiteX7" fmla="*/ 2011820 w 2011820"/>
+                      <a:gd name="connsiteY7" fmla="*/ 388306 h 776612"/>
+                      <a:gd name="connsiteX8" fmla="*/ 2011820 w 2011820"/>
+                      <a:gd name="connsiteY8" fmla="*/ 730730 h 776612"/>
+                      <a:gd name="connsiteX9" fmla="*/ 1965938 w 2011820"/>
+                      <a:gd name="connsiteY9" fmla="*/ 776612 h 776612"/>
+                      <a:gd name="connsiteX10" fmla="*/ 1447523 w 2011820"/>
+                      <a:gd name="connsiteY10" fmla="*/ 776612 h 776612"/>
+                      <a:gd name="connsiteX11" fmla="*/ 929108 w 2011820"/>
+                      <a:gd name="connsiteY11" fmla="*/ 776612 h 776612"/>
+                      <a:gd name="connsiteX12" fmla="*/ 468294 w 2011820"/>
+                      <a:gd name="connsiteY12" fmla="*/ 776612 h 776612"/>
+                      <a:gd name="connsiteX13" fmla="*/ 45882 w 2011820"/>
+                      <a:gd name="connsiteY13" fmla="*/ 776612 h 776612"/>
+                      <a:gd name="connsiteX14" fmla="*/ 0 w 2011820"/>
+                      <a:gd name="connsiteY14" fmla="*/ 730730 h 776612"/>
+                      <a:gd name="connsiteX15" fmla="*/ 0 w 2011820"/>
+                      <a:gd name="connsiteY15" fmla="*/ 374609 h 776612"/>
+                      <a:gd name="connsiteX16" fmla="*/ 0 w 2011820"/>
+                      <a:gd name="connsiteY16" fmla="*/ 45882 h 776612"/>
+                    </a:gdLst>
+                    <a:ahLst/>
+                    <a:cxnLst>
+                      <a:cxn ang="0">
+                        <a:pos x="connsiteX0" y="connsiteY0"/>
+                      </a:cxn>
+                      <a:cxn ang="0">
+                        <a:pos x="connsiteX1" y="connsiteY1"/>
+                      </a:cxn>
+                      <a:cxn ang="0">
+                        <a:pos x="connsiteX2" y="connsiteY2"/>
+                      </a:cxn>
+                      <a:cxn ang="0">
+                        <a:pos x="connsiteX3" y="connsiteY3"/>
+                      </a:cxn>
+                      <a:cxn ang="0">
+                        <a:pos x="connsiteX4" y="connsiteY4"/>
+                      </a:cxn>
+                      <a:cxn ang="0">
+                        <a:pos x="connsiteX5" y="connsiteY5"/>
+                      </a:cxn>
+                      <a:cxn ang="0">
+                        <a:pos x="connsiteX6" y="connsiteY6"/>
+                      </a:cxn>
+                      <a:cxn ang="0">
+                        <a:pos x="connsiteX7" y="connsiteY7"/>
+                      </a:cxn>
+                      <a:cxn ang="0">
+                        <a:pos x="connsiteX8" y="connsiteY8"/>
+                      </a:cxn>
+                      <a:cxn ang="0">
+                        <a:pos x="connsiteX9" y="connsiteY9"/>
+                      </a:cxn>
+                      <a:cxn ang="0">
+                        <a:pos x="connsiteX10" y="connsiteY10"/>
+                      </a:cxn>
+                      <a:cxn ang="0">
+                        <a:pos x="connsiteX11" y="connsiteY11"/>
+                      </a:cxn>
+                      <a:cxn ang="0">
+                        <a:pos x="connsiteX12" y="connsiteY12"/>
+                      </a:cxn>
+                      <a:cxn ang="0">
+                        <a:pos x="connsiteX13" y="connsiteY13"/>
+                      </a:cxn>
+                      <a:cxn ang="0">
+                        <a:pos x="connsiteX14" y="connsiteY14"/>
+                      </a:cxn>
+                      <a:cxn ang="0">
+                        <a:pos x="connsiteX15" y="connsiteY15"/>
+                      </a:cxn>
+                      <a:cxn ang="0">
+                        <a:pos x="connsiteX16" y="connsiteY16"/>
+                      </a:cxn>
+                    </a:cxnLst>
+                    <a:rect l="l" t="t" r="r" b="b"/>
+                    <a:pathLst>
+                      <a:path w="2011820" h="776612" extrusionOk="0">
+                        <a:moveTo>
+                          <a:pt x="0" y="45882"/>
+                        </a:moveTo>
+                        <a:cubicBezTo>
+                          <a:pt x="1831" y="18918"/>
+                          <a:pt x="18281" y="1280"/>
+                          <a:pt x="45882" y="0"/>
+                        </a:cubicBezTo>
+                        <a:cubicBezTo>
+                          <a:pt x="216091" y="-48621"/>
+                          <a:pt x="309150" y="23087"/>
+                          <a:pt x="468294" y="0"/>
+                        </a:cubicBezTo>
+                        <a:cubicBezTo>
+                          <a:pt x="627438" y="-23087"/>
+                          <a:pt x="698613" y="22259"/>
+                          <a:pt x="909907" y="0"/>
+                        </a:cubicBezTo>
+                        <a:cubicBezTo>
+                          <a:pt x="1121201" y="-22259"/>
+                          <a:pt x="1241727" y="29076"/>
+                          <a:pt x="1332320" y="0"/>
+                        </a:cubicBezTo>
+                        <a:cubicBezTo>
+                          <a:pt x="1422913" y="-29076"/>
+                          <a:pt x="1828041" y="47779"/>
+                          <a:pt x="1965938" y="0"/>
+                        </a:cubicBezTo>
+                        <a:cubicBezTo>
+                          <a:pt x="1990311" y="6915"/>
+                          <a:pt x="2015201" y="14712"/>
+                          <a:pt x="2011820" y="45882"/>
+                        </a:cubicBezTo>
+                        <a:cubicBezTo>
+                          <a:pt x="2020309" y="162808"/>
+                          <a:pt x="2004963" y="291264"/>
+                          <a:pt x="2011820" y="388306"/>
+                        </a:cubicBezTo>
+                        <a:cubicBezTo>
+                          <a:pt x="2018677" y="485348"/>
+                          <a:pt x="2007415" y="599526"/>
+                          <a:pt x="2011820" y="730730"/>
+                        </a:cubicBezTo>
+                        <a:cubicBezTo>
+                          <a:pt x="2019001" y="753604"/>
+                          <a:pt x="1988967" y="770940"/>
+                          <a:pt x="1965938" y="776612"/>
+                        </a:cubicBezTo>
+                        <a:cubicBezTo>
+                          <a:pt x="1856169" y="836572"/>
+                          <a:pt x="1678425" y="755774"/>
+                          <a:pt x="1447523" y="776612"/>
+                        </a:cubicBezTo>
+                        <a:cubicBezTo>
+                          <a:pt x="1216621" y="797450"/>
+                          <a:pt x="1143902" y="728305"/>
+                          <a:pt x="929108" y="776612"/>
+                        </a:cubicBezTo>
+                        <a:cubicBezTo>
+                          <a:pt x="714314" y="824919"/>
+                          <a:pt x="680167" y="760927"/>
+                          <a:pt x="468294" y="776612"/>
+                        </a:cubicBezTo>
+                        <a:cubicBezTo>
+                          <a:pt x="256421" y="792297"/>
+                          <a:pt x="170791" y="747199"/>
+                          <a:pt x="45882" y="776612"/>
+                        </a:cubicBezTo>
+                        <a:cubicBezTo>
+                          <a:pt x="21708" y="779669"/>
+                          <a:pt x="999" y="755283"/>
+                          <a:pt x="0" y="730730"/>
+                        </a:cubicBezTo>
+                        <a:cubicBezTo>
+                          <a:pt x="-13097" y="585573"/>
+                          <a:pt x="29265" y="541661"/>
+                          <a:pt x="0" y="374609"/>
+                        </a:cubicBezTo>
+                        <a:cubicBezTo>
+                          <a:pt x="-29265" y="207557"/>
+                          <a:pt x="36918" y="164682"/>
+                          <a:pt x="0" y="45882"/>
+                        </a:cubicBezTo>
+                        <a:close/>
+                      </a:path>
+                    </a:pathLst>
+                  </a:custGeom>
                   <ask:type>
                     <ask:lineSketchScribble/>
                   </ask:type>
@@ -9319,7 +9509,179 @@
             </a:solidFill>
             <a:extLst>
               <a:ext uri="{C807C97D-BFC1-408E-A445-0C87EB9F89A2}">
-                <ask:lineSketchStyleProps xmlns:ask="http://schemas.microsoft.com/office/drawing/2018/sketchyshapes">
+                <ask:lineSketchStyleProps xmlns:ask="http://schemas.microsoft.com/office/drawing/2018/sketchyshapes" sd="2612758779">
+                  <a:custGeom>
+                    <a:avLst/>
+                    <a:gdLst>
+                      <a:gd name="connsiteX0" fmla="*/ 0 w 2011820"/>
+                      <a:gd name="connsiteY0" fmla="*/ 42279 h 715630"/>
+                      <a:gd name="connsiteX1" fmla="*/ 42279 w 2011820"/>
+                      <a:gd name="connsiteY1" fmla="*/ 0 h 715630"/>
+                      <a:gd name="connsiteX2" fmla="*/ 562640 w 2011820"/>
+                      <a:gd name="connsiteY2" fmla="*/ 0 h 715630"/>
+                      <a:gd name="connsiteX3" fmla="*/ 1083000 w 2011820"/>
+                      <a:gd name="connsiteY3" fmla="*/ 0 h 715630"/>
+                      <a:gd name="connsiteX4" fmla="*/ 1969541 w 2011820"/>
+                      <a:gd name="connsiteY4" fmla="*/ 0 h 715630"/>
+                      <a:gd name="connsiteX5" fmla="*/ 2011820 w 2011820"/>
+                      <a:gd name="connsiteY5" fmla="*/ 42279 h 715630"/>
+                      <a:gd name="connsiteX6" fmla="*/ 2011820 w 2011820"/>
+                      <a:gd name="connsiteY6" fmla="*/ 345194 h 715630"/>
+                      <a:gd name="connsiteX7" fmla="*/ 2011820 w 2011820"/>
+                      <a:gd name="connsiteY7" fmla="*/ 673351 h 715630"/>
+                      <a:gd name="connsiteX8" fmla="*/ 1969541 w 2011820"/>
+                      <a:gd name="connsiteY8" fmla="*/ 715630 h 715630"/>
+                      <a:gd name="connsiteX9" fmla="*/ 1449180 w 2011820"/>
+                      <a:gd name="connsiteY9" fmla="*/ 715630 h 715630"/>
+                      <a:gd name="connsiteX10" fmla="*/ 967365 w 2011820"/>
+                      <a:gd name="connsiteY10" fmla="*/ 715630 h 715630"/>
+                      <a:gd name="connsiteX11" fmla="*/ 524095 w 2011820"/>
+                      <a:gd name="connsiteY11" fmla="*/ 715630 h 715630"/>
+                      <a:gd name="connsiteX12" fmla="*/ 42279 w 2011820"/>
+                      <a:gd name="connsiteY12" fmla="*/ 715630 h 715630"/>
+                      <a:gd name="connsiteX13" fmla="*/ 0 w 2011820"/>
+                      <a:gd name="connsiteY13" fmla="*/ 673351 h 715630"/>
+                      <a:gd name="connsiteX14" fmla="*/ 0 w 2011820"/>
+                      <a:gd name="connsiteY14" fmla="*/ 376747 h 715630"/>
+                      <a:gd name="connsiteX15" fmla="*/ 0 w 2011820"/>
+                      <a:gd name="connsiteY15" fmla="*/ 42279 h 715630"/>
+                    </a:gdLst>
+                    <a:ahLst/>
+                    <a:cxnLst>
+                      <a:cxn ang="0">
+                        <a:pos x="connsiteX0" y="connsiteY0"/>
+                      </a:cxn>
+                      <a:cxn ang="0">
+                        <a:pos x="connsiteX1" y="connsiteY1"/>
+                      </a:cxn>
+                      <a:cxn ang="0">
+                        <a:pos x="connsiteX2" y="connsiteY2"/>
+                      </a:cxn>
+                      <a:cxn ang="0">
+                        <a:pos x="connsiteX3" y="connsiteY3"/>
+                      </a:cxn>
+                      <a:cxn ang="0">
+                        <a:pos x="connsiteX4" y="connsiteY4"/>
+                      </a:cxn>
+                      <a:cxn ang="0">
+                        <a:pos x="connsiteX5" y="connsiteY5"/>
+                      </a:cxn>
+                      <a:cxn ang="0">
+                        <a:pos x="connsiteX6" y="connsiteY6"/>
+                      </a:cxn>
+                      <a:cxn ang="0">
+                        <a:pos x="connsiteX7" y="connsiteY7"/>
+                      </a:cxn>
+                      <a:cxn ang="0">
+                        <a:pos x="connsiteX8" y="connsiteY8"/>
+                      </a:cxn>
+                      <a:cxn ang="0">
+                        <a:pos x="connsiteX9" y="connsiteY9"/>
+                      </a:cxn>
+                      <a:cxn ang="0">
+                        <a:pos x="connsiteX10" y="connsiteY10"/>
+                      </a:cxn>
+                      <a:cxn ang="0">
+                        <a:pos x="connsiteX11" y="connsiteY11"/>
+                      </a:cxn>
+                      <a:cxn ang="0">
+                        <a:pos x="connsiteX12" y="connsiteY12"/>
+                      </a:cxn>
+                      <a:cxn ang="0">
+                        <a:pos x="connsiteX13" y="connsiteY13"/>
+                      </a:cxn>
+                      <a:cxn ang="0">
+                        <a:pos x="connsiteX14" y="connsiteY14"/>
+                      </a:cxn>
+                      <a:cxn ang="0">
+                        <a:pos x="connsiteX15" y="connsiteY15"/>
+                      </a:cxn>
+                    </a:cxnLst>
+                    <a:rect l="l" t="t" r="r" b="b"/>
+                    <a:pathLst>
+                      <a:path w="2011820" h="715630" extrusionOk="0">
+                        <a:moveTo>
+                          <a:pt x="0" y="42279"/>
+                        </a:moveTo>
+                        <a:cubicBezTo>
+                          <a:pt x="1377" y="23234"/>
+                          <a:pt x="13635" y="2295"/>
+                          <a:pt x="42279" y="0"/>
+                        </a:cubicBezTo>
+                        <a:cubicBezTo>
+                          <a:pt x="249369" y="-40624"/>
+                          <a:pt x="370551" y="21309"/>
+                          <a:pt x="562640" y="0"/>
+                        </a:cubicBezTo>
+                        <a:cubicBezTo>
+                          <a:pt x="754729" y="-21309"/>
+                          <a:pt x="842939" y="16076"/>
+                          <a:pt x="1083000" y="0"/>
+                        </a:cubicBezTo>
+                        <a:cubicBezTo>
+                          <a:pt x="1323061" y="-16076"/>
+                          <a:pt x="1647479" y="103266"/>
+                          <a:pt x="1969541" y="0"/>
+                        </a:cubicBezTo>
+                        <a:cubicBezTo>
+                          <a:pt x="1992702" y="876"/>
+                          <a:pt x="2012314" y="19118"/>
+                          <a:pt x="2011820" y="42279"/>
+                        </a:cubicBezTo>
+                        <a:cubicBezTo>
+                          <a:pt x="2032229" y="136842"/>
+                          <a:pt x="2000736" y="238958"/>
+                          <a:pt x="2011820" y="345194"/>
+                        </a:cubicBezTo>
+                        <a:cubicBezTo>
+                          <a:pt x="2022904" y="451430"/>
+                          <a:pt x="1989197" y="514940"/>
+                          <a:pt x="2011820" y="673351"/>
+                        </a:cubicBezTo>
+                        <a:cubicBezTo>
+                          <a:pt x="2018102" y="694717"/>
+                          <a:pt x="1993209" y="715256"/>
+                          <a:pt x="1969541" y="715630"/>
+                        </a:cubicBezTo>
+                        <a:cubicBezTo>
+                          <a:pt x="1863060" y="776502"/>
+                          <a:pt x="1646483" y="664601"/>
+                          <a:pt x="1449180" y="715630"/>
+                        </a:cubicBezTo>
+                        <a:cubicBezTo>
+                          <a:pt x="1251877" y="766659"/>
+                          <a:pt x="1075484" y="706016"/>
+                          <a:pt x="967365" y="715630"/>
+                        </a:cubicBezTo>
+                        <a:cubicBezTo>
+                          <a:pt x="859247" y="725244"/>
+                          <a:pt x="630782" y="698901"/>
+                          <a:pt x="524095" y="715630"/>
+                        </a:cubicBezTo>
+                        <a:cubicBezTo>
+                          <a:pt x="417408" y="732359"/>
+                          <a:pt x="175791" y="700181"/>
+                          <a:pt x="42279" y="715630"/>
+                        </a:cubicBezTo>
+                        <a:cubicBezTo>
+                          <a:pt x="17338" y="717976"/>
+                          <a:pt x="-4462" y="695955"/>
+                          <a:pt x="0" y="673351"/>
+                        </a:cubicBezTo>
+                        <a:cubicBezTo>
+                          <a:pt x="-18789" y="607796"/>
+                          <a:pt x="8618" y="453363"/>
+                          <a:pt x="0" y="376747"/>
+                        </a:cubicBezTo>
+                        <a:cubicBezTo>
+                          <a:pt x="-8618" y="300131"/>
+                          <a:pt x="8848" y="133514"/>
+                          <a:pt x="0" y="42279"/>
+                        </a:cubicBezTo>
+                        <a:close/>
+                      </a:path>
+                    </a:pathLst>
+                  </a:custGeom>
                   <ask:type>
                     <ask:lineSketchScribble/>
                   </ask:type>
@@ -9498,8 +9860,8 @@
         </p:nvCxnSpPr>
         <p:spPr>
           <a:xfrm>
-            <a:off x="2709448" y="3219296"/>
-            <a:ext cx="242865" cy="0"/>
+            <a:off x="2709450" y="3219296"/>
+            <a:ext cx="242863" cy="0"/>
           </a:xfrm>
           <a:prstGeom prst="straightConnector1">
             <a:avLst/>
@@ -9570,7 +9932,7 @@
         </p:nvSpPr>
         <p:spPr>
           <a:xfrm>
-            <a:off x="285319" y="1385351"/>
+            <a:off x="285320" y="1385351"/>
             <a:ext cx="436574" cy="354072"/>
           </a:xfrm>
           <a:prstGeom prst="roundRect">
@@ -9637,7 +9999,7 @@
         </p:nvSpPr>
         <p:spPr>
           <a:xfrm>
-            <a:off x="285319" y="2005300"/>
+            <a:off x="285320" y="2005300"/>
             <a:ext cx="436574" cy="354072"/>
           </a:xfrm>
           <a:prstGeom prst="roundRect">
@@ -9704,7 +10066,7 @@
         </p:nvSpPr>
         <p:spPr>
           <a:xfrm>
-            <a:off x="285319" y="2840744"/>
+            <a:off x="285321" y="2840744"/>
             <a:ext cx="436575" cy="354072"/>
           </a:xfrm>
           <a:prstGeom prst="roundRect">
@@ -9775,7 +10137,7 @@
         </p:nvCxnSpPr>
         <p:spPr>
           <a:xfrm>
-            <a:off x="503606" y="1739423"/>
+            <a:off x="503606" y="1739426"/>
             <a:ext cx="0" cy="265877"/>
           </a:xfrm>
           <a:prstGeom prst="straightConnector1">
@@ -9815,7 +10177,7 @@
         </p:nvCxnSpPr>
         <p:spPr>
           <a:xfrm>
-            <a:off x="503606" y="2359372"/>
+            <a:off x="503609" y="2359372"/>
             <a:ext cx="1" cy="481372"/>
           </a:xfrm>
           <a:prstGeom prst="straightConnector1">
@@ -9851,7 +10213,7 @@
         </p:nvSpPr>
         <p:spPr>
           <a:xfrm>
-            <a:off x="285319" y="898341"/>
+            <a:off x="285320" y="898341"/>
             <a:ext cx="436574" cy="354072"/>
           </a:xfrm>
           <a:prstGeom prst="roundRect">
@@ -9922,7 +10284,7 @@
         </p:nvCxnSpPr>
         <p:spPr>
           <a:xfrm>
-            <a:off x="503606" y="1252413"/>
+            <a:off x="503606" y="1252414"/>
             <a:ext cx="0" cy="132938"/>
           </a:xfrm>
           <a:prstGeom prst="straightConnector1">
@@ -10092,7 +10454,7 @@
         </p:nvSpPr>
         <p:spPr>
           <a:xfrm>
-            <a:off x="2190146" y="2840744"/>
+            <a:off x="2190148" y="2840744"/>
             <a:ext cx="436575" cy="354072"/>
           </a:xfrm>
           <a:prstGeom prst="roundRect">
@@ -10163,7 +10525,7 @@
         </p:nvCxnSpPr>
         <p:spPr>
           <a:xfrm>
-            <a:off x="2408433" y="1739423"/>
+            <a:off x="2408433" y="1739426"/>
             <a:ext cx="0" cy="265877"/>
           </a:xfrm>
           <a:prstGeom prst="straightConnector1">
@@ -10203,7 +10565,7 @@
         </p:nvCxnSpPr>
         <p:spPr>
           <a:xfrm>
-            <a:off x="2408433" y="2359372"/>
+            <a:off x="2408436" y="2359372"/>
             <a:ext cx="1" cy="481372"/>
           </a:xfrm>
           <a:prstGeom prst="straightConnector1">
@@ -10310,7 +10672,7 @@
         </p:nvCxnSpPr>
         <p:spPr>
           <a:xfrm>
-            <a:off x="2408433" y="1252413"/>
+            <a:off x="2408433" y="1252414"/>
             <a:ext cx="0" cy="132938"/>
           </a:xfrm>
           <a:prstGeom prst="straightConnector1">
@@ -10350,7 +10712,7 @@
         </p:nvCxnSpPr>
         <p:spPr>
           <a:xfrm>
-            <a:off x="721893" y="1562387"/>
+            <a:off x="721896" y="1562390"/>
             <a:ext cx="1468253" cy="619949"/>
           </a:xfrm>
           <a:prstGeom prst="curvedConnector3">
@@ -10394,7 +10756,7 @@
         </p:nvCxnSpPr>
         <p:spPr>
           <a:xfrm>
-            <a:off x="721893" y="2182336"/>
+            <a:off x="721896" y="2182336"/>
             <a:ext cx="1468253" cy="0"/>
           </a:xfrm>
           <a:prstGeom prst="straightConnector1">
@@ -10482,7 +10844,7 @@
         </p:nvCxnSpPr>
         <p:spPr>
           <a:xfrm>
-            <a:off x="721893" y="2182336"/>
+            <a:off x="721896" y="2182336"/>
             <a:ext cx="1468253" cy="835444"/>
           </a:xfrm>
           <a:prstGeom prst="curvedConnector3">
@@ -10528,7 +10890,7 @@
         </p:nvCxnSpPr>
         <p:spPr>
           <a:xfrm>
-            <a:off x="721893" y="1562387"/>
+            <a:off x="721896" y="1562390"/>
             <a:ext cx="1468253" cy="1455393"/>
           </a:xfrm>
           <a:prstGeom prst="curvedConnector3">
@@ -10722,7 +11084,7 @@
         </p:nvSpPr>
         <p:spPr>
           <a:xfrm>
-            <a:off x="2988814" y="445725"/>
+            <a:off x="2988815" y="445725"/>
             <a:ext cx="436574" cy="354072"/>
           </a:xfrm>
           <a:prstGeom prst="roundRect">
@@ -10790,7 +11152,7 @@
         </p:nvCxnSpPr>
         <p:spPr>
           <a:xfrm rot="5400000">
-            <a:off x="1939985" y="1265495"/>
+            <a:off x="1939986" y="1265498"/>
             <a:ext cx="1732814" cy="801419"/>
           </a:xfrm>
           <a:prstGeom prst="curvedConnector2">
@@ -10929,7 +11291,7 @@
         </p:nvCxnSpPr>
         <p:spPr>
           <a:xfrm rot="5400000">
-            <a:off x="2779121" y="647397"/>
+            <a:off x="2779121" y="647399"/>
             <a:ext cx="275580" cy="580381"/>
           </a:xfrm>
           <a:prstGeom prst="curvedConnector2">
@@ -10976,7 +11338,7 @@
         </p:nvCxnSpPr>
         <p:spPr>
           <a:xfrm rot="5400000">
-            <a:off x="2535616" y="890902"/>
+            <a:off x="2535616" y="890905"/>
             <a:ext cx="762590" cy="580381"/>
           </a:xfrm>
           <a:prstGeom prst="curvedConnector2">
@@ -11019,7 +11381,7 @@
         </p:nvSpPr>
         <p:spPr>
           <a:xfrm>
-            <a:off x="3018277" y="834535"/>
+            <a:off x="3018280" y="834538"/>
             <a:ext cx="477695" cy="1378209"/>
           </a:xfrm>
           <a:prstGeom prst="rect">
@@ -11123,7 +11485,7 @@
         </p:nvSpPr>
         <p:spPr>
           <a:xfrm>
-            <a:off x="-1" y="-1"/>
+            <a:off x="2" y="-1"/>
             <a:ext cx="5040313" cy="3600451"/>
           </a:xfrm>
           <a:prstGeom prst="rect">
@@ -11262,7 +11624,7 @@
         </p:nvCxnSpPr>
         <p:spPr>
           <a:xfrm flipV="1">
-            <a:off x="156575" y="2630466"/>
+            <a:off x="156578" y="2630469"/>
             <a:ext cx="4528159" cy="1"/>
           </a:xfrm>
           <a:prstGeom prst="straightConnector1">
@@ -11306,7 +11668,7 @@
         </p:nvSpPr>
         <p:spPr>
           <a:xfrm>
-            <a:off x="407095" y="2567835"/>
+            <a:off x="407096" y="2567835"/>
             <a:ext cx="125262" cy="125262"/>
           </a:xfrm>
           <a:prstGeom prst="ellipse">
@@ -11362,7 +11724,7 @@
         </p:nvSpPr>
         <p:spPr>
           <a:xfrm>
-            <a:off x="1692825" y="2567835"/>
+            <a:off x="1692826" y="2567835"/>
             <a:ext cx="125262" cy="125262"/>
           </a:xfrm>
           <a:prstGeom prst="ellipse">
@@ -11418,7 +11780,7 @@
         </p:nvSpPr>
         <p:spPr>
           <a:xfrm>
-            <a:off x="2978555" y="2567835"/>
+            <a:off x="2978556" y="2567835"/>
             <a:ext cx="125262" cy="125262"/>
           </a:xfrm>
           <a:prstGeom prst="ellipse">
@@ -11848,6 +12210,1761 @@
     <p:extLst>
       <p:ext uri="{BB962C8B-B14F-4D97-AF65-F5344CB8AC3E}">
         <p14:creationId xmlns:p14="http://schemas.microsoft.com/office/powerpoint/2010/main" val="1259849867"/>
+      </p:ext>
+    </p:extLst>
+  </p:cSld>
+  <p:clrMapOvr>
+    <a:masterClrMapping/>
+  </p:clrMapOvr>
+</p:sld>
+</file>
+
+<file path=ppt/slides/slide5.xml><?xml version="1.0" encoding="utf-8"?>
+<p:sld xmlns:a="http://schemas.openxmlformats.org/drawingml/2006/main" xmlns:r="http://schemas.openxmlformats.org/officeDocument/2006/relationships" xmlns:p="http://schemas.openxmlformats.org/presentationml/2006/main">
+  <p:cSld>
+    <p:spTree>
+      <p:nvGrpSpPr>
+        <p:cNvPr id="1" name=""/>
+        <p:cNvGrpSpPr/>
+        <p:nvPr/>
+      </p:nvGrpSpPr>
+      <p:grpSpPr>
+        <a:xfrm>
+          <a:off x="0" y="0"/>
+          <a:ext cx="0" cy="0"/>
+          <a:chOff x="0" y="0"/>
+          <a:chExt cx="0" cy="0"/>
+        </a:xfrm>
+      </p:grpSpPr>
+      <p:sp>
+        <p:nvSpPr>
+          <p:cNvPr id="3" name="矩形 2">
+            <a:extLst>
+              <a:ext uri="{FF2B5EF4-FFF2-40B4-BE49-F238E27FC236}">
+                <a16:creationId xmlns:a16="http://schemas.microsoft.com/office/drawing/2014/main" id="{01E47C42-3A0F-AE4F-9D52-DD7C0E71E04A}"/>
+              </a:ext>
+            </a:extLst>
+          </p:cNvPr>
+          <p:cNvSpPr/>
+          <p:nvPr/>
+        </p:nvSpPr>
+        <p:spPr>
+          <a:xfrm>
+            <a:off x="606810" y="1120603"/>
+            <a:ext cx="3826689" cy="400110"/>
+          </a:xfrm>
+          <a:prstGeom prst="rect">
+            <a:avLst/>
+          </a:prstGeom>
+        </p:spPr>
+        <p:txBody>
+          <a:bodyPr wrap="none">
+            <a:spAutoFit/>
+          </a:bodyPr>
+          <a:lstStyle/>
+          <a:p>
+            <a:r>
+              <a:rPr lang="zh-CN" altLang="en-US" sz="2000"/>
+              <a:t>第</a:t>
+            </a:r>
+            <a:r>
+              <a:rPr lang="en-US" altLang="zh-CN" sz="2000"/>
+              <a:t>02</a:t>
+            </a:r>
+            <a:r>
+              <a:rPr lang="zh-CN" altLang="en-US" sz="2000"/>
+              <a:t>节：搭建</a:t>
+            </a:r>
+            <a:r>
+              <a:rPr lang="en-US" altLang="zh-CN" sz="2000"/>
+              <a:t>(</a:t>
+            </a:r>
+            <a:r>
+              <a:rPr lang="en" altLang="zh-CN" sz="2000"/>
+              <a:t>DDD + RPC)</a:t>
+            </a:r>
+            <a:r>
+              <a:rPr lang="zh-CN" altLang="en-US" sz="2000"/>
+              <a:t>架构</a:t>
+            </a:r>
+          </a:p>
+        </p:txBody>
+      </p:sp>
+      <p:sp>
+        <p:nvSpPr>
+          <p:cNvPr id="4" name="矩形 3">
+            <a:extLst>
+              <a:ext uri="{FF2B5EF4-FFF2-40B4-BE49-F238E27FC236}">
+                <a16:creationId xmlns:a16="http://schemas.microsoft.com/office/drawing/2014/main" id="{31CE80CA-2BA5-E542-9559-C9580D28C4F6}"/>
+              </a:ext>
+            </a:extLst>
+          </p:cNvPr>
+          <p:cNvSpPr/>
+          <p:nvPr/>
+        </p:nvSpPr>
+        <p:spPr>
+          <a:xfrm>
+            <a:off x="200173" y="2079738"/>
+            <a:ext cx="4639962" cy="738664"/>
+          </a:xfrm>
+          <a:prstGeom prst="rect">
+            <a:avLst/>
+          </a:prstGeom>
+        </p:spPr>
+        <p:txBody>
+          <a:bodyPr wrap="square">
+            <a:spAutoFit/>
+          </a:bodyPr>
+          <a:lstStyle/>
+          <a:p>
+            <a:r>
+              <a:rPr lang="zh-CN" altLang="en-US" sz="700"/>
+              <a:t>本节是陆续搭建系统和编码的开始，我们会优先完成一个基础工程的创建。一般在互联网企业这部分工作可能不需要反复处理，只需要在承接产品需要后使用脚手架或者直接复制以往工程就可以创建现有需要使用的工程了。例如 </a:t>
+            </a:r>
+            <a:r>
+              <a:rPr lang="en" altLang="zh-CN" sz="700"/>
+              <a:t>Spring </a:t>
+            </a:r>
+            <a:r>
+              <a:rPr lang="zh-CN" altLang="en-US" sz="700"/>
+              <a:t>官网也提供了创建工程的脚手架，</a:t>
+            </a:r>
+            <a:r>
+              <a:rPr lang="en" altLang="zh-CN" sz="700">
+                <a:hlinkClick r:id="rId2"/>
+              </a:rPr>
+              <a:t>https://start.spring.io</a:t>
+            </a:r>
+            <a:r>
+              <a:rPr lang="en" altLang="zh-CN" sz="700"/>
+              <a:t> Spring Initializr </a:t>
+            </a:r>
+            <a:r>
+              <a:rPr lang="zh-CN" altLang="en-US" sz="700"/>
+              <a:t>本质上也是一个 </a:t>
+            </a:r>
+            <a:r>
+              <a:rPr lang="en" altLang="zh-CN" sz="700"/>
+              <a:t>Web </a:t>
+            </a:r>
+            <a:r>
+              <a:rPr lang="zh-CN" altLang="en-US" sz="700"/>
+              <a:t>应用，它可以通过 </a:t>
+            </a:r>
+            <a:r>
+              <a:rPr lang="en" altLang="zh-CN" sz="700"/>
+              <a:t>Web </a:t>
+            </a:r>
+            <a:r>
+              <a:rPr lang="zh-CN" altLang="en-US" sz="700"/>
+              <a:t>界面、</a:t>
+            </a:r>
+            <a:r>
+              <a:rPr lang="en" altLang="zh-CN" sz="700"/>
+              <a:t>Spring Tool Suite</a:t>
+            </a:r>
+            <a:r>
+              <a:rPr lang="zh-CN" altLang="en" sz="700"/>
+              <a:t>、</a:t>
+            </a:r>
+            <a:r>
+              <a:rPr lang="en" altLang="zh-CN" sz="700"/>
+              <a:t>IntelliJ IDEA </a:t>
+            </a:r>
+            <a:r>
+              <a:rPr lang="zh-CN" altLang="en-US" sz="700"/>
+              <a:t>等方式，构建出一个基本的 </a:t>
+            </a:r>
+            <a:r>
+              <a:rPr lang="en" altLang="zh-CN" sz="700"/>
+              <a:t>Spring Boot </a:t>
+            </a:r>
+            <a:r>
+              <a:rPr lang="zh-CN" altLang="en-US" sz="700"/>
+              <a:t>项目结构。但是，我们创建的项目结构并不是一个简单的 </a:t>
+            </a:r>
+            <a:r>
+              <a:rPr lang="en" altLang="zh-CN" sz="700"/>
+              <a:t>MVC </a:t>
+            </a:r>
+            <a:r>
+              <a:rPr lang="zh-CN" altLang="en-US" sz="700"/>
+              <a:t>结构，而是需要基于 </a:t>
+            </a:r>
+            <a:r>
+              <a:rPr lang="en" altLang="zh-CN" sz="700"/>
+              <a:t>DDD </a:t>
+            </a:r>
+            <a:r>
+              <a:rPr lang="zh-CN" altLang="en-US" sz="700"/>
+              <a:t>四层架构进行模块化拆分，并把分布式组件 </a:t>
+            </a:r>
+            <a:r>
+              <a:rPr lang="en" altLang="zh-CN" sz="700"/>
+              <a:t>RPC </a:t>
+            </a:r>
+            <a:r>
+              <a:rPr lang="zh-CN" altLang="en-US" sz="700"/>
+              <a:t>结合进行，所以这里我们需要进行框架搭建。</a:t>
+            </a:r>
+          </a:p>
+        </p:txBody>
+      </p:sp>
+      <p:pic>
+        <p:nvPicPr>
+          <p:cNvPr id="8" name="图片 7">
+            <a:extLst>
+              <a:ext uri="{FF2B5EF4-FFF2-40B4-BE49-F238E27FC236}">
+                <a16:creationId xmlns:a16="http://schemas.microsoft.com/office/drawing/2014/main" id="{4F173770-1585-0940-8F8D-C6860B699192}"/>
+              </a:ext>
+            </a:extLst>
+          </p:cNvPr>
+          <p:cNvPicPr>
+            <a:picLocks noChangeAspect="1"/>
+          </p:cNvPicPr>
+          <p:nvPr/>
+        </p:nvPicPr>
+        <p:blipFill>
+          <a:blip r:embed="rId3">
+            <a:extLst>
+              <a:ext uri="{28A0092B-C50C-407E-A947-70E740481C1C}">
+                <a14:useLocalDpi xmlns:a14="http://schemas.microsoft.com/office/drawing/2010/main" val="0"/>
+              </a:ext>
+            </a:extLst>
+          </a:blip>
+          <a:stretch>
+            <a:fillRect/>
+          </a:stretch>
+        </p:blipFill>
+        <p:spPr>
+          <a:xfrm>
+            <a:off x="2056482" y="166225"/>
+            <a:ext cx="927348" cy="927348"/>
+          </a:xfrm>
+          <a:prstGeom prst="rect">
+            <a:avLst/>
+          </a:prstGeom>
+        </p:spPr>
+      </p:pic>
+      <p:sp>
+        <p:nvSpPr>
+          <p:cNvPr id="11" name="矩形 10">
+            <a:extLst>
+              <a:ext uri="{FF2B5EF4-FFF2-40B4-BE49-F238E27FC236}">
+                <a16:creationId xmlns:a16="http://schemas.microsoft.com/office/drawing/2014/main" id="{3BFD82CE-F64F-3D4E-A4C8-923660A6B63B}"/>
+              </a:ext>
+            </a:extLst>
+          </p:cNvPr>
+          <p:cNvSpPr/>
+          <p:nvPr/>
+        </p:nvSpPr>
+        <p:spPr>
+          <a:xfrm>
+            <a:off x="0" y="56260"/>
+            <a:ext cx="1011815" cy="338554"/>
+          </a:xfrm>
+          <a:prstGeom prst="rect">
+            <a:avLst/>
+          </a:prstGeom>
+          <a:noFill/>
+        </p:spPr>
+        <p:txBody>
+          <a:bodyPr wrap="none" lIns="91440" tIns="45720" rIns="91440" bIns="45720">
+            <a:spAutoFit/>
+          </a:bodyPr>
+          <a:lstStyle/>
+          <a:p>
+            <a:pPr algn="ctr"/>
+            <a:r>
+              <a:rPr lang="zh-CN" altLang="en-US" sz="1600" b="1" cap="none" spc="0">
+                <a:ln w="12700">
+                  <a:solidFill>
+                    <a:schemeClr val="accent5"/>
+                  </a:solidFill>
+                  <a:prstDash val="solid"/>
+                </a:ln>
+                <a:pattFill prst="ltDnDiag">
+                  <a:fgClr>
+                    <a:schemeClr val="accent5">
+                      <a:lumMod val="60000"/>
+                      <a:lumOff val="40000"/>
+                    </a:schemeClr>
+                  </a:fgClr>
+                  <a:bgClr>
+                    <a:schemeClr val="bg1"/>
+                  </a:bgClr>
+                </a:pattFill>
+                <a:effectLst/>
+              </a:rPr>
+              <a:t>抽奖系统</a:t>
+            </a:r>
+          </a:p>
+        </p:txBody>
+      </p:sp>
+    </p:spTree>
+    <p:extLst>
+      <p:ext uri="{BB962C8B-B14F-4D97-AF65-F5344CB8AC3E}">
+        <p14:creationId xmlns:p14="http://schemas.microsoft.com/office/powerpoint/2010/main" val="1123620473"/>
+      </p:ext>
+    </p:extLst>
+  </p:cSld>
+  <p:clrMapOvr>
+    <a:masterClrMapping/>
+  </p:clrMapOvr>
+</p:sld>
+</file>
+
+<file path=ppt/slides/slide6.xml><?xml version="1.0" encoding="utf-8"?>
+<p:sld xmlns:a="http://schemas.openxmlformats.org/drawingml/2006/main" xmlns:r="http://schemas.openxmlformats.org/officeDocument/2006/relationships" xmlns:p="http://schemas.openxmlformats.org/presentationml/2006/main">
+  <p:cSld>
+    <p:spTree>
+      <p:nvGrpSpPr>
+        <p:cNvPr id="1" name=""/>
+        <p:cNvGrpSpPr/>
+        <p:nvPr/>
+      </p:nvGrpSpPr>
+      <p:grpSpPr>
+        <a:xfrm>
+          <a:off x="0" y="0"/>
+          <a:ext cx="0" cy="0"/>
+          <a:chOff x="0" y="0"/>
+          <a:chExt cx="0" cy="0"/>
+        </a:xfrm>
+      </p:grpSpPr>
+      <p:sp>
+        <p:nvSpPr>
+          <p:cNvPr id="2" name="圆角矩形 1">
+            <a:extLst>
+              <a:ext uri="{FF2B5EF4-FFF2-40B4-BE49-F238E27FC236}">
+                <a16:creationId xmlns:a16="http://schemas.microsoft.com/office/drawing/2014/main" id="{F4CCF9E5-8E53-8146-BFA0-EBD1C6ECE0F6}"/>
+              </a:ext>
+            </a:extLst>
+          </p:cNvPr>
+          <p:cNvSpPr/>
+          <p:nvPr/>
+        </p:nvSpPr>
+        <p:spPr>
+          <a:xfrm>
+            <a:off x="1763905" y="55606"/>
+            <a:ext cx="1658274" cy="339810"/>
+          </a:xfrm>
+          <a:prstGeom prst="roundRect">
+            <a:avLst>
+              <a:gd name="adj" fmla="val 7576"/>
+            </a:avLst>
+          </a:prstGeom>
+          <a:pattFill prst="wdDnDiag">
+            <a:fgClr>
+              <a:srgbClr val="FFC000"/>
+            </a:fgClr>
+            <a:bgClr>
+              <a:schemeClr val="bg1"/>
+            </a:bgClr>
+          </a:pattFill>
+          <a:ln>
+            <a:solidFill>
+              <a:srgbClr val="FFC000"/>
+            </a:solidFill>
+          </a:ln>
+        </p:spPr>
+        <p:style>
+          <a:lnRef idx="2">
+            <a:schemeClr val="accent1">
+              <a:shade val="50000"/>
+            </a:schemeClr>
+          </a:lnRef>
+          <a:fillRef idx="1">
+            <a:schemeClr val="accent1"/>
+          </a:fillRef>
+          <a:effectRef idx="0">
+            <a:schemeClr val="accent1"/>
+          </a:effectRef>
+          <a:fontRef idx="minor">
+            <a:schemeClr val="lt1"/>
+          </a:fontRef>
+        </p:style>
+        <p:txBody>
+          <a:bodyPr rtlCol="0" anchor="ctr"/>
+          <a:lstStyle/>
+          <a:p>
+            <a:pPr algn="ctr"/>
+            <a:r>
+              <a:rPr kumimoji="1" lang="en" altLang="zh-CN">
+                <a:solidFill>
+                  <a:schemeClr val="tx1"/>
+                </a:solidFill>
+              </a:rPr>
+              <a:t>lottery-application</a:t>
+            </a:r>
+            <a:endParaRPr kumimoji="1" lang="zh-CN" altLang="en-US">
+              <a:solidFill>
+                <a:schemeClr val="tx1"/>
+              </a:solidFill>
+            </a:endParaRPr>
+          </a:p>
+        </p:txBody>
+      </p:sp>
+      <p:sp>
+        <p:nvSpPr>
+          <p:cNvPr id="3" name="圆角矩形 2">
+            <a:extLst>
+              <a:ext uri="{FF2B5EF4-FFF2-40B4-BE49-F238E27FC236}">
+                <a16:creationId xmlns:a16="http://schemas.microsoft.com/office/drawing/2014/main" id="{9896FA02-77BA-0C45-8A48-531FD9BA6829}"/>
+              </a:ext>
+            </a:extLst>
+          </p:cNvPr>
+          <p:cNvSpPr/>
+          <p:nvPr/>
+        </p:nvSpPr>
+        <p:spPr>
+          <a:xfrm>
+            <a:off x="1763903" y="668812"/>
+            <a:ext cx="1034880" cy="339810"/>
+          </a:xfrm>
+          <a:prstGeom prst="roundRect">
+            <a:avLst>
+              <a:gd name="adj" fmla="val 7576"/>
+            </a:avLst>
+          </a:prstGeom>
+          <a:pattFill prst="wdDnDiag">
+            <a:fgClr>
+              <a:srgbClr val="00B050"/>
+            </a:fgClr>
+            <a:bgClr>
+              <a:schemeClr val="bg1"/>
+            </a:bgClr>
+          </a:pattFill>
+          <a:ln>
+            <a:solidFill>
+              <a:srgbClr val="00B050"/>
+            </a:solidFill>
+          </a:ln>
+        </p:spPr>
+        <p:style>
+          <a:lnRef idx="2">
+            <a:schemeClr val="accent1">
+              <a:shade val="50000"/>
+            </a:schemeClr>
+          </a:lnRef>
+          <a:fillRef idx="1">
+            <a:schemeClr val="accent1"/>
+          </a:fillRef>
+          <a:effectRef idx="0">
+            <a:schemeClr val="accent1"/>
+          </a:effectRef>
+          <a:fontRef idx="minor">
+            <a:schemeClr val="lt1"/>
+          </a:fontRef>
+        </p:style>
+        <p:txBody>
+          <a:bodyPr rtlCol="0" anchor="ctr"/>
+          <a:lstStyle/>
+          <a:p>
+            <a:pPr algn="ctr"/>
+            <a:r>
+              <a:rPr kumimoji="1" lang="en" altLang="zh-CN">
+                <a:solidFill>
+                  <a:schemeClr val="tx1"/>
+                </a:solidFill>
+              </a:rPr>
+              <a:t>lottery-common</a:t>
+            </a:r>
+            <a:endParaRPr kumimoji="1" lang="zh-CN" altLang="en-US">
+              <a:solidFill>
+                <a:schemeClr val="tx1"/>
+              </a:solidFill>
+            </a:endParaRPr>
+          </a:p>
+        </p:txBody>
+      </p:sp>
+      <p:sp>
+        <p:nvSpPr>
+          <p:cNvPr id="4" name="圆角矩形 3">
+            <a:extLst>
+              <a:ext uri="{FF2B5EF4-FFF2-40B4-BE49-F238E27FC236}">
+                <a16:creationId xmlns:a16="http://schemas.microsoft.com/office/drawing/2014/main" id="{454B62B0-1EC7-4B41-B458-EC148EA6A3E8}"/>
+              </a:ext>
+            </a:extLst>
+          </p:cNvPr>
+          <p:cNvSpPr/>
+          <p:nvPr/>
+        </p:nvSpPr>
+        <p:spPr>
+          <a:xfrm>
+            <a:off x="1763904" y="1282018"/>
+            <a:ext cx="1424118" cy="339810"/>
+          </a:xfrm>
+          <a:prstGeom prst="roundRect">
+            <a:avLst>
+              <a:gd name="adj" fmla="val 7576"/>
+            </a:avLst>
+          </a:prstGeom>
+          <a:pattFill prst="wdDnDiag">
+            <a:fgClr>
+              <a:srgbClr val="00B0F0"/>
+            </a:fgClr>
+            <a:bgClr>
+              <a:schemeClr val="bg1"/>
+            </a:bgClr>
+          </a:pattFill>
+          <a:ln>
+            <a:solidFill>
+              <a:srgbClr val="00B0F0"/>
+            </a:solidFill>
+          </a:ln>
+        </p:spPr>
+        <p:style>
+          <a:lnRef idx="2">
+            <a:schemeClr val="accent1">
+              <a:shade val="50000"/>
+            </a:schemeClr>
+          </a:lnRef>
+          <a:fillRef idx="1">
+            <a:schemeClr val="accent1"/>
+          </a:fillRef>
+          <a:effectRef idx="0">
+            <a:schemeClr val="accent1"/>
+          </a:effectRef>
+          <a:fontRef idx="minor">
+            <a:schemeClr val="lt1"/>
+          </a:fontRef>
+        </p:style>
+        <p:txBody>
+          <a:bodyPr rtlCol="0" anchor="ctr"/>
+          <a:lstStyle/>
+          <a:p>
+            <a:pPr algn="ctr"/>
+            <a:r>
+              <a:rPr kumimoji="1" lang="en" altLang="zh-CN">
+                <a:solidFill>
+                  <a:schemeClr val="tx1"/>
+                </a:solidFill>
+              </a:rPr>
+              <a:t>lottery-domain</a:t>
+            </a:r>
+            <a:endParaRPr kumimoji="1" lang="zh-CN" altLang="en-US">
+              <a:solidFill>
+                <a:schemeClr val="tx1"/>
+              </a:solidFill>
+            </a:endParaRPr>
+          </a:p>
+        </p:txBody>
+      </p:sp>
+      <p:sp>
+        <p:nvSpPr>
+          <p:cNvPr id="5" name="圆角矩形 4">
+            <a:extLst>
+              <a:ext uri="{FF2B5EF4-FFF2-40B4-BE49-F238E27FC236}">
+                <a16:creationId xmlns:a16="http://schemas.microsoft.com/office/drawing/2014/main" id="{43CF05AC-6FB7-7745-A1D2-F9CE8158CAED}"/>
+              </a:ext>
+            </a:extLst>
+          </p:cNvPr>
+          <p:cNvSpPr/>
+          <p:nvPr/>
+        </p:nvSpPr>
+        <p:spPr>
+          <a:xfrm>
+            <a:off x="1763904" y="1895224"/>
+            <a:ext cx="1424118" cy="339810"/>
+          </a:xfrm>
+          <a:prstGeom prst="roundRect">
+            <a:avLst>
+              <a:gd name="adj" fmla="val 7576"/>
+            </a:avLst>
+          </a:prstGeom>
+          <a:pattFill prst="wdDnDiag">
+            <a:fgClr>
+              <a:srgbClr val="FF40FF"/>
+            </a:fgClr>
+            <a:bgClr>
+              <a:schemeClr val="bg1"/>
+            </a:bgClr>
+          </a:pattFill>
+          <a:ln>
+            <a:solidFill>
+              <a:srgbClr val="FF40FF"/>
+            </a:solidFill>
+          </a:ln>
+        </p:spPr>
+        <p:style>
+          <a:lnRef idx="2">
+            <a:schemeClr val="accent1">
+              <a:shade val="50000"/>
+            </a:schemeClr>
+          </a:lnRef>
+          <a:fillRef idx="1">
+            <a:schemeClr val="accent1"/>
+          </a:fillRef>
+          <a:effectRef idx="0">
+            <a:schemeClr val="accent1"/>
+          </a:effectRef>
+          <a:fontRef idx="minor">
+            <a:schemeClr val="lt1"/>
+          </a:fontRef>
+        </p:style>
+        <p:txBody>
+          <a:bodyPr rtlCol="0" anchor="ctr"/>
+          <a:lstStyle/>
+          <a:p>
+            <a:pPr algn="ctr"/>
+            <a:r>
+              <a:rPr kumimoji="1" lang="en" altLang="zh-CN">
+                <a:solidFill>
+                  <a:schemeClr val="tx1"/>
+                </a:solidFill>
+              </a:rPr>
+              <a:t>lottery-infrastructure</a:t>
+            </a:r>
+            <a:endParaRPr kumimoji="1" lang="zh-CN" altLang="en-US">
+              <a:solidFill>
+                <a:schemeClr val="tx1"/>
+              </a:solidFill>
+            </a:endParaRPr>
+          </a:p>
+        </p:txBody>
+      </p:sp>
+      <p:sp>
+        <p:nvSpPr>
+          <p:cNvPr id="6" name="圆角矩形 5">
+            <a:extLst>
+              <a:ext uri="{FF2B5EF4-FFF2-40B4-BE49-F238E27FC236}">
+                <a16:creationId xmlns:a16="http://schemas.microsoft.com/office/drawing/2014/main" id="{A0CEF5B2-E96C-8743-A0E7-6392E2482CE1}"/>
+              </a:ext>
+            </a:extLst>
+          </p:cNvPr>
+          <p:cNvSpPr/>
+          <p:nvPr/>
+        </p:nvSpPr>
+        <p:spPr>
+          <a:xfrm>
+            <a:off x="1763903" y="2508430"/>
+            <a:ext cx="1658274" cy="339810"/>
+          </a:xfrm>
+          <a:prstGeom prst="roundRect">
+            <a:avLst>
+              <a:gd name="adj" fmla="val 7576"/>
+            </a:avLst>
+          </a:prstGeom>
+          <a:pattFill prst="wdDnDiag">
+            <a:fgClr>
+              <a:schemeClr val="accent2"/>
+            </a:fgClr>
+            <a:bgClr>
+              <a:schemeClr val="bg1"/>
+            </a:bgClr>
+          </a:pattFill>
+          <a:ln>
+            <a:solidFill>
+              <a:schemeClr val="accent2"/>
+            </a:solidFill>
+          </a:ln>
+        </p:spPr>
+        <p:style>
+          <a:lnRef idx="2">
+            <a:schemeClr val="accent1">
+              <a:shade val="50000"/>
+            </a:schemeClr>
+          </a:lnRef>
+          <a:fillRef idx="1">
+            <a:schemeClr val="accent1"/>
+          </a:fillRef>
+          <a:effectRef idx="0">
+            <a:schemeClr val="accent1"/>
+          </a:effectRef>
+          <a:fontRef idx="minor">
+            <a:schemeClr val="lt1"/>
+          </a:fontRef>
+        </p:style>
+        <p:txBody>
+          <a:bodyPr rtlCol="0" anchor="ctr"/>
+          <a:lstStyle/>
+          <a:p>
+            <a:pPr algn="ctr"/>
+            <a:r>
+              <a:rPr kumimoji="1" lang="en" altLang="zh-CN">
+                <a:solidFill>
+                  <a:schemeClr val="tx1"/>
+                </a:solidFill>
+              </a:rPr>
+              <a:t>lottery-interfaces</a:t>
+            </a:r>
+            <a:endParaRPr kumimoji="1" lang="zh-CN" altLang="en-US">
+              <a:solidFill>
+                <a:schemeClr val="tx1"/>
+              </a:solidFill>
+            </a:endParaRPr>
+          </a:p>
+        </p:txBody>
+      </p:sp>
+      <p:sp>
+        <p:nvSpPr>
+          <p:cNvPr id="7" name="圆角矩形 6">
+            <a:extLst>
+              <a:ext uri="{FF2B5EF4-FFF2-40B4-BE49-F238E27FC236}">
+                <a16:creationId xmlns:a16="http://schemas.microsoft.com/office/drawing/2014/main" id="{FE7718EC-54D3-924E-984D-55D2E74D503A}"/>
+              </a:ext>
+            </a:extLst>
+          </p:cNvPr>
+          <p:cNvSpPr/>
+          <p:nvPr/>
+        </p:nvSpPr>
+        <p:spPr>
+          <a:xfrm>
+            <a:off x="1763903" y="3121636"/>
+            <a:ext cx="830996" cy="339810"/>
+          </a:xfrm>
+          <a:prstGeom prst="roundRect">
+            <a:avLst>
+              <a:gd name="adj" fmla="val 7576"/>
+            </a:avLst>
+          </a:prstGeom>
+          <a:pattFill prst="wdDnDiag">
+            <a:fgClr>
+              <a:srgbClr val="73FEFF"/>
+            </a:fgClr>
+            <a:bgClr>
+              <a:schemeClr val="bg1"/>
+            </a:bgClr>
+          </a:pattFill>
+          <a:ln>
+            <a:solidFill>
+              <a:srgbClr val="73FEFF"/>
+            </a:solidFill>
+          </a:ln>
+        </p:spPr>
+        <p:style>
+          <a:lnRef idx="2">
+            <a:schemeClr val="accent1">
+              <a:shade val="50000"/>
+            </a:schemeClr>
+          </a:lnRef>
+          <a:fillRef idx="1">
+            <a:schemeClr val="accent1"/>
+          </a:fillRef>
+          <a:effectRef idx="0">
+            <a:schemeClr val="accent1"/>
+          </a:effectRef>
+          <a:fontRef idx="minor">
+            <a:schemeClr val="lt1"/>
+          </a:fontRef>
+        </p:style>
+        <p:txBody>
+          <a:bodyPr rtlCol="0" anchor="ctr"/>
+          <a:lstStyle/>
+          <a:p>
+            <a:pPr algn="ctr"/>
+            <a:r>
+              <a:rPr kumimoji="1" lang="en" altLang="zh-CN">
+                <a:solidFill>
+                  <a:schemeClr val="tx1"/>
+                </a:solidFill>
+              </a:rPr>
+              <a:t>lottery-rpc</a:t>
+            </a:r>
+            <a:endParaRPr kumimoji="1" lang="zh-CN" altLang="en-US">
+              <a:solidFill>
+                <a:schemeClr val="tx1"/>
+              </a:solidFill>
+            </a:endParaRPr>
+          </a:p>
+        </p:txBody>
+      </p:sp>
+      <p:cxnSp>
+        <p:nvCxnSpPr>
+          <p:cNvPr id="8" name="直线箭头连接符 7">
+            <a:extLst>
+              <a:ext uri="{FF2B5EF4-FFF2-40B4-BE49-F238E27FC236}">
+                <a16:creationId xmlns:a16="http://schemas.microsoft.com/office/drawing/2014/main" id="{F54D22C5-1DC8-0F49-AB48-957D8D92B942}"/>
+              </a:ext>
+            </a:extLst>
+          </p:cNvPr>
+          <p:cNvCxnSpPr>
+            <a:cxnSpLocks/>
+          </p:cNvCxnSpPr>
+          <p:nvPr/>
+        </p:nvCxnSpPr>
+        <p:spPr>
+          <a:xfrm>
+            <a:off x="3027385" y="395416"/>
+            <a:ext cx="0" cy="886602"/>
+          </a:xfrm>
+          <a:prstGeom prst="straightConnector1">
+            <a:avLst/>
+          </a:prstGeom>
+          <a:ln w="12700">
+            <a:solidFill>
+              <a:schemeClr val="tx1">
+                <a:lumMod val="85000"/>
+                <a:lumOff val="15000"/>
+              </a:schemeClr>
+            </a:solidFill>
+            <a:tailEnd type="triangle"/>
+          </a:ln>
+        </p:spPr>
+        <p:style>
+          <a:lnRef idx="1">
+            <a:schemeClr val="accent1"/>
+          </a:lnRef>
+          <a:fillRef idx="0">
+            <a:schemeClr val="accent1"/>
+          </a:fillRef>
+          <a:effectRef idx="0">
+            <a:schemeClr val="accent1"/>
+          </a:effectRef>
+          <a:fontRef idx="minor">
+            <a:schemeClr val="tx1"/>
+          </a:fontRef>
+        </p:style>
+      </p:cxnSp>
+      <p:cxnSp>
+        <p:nvCxnSpPr>
+          <p:cNvPr id="11" name="直线箭头连接符 10">
+            <a:extLst>
+              <a:ext uri="{FF2B5EF4-FFF2-40B4-BE49-F238E27FC236}">
+                <a16:creationId xmlns:a16="http://schemas.microsoft.com/office/drawing/2014/main" id="{1F56F8F2-70A3-1045-B21C-C5978B16A522}"/>
+              </a:ext>
+            </a:extLst>
+          </p:cNvPr>
+          <p:cNvCxnSpPr>
+            <a:cxnSpLocks/>
+            <a:stCxn id="4" idx="2"/>
+            <a:endCxn id="5" idx="0"/>
+          </p:cNvCxnSpPr>
+          <p:nvPr/>
+        </p:nvCxnSpPr>
+        <p:spPr>
+          <a:xfrm>
+            <a:off x="2475963" y="1621828"/>
+            <a:ext cx="0" cy="273396"/>
+          </a:xfrm>
+          <a:prstGeom prst="straightConnector1">
+            <a:avLst/>
+          </a:prstGeom>
+          <a:ln w="12700">
+            <a:solidFill>
+              <a:schemeClr val="tx1">
+                <a:lumMod val="85000"/>
+                <a:lumOff val="15000"/>
+              </a:schemeClr>
+            </a:solidFill>
+            <a:prstDash val="sysDash"/>
+            <a:tailEnd type="triangle"/>
+          </a:ln>
+        </p:spPr>
+        <p:style>
+          <a:lnRef idx="1">
+            <a:schemeClr val="accent1"/>
+          </a:lnRef>
+          <a:fillRef idx="0">
+            <a:schemeClr val="accent1"/>
+          </a:fillRef>
+          <a:effectRef idx="0">
+            <a:schemeClr val="accent1"/>
+          </a:effectRef>
+          <a:fontRef idx="minor">
+            <a:schemeClr val="tx1"/>
+          </a:fontRef>
+        </p:style>
+      </p:cxnSp>
+      <p:cxnSp>
+        <p:nvCxnSpPr>
+          <p:cNvPr id="14" name="直线箭头连接符 13">
+            <a:extLst>
+              <a:ext uri="{FF2B5EF4-FFF2-40B4-BE49-F238E27FC236}">
+                <a16:creationId xmlns:a16="http://schemas.microsoft.com/office/drawing/2014/main" id="{95984002-B384-8745-9C39-A20C19FC0433}"/>
+              </a:ext>
+            </a:extLst>
+          </p:cNvPr>
+          <p:cNvCxnSpPr>
+            <a:cxnSpLocks/>
+          </p:cNvCxnSpPr>
+          <p:nvPr/>
+        </p:nvCxnSpPr>
+        <p:spPr>
+          <a:xfrm flipV="1">
+            <a:off x="3311591" y="395416"/>
+            <a:ext cx="0" cy="2113014"/>
+          </a:xfrm>
+          <a:prstGeom prst="straightConnector1">
+            <a:avLst/>
+          </a:prstGeom>
+          <a:ln w="12700">
+            <a:solidFill>
+              <a:schemeClr val="tx1">
+                <a:lumMod val="85000"/>
+                <a:lumOff val="15000"/>
+              </a:schemeClr>
+            </a:solidFill>
+            <a:tailEnd type="triangle"/>
+          </a:ln>
+        </p:spPr>
+        <p:style>
+          <a:lnRef idx="1">
+            <a:schemeClr val="accent1"/>
+          </a:lnRef>
+          <a:fillRef idx="0">
+            <a:schemeClr val="accent1"/>
+          </a:fillRef>
+          <a:effectRef idx="0">
+            <a:schemeClr val="accent1"/>
+          </a:effectRef>
+          <a:fontRef idx="minor">
+            <a:schemeClr val="tx1"/>
+          </a:fontRef>
+        </p:style>
+      </p:cxnSp>
+      <p:cxnSp>
+        <p:nvCxnSpPr>
+          <p:cNvPr id="17" name="直线箭头连接符 16">
+            <a:extLst>
+              <a:ext uri="{FF2B5EF4-FFF2-40B4-BE49-F238E27FC236}">
+                <a16:creationId xmlns:a16="http://schemas.microsoft.com/office/drawing/2014/main" id="{DE21880B-F15D-4E48-BF74-F2D711515B25}"/>
+              </a:ext>
+            </a:extLst>
+          </p:cNvPr>
+          <p:cNvCxnSpPr>
+            <a:cxnSpLocks/>
+            <a:endCxn id="7" idx="0"/>
+          </p:cNvCxnSpPr>
+          <p:nvPr/>
+        </p:nvCxnSpPr>
+        <p:spPr>
+          <a:xfrm>
+            <a:off x="2179401" y="2848241"/>
+            <a:ext cx="0" cy="273396"/>
+          </a:xfrm>
+          <a:prstGeom prst="straightConnector1">
+            <a:avLst/>
+          </a:prstGeom>
+          <a:ln w="12700">
+            <a:solidFill>
+              <a:schemeClr val="tx1">
+                <a:lumMod val="85000"/>
+                <a:lumOff val="15000"/>
+              </a:schemeClr>
+            </a:solidFill>
+            <a:tailEnd type="triangle"/>
+          </a:ln>
+        </p:spPr>
+        <p:style>
+          <a:lnRef idx="1">
+            <a:schemeClr val="accent1"/>
+          </a:lnRef>
+          <a:fillRef idx="0">
+            <a:schemeClr val="accent1"/>
+          </a:fillRef>
+          <a:effectRef idx="0">
+            <a:schemeClr val="accent1"/>
+          </a:effectRef>
+          <a:fontRef idx="minor">
+            <a:schemeClr val="tx1"/>
+          </a:fontRef>
+        </p:style>
+      </p:cxnSp>
+      <p:sp>
+        <p:nvSpPr>
+          <p:cNvPr id="24" name="左大括号 23">
+            <a:extLst>
+              <a:ext uri="{FF2B5EF4-FFF2-40B4-BE49-F238E27FC236}">
+                <a16:creationId xmlns:a16="http://schemas.microsoft.com/office/drawing/2014/main" id="{C2394447-3246-A045-A00B-CAC4D0A27467}"/>
+              </a:ext>
+            </a:extLst>
+          </p:cNvPr>
+          <p:cNvSpPr/>
+          <p:nvPr/>
+        </p:nvSpPr>
+        <p:spPr>
+          <a:xfrm>
+            <a:off x="691477" y="55606"/>
+            <a:ext cx="93659" cy="2792634"/>
+          </a:xfrm>
+          <a:prstGeom prst="leftBrace">
+            <a:avLst/>
+          </a:prstGeom>
+        </p:spPr>
+        <p:style>
+          <a:lnRef idx="1">
+            <a:schemeClr val="dk1"/>
+          </a:lnRef>
+          <a:fillRef idx="0">
+            <a:schemeClr val="dk1"/>
+          </a:fillRef>
+          <a:effectRef idx="0">
+            <a:schemeClr val="dk1"/>
+          </a:effectRef>
+          <a:fontRef idx="minor">
+            <a:schemeClr val="tx1"/>
+          </a:fontRef>
+        </p:style>
+        <p:txBody>
+          <a:bodyPr rtlCol="0" anchor="ctr"/>
+          <a:lstStyle/>
+          <a:p>
+            <a:pPr algn="ctr"/>
+            <a:endParaRPr kumimoji="1" lang="zh-CN" altLang="en-US"/>
+          </a:p>
+        </p:txBody>
+      </p:sp>
+      <p:sp>
+        <p:nvSpPr>
+          <p:cNvPr id="25" name="文本框 24">
+            <a:extLst>
+              <a:ext uri="{FF2B5EF4-FFF2-40B4-BE49-F238E27FC236}">
+                <a16:creationId xmlns:a16="http://schemas.microsoft.com/office/drawing/2014/main" id="{46BDEAC0-7133-EC48-83F1-8E38DCCF8B80}"/>
+              </a:ext>
+            </a:extLst>
+          </p:cNvPr>
+          <p:cNvSpPr txBox="1"/>
+          <p:nvPr/>
+        </p:nvSpPr>
+        <p:spPr>
+          <a:xfrm>
+            <a:off x="-3090" y="1332499"/>
+            <a:ext cx="914400" cy="238848"/>
+          </a:xfrm>
+          <a:prstGeom prst="rect">
+            <a:avLst/>
+          </a:prstGeom>
+          <a:noFill/>
+        </p:spPr>
+        <p:txBody>
+          <a:bodyPr wrap="square" rtlCol="0">
+            <a:spAutoFit/>
+          </a:bodyPr>
+          <a:lstStyle/>
+          <a:p>
+            <a:r>
+              <a:rPr kumimoji="1" lang="en-US" altLang="zh-CN"/>
+              <a:t>DDD</a:t>
+            </a:r>
+            <a:r>
+              <a:rPr kumimoji="1" lang="zh-CN" altLang="en-US"/>
+              <a:t> 分层</a:t>
+            </a:r>
+          </a:p>
+        </p:txBody>
+      </p:sp>
+      <p:sp>
+        <p:nvSpPr>
+          <p:cNvPr id="26" name="左大括号 25">
+            <a:extLst>
+              <a:ext uri="{FF2B5EF4-FFF2-40B4-BE49-F238E27FC236}">
+                <a16:creationId xmlns:a16="http://schemas.microsoft.com/office/drawing/2014/main" id="{6EAF6FE9-91C6-A84D-8B39-8BFCE66EC1A9}"/>
+              </a:ext>
+            </a:extLst>
+          </p:cNvPr>
+          <p:cNvSpPr/>
+          <p:nvPr/>
+        </p:nvSpPr>
+        <p:spPr>
+          <a:xfrm>
+            <a:off x="691477" y="3121639"/>
+            <a:ext cx="93659" cy="339811"/>
+          </a:xfrm>
+          <a:prstGeom prst="leftBrace">
+            <a:avLst/>
+          </a:prstGeom>
+        </p:spPr>
+        <p:style>
+          <a:lnRef idx="1">
+            <a:schemeClr val="dk1"/>
+          </a:lnRef>
+          <a:fillRef idx="0">
+            <a:schemeClr val="dk1"/>
+          </a:fillRef>
+          <a:effectRef idx="0">
+            <a:schemeClr val="dk1"/>
+          </a:effectRef>
+          <a:fontRef idx="minor">
+            <a:schemeClr val="tx1"/>
+          </a:fontRef>
+        </p:style>
+        <p:txBody>
+          <a:bodyPr rtlCol="0" anchor="ctr"/>
+          <a:lstStyle/>
+          <a:p>
+            <a:pPr algn="ctr"/>
+            <a:endParaRPr kumimoji="1" lang="zh-CN" altLang="en-US"/>
+          </a:p>
+        </p:txBody>
+      </p:sp>
+      <p:sp>
+        <p:nvSpPr>
+          <p:cNvPr id="27" name="文本框 26">
+            <a:extLst>
+              <a:ext uri="{FF2B5EF4-FFF2-40B4-BE49-F238E27FC236}">
+                <a16:creationId xmlns:a16="http://schemas.microsoft.com/office/drawing/2014/main" id="{A19918C0-52CB-E74E-A306-1405636C7404}"/>
+              </a:ext>
+            </a:extLst>
+          </p:cNvPr>
+          <p:cNvSpPr txBox="1"/>
+          <p:nvPr/>
+        </p:nvSpPr>
+        <p:spPr>
+          <a:xfrm>
+            <a:off x="-3090" y="3172689"/>
+            <a:ext cx="914400" cy="238848"/>
+          </a:xfrm>
+          <a:prstGeom prst="rect">
+            <a:avLst/>
+          </a:prstGeom>
+          <a:noFill/>
+        </p:spPr>
+        <p:txBody>
+          <a:bodyPr wrap="square" rtlCol="0">
+            <a:spAutoFit/>
+          </a:bodyPr>
+          <a:lstStyle/>
+          <a:p>
+            <a:r>
+              <a:rPr kumimoji="1" lang="en-US" altLang="zh-CN"/>
+              <a:t>RPC</a:t>
+            </a:r>
+            <a:r>
+              <a:rPr kumimoji="1" lang="zh-CN" altLang="en-US"/>
+              <a:t> 接口</a:t>
+            </a:r>
+          </a:p>
+        </p:txBody>
+      </p:sp>
+      <p:sp>
+        <p:nvSpPr>
+          <p:cNvPr id="28" name="圆角矩形 27">
+            <a:extLst>
+              <a:ext uri="{FF2B5EF4-FFF2-40B4-BE49-F238E27FC236}">
+                <a16:creationId xmlns:a16="http://schemas.microsoft.com/office/drawing/2014/main" id="{DE43EFD5-A6CC-DC4D-B3F8-8B4172FD32D2}"/>
+              </a:ext>
+            </a:extLst>
+          </p:cNvPr>
+          <p:cNvSpPr/>
+          <p:nvPr/>
+        </p:nvSpPr>
+        <p:spPr>
+          <a:xfrm>
+            <a:off x="864972" y="55606"/>
+            <a:ext cx="788346" cy="339810"/>
+          </a:xfrm>
+          <a:prstGeom prst="roundRect">
+            <a:avLst>
+              <a:gd name="adj" fmla="val 7576"/>
+            </a:avLst>
+          </a:prstGeom>
+          <a:noFill/>
+          <a:ln w="9525">
+            <a:solidFill>
+              <a:schemeClr val="tx1">
+                <a:lumMod val="85000"/>
+                <a:lumOff val="15000"/>
+              </a:schemeClr>
+            </a:solidFill>
+          </a:ln>
+        </p:spPr>
+        <p:style>
+          <a:lnRef idx="2">
+            <a:schemeClr val="accent1">
+              <a:shade val="50000"/>
+            </a:schemeClr>
+          </a:lnRef>
+          <a:fillRef idx="1">
+            <a:schemeClr val="accent1"/>
+          </a:fillRef>
+          <a:effectRef idx="0">
+            <a:schemeClr val="accent1"/>
+          </a:effectRef>
+          <a:fontRef idx="minor">
+            <a:schemeClr val="lt1"/>
+          </a:fontRef>
+        </p:style>
+        <p:txBody>
+          <a:bodyPr rtlCol="0" anchor="ctr"/>
+          <a:lstStyle/>
+          <a:p>
+            <a:pPr algn="ctr"/>
+            <a:r>
+              <a:rPr kumimoji="1" lang="zh-CN" altLang="en-US">
+                <a:solidFill>
+                  <a:schemeClr val="tx1"/>
+                </a:solidFill>
+              </a:rPr>
+              <a:t>应用层</a:t>
+            </a:r>
+          </a:p>
+        </p:txBody>
+      </p:sp>
+      <p:sp>
+        <p:nvSpPr>
+          <p:cNvPr id="29" name="圆角矩形 28">
+            <a:extLst>
+              <a:ext uri="{FF2B5EF4-FFF2-40B4-BE49-F238E27FC236}">
+                <a16:creationId xmlns:a16="http://schemas.microsoft.com/office/drawing/2014/main" id="{00475EDC-3E36-0E4B-8DEC-A22245776966}"/>
+              </a:ext>
+            </a:extLst>
+          </p:cNvPr>
+          <p:cNvSpPr/>
+          <p:nvPr/>
+        </p:nvSpPr>
+        <p:spPr>
+          <a:xfrm>
+            <a:off x="861257" y="668812"/>
+            <a:ext cx="788346" cy="339810"/>
+          </a:xfrm>
+          <a:prstGeom prst="roundRect">
+            <a:avLst>
+              <a:gd name="adj" fmla="val 7576"/>
+            </a:avLst>
+          </a:prstGeom>
+          <a:noFill/>
+          <a:ln w="9525">
+            <a:solidFill>
+              <a:schemeClr val="tx1">
+                <a:lumMod val="85000"/>
+                <a:lumOff val="15000"/>
+              </a:schemeClr>
+            </a:solidFill>
+          </a:ln>
+        </p:spPr>
+        <p:style>
+          <a:lnRef idx="2">
+            <a:schemeClr val="accent1">
+              <a:shade val="50000"/>
+            </a:schemeClr>
+          </a:lnRef>
+          <a:fillRef idx="1">
+            <a:schemeClr val="accent1"/>
+          </a:fillRef>
+          <a:effectRef idx="0">
+            <a:schemeClr val="accent1"/>
+          </a:effectRef>
+          <a:fontRef idx="minor">
+            <a:schemeClr val="lt1"/>
+          </a:fontRef>
+        </p:style>
+        <p:txBody>
+          <a:bodyPr rtlCol="0" anchor="ctr"/>
+          <a:lstStyle/>
+          <a:p>
+            <a:pPr algn="ctr"/>
+            <a:r>
+              <a:rPr kumimoji="1" lang="zh-CN" altLang="en-US">
+                <a:solidFill>
+                  <a:schemeClr val="tx1"/>
+                </a:solidFill>
+              </a:rPr>
+              <a:t>通用包</a:t>
+            </a:r>
+          </a:p>
+        </p:txBody>
+      </p:sp>
+      <p:sp>
+        <p:nvSpPr>
+          <p:cNvPr id="30" name="圆角矩形 29">
+            <a:extLst>
+              <a:ext uri="{FF2B5EF4-FFF2-40B4-BE49-F238E27FC236}">
+                <a16:creationId xmlns:a16="http://schemas.microsoft.com/office/drawing/2014/main" id="{BD3BA56F-9BAC-C14B-B50A-07529D977A70}"/>
+              </a:ext>
+            </a:extLst>
+          </p:cNvPr>
+          <p:cNvSpPr/>
+          <p:nvPr/>
+        </p:nvSpPr>
+        <p:spPr>
+          <a:xfrm>
+            <a:off x="866337" y="1282018"/>
+            <a:ext cx="788346" cy="339810"/>
+          </a:xfrm>
+          <a:prstGeom prst="roundRect">
+            <a:avLst>
+              <a:gd name="adj" fmla="val 7576"/>
+            </a:avLst>
+          </a:prstGeom>
+          <a:noFill/>
+          <a:ln w="9525">
+            <a:solidFill>
+              <a:schemeClr val="tx1">
+                <a:lumMod val="85000"/>
+                <a:lumOff val="15000"/>
+              </a:schemeClr>
+            </a:solidFill>
+          </a:ln>
+        </p:spPr>
+        <p:style>
+          <a:lnRef idx="2">
+            <a:schemeClr val="accent1">
+              <a:shade val="50000"/>
+            </a:schemeClr>
+          </a:lnRef>
+          <a:fillRef idx="1">
+            <a:schemeClr val="accent1"/>
+          </a:fillRef>
+          <a:effectRef idx="0">
+            <a:schemeClr val="accent1"/>
+          </a:effectRef>
+          <a:fontRef idx="minor">
+            <a:schemeClr val="lt1"/>
+          </a:fontRef>
+        </p:style>
+        <p:txBody>
+          <a:bodyPr rtlCol="0" anchor="ctr"/>
+          <a:lstStyle/>
+          <a:p>
+            <a:pPr algn="ctr"/>
+            <a:r>
+              <a:rPr kumimoji="1" lang="zh-CN" altLang="en-US">
+                <a:solidFill>
+                  <a:schemeClr val="tx1"/>
+                </a:solidFill>
+              </a:rPr>
+              <a:t>领域层</a:t>
+            </a:r>
+          </a:p>
+        </p:txBody>
+      </p:sp>
+      <p:sp>
+        <p:nvSpPr>
+          <p:cNvPr id="31" name="圆角矩形 30">
+            <a:extLst>
+              <a:ext uri="{FF2B5EF4-FFF2-40B4-BE49-F238E27FC236}">
+                <a16:creationId xmlns:a16="http://schemas.microsoft.com/office/drawing/2014/main" id="{47DA6322-19C0-C245-8212-9C4DB4E959B4}"/>
+              </a:ext>
+            </a:extLst>
+          </p:cNvPr>
+          <p:cNvSpPr/>
+          <p:nvPr/>
+        </p:nvSpPr>
+        <p:spPr>
+          <a:xfrm>
+            <a:off x="875631" y="1895224"/>
+            <a:ext cx="788346" cy="339810"/>
+          </a:xfrm>
+          <a:prstGeom prst="roundRect">
+            <a:avLst>
+              <a:gd name="adj" fmla="val 7576"/>
+            </a:avLst>
+          </a:prstGeom>
+          <a:noFill/>
+          <a:ln w="9525">
+            <a:solidFill>
+              <a:schemeClr val="tx1">
+                <a:lumMod val="85000"/>
+                <a:lumOff val="15000"/>
+              </a:schemeClr>
+            </a:solidFill>
+          </a:ln>
+        </p:spPr>
+        <p:style>
+          <a:lnRef idx="2">
+            <a:schemeClr val="accent1">
+              <a:shade val="50000"/>
+            </a:schemeClr>
+          </a:lnRef>
+          <a:fillRef idx="1">
+            <a:schemeClr val="accent1"/>
+          </a:fillRef>
+          <a:effectRef idx="0">
+            <a:schemeClr val="accent1"/>
+          </a:effectRef>
+          <a:fontRef idx="minor">
+            <a:schemeClr val="lt1"/>
+          </a:fontRef>
+        </p:style>
+        <p:txBody>
+          <a:bodyPr rtlCol="0" anchor="ctr"/>
+          <a:lstStyle/>
+          <a:p>
+            <a:pPr algn="ctr"/>
+            <a:r>
+              <a:rPr kumimoji="1" lang="zh-CN" altLang="en-US">
+                <a:solidFill>
+                  <a:schemeClr val="tx1"/>
+                </a:solidFill>
+              </a:rPr>
+              <a:t>基础层</a:t>
+            </a:r>
+          </a:p>
+        </p:txBody>
+      </p:sp>
+      <p:sp>
+        <p:nvSpPr>
+          <p:cNvPr id="32" name="圆角矩形 31">
+            <a:extLst>
+              <a:ext uri="{FF2B5EF4-FFF2-40B4-BE49-F238E27FC236}">
+                <a16:creationId xmlns:a16="http://schemas.microsoft.com/office/drawing/2014/main" id="{AE630034-9F8B-0945-8B54-5B8C3D9F812F}"/>
+              </a:ext>
+            </a:extLst>
+          </p:cNvPr>
+          <p:cNvSpPr/>
+          <p:nvPr/>
+        </p:nvSpPr>
+        <p:spPr>
+          <a:xfrm>
+            <a:off x="875631" y="2508430"/>
+            <a:ext cx="788346" cy="339810"/>
+          </a:xfrm>
+          <a:prstGeom prst="roundRect">
+            <a:avLst>
+              <a:gd name="adj" fmla="val 7576"/>
+            </a:avLst>
+          </a:prstGeom>
+          <a:noFill/>
+          <a:ln w="9525">
+            <a:solidFill>
+              <a:schemeClr val="tx1">
+                <a:lumMod val="85000"/>
+                <a:lumOff val="15000"/>
+              </a:schemeClr>
+            </a:solidFill>
+          </a:ln>
+        </p:spPr>
+        <p:style>
+          <a:lnRef idx="2">
+            <a:schemeClr val="accent1">
+              <a:shade val="50000"/>
+            </a:schemeClr>
+          </a:lnRef>
+          <a:fillRef idx="1">
+            <a:schemeClr val="accent1"/>
+          </a:fillRef>
+          <a:effectRef idx="0">
+            <a:schemeClr val="accent1"/>
+          </a:effectRef>
+          <a:fontRef idx="minor">
+            <a:schemeClr val="lt1"/>
+          </a:fontRef>
+        </p:style>
+        <p:txBody>
+          <a:bodyPr rtlCol="0" anchor="ctr"/>
+          <a:lstStyle/>
+          <a:p>
+            <a:pPr algn="ctr"/>
+            <a:r>
+              <a:rPr kumimoji="1" lang="zh-CN" altLang="en-US">
+                <a:solidFill>
+                  <a:schemeClr val="tx1"/>
+                </a:solidFill>
+              </a:rPr>
+              <a:t>接口层</a:t>
+            </a:r>
+          </a:p>
+        </p:txBody>
+      </p:sp>
+      <p:sp>
+        <p:nvSpPr>
+          <p:cNvPr id="33" name="圆角矩形 32">
+            <a:extLst>
+              <a:ext uri="{FF2B5EF4-FFF2-40B4-BE49-F238E27FC236}">
+                <a16:creationId xmlns:a16="http://schemas.microsoft.com/office/drawing/2014/main" id="{583C8AD1-8338-7A4A-BDD4-D7CF2B0DAA0A}"/>
+              </a:ext>
+            </a:extLst>
+          </p:cNvPr>
+          <p:cNvSpPr/>
+          <p:nvPr/>
+        </p:nvSpPr>
+        <p:spPr>
+          <a:xfrm>
+            <a:off x="875631" y="3121636"/>
+            <a:ext cx="788346" cy="339810"/>
+          </a:xfrm>
+          <a:prstGeom prst="roundRect">
+            <a:avLst>
+              <a:gd name="adj" fmla="val 7576"/>
+            </a:avLst>
+          </a:prstGeom>
+          <a:noFill/>
+          <a:ln w="9525">
+            <a:solidFill>
+              <a:schemeClr val="tx1">
+                <a:lumMod val="85000"/>
+                <a:lumOff val="15000"/>
+              </a:schemeClr>
+            </a:solidFill>
+          </a:ln>
+        </p:spPr>
+        <p:style>
+          <a:lnRef idx="2">
+            <a:schemeClr val="accent1">
+              <a:shade val="50000"/>
+            </a:schemeClr>
+          </a:lnRef>
+          <a:fillRef idx="1">
+            <a:schemeClr val="accent1"/>
+          </a:fillRef>
+          <a:effectRef idx="0">
+            <a:schemeClr val="accent1"/>
+          </a:effectRef>
+          <a:fontRef idx="minor">
+            <a:schemeClr val="lt1"/>
+          </a:fontRef>
+        </p:style>
+        <p:txBody>
+          <a:bodyPr rtlCol="0" anchor="ctr"/>
+          <a:lstStyle/>
+          <a:p>
+            <a:pPr algn="ctr"/>
+            <a:r>
+              <a:rPr kumimoji="1" lang="zh-CN" altLang="en-US">
+                <a:solidFill>
+                  <a:schemeClr val="tx1"/>
+                </a:solidFill>
+              </a:rPr>
+              <a:t>接口定义</a:t>
+            </a:r>
+          </a:p>
+        </p:txBody>
+      </p:sp>
+      <p:sp>
+        <p:nvSpPr>
+          <p:cNvPr id="35" name="文本框 34">
+            <a:extLst>
+              <a:ext uri="{FF2B5EF4-FFF2-40B4-BE49-F238E27FC236}">
+                <a16:creationId xmlns:a16="http://schemas.microsoft.com/office/drawing/2014/main" id="{872382E2-B17A-AE4E-A27A-688F56C541B7}"/>
+              </a:ext>
+            </a:extLst>
+          </p:cNvPr>
+          <p:cNvSpPr txBox="1"/>
+          <p:nvPr/>
+        </p:nvSpPr>
+        <p:spPr>
+          <a:xfrm>
+            <a:off x="3519704" y="56862"/>
+            <a:ext cx="1450164" cy="338554"/>
+          </a:xfrm>
+          <a:prstGeom prst="rect">
+            <a:avLst/>
+          </a:prstGeom>
+          <a:noFill/>
+        </p:spPr>
+        <p:txBody>
+          <a:bodyPr wrap="square" rtlCol="0">
+            <a:spAutoFit/>
+          </a:bodyPr>
+          <a:lstStyle/>
+          <a:p>
+            <a:r>
+              <a:rPr kumimoji="1" lang="zh-CN" altLang="en-US" sz="800"/>
+              <a:t>逻辑包装、编排、任务，领域事件的发布和订阅</a:t>
+            </a:r>
+          </a:p>
+        </p:txBody>
+      </p:sp>
+      <p:sp>
+        <p:nvSpPr>
+          <p:cNvPr id="36" name="文本框 35">
+            <a:extLst>
+              <a:ext uri="{FF2B5EF4-FFF2-40B4-BE49-F238E27FC236}">
+                <a16:creationId xmlns:a16="http://schemas.microsoft.com/office/drawing/2014/main" id="{010D942B-DA8C-7C4D-9F69-828C8A418F99}"/>
+              </a:ext>
+            </a:extLst>
+          </p:cNvPr>
+          <p:cNvSpPr txBox="1"/>
+          <p:nvPr/>
+        </p:nvSpPr>
+        <p:spPr>
+          <a:xfrm>
+            <a:off x="3517338" y="670069"/>
+            <a:ext cx="1441870" cy="338554"/>
+          </a:xfrm>
+          <a:prstGeom prst="rect">
+            <a:avLst/>
+          </a:prstGeom>
+          <a:noFill/>
+        </p:spPr>
+        <p:txBody>
+          <a:bodyPr wrap="square" rtlCol="0">
+            <a:spAutoFit/>
+          </a:bodyPr>
+          <a:lstStyle/>
+          <a:p>
+            <a:r>
+              <a:rPr kumimoji="1" lang="zh-CN" altLang="en-US" sz="800"/>
+              <a:t>定义通用返回对象、常量、枚举、异常</a:t>
+            </a:r>
+          </a:p>
+        </p:txBody>
+      </p:sp>
+      <p:sp>
+        <p:nvSpPr>
+          <p:cNvPr id="37" name="文本框 36">
+            <a:extLst>
+              <a:ext uri="{FF2B5EF4-FFF2-40B4-BE49-F238E27FC236}">
+                <a16:creationId xmlns:a16="http://schemas.microsoft.com/office/drawing/2014/main" id="{3F81A7D7-A387-2A41-8AEF-E3B13F14325F}"/>
+              </a:ext>
+            </a:extLst>
+          </p:cNvPr>
+          <p:cNvSpPr txBox="1"/>
+          <p:nvPr/>
+        </p:nvSpPr>
+        <p:spPr>
+          <a:xfrm>
+            <a:off x="3517336" y="1282018"/>
+            <a:ext cx="1441870" cy="338554"/>
+          </a:xfrm>
+          <a:prstGeom prst="rect">
+            <a:avLst/>
+          </a:prstGeom>
+          <a:noFill/>
+        </p:spPr>
+        <p:txBody>
+          <a:bodyPr wrap="square" rtlCol="0">
+            <a:spAutoFit/>
+          </a:bodyPr>
+          <a:lstStyle/>
+          <a:p>
+            <a:r>
+              <a:rPr kumimoji="1" lang="zh-CN" altLang="en-US" sz="800"/>
+              <a:t>封装具体的业务领域功能实现，它们是聚合、充血的</a:t>
+            </a:r>
+          </a:p>
+        </p:txBody>
+      </p:sp>
+      <p:sp>
+        <p:nvSpPr>
+          <p:cNvPr id="38" name="文本框 37">
+            <a:extLst>
+              <a:ext uri="{FF2B5EF4-FFF2-40B4-BE49-F238E27FC236}">
+                <a16:creationId xmlns:a16="http://schemas.microsoft.com/office/drawing/2014/main" id="{154AB288-EC70-5147-9493-E3DAC4D9D5C5}"/>
+              </a:ext>
+            </a:extLst>
+          </p:cNvPr>
+          <p:cNvSpPr txBox="1"/>
+          <p:nvPr/>
+        </p:nvSpPr>
+        <p:spPr>
+          <a:xfrm>
+            <a:off x="3519936" y="1891656"/>
+            <a:ext cx="1441870" cy="338554"/>
+          </a:xfrm>
+          <a:prstGeom prst="rect">
+            <a:avLst/>
+          </a:prstGeom>
+          <a:noFill/>
+        </p:spPr>
+        <p:txBody>
+          <a:bodyPr wrap="square" rtlCol="0">
+            <a:spAutoFit/>
+          </a:bodyPr>
+          <a:lstStyle/>
+          <a:p>
+            <a:r>
+              <a:rPr kumimoji="1" lang="zh-CN" altLang="en-US" sz="800"/>
+              <a:t>提供基础的功能服务，包括：数据库、</a:t>
+            </a:r>
+            <a:r>
+              <a:rPr kumimoji="1" lang="en-US" altLang="zh-CN" sz="800"/>
+              <a:t>Redis</a:t>
+            </a:r>
+            <a:r>
+              <a:rPr kumimoji="1" lang="zh-CN" altLang="en-US" sz="800"/>
+              <a:t>、</a:t>
+            </a:r>
+            <a:r>
+              <a:rPr kumimoji="1" lang="en-US" altLang="zh-CN" sz="800"/>
+              <a:t>ES</a:t>
+            </a:r>
+            <a:r>
+              <a:rPr kumimoji="1" lang="zh-CN" altLang="en-US" sz="800"/>
+              <a:t>等</a:t>
+            </a:r>
+          </a:p>
+        </p:txBody>
+      </p:sp>
+      <p:sp>
+        <p:nvSpPr>
+          <p:cNvPr id="39" name="文本框 38">
+            <a:extLst>
+              <a:ext uri="{FF2B5EF4-FFF2-40B4-BE49-F238E27FC236}">
+                <a16:creationId xmlns:a16="http://schemas.microsoft.com/office/drawing/2014/main" id="{8AB22260-78B5-CD40-AEC2-AB62C3B4710C}"/>
+              </a:ext>
+            </a:extLst>
+          </p:cNvPr>
+          <p:cNvSpPr txBox="1"/>
+          <p:nvPr/>
+        </p:nvSpPr>
+        <p:spPr>
+          <a:xfrm>
+            <a:off x="3517336" y="2501294"/>
+            <a:ext cx="1441870" cy="338554"/>
+          </a:xfrm>
+          <a:prstGeom prst="rect">
+            <a:avLst/>
+          </a:prstGeom>
+          <a:noFill/>
+        </p:spPr>
+        <p:txBody>
+          <a:bodyPr wrap="square" rtlCol="0">
+            <a:spAutoFit/>
+          </a:bodyPr>
+          <a:lstStyle/>
+          <a:p>
+            <a:r>
+              <a:rPr kumimoji="1" lang="zh-CN" altLang="en-US" sz="800"/>
+              <a:t>实现</a:t>
+            </a:r>
+            <a:r>
+              <a:rPr kumimoji="1" lang="en-US" altLang="zh-CN" sz="800"/>
+              <a:t>RPC</a:t>
+            </a:r>
+            <a:r>
+              <a:rPr kumimoji="1" lang="zh-CN" altLang="en-US" sz="800"/>
+              <a:t>接口定义，引入应用层服务，封装具体的接口</a:t>
+            </a:r>
+          </a:p>
+        </p:txBody>
+      </p:sp>
+      <p:sp>
+        <p:nvSpPr>
+          <p:cNvPr id="40" name="文本框 39">
+            <a:extLst>
+              <a:ext uri="{FF2B5EF4-FFF2-40B4-BE49-F238E27FC236}">
+                <a16:creationId xmlns:a16="http://schemas.microsoft.com/office/drawing/2014/main" id="{44A6EAE8-21C7-D64C-A027-2C0643FDA406}"/>
+              </a:ext>
+            </a:extLst>
+          </p:cNvPr>
+          <p:cNvSpPr txBox="1"/>
+          <p:nvPr/>
+        </p:nvSpPr>
+        <p:spPr>
+          <a:xfrm>
+            <a:off x="3517336" y="3122892"/>
+            <a:ext cx="1441870" cy="338554"/>
+          </a:xfrm>
+          <a:prstGeom prst="rect">
+            <a:avLst/>
+          </a:prstGeom>
+          <a:noFill/>
+        </p:spPr>
+        <p:txBody>
+          <a:bodyPr wrap="square" rtlCol="0">
+            <a:spAutoFit/>
+          </a:bodyPr>
+          <a:lstStyle/>
+          <a:p>
+            <a:r>
+              <a:rPr kumimoji="1" lang="zh-CN" altLang="en-US" sz="800"/>
+              <a:t>描述 </a:t>
+            </a:r>
+            <a:r>
+              <a:rPr kumimoji="1" lang="en-US" altLang="zh-CN" sz="800"/>
+              <a:t>RPC</a:t>
+            </a:r>
+            <a:r>
+              <a:rPr kumimoji="1" lang="zh-CN" altLang="en-US" sz="800"/>
+              <a:t> 接口文件，用于打包后外部引入</a:t>
+            </a:r>
+            <a:r>
+              <a:rPr kumimoji="1" lang="en-US" altLang="zh-CN" sz="800"/>
+              <a:t>POM</a:t>
+            </a:r>
+            <a:r>
+              <a:rPr kumimoji="1" lang="zh-CN" altLang="en-US" sz="800"/>
+              <a:t>配置</a:t>
+            </a:r>
+          </a:p>
+        </p:txBody>
+      </p:sp>
+    </p:spTree>
+    <p:extLst>
+      <p:ext uri="{BB962C8B-B14F-4D97-AF65-F5344CB8AC3E}">
+        <p14:creationId xmlns:p14="http://schemas.microsoft.com/office/powerpoint/2010/main" val="3607008414"/>
       </p:ext>
     </p:extLst>
   </p:cSld>

--- a/doc/assets/ppt/系统设计.pptx
+++ b/doc/assets/ppt/系统设计.pptx
@@ -5,7 +5,7 @@
     <p:sldMasterId id="2147483648" r:id="rId1"/>
   </p:sldMasterIdLst>
   <p:notesMasterIdLst>
-    <p:notesMasterId r:id="rId8"/>
+    <p:notesMasterId r:id="rId12"/>
   </p:notesMasterIdLst>
   <p:sldIdLst>
     <p:sldId id="287" r:id="rId2"/>
@@ -14,6 +14,10 @@
     <p:sldId id="290" r:id="rId5"/>
     <p:sldId id="292" r:id="rId6"/>
     <p:sldId id="291" r:id="rId7"/>
+    <p:sldId id="293" r:id="rId8"/>
+    <p:sldId id="299" r:id="rId9"/>
+    <p:sldId id="297" r:id="rId10"/>
+    <p:sldId id="298" r:id="rId11"/>
   </p:sldIdLst>
   <p:sldSz cx="5040313" cy="3600450"/>
   <p:notesSz cx="6858000" cy="9144000"/>
@@ -129,6 +133,14 @@
             <p14:sldId id="291"/>
           </p14:sldIdLst>
         </p14:section>
+        <p14:section name="第3节：跑通广播模式RPC过程调用" id="{82EEE277-78AA-0944-B590-3456F49B409C}">
+          <p14:sldIdLst>
+            <p14:sldId id="293"/>
+            <p14:sldId id="299"/>
+            <p14:sldId id="297"/>
+            <p14:sldId id="298"/>
+          </p14:sldIdLst>
+        </p14:section>
       </p14:sectionLst>
     </p:ext>
     <p:ext uri="{EFAFB233-063F-42B5-8137-9DF3F51BA10A}">
@@ -232,7 +244,7 @@
           <a:p>
             <a:fld id="{E47FC481-15AF-45CA-8376-B9BCE636A15E}" type="datetimeFigureOut">
               <a:rPr lang="zh-CN" altLang="en-US" smtClean="0"/>
-              <a:t>2021/10/2</a:t>
+              <a:t>2021/10/5</a:t>
             </a:fld>
             <a:endParaRPr lang="zh-CN" altLang="en-US"/>
           </a:p>
@@ -642,7 +654,7 @@
           <a:p>
             <a:fld id="{DCD554A7-7CC4-40A9-A60E-4E72AAE3CDC5}" type="datetimeFigureOut">
               <a:rPr lang="zh-CN" altLang="en-US" smtClean="0"/>
-              <a:t>2021/10/2</a:t>
+              <a:t>2021/10/5</a:t>
             </a:fld>
             <a:endParaRPr lang="zh-CN" altLang="en-US"/>
           </a:p>
@@ -850,7 +862,7 @@
           <a:p>
             <a:fld id="{DCD554A7-7CC4-40A9-A60E-4E72AAE3CDC5}" type="datetimeFigureOut">
               <a:rPr lang="zh-CN" altLang="en-US" smtClean="0"/>
-              <a:t>2021/10/2</a:t>
+              <a:t>2021/10/5</a:t>
             </a:fld>
             <a:endParaRPr lang="zh-CN" altLang="en-US"/>
           </a:p>
@@ -1058,7 +1070,7 @@
           <a:p>
             <a:fld id="{DCD554A7-7CC4-40A9-A60E-4E72AAE3CDC5}" type="datetimeFigureOut">
               <a:rPr lang="zh-CN" altLang="en-US" smtClean="0"/>
-              <a:t>2021/10/2</a:t>
+              <a:t>2021/10/5</a:t>
             </a:fld>
             <a:endParaRPr lang="zh-CN" altLang="en-US"/>
           </a:p>
@@ -1266,7 +1278,7 @@
           <a:p>
             <a:fld id="{DCD554A7-7CC4-40A9-A60E-4E72AAE3CDC5}" type="datetimeFigureOut">
               <a:rPr lang="zh-CN" altLang="en-US" smtClean="0"/>
-              <a:t>2021/10/2</a:t>
+              <a:t>2021/10/5</a:t>
             </a:fld>
             <a:endParaRPr lang="zh-CN" altLang="en-US"/>
           </a:p>
@@ -1541,7 +1553,7 @@
           <a:p>
             <a:fld id="{DCD554A7-7CC4-40A9-A60E-4E72AAE3CDC5}" type="datetimeFigureOut">
               <a:rPr lang="zh-CN" altLang="en-US" smtClean="0"/>
-              <a:t>2021/10/2</a:t>
+              <a:t>2021/10/5</a:t>
             </a:fld>
             <a:endParaRPr lang="zh-CN" altLang="en-US"/>
           </a:p>
@@ -1808,7 +1820,7 @@
           <a:p>
             <a:fld id="{DCD554A7-7CC4-40A9-A60E-4E72AAE3CDC5}" type="datetimeFigureOut">
               <a:rPr lang="zh-CN" altLang="en-US" smtClean="0"/>
-              <a:t>2021/10/2</a:t>
+              <a:t>2021/10/5</a:t>
             </a:fld>
             <a:endParaRPr lang="zh-CN" altLang="en-US"/>
           </a:p>
@@ -2211,7 +2223,7 @@
           <a:p>
             <a:fld id="{DCD554A7-7CC4-40A9-A60E-4E72AAE3CDC5}" type="datetimeFigureOut">
               <a:rPr lang="zh-CN" altLang="en-US" smtClean="0"/>
-              <a:t>2021/10/2</a:t>
+              <a:t>2021/10/5</a:t>
             </a:fld>
             <a:endParaRPr lang="zh-CN" altLang="en-US"/>
           </a:p>
@@ -2360,7 +2372,7 @@
           <a:p>
             <a:fld id="{DCD554A7-7CC4-40A9-A60E-4E72AAE3CDC5}" type="datetimeFigureOut">
               <a:rPr lang="zh-CN" altLang="en-US" smtClean="0"/>
-              <a:t>2021/10/2</a:t>
+              <a:t>2021/10/5</a:t>
             </a:fld>
             <a:endParaRPr lang="zh-CN" altLang="en-US"/>
           </a:p>
@@ -2479,7 +2491,7 @@
           <a:p>
             <a:fld id="{DCD554A7-7CC4-40A9-A60E-4E72AAE3CDC5}" type="datetimeFigureOut">
               <a:rPr lang="zh-CN" altLang="en-US" smtClean="0"/>
-              <a:t>2021/10/2</a:t>
+              <a:t>2021/10/5</a:t>
             </a:fld>
             <a:endParaRPr lang="zh-CN" altLang="en-US"/>
           </a:p>
@@ -2787,7 +2799,7 @@
           <a:p>
             <a:fld id="{DCD554A7-7CC4-40A9-A60E-4E72AAE3CDC5}" type="datetimeFigureOut">
               <a:rPr lang="zh-CN" altLang="en-US" smtClean="0"/>
-              <a:t>2021/10/2</a:t>
+              <a:t>2021/10/5</a:t>
             </a:fld>
             <a:endParaRPr lang="zh-CN" altLang="en-US"/>
           </a:p>
@@ -3072,7 +3084,7 @@
           <a:p>
             <a:fld id="{DCD554A7-7CC4-40A9-A60E-4E72AAE3CDC5}" type="datetimeFigureOut">
               <a:rPr lang="zh-CN" altLang="en-US" smtClean="0"/>
-              <a:t>2021/10/2</a:t>
+              <a:t>2021/10/5</a:t>
             </a:fld>
             <a:endParaRPr lang="zh-CN" altLang="en-US"/>
           </a:p>
@@ -7568,6 +7580,72 @@
 </p:sld>
 </file>
 
+<file path=ppt/slides/slide10.xml><?xml version="1.0" encoding="utf-8"?>
+<p:sld xmlns:a="http://schemas.openxmlformats.org/drawingml/2006/main" xmlns:r="http://schemas.openxmlformats.org/officeDocument/2006/relationships" xmlns:p="http://schemas.openxmlformats.org/presentationml/2006/main">
+  <p:cSld>
+    <p:spTree>
+      <p:nvGrpSpPr>
+        <p:cNvPr id="1" name=""/>
+        <p:cNvGrpSpPr/>
+        <p:nvPr/>
+      </p:nvGrpSpPr>
+      <p:grpSpPr>
+        <a:xfrm>
+          <a:off x="0" y="0"/>
+          <a:ext cx="0" cy="0"/>
+          <a:chOff x="0" y="0"/>
+          <a:chExt cx="0" cy="0"/>
+        </a:xfrm>
+      </p:grpSpPr>
+      <p:pic>
+        <p:nvPicPr>
+          <p:cNvPr id="3" name="图片 2">
+            <a:extLst>
+              <a:ext uri="{FF2B5EF4-FFF2-40B4-BE49-F238E27FC236}">
+                <a16:creationId xmlns:a16="http://schemas.microsoft.com/office/drawing/2014/main" id="{4324CA60-5973-864A-9474-F876085141DA}"/>
+              </a:ext>
+            </a:extLst>
+          </p:cNvPr>
+          <p:cNvPicPr>
+            <a:picLocks noChangeAspect="1"/>
+          </p:cNvPicPr>
+          <p:nvPr/>
+        </p:nvPicPr>
+        <p:blipFill>
+          <a:blip r:embed="rId2">
+            <a:extLst>
+              <a:ext uri="{28A0092B-C50C-407E-A947-70E740481C1C}">
+                <a14:useLocalDpi xmlns:a14="http://schemas.microsoft.com/office/drawing/2010/main" val="0"/>
+              </a:ext>
+            </a:extLst>
+          </a:blip>
+          <a:stretch>
+            <a:fillRect/>
+          </a:stretch>
+        </p:blipFill>
+        <p:spPr>
+          <a:xfrm>
+            <a:off x="0" y="180368"/>
+            <a:ext cx="5040313" cy="3239714"/>
+          </a:xfrm>
+          <a:prstGeom prst="rect">
+            <a:avLst/>
+          </a:prstGeom>
+        </p:spPr>
+      </p:pic>
+    </p:spTree>
+    <p:extLst>
+      <p:ext uri="{BB962C8B-B14F-4D97-AF65-F5344CB8AC3E}">
+        <p14:creationId xmlns:p14="http://schemas.microsoft.com/office/powerpoint/2010/main" val="121201205"/>
+      </p:ext>
+    </p:extLst>
+  </p:cSld>
+  <p:clrMapOvr>
+    <a:masterClrMapping/>
+  </p:clrMapOvr>
+</p:sld>
+</file>
+
 <file path=ppt/slides/slide2.xml><?xml version="1.0" encoding="utf-8"?>
 <p:sld xmlns:a="http://schemas.openxmlformats.org/drawingml/2006/main" xmlns:r="http://schemas.openxmlformats.org/officeDocument/2006/relationships" xmlns:p="http://schemas.openxmlformats.org/presentationml/2006/main">
   <p:cSld>
@@ -13965,6 +14043,2959 @@
     <p:extLst>
       <p:ext uri="{BB962C8B-B14F-4D97-AF65-F5344CB8AC3E}">
         <p14:creationId xmlns:p14="http://schemas.microsoft.com/office/powerpoint/2010/main" val="3607008414"/>
+      </p:ext>
+    </p:extLst>
+  </p:cSld>
+  <p:clrMapOvr>
+    <a:masterClrMapping/>
+  </p:clrMapOvr>
+</p:sld>
+</file>
+
+<file path=ppt/slides/slide7.xml><?xml version="1.0" encoding="utf-8"?>
+<p:sld xmlns:a="http://schemas.openxmlformats.org/drawingml/2006/main" xmlns:r="http://schemas.openxmlformats.org/officeDocument/2006/relationships" xmlns:p="http://schemas.openxmlformats.org/presentationml/2006/main">
+  <p:cSld>
+    <p:spTree>
+      <p:nvGrpSpPr>
+        <p:cNvPr id="1" name=""/>
+        <p:cNvGrpSpPr/>
+        <p:nvPr/>
+      </p:nvGrpSpPr>
+      <p:grpSpPr>
+        <a:xfrm>
+          <a:off x="0" y="0"/>
+          <a:ext cx="0" cy="0"/>
+          <a:chOff x="0" y="0"/>
+          <a:chExt cx="0" cy="0"/>
+        </a:xfrm>
+      </p:grpSpPr>
+      <p:sp>
+        <p:nvSpPr>
+          <p:cNvPr id="3" name="矩形 2">
+            <a:extLst>
+              <a:ext uri="{FF2B5EF4-FFF2-40B4-BE49-F238E27FC236}">
+                <a16:creationId xmlns:a16="http://schemas.microsoft.com/office/drawing/2014/main" id="{01E47C42-3A0F-AE4F-9D52-DD7C0E71E04A}"/>
+              </a:ext>
+            </a:extLst>
+          </p:cNvPr>
+          <p:cNvSpPr/>
+          <p:nvPr/>
+        </p:nvSpPr>
+        <p:spPr>
+          <a:xfrm>
+            <a:off x="1" y="1129755"/>
+            <a:ext cx="5040312" cy="400110"/>
+          </a:xfrm>
+          <a:prstGeom prst="rect">
+            <a:avLst/>
+          </a:prstGeom>
+        </p:spPr>
+        <p:txBody>
+          <a:bodyPr wrap="square">
+            <a:spAutoFit/>
+          </a:bodyPr>
+          <a:lstStyle/>
+          <a:p>
+            <a:pPr algn="ctr"/>
+            <a:r>
+              <a:rPr lang="zh-CN" altLang="en-US" sz="2000"/>
+              <a:t>第</a:t>
+            </a:r>
+            <a:r>
+              <a:rPr lang="en-US" altLang="zh-CN" sz="2000"/>
+              <a:t>03</a:t>
+            </a:r>
+            <a:r>
+              <a:rPr lang="zh-CN" altLang="en-US" sz="2000"/>
+              <a:t>节：跑通广播模式</a:t>
+            </a:r>
+            <a:r>
+              <a:rPr lang="en" altLang="zh-CN" sz="2000"/>
+              <a:t>RPC</a:t>
+            </a:r>
+            <a:r>
+              <a:rPr lang="zh-CN" altLang="en-US" sz="2000"/>
+              <a:t>过程调用</a:t>
+            </a:r>
+          </a:p>
+        </p:txBody>
+      </p:sp>
+      <p:sp>
+        <p:nvSpPr>
+          <p:cNvPr id="4" name="矩形 3">
+            <a:extLst>
+              <a:ext uri="{FF2B5EF4-FFF2-40B4-BE49-F238E27FC236}">
+                <a16:creationId xmlns:a16="http://schemas.microsoft.com/office/drawing/2014/main" id="{31CE80CA-2BA5-E542-9559-C9580D28C4F6}"/>
+              </a:ext>
+            </a:extLst>
+          </p:cNvPr>
+          <p:cNvSpPr/>
+          <p:nvPr/>
+        </p:nvSpPr>
+        <p:spPr>
+          <a:xfrm>
+            <a:off x="200173" y="2079738"/>
+            <a:ext cx="4639962" cy="415498"/>
+          </a:xfrm>
+          <a:prstGeom prst="rect">
+            <a:avLst/>
+          </a:prstGeom>
+        </p:spPr>
+        <p:txBody>
+          <a:bodyPr wrap="square">
+            <a:spAutoFit/>
+          </a:bodyPr>
+          <a:lstStyle/>
+          <a:p>
+            <a:r>
+              <a:rPr lang="zh-CN" altLang="en-US" sz="700">
+                <a:latin typeface="+mj-ea"/>
+                <a:ea typeface="+mj-ea"/>
+              </a:rPr>
+              <a:t>当基础的工程模块创建完成以后，还需要给整个工程注入灵魂，就是让它可以跑通。这个过程包括一个简单的 </a:t>
+            </a:r>
+            <a:r>
+              <a:rPr lang="en" altLang="zh-CN" sz="700">
+                <a:latin typeface="+mj-ea"/>
+                <a:ea typeface="+mj-ea"/>
+              </a:rPr>
+              <a:t>RPC </a:t>
+            </a:r>
+            <a:r>
+              <a:rPr lang="zh-CN" altLang="en-US" sz="700">
+                <a:latin typeface="+mj-ea"/>
+                <a:ea typeface="+mj-ea"/>
+              </a:rPr>
+              <a:t>接口功能实现和测试调用，那么这里为了让功能体现出一个完整度，还会创建出一个库表在 </a:t>
+            </a:r>
+            <a:r>
+              <a:rPr lang="en" altLang="zh-CN" sz="700">
+                <a:latin typeface="+mj-ea"/>
+                <a:ea typeface="+mj-ea"/>
+              </a:rPr>
+              <a:t>RPC </a:t>
+            </a:r>
+            <a:r>
+              <a:rPr lang="zh-CN" altLang="en-US" sz="700">
+                <a:latin typeface="+mj-ea"/>
+                <a:ea typeface="+mj-ea"/>
+              </a:rPr>
+              <a:t>调用的时候查询出库表中的数据并🔙返回结果。那么在这个分支上我们就先来完成这样一个内容的实现。</a:t>
+            </a:r>
+            <a:endParaRPr lang="zh-CN" altLang="en-US" sz="600">
+              <a:latin typeface="+mj-ea"/>
+              <a:ea typeface="+mj-ea"/>
+            </a:endParaRPr>
+          </a:p>
+        </p:txBody>
+      </p:sp>
+      <p:pic>
+        <p:nvPicPr>
+          <p:cNvPr id="8" name="图片 7">
+            <a:extLst>
+              <a:ext uri="{FF2B5EF4-FFF2-40B4-BE49-F238E27FC236}">
+                <a16:creationId xmlns:a16="http://schemas.microsoft.com/office/drawing/2014/main" id="{4F173770-1585-0940-8F8D-C6860B699192}"/>
+              </a:ext>
+            </a:extLst>
+          </p:cNvPr>
+          <p:cNvPicPr>
+            <a:picLocks noChangeAspect="1"/>
+          </p:cNvPicPr>
+          <p:nvPr/>
+        </p:nvPicPr>
+        <p:blipFill>
+          <a:blip r:embed="rId2">
+            <a:extLst>
+              <a:ext uri="{28A0092B-C50C-407E-A947-70E740481C1C}">
+                <a14:useLocalDpi xmlns:a14="http://schemas.microsoft.com/office/drawing/2010/main" val="0"/>
+              </a:ext>
+            </a:extLst>
+          </a:blip>
+          <a:srcRect/>
+          <a:stretch/>
+        </p:blipFill>
+        <p:spPr>
+          <a:xfrm>
+            <a:off x="2056482" y="166225"/>
+            <a:ext cx="927348" cy="927348"/>
+          </a:xfrm>
+          <a:prstGeom prst="rect">
+            <a:avLst/>
+          </a:prstGeom>
+        </p:spPr>
+      </p:pic>
+      <p:sp>
+        <p:nvSpPr>
+          <p:cNvPr id="11" name="矩形 10">
+            <a:extLst>
+              <a:ext uri="{FF2B5EF4-FFF2-40B4-BE49-F238E27FC236}">
+                <a16:creationId xmlns:a16="http://schemas.microsoft.com/office/drawing/2014/main" id="{3BFD82CE-F64F-3D4E-A4C8-923660A6B63B}"/>
+              </a:ext>
+            </a:extLst>
+          </p:cNvPr>
+          <p:cNvSpPr/>
+          <p:nvPr/>
+        </p:nvSpPr>
+        <p:spPr>
+          <a:xfrm>
+            <a:off x="0" y="56260"/>
+            <a:ext cx="1011815" cy="338554"/>
+          </a:xfrm>
+          <a:prstGeom prst="rect">
+            <a:avLst/>
+          </a:prstGeom>
+          <a:noFill/>
+        </p:spPr>
+        <p:txBody>
+          <a:bodyPr wrap="none" lIns="91440" tIns="45720" rIns="91440" bIns="45720">
+            <a:spAutoFit/>
+          </a:bodyPr>
+          <a:lstStyle/>
+          <a:p>
+            <a:pPr algn="ctr"/>
+            <a:r>
+              <a:rPr lang="zh-CN" altLang="en-US" sz="1600" b="1" cap="none" spc="0">
+                <a:ln w="12700">
+                  <a:solidFill>
+                    <a:schemeClr val="accent5"/>
+                  </a:solidFill>
+                  <a:prstDash val="solid"/>
+                </a:ln>
+                <a:pattFill prst="ltDnDiag">
+                  <a:fgClr>
+                    <a:schemeClr val="accent5">
+                      <a:lumMod val="60000"/>
+                      <a:lumOff val="40000"/>
+                    </a:schemeClr>
+                  </a:fgClr>
+                  <a:bgClr>
+                    <a:schemeClr val="bg1"/>
+                  </a:bgClr>
+                </a:pattFill>
+                <a:effectLst/>
+              </a:rPr>
+              <a:t>抽奖系统</a:t>
+            </a:r>
+          </a:p>
+        </p:txBody>
+      </p:sp>
+      <p:sp>
+        <p:nvSpPr>
+          <p:cNvPr id="2" name="文本框 1">
+            <a:extLst>
+              <a:ext uri="{FF2B5EF4-FFF2-40B4-BE49-F238E27FC236}">
+                <a16:creationId xmlns:a16="http://schemas.microsoft.com/office/drawing/2014/main" id="{6C65CC2B-1752-CF45-8DA5-826F41FAEE6E}"/>
+              </a:ext>
+            </a:extLst>
+          </p:cNvPr>
+          <p:cNvSpPr txBox="1"/>
+          <p:nvPr/>
+        </p:nvSpPr>
+        <p:spPr>
+          <a:xfrm>
+            <a:off x="200173" y="2741577"/>
+            <a:ext cx="3556020" cy="238848"/>
+          </a:xfrm>
+          <a:prstGeom prst="rect">
+            <a:avLst/>
+          </a:prstGeom>
+          <a:noFill/>
+        </p:spPr>
+        <p:txBody>
+          <a:bodyPr wrap="square" rtlCol="0">
+            <a:spAutoFit/>
+          </a:bodyPr>
+          <a:lstStyle/>
+          <a:p>
+            <a:r>
+              <a:rPr kumimoji="1" lang="zh-CN" altLang="en-US" b="1"/>
+              <a:t>目标</a:t>
+            </a:r>
+            <a:r>
+              <a:rPr kumimoji="1" lang="zh-CN" altLang="en-US"/>
+              <a:t>：在</a:t>
+            </a:r>
+            <a:r>
+              <a:rPr kumimoji="1" lang="en-US" altLang="zh-CN"/>
+              <a:t>A</a:t>
+            </a:r>
+            <a:r>
+              <a:rPr kumimoji="1" lang="zh-CN" altLang="en-US"/>
+              <a:t>应用上提供服务，在</a:t>
+            </a:r>
+            <a:r>
+              <a:rPr kumimoji="1" lang="en-US" altLang="zh-CN"/>
+              <a:t>B</a:t>
+            </a:r>
+            <a:r>
+              <a:rPr kumimoji="1" lang="zh-CN" altLang="en-US"/>
+              <a:t>应用上调用</a:t>
+            </a:r>
+            <a:r>
+              <a:rPr kumimoji="1" lang="en-US" altLang="zh-CN"/>
+              <a:t>A</a:t>
+            </a:r>
+            <a:r>
+              <a:rPr kumimoji="1" lang="zh-CN" altLang="en-US"/>
+              <a:t>应用的服务</a:t>
+            </a:r>
+          </a:p>
+        </p:txBody>
+      </p:sp>
+    </p:spTree>
+    <p:extLst>
+      <p:ext uri="{BB962C8B-B14F-4D97-AF65-F5344CB8AC3E}">
+        <p14:creationId xmlns:p14="http://schemas.microsoft.com/office/powerpoint/2010/main" val="4194340280"/>
+      </p:ext>
+    </p:extLst>
+  </p:cSld>
+  <p:clrMapOvr>
+    <a:masterClrMapping/>
+  </p:clrMapOvr>
+</p:sld>
+</file>
+
+<file path=ppt/slides/slide8.xml><?xml version="1.0" encoding="utf-8"?>
+<p:sld xmlns:a="http://schemas.openxmlformats.org/drawingml/2006/main" xmlns:r="http://schemas.openxmlformats.org/officeDocument/2006/relationships" xmlns:p="http://schemas.openxmlformats.org/presentationml/2006/main">
+  <p:cSld>
+    <p:spTree>
+      <p:nvGrpSpPr>
+        <p:cNvPr id="1" name=""/>
+        <p:cNvGrpSpPr/>
+        <p:nvPr/>
+      </p:nvGrpSpPr>
+      <p:grpSpPr>
+        <a:xfrm>
+          <a:off x="0" y="0"/>
+          <a:ext cx="0" cy="0"/>
+          <a:chOff x="0" y="0"/>
+          <a:chExt cx="0" cy="0"/>
+        </a:xfrm>
+      </p:grpSpPr>
+      <p:sp>
+        <p:nvSpPr>
+          <p:cNvPr id="2" name="圆角矩形 1">
+            <a:extLst>
+              <a:ext uri="{FF2B5EF4-FFF2-40B4-BE49-F238E27FC236}">
+                <a16:creationId xmlns:a16="http://schemas.microsoft.com/office/drawing/2014/main" id="{4327BE60-E500-E447-8F07-9A7DCC58DB98}"/>
+              </a:ext>
+            </a:extLst>
+          </p:cNvPr>
+          <p:cNvSpPr/>
+          <p:nvPr/>
+        </p:nvSpPr>
+        <p:spPr>
+          <a:xfrm>
+            <a:off x="827315" y="1810144"/>
+            <a:ext cx="485192" cy="485192"/>
+          </a:xfrm>
+          <a:prstGeom prst="roundRect">
+            <a:avLst>
+              <a:gd name="adj" fmla="val 11111"/>
+            </a:avLst>
+          </a:prstGeom>
+          <a:solidFill>
+            <a:srgbClr val="006666"/>
+          </a:solidFill>
+          <a:ln>
+            <a:noFill/>
+          </a:ln>
+        </p:spPr>
+        <p:style>
+          <a:lnRef idx="2">
+            <a:schemeClr val="accent1">
+              <a:shade val="50000"/>
+            </a:schemeClr>
+          </a:lnRef>
+          <a:fillRef idx="1">
+            <a:schemeClr val="accent1"/>
+          </a:fillRef>
+          <a:effectRef idx="0">
+            <a:schemeClr val="accent1"/>
+          </a:effectRef>
+          <a:fontRef idx="minor">
+            <a:schemeClr val="lt1"/>
+          </a:fontRef>
+        </p:style>
+        <p:txBody>
+          <a:bodyPr rtlCol="0" anchor="ctr"/>
+          <a:lstStyle/>
+          <a:p>
+            <a:pPr algn="ctr"/>
+            <a:r>
+              <a:rPr kumimoji="1" lang="en-US" altLang="zh-CN">
+                <a:solidFill>
+                  <a:schemeClr val="bg1"/>
+                </a:solidFill>
+              </a:rPr>
+              <a:t>RPC</a:t>
+            </a:r>
+          </a:p>
+        </p:txBody>
+      </p:sp>
+      <p:sp>
+        <p:nvSpPr>
+          <p:cNvPr id="3" name="圆角矩形 2">
+            <a:extLst>
+              <a:ext uri="{FF2B5EF4-FFF2-40B4-BE49-F238E27FC236}">
+                <a16:creationId xmlns:a16="http://schemas.microsoft.com/office/drawing/2014/main" id="{65226B2B-D12D-B44F-9137-8EE486FD4013}"/>
+              </a:ext>
+            </a:extLst>
+          </p:cNvPr>
+          <p:cNvSpPr/>
+          <p:nvPr/>
+        </p:nvSpPr>
+        <p:spPr>
+          <a:xfrm>
+            <a:off x="1738605" y="1810144"/>
+            <a:ext cx="485192" cy="485192"/>
+          </a:xfrm>
+          <a:prstGeom prst="roundRect">
+            <a:avLst>
+              <a:gd name="adj" fmla="val 11111"/>
+            </a:avLst>
+          </a:prstGeom>
+          <a:solidFill>
+            <a:srgbClr val="006666"/>
+          </a:solidFill>
+          <a:ln>
+            <a:noFill/>
+          </a:ln>
+        </p:spPr>
+        <p:style>
+          <a:lnRef idx="2">
+            <a:schemeClr val="accent1">
+              <a:shade val="50000"/>
+            </a:schemeClr>
+          </a:lnRef>
+          <a:fillRef idx="1">
+            <a:schemeClr val="accent1"/>
+          </a:fillRef>
+          <a:effectRef idx="0">
+            <a:schemeClr val="accent1"/>
+          </a:effectRef>
+          <a:fontRef idx="minor">
+            <a:schemeClr val="lt1"/>
+          </a:fontRef>
+        </p:style>
+        <p:txBody>
+          <a:bodyPr rtlCol="0" anchor="ctr"/>
+          <a:lstStyle/>
+          <a:p>
+            <a:pPr algn="ctr"/>
+            <a:r>
+              <a:rPr kumimoji="1" lang="en-US" altLang="zh-CN">
+                <a:solidFill>
+                  <a:schemeClr val="bg1"/>
+                </a:solidFill>
+              </a:rPr>
+              <a:t>RPC</a:t>
+            </a:r>
+          </a:p>
+        </p:txBody>
+      </p:sp>
+      <p:sp>
+        <p:nvSpPr>
+          <p:cNvPr id="4" name="圆角矩形 3">
+            <a:extLst>
+              <a:ext uri="{FF2B5EF4-FFF2-40B4-BE49-F238E27FC236}">
+                <a16:creationId xmlns:a16="http://schemas.microsoft.com/office/drawing/2014/main" id="{9D658C72-AC17-904D-96EB-A27FFEE74187}"/>
+              </a:ext>
+            </a:extLst>
+          </p:cNvPr>
+          <p:cNvSpPr/>
+          <p:nvPr/>
+        </p:nvSpPr>
+        <p:spPr>
+          <a:xfrm>
+            <a:off x="2649895" y="1810144"/>
+            <a:ext cx="485192" cy="485192"/>
+          </a:xfrm>
+          <a:prstGeom prst="roundRect">
+            <a:avLst>
+              <a:gd name="adj" fmla="val 11111"/>
+            </a:avLst>
+          </a:prstGeom>
+          <a:solidFill>
+            <a:srgbClr val="006666"/>
+          </a:solidFill>
+          <a:ln>
+            <a:noFill/>
+          </a:ln>
+        </p:spPr>
+        <p:style>
+          <a:lnRef idx="2">
+            <a:schemeClr val="accent1">
+              <a:shade val="50000"/>
+            </a:schemeClr>
+          </a:lnRef>
+          <a:fillRef idx="1">
+            <a:schemeClr val="accent1"/>
+          </a:fillRef>
+          <a:effectRef idx="0">
+            <a:schemeClr val="accent1"/>
+          </a:effectRef>
+          <a:fontRef idx="minor">
+            <a:schemeClr val="lt1"/>
+          </a:fontRef>
+        </p:style>
+        <p:txBody>
+          <a:bodyPr rtlCol="0" anchor="ctr"/>
+          <a:lstStyle/>
+          <a:p>
+            <a:pPr algn="ctr"/>
+            <a:r>
+              <a:rPr kumimoji="1" lang="en-US" altLang="zh-CN">
+                <a:solidFill>
+                  <a:schemeClr val="bg1"/>
+                </a:solidFill>
+              </a:rPr>
+              <a:t>RPC</a:t>
+            </a:r>
+          </a:p>
+        </p:txBody>
+      </p:sp>
+      <p:sp>
+        <p:nvSpPr>
+          <p:cNvPr id="5" name="圆角矩形 4">
+            <a:extLst>
+              <a:ext uri="{FF2B5EF4-FFF2-40B4-BE49-F238E27FC236}">
+                <a16:creationId xmlns:a16="http://schemas.microsoft.com/office/drawing/2014/main" id="{90F16359-F748-AA48-A22A-B88AFAE2E35D}"/>
+              </a:ext>
+            </a:extLst>
+          </p:cNvPr>
+          <p:cNvSpPr/>
+          <p:nvPr/>
+        </p:nvSpPr>
+        <p:spPr>
+          <a:xfrm>
+            <a:off x="3561185" y="1810144"/>
+            <a:ext cx="485192" cy="485192"/>
+          </a:xfrm>
+          <a:prstGeom prst="roundRect">
+            <a:avLst>
+              <a:gd name="adj" fmla="val 11111"/>
+            </a:avLst>
+          </a:prstGeom>
+          <a:solidFill>
+            <a:srgbClr val="006666"/>
+          </a:solidFill>
+          <a:ln>
+            <a:noFill/>
+          </a:ln>
+        </p:spPr>
+        <p:style>
+          <a:lnRef idx="2">
+            <a:schemeClr val="accent1">
+              <a:shade val="50000"/>
+            </a:schemeClr>
+          </a:lnRef>
+          <a:fillRef idx="1">
+            <a:schemeClr val="accent1"/>
+          </a:fillRef>
+          <a:effectRef idx="0">
+            <a:schemeClr val="accent1"/>
+          </a:effectRef>
+          <a:fontRef idx="minor">
+            <a:schemeClr val="lt1"/>
+          </a:fontRef>
+        </p:style>
+        <p:txBody>
+          <a:bodyPr rtlCol="0" anchor="ctr"/>
+          <a:lstStyle/>
+          <a:p>
+            <a:pPr algn="ctr"/>
+            <a:r>
+              <a:rPr kumimoji="1" lang="en-US" altLang="zh-CN">
+                <a:solidFill>
+                  <a:schemeClr val="bg1"/>
+                </a:solidFill>
+              </a:rPr>
+              <a:t>...</a:t>
+            </a:r>
+          </a:p>
+        </p:txBody>
+      </p:sp>
+      <p:sp>
+        <p:nvSpPr>
+          <p:cNvPr id="6" name="圆角矩形 5">
+            <a:extLst>
+              <a:ext uri="{FF2B5EF4-FFF2-40B4-BE49-F238E27FC236}">
+                <a16:creationId xmlns:a16="http://schemas.microsoft.com/office/drawing/2014/main" id="{5B80EC4A-5385-1C4A-B6EC-F3E2F15B28BA}"/>
+              </a:ext>
+            </a:extLst>
+          </p:cNvPr>
+          <p:cNvSpPr/>
+          <p:nvPr/>
+        </p:nvSpPr>
+        <p:spPr>
+          <a:xfrm>
+            <a:off x="827315" y="2621907"/>
+            <a:ext cx="485192" cy="485192"/>
+          </a:xfrm>
+          <a:prstGeom prst="roundRect">
+            <a:avLst>
+              <a:gd name="adj" fmla="val 11111"/>
+            </a:avLst>
+          </a:prstGeom>
+          <a:solidFill>
+            <a:srgbClr val="006666"/>
+          </a:solidFill>
+          <a:ln>
+            <a:noFill/>
+          </a:ln>
+        </p:spPr>
+        <p:style>
+          <a:lnRef idx="2">
+            <a:schemeClr val="accent1">
+              <a:shade val="50000"/>
+            </a:schemeClr>
+          </a:lnRef>
+          <a:fillRef idx="1">
+            <a:schemeClr val="accent1"/>
+          </a:fillRef>
+          <a:effectRef idx="0">
+            <a:schemeClr val="accent1"/>
+          </a:effectRef>
+          <a:fontRef idx="minor">
+            <a:schemeClr val="lt1"/>
+          </a:fontRef>
+        </p:style>
+        <p:txBody>
+          <a:bodyPr rtlCol="0" anchor="ctr"/>
+          <a:lstStyle/>
+          <a:p>
+            <a:pPr algn="ctr"/>
+            <a:r>
+              <a:rPr kumimoji="1" lang="en-US" altLang="zh-CN">
+                <a:solidFill>
+                  <a:schemeClr val="bg1"/>
+                </a:solidFill>
+              </a:rPr>
+              <a:t>A</a:t>
+            </a:r>
+          </a:p>
+          <a:p>
+            <a:pPr algn="ctr"/>
+            <a:r>
+              <a:rPr kumimoji="1" lang="zh-CN" altLang="en-US">
+                <a:solidFill>
+                  <a:schemeClr val="bg1"/>
+                </a:solidFill>
+              </a:rPr>
+              <a:t>应用</a:t>
+            </a:r>
+            <a:endParaRPr kumimoji="1" lang="en-US" altLang="zh-CN">
+              <a:solidFill>
+                <a:schemeClr val="bg1"/>
+              </a:solidFill>
+            </a:endParaRPr>
+          </a:p>
+        </p:txBody>
+      </p:sp>
+      <p:sp>
+        <p:nvSpPr>
+          <p:cNvPr id="7" name="圆角矩形 6">
+            <a:extLst>
+              <a:ext uri="{FF2B5EF4-FFF2-40B4-BE49-F238E27FC236}">
+                <a16:creationId xmlns:a16="http://schemas.microsoft.com/office/drawing/2014/main" id="{AB0304F7-9A01-A644-BAE0-26EC988BD90D}"/>
+              </a:ext>
+            </a:extLst>
+          </p:cNvPr>
+          <p:cNvSpPr/>
+          <p:nvPr/>
+        </p:nvSpPr>
+        <p:spPr>
+          <a:xfrm>
+            <a:off x="1738605" y="2621907"/>
+            <a:ext cx="485192" cy="485192"/>
+          </a:xfrm>
+          <a:prstGeom prst="roundRect">
+            <a:avLst>
+              <a:gd name="adj" fmla="val 11111"/>
+            </a:avLst>
+          </a:prstGeom>
+          <a:solidFill>
+            <a:srgbClr val="006666"/>
+          </a:solidFill>
+          <a:ln>
+            <a:noFill/>
+          </a:ln>
+        </p:spPr>
+        <p:style>
+          <a:lnRef idx="2">
+            <a:schemeClr val="accent1">
+              <a:shade val="50000"/>
+            </a:schemeClr>
+          </a:lnRef>
+          <a:fillRef idx="1">
+            <a:schemeClr val="accent1"/>
+          </a:fillRef>
+          <a:effectRef idx="0">
+            <a:schemeClr val="accent1"/>
+          </a:effectRef>
+          <a:fontRef idx="minor">
+            <a:schemeClr val="lt1"/>
+          </a:fontRef>
+        </p:style>
+        <p:txBody>
+          <a:bodyPr rtlCol="0" anchor="ctr"/>
+          <a:lstStyle/>
+          <a:p>
+            <a:pPr algn="ctr"/>
+            <a:r>
+              <a:rPr kumimoji="1" lang="en-US" altLang="zh-CN">
+                <a:solidFill>
+                  <a:schemeClr val="bg1"/>
+                </a:solidFill>
+              </a:rPr>
+              <a:t>A</a:t>
+            </a:r>
+          </a:p>
+          <a:p>
+            <a:pPr algn="ctr"/>
+            <a:r>
+              <a:rPr kumimoji="1" lang="zh-CN" altLang="en-US">
+                <a:solidFill>
+                  <a:schemeClr val="bg1"/>
+                </a:solidFill>
+              </a:rPr>
+              <a:t>应用</a:t>
+            </a:r>
+            <a:endParaRPr kumimoji="1" lang="en-US" altLang="zh-CN">
+              <a:solidFill>
+                <a:schemeClr val="bg1"/>
+              </a:solidFill>
+            </a:endParaRPr>
+          </a:p>
+        </p:txBody>
+      </p:sp>
+      <p:sp>
+        <p:nvSpPr>
+          <p:cNvPr id="8" name="圆角矩形 7">
+            <a:extLst>
+              <a:ext uri="{FF2B5EF4-FFF2-40B4-BE49-F238E27FC236}">
+                <a16:creationId xmlns:a16="http://schemas.microsoft.com/office/drawing/2014/main" id="{DEBA8D28-E67A-9549-BCDA-A725CFACAE67}"/>
+              </a:ext>
+            </a:extLst>
+          </p:cNvPr>
+          <p:cNvSpPr/>
+          <p:nvPr/>
+        </p:nvSpPr>
+        <p:spPr>
+          <a:xfrm>
+            <a:off x="2649895" y="2621907"/>
+            <a:ext cx="485192" cy="485192"/>
+          </a:xfrm>
+          <a:prstGeom prst="roundRect">
+            <a:avLst>
+              <a:gd name="adj" fmla="val 11111"/>
+            </a:avLst>
+          </a:prstGeom>
+          <a:solidFill>
+            <a:srgbClr val="006666"/>
+          </a:solidFill>
+          <a:ln>
+            <a:noFill/>
+          </a:ln>
+        </p:spPr>
+        <p:style>
+          <a:lnRef idx="2">
+            <a:schemeClr val="accent1">
+              <a:shade val="50000"/>
+            </a:schemeClr>
+          </a:lnRef>
+          <a:fillRef idx="1">
+            <a:schemeClr val="accent1"/>
+          </a:fillRef>
+          <a:effectRef idx="0">
+            <a:schemeClr val="accent1"/>
+          </a:effectRef>
+          <a:fontRef idx="minor">
+            <a:schemeClr val="lt1"/>
+          </a:fontRef>
+        </p:style>
+        <p:txBody>
+          <a:bodyPr rtlCol="0" anchor="ctr"/>
+          <a:lstStyle/>
+          <a:p>
+            <a:pPr algn="ctr"/>
+            <a:r>
+              <a:rPr kumimoji="1" lang="en-US" altLang="zh-CN">
+                <a:solidFill>
+                  <a:schemeClr val="bg1"/>
+                </a:solidFill>
+              </a:rPr>
+              <a:t>A</a:t>
+            </a:r>
+          </a:p>
+          <a:p>
+            <a:pPr algn="ctr"/>
+            <a:r>
+              <a:rPr kumimoji="1" lang="zh-CN" altLang="en-US">
+                <a:solidFill>
+                  <a:schemeClr val="bg1"/>
+                </a:solidFill>
+              </a:rPr>
+              <a:t>应用</a:t>
+            </a:r>
+            <a:endParaRPr kumimoji="1" lang="en-US" altLang="zh-CN">
+              <a:solidFill>
+                <a:schemeClr val="bg1"/>
+              </a:solidFill>
+            </a:endParaRPr>
+          </a:p>
+        </p:txBody>
+      </p:sp>
+      <p:sp>
+        <p:nvSpPr>
+          <p:cNvPr id="9" name="圆角矩形 8">
+            <a:extLst>
+              <a:ext uri="{FF2B5EF4-FFF2-40B4-BE49-F238E27FC236}">
+                <a16:creationId xmlns:a16="http://schemas.microsoft.com/office/drawing/2014/main" id="{D38BC0B3-1BF4-1842-BDE4-A571DA769BAD}"/>
+              </a:ext>
+            </a:extLst>
+          </p:cNvPr>
+          <p:cNvSpPr/>
+          <p:nvPr/>
+        </p:nvSpPr>
+        <p:spPr>
+          <a:xfrm>
+            <a:off x="3561185" y="2621907"/>
+            <a:ext cx="485192" cy="485192"/>
+          </a:xfrm>
+          <a:prstGeom prst="roundRect">
+            <a:avLst>
+              <a:gd name="adj" fmla="val 11111"/>
+            </a:avLst>
+          </a:prstGeom>
+          <a:solidFill>
+            <a:srgbClr val="006666"/>
+          </a:solidFill>
+          <a:ln>
+            <a:noFill/>
+          </a:ln>
+        </p:spPr>
+        <p:style>
+          <a:lnRef idx="2">
+            <a:schemeClr val="accent1">
+              <a:shade val="50000"/>
+            </a:schemeClr>
+          </a:lnRef>
+          <a:fillRef idx="1">
+            <a:schemeClr val="accent1"/>
+          </a:fillRef>
+          <a:effectRef idx="0">
+            <a:schemeClr val="accent1"/>
+          </a:effectRef>
+          <a:fontRef idx="minor">
+            <a:schemeClr val="lt1"/>
+          </a:fontRef>
+        </p:style>
+        <p:txBody>
+          <a:bodyPr rtlCol="0" anchor="ctr"/>
+          <a:lstStyle/>
+          <a:p>
+            <a:pPr algn="ctr"/>
+            <a:r>
+              <a:rPr kumimoji="1" lang="en-US" altLang="zh-CN">
+                <a:solidFill>
+                  <a:schemeClr val="bg1"/>
+                </a:solidFill>
+              </a:rPr>
+              <a:t>A</a:t>
+            </a:r>
+          </a:p>
+          <a:p>
+            <a:pPr algn="ctr"/>
+            <a:r>
+              <a:rPr kumimoji="1" lang="zh-CN" altLang="en-US">
+                <a:solidFill>
+                  <a:schemeClr val="bg1"/>
+                </a:solidFill>
+              </a:rPr>
+              <a:t>应用</a:t>
+            </a:r>
+            <a:endParaRPr kumimoji="1" lang="en-US" altLang="zh-CN">
+              <a:solidFill>
+                <a:schemeClr val="bg1"/>
+              </a:solidFill>
+            </a:endParaRPr>
+          </a:p>
+        </p:txBody>
+      </p:sp>
+      <p:cxnSp>
+        <p:nvCxnSpPr>
+          <p:cNvPr id="10" name="直线箭头连接符 9">
+            <a:extLst>
+              <a:ext uri="{FF2B5EF4-FFF2-40B4-BE49-F238E27FC236}">
+                <a16:creationId xmlns:a16="http://schemas.microsoft.com/office/drawing/2014/main" id="{367CFE5C-C191-744B-81CC-C67F432396C9}"/>
+              </a:ext>
+            </a:extLst>
+          </p:cNvPr>
+          <p:cNvCxnSpPr>
+            <a:cxnSpLocks/>
+            <a:stCxn id="2" idx="2"/>
+            <a:endCxn id="6" idx="0"/>
+          </p:cNvCxnSpPr>
+          <p:nvPr/>
+        </p:nvCxnSpPr>
+        <p:spPr>
+          <a:xfrm>
+            <a:off x="1069911" y="2295336"/>
+            <a:ext cx="0" cy="326571"/>
+          </a:xfrm>
+          <a:prstGeom prst="straightConnector1">
+            <a:avLst/>
+          </a:prstGeom>
+          <a:ln>
+            <a:solidFill>
+              <a:srgbClr val="006666"/>
+            </a:solidFill>
+            <a:tailEnd type="triangle"/>
+          </a:ln>
+        </p:spPr>
+        <p:style>
+          <a:lnRef idx="1">
+            <a:schemeClr val="accent1"/>
+          </a:lnRef>
+          <a:fillRef idx="0">
+            <a:schemeClr val="accent1"/>
+          </a:fillRef>
+          <a:effectRef idx="0">
+            <a:schemeClr val="accent1"/>
+          </a:effectRef>
+          <a:fontRef idx="minor">
+            <a:schemeClr val="tx1"/>
+          </a:fontRef>
+        </p:style>
+      </p:cxnSp>
+      <p:cxnSp>
+        <p:nvCxnSpPr>
+          <p:cNvPr id="13" name="直线箭头连接符 12">
+            <a:extLst>
+              <a:ext uri="{FF2B5EF4-FFF2-40B4-BE49-F238E27FC236}">
+                <a16:creationId xmlns:a16="http://schemas.microsoft.com/office/drawing/2014/main" id="{160C8F24-BA5E-4F43-9A6D-00C8853E71DF}"/>
+              </a:ext>
+            </a:extLst>
+          </p:cNvPr>
+          <p:cNvCxnSpPr>
+            <a:cxnSpLocks/>
+            <a:stCxn id="3" idx="2"/>
+            <a:endCxn id="7" idx="0"/>
+          </p:cNvCxnSpPr>
+          <p:nvPr/>
+        </p:nvCxnSpPr>
+        <p:spPr>
+          <a:xfrm>
+            <a:off x="1981201" y="2295336"/>
+            <a:ext cx="0" cy="326571"/>
+          </a:xfrm>
+          <a:prstGeom prst="straightConnector1">
+            <a:avLst/>
+          </a:prstGeom>
+          <a:ln>
+            <a:solidFill>
+              <a:srgbClr val="006666"/>
+            </a:solidFill>
+            <a:tailEnd type="triangle"/>
+          </a:ln>
+        </p:spPr>
+        <p:style>
+          <a:lnRef idx="1">
+            <a:schemeClr val="accent1"/>
+          </a:lnRef>
+          <a:fillRef idx="0">
+            <a:schemeClr val="accent1"/>
+          </a:fillRef>
+          <a:effectRef idx="0">
+            <a:schemeClr val="accent1"/>
+          </a:effectRef>
+          <a:fontRef idx="minor">
+            <a:schemeClr val="tx1"/>
+          </a:fontRef>
+        </p:style>
+      </p:cxnSp>
+      <p:cxnSp>
+        <p:nvCxnSpPr>
+          <p:cNvPr id="16" name="直线箭头连接符 15">
+            <a:extLst>
+              <a:ext uri="{FF2B5EF4-FFF2-40B4-BE49-F238E27FC236}">
+                <a16:creationId xmlns:a16="http://schemas.microsoft.com/office/drawing/2014/main" id="{D380DF7D-2D53-804B-8E14-C277CA9583B3}"/>
+              </a:ext>
+            </a:extLst>
+          </p:cNvPr>
+          <p:cNvCxnSpPr>
+            <a:cxnSpLocks/>
+            <a:stCxn id="4" idx="2"/>
+            <a:endCxn id="8" idx="0"/>
+          </p:cNvCxnSpPr>
+          <p:nvPr/>
+        </p:nvCxnSpPr>
+        <p:spPr>
+          <a:xfrm>
+            <a:off x="2892491" y="2295336"/>
+            <a:ext cx="0" cy="326571"/>
+          </a:xfrm>
+          <a:prstGeom prst="straightConnector1">
+            <a:avLst/>
+          </a:prstGeom>
+          <a:ln>
+            <a:solidFill>
+              <a:srgbClr val="006666"/>
+            </a:solidFill>
+            <a:tailEnd type="triangle"/>
+          </a:ln>
+        </p:spPr>
+        <p:style>
+          <a:lnRef idx="1">
+            <a:schemeClr val="accent1"/>
+          </a:lnRef>
+          <a:fillRef idx="0">
+            <a:schemeClr val="accent1"/>
+          </a:fillRef>
+          <a:effectRef idx="0">
+            <a:schemeClr val="accent1"/>
+          </a:effectRef>
+          <a:fontRef idx="minor">
+            <a:schemeClr val="tx1"/>
+          </a:fontRef>
+        </p:style>
+      </p:cxnSp>
+      <p:cxnSp>
+        <p:nvCxnSpPr>
+          <p:cNvPr id="19" name="直线箭头连接符 18">
+            <a:extLst>
+              <a:ext uri="{FF2B5EF4-FFF2-40B4-BE49-F238E27FC236}">
+                <a16:creationId xmlns:a16="http://schemas.microsoft.com/office/drawing/2014/main" id="{364E93D9-4040-C340-AF52-BE70B720C62C}"/>
+              </a:ext>
+            </a:extLst>
+          </p:cNvPr>
+          <p:cNvCxnSpPr>
+            <a:cxnSpLocks/>
+            <a:stCxn id="5" idx="2"/>
+            <a:endCxn id="9" idx="0"/>
+          </p:cNvCxnSpPr>
+          <p:nvPr/>
+        </p:nvCxnSpPr>
+        <p:spPr>
+          <a:xfrm>
+            <a:off x="3803781" y="2295336"/>
+            <a:ext cx="0" cy="326571"/>
+          </a:xfrm>
+          <a:prstGeom prst="straightConnector1">
+            <a:avLst/>
+          </a:prstGeom>
+          <a:ln>
+            <a:solidFill>
+              <a:srgbClr val="006666"/>
+            </a:solidFill>
+            <a:tailEnd type="triangle"/>
+          </a:ln>
+        </p:spPr>
+        <p:style>
+          <a:lnRef idx="1">
+            <a:schemeClr val="accent1"/>
+          </a:lnRef>
+          <a:fillRef idx="0">
+            <a:schemeClr val="accent1"/>
+          </a:fillRef>
+          <a:effectRef idx="0">
+            <a:schemeClr val="accent1"/>
+          </a:effectRef>
+          <a:fontRef idx="minor">
+            <a:schemeClr val="tx1"/>
+          </a:fontRef>
+        </p:style>
+      </p:cxnSp>
+      <p:sp>
+        <p:nvSpPr>
+          <p:cNvPr id="23" name="矩形 22">
+            <a:extLst>
+              <a:ext uri="{FF2B5EF4-FFF2-40B4-BE49-F238E27FC236}">
+                <a16:creationId xmlns:a16="http://schemas.microsoft.com/office/drawing/2014/main" id="{6CD837A1-1A53-3C4D-8D6C-5E892D686344}"/>
+              </a:ext>
+            </a:extLst>
+          </p:cNvPr>
+          <p:cNvSpPr/>
+          <p:nvPr/>
+        </p:nvSpPr>
+        <p:spPr>
+          <a:xfrm>
+            <a:off x="756153" y="1428407"/>
+            <a:ext cx="3781263" cy="238848"/>
+          </a:xfrm>
+          <a:prstGeom prst="rect">
+            <a:avLst/>
+          </a:prstGeom>
+        </p:spPr>
+        <p:txBody>
+          <a:bodyPr wrap="square">
+            <a:spAutoFit/>
+          </a:bodyPr>
+          <a:lstStyle/>
+          <a:p>
+            <a:r>
+              <a:rPr lang="zh-CN" altLang="en-US"/>
+              <a:t>dubbo://172.20.10.5:20880/cn.itedus.lottery.rpc.IActivityBooth</a:t>
+            </a:r>
+          </a:p>
+        </p:txBody>
+      </p:sp>
+      <p:sp>
+        <p:nvSpPr>
+          <p:cNvPr id="25" name="椭圆 24">
+            <a:extLst>
+              <a:ext uri="{FF2B5EF4-FFF2-40B4-BE49-F238E27FC236}">
+                <a16:creationId xmlns:a16="http://schemas.microsoft.com/office/drawing/2014/main" id="{12F0D774-66AC-B745-95C4-CC8FD980421A}"/>
+              </a:ext>
+            </a:extLst>
+          </p:cNvPr>
+          <p:cNvSpPr/>
+          <p:nvPr/>
+        </p:nvSpPr>
+        <p:spPr>
+          <a:xfrm>
+            <a:off x="824205" y="327923"/>
+            <a:ext cx="488302" cy="488302"/>
+          </a:xfrm>
+          <a:prstGeom prst="ellipse">
+            <a:avLst/>
+          </a:prstGeom>
+          <a:solidFill>
+            <a:schemeClr val="accent2"/>
+          </a:solidFill>
+          <a:ln>
+            <a:solidFill>
+              <a:schemeClr val="accent2"/>
+            </a:solidFill>
+          </a:ln>
+        </p:spPr>
+        <p:style>
+          <a:lnRef idx="2">
+            <a:schemeClr val="accent1">
+              <a:shade val="50000"/>
+            </a:schemeClr>
+          </a:lnRef>
+          <a:fillRef idx="1">
+            <a:schemeClr val="accent1"/>
+          </a:fillRef>
+          <a:effectRef idx="0">
+            <a:schemeClr val="accent1"/>
+          </a:effectRef>
+          <a:fontRef idx="minor">
+            <a:schemeClr val="lt1"/>
+          </a:fontRef>
+        </p:style>
+        <p:txBody>
+          <a:bodyPr rtlCol="0" anchor="ctr"/>
+          <a:lstStyle/>
+          <a:p>
+            <a:pPr algn="ctr"/>
+            <a:r>
+              <a:rPr kumimoji="1" lang="en-US" altLang="zh-CN">
+                <a:solidFill>
+                  <a:schemeClr val="bg1"/>
+                </a:solidFill>
+              </a:rPr>
+              <a:t>X</a:t>
+            </a:r>
+            <a:endParaRPr kumimoji="1" lang="zh-CN" altLang="en-US">
+              <a:solidFill>
+                <a:schemeClr val="bg1"/>
+              </a:solidFill>
+            </a:endParaRPr>
+          </a:p>
+        </p:txBody>
+      </p:sp>
+      <p:sp>
+        <p:nvSpPr>
+          <p:cNvPr id="26" name="椭圆 25">
+            <a:extLst>
+              <a:ext uri="{FF2B5EF4-FFF2-40B4-BE49-F238E27FC236}">
+                <a16:creationId xmlns:a16="http://schemas.microsoft.com/office/drawing/2014/main" id="{CE2EA547-C9DB-AD4C-B8A0-D8E21FDA66E4}"/>
+              </a:ext>
+            </a:extLst>
+          </p:cNvPr>
+          <p:cNvSpPr/>
+          <p:nvPr/>
+        </p:nvSpPr>
+        <p:spPr>
+          <a:xfrm>
+            <a:off x="1738605" y="327923"/>
+            <a:ext cx="488302" cy="488302"/>
+          </a:xfrm>
+          <a:prstGeom prst="ellipse">
+            <a:avLst/>
+          </a:prstGeom>
+          <a:noFill/>
+          <a:ln>
+            <a:solidFill>
+              <a:schemeClr val="accent2"/>
+            </a:solidFill>
+            <a:prstDash val="dash"/>
+          </a:ln>
+        </p:spPr>
+        <p:style>
+          <a:lnRef idx="2">
+            <a:schemeClr val="accent1">
+              <a:shade val="50000"/>
+            </a:schemeClr>
+          </a:lnRef>
+          <a:fillRef idx="1">
+            <a:schemeClr val="accent1"/>
+          </a:fillRef>
+          <a:effectRef idx="0">
+            <a:schemeClr val="accent1"/>
+          </a:effectRef>
+          <a:fontRef idx="minor">
+            <a:schemeClr val="lt1"/>
+          </a:fontRef>
+        </p:style>
+        <p:txBody>
+          <a:bodyPr rtlCol="0" anchor="ctr"/>
+          <a:lstStyle/>
+          <a:p>
+            <a:pPr algn="ctr"/>
+            <a:endParaRPr kumimoji="1" lang="zh-CN" altLang="en-US">
+              <a:solidFill>
+                <a:srgbClr val="FF0000"/>
+              </a:solidFill>
+            </a:endParaRPr>
+          </a:p>
+        </p:txBody>
+      </p:sp>
+      <p:sp>
+        <p:nvSpPr>
+          <p:cNvPr id="27" name="椭圆 26">
+            <a:extLst>
+              <a:ext uri="{FF2B5EF4-FFF2-40B4-BE49-F238E27FC236}">
+                <a16:creationId xmlns:a16="http://schemas.microsoft.com/office/drawing/2014/main" id="{61800558-D285-5E40-8E3A-CD384358BDF1}"/>
+              </a:ext>
+            </a:extLst>
+          </p:cNvPr>
+          <p:cNvSpPr/>
+          <p:nvPr/>
+        </p:nvSpPr>
+        <p:spPr>
+          <a:xfrm>
+            <a:off x="2646785" y="323050"/>
+            <a:ext cx="488302" cy="488302"/>
+          </a:xfrm>
+          <a:prstGeom prst="ellipse">
+            <a:avLst/>
+          </a:prstGeom>
+          <a:noFill/>
+          <a:ln>
+            <a:solidFill>
+              <a:schemeClr val="accent2"/>
+            </a:solidFill>
+            <a:prstDash val="dash"/>
+          </a:ln>
+        </p:spPr>
+        <p:style>
+          <a:lnRef idx="2">
+            <a:schemeClr val="accent1">
+              <a:shade val="50000"/>
+            </a:schemeClr>
+          </a:lnRef>
+          <a:fillRef idx="1">
+            <a:schemeClr val="accent1"/>
+          </a:fillRef>
+          <a:effectRef idx="0">
+            <a:schemeClr val="accent1"/>
+          </a:effectRef>
+          <a:fontRef idx="minor">
+            <a:schemeClr val="lt1"/>
+          </a:fontRef>
+        </p:style>
+        <p:txBody>
+          <a:bodyPr rtlCol="0" anchor="ctr"/>
+          <a:lstStyle/>
+          <a:p>
+            <a:pPr algn="ctr"/>
+            <a:endParaRPr kumimoji="1" lang="zh-CN" altLang="en-US">
+              <a:solidFill>
+                <a:srgbClr val="FF0000"/>
+              </a:solidFill>
+            </a:endParaRPr>
+          </a:p>
+        </p:txBody>
+      </p:sp>
+      <p:sp>
+        <p:nvSpPr>
+          <p:cNvPr id="28" name="椭圆 27">
+            <a:extLst>
+              <a:ext uri="{FF2B5EF4-FFF2-40B4-BE49-F238E27FC236}">
+                <a16:creationId xmlns:a16="http://schemas.microsoft.com/office/drawing/2014/main" id="{3B8D62BE-2563-AD4D-B195-CCEFA0AE9192}"/>
+              </a:ext>
+            </a:extLst>
+          </p:cNvPr>
+          <p:cNvSpPr/>
+          <p:nvPr/>
+        </p:nvSpPr>
+        <p:spPr>
+          <a:xfrm>
+            <a:off x="3554965" y="323050"/>
+            <a:ext cx="488302" cy="488302"/>
+          </a:xfrm>
+          <a:prstGeom prst="ellipse">
+            <a:avLst/>
+          </a:prstGeom>
+          <a:noFill/>
+          <a:ln>
+            <a:solidFill>
+              <a:schemeClr val="accent2"/>
+            </a:solidFill>
+            <a:prstDash val="dash"/>
+          </a:ln>
+        </p:spPr>
+        <p:style>
+          <a:lnRef idx="2">
+            <a:schemeClr val="accent1">
+              <a:shade val="50000"/>
+            </a:schemeClr>
+          </a:lnRef>
+          <a:fillRef idx="1">
+            <a:schemeClr val="accent1"/>
+          </a:fillRef>
+          <a:effectRef idx="0">
+            <a:schemeClr val="accent1"/>
+          </a:effectRef>
+          <a:fontRef idx="minor">
+            <a:schemeClr val="lt1"/>
+          </a:fontRef>
+        </p:style>
+        <p:txBody>
+          <a:bodyPr rtlCol="0" anchor="ctr"/>
+          <a:lstStyle/>
+          <a:p>
+            <a:pPr algn="ctr"/>
+            <a:endParaRPr kumimoji="1" lang="zh-CN" altLang="en-US">
+              <a:solidFill>
+                <a:srgbClr val="FF0000"/>
+              </a:solidFill>
+            </a:endParaRPr>
+          </a:p>
+        </p:txBody>
+      </p:sp>
+      <p:cxnSp>
+        <p:nvCxnSpPr>
+          <p:cNvPr id="29" name="直线箭头连接符 28">
+            <a:extLst>
+              <a:ext uri="{FF2B5EF4-FFF2-40B4-BE49-F238E27FC236}">
+                <a16:creationId xmlns:a16="http://schemas.microsoft.com/office/drawing/2014/main" id="{0B33632B-E45E-124B-AA7F-F8583EEDC021}"/>
+              </a:ext>
+            </a:extLst>
+          </p:cNvPr>
+          <p:cNvCxnSpPr>
+            <a:cxnSpLocks/>
+            <a:stCxn id="25" idx="4"/>
+            <a:endCxn id="2" idx="0"/>
+          </p:cNvCxnSpPr>
+          <p:nvPr/>
+        </p:nvCxnSpPr>
+        <p:spPr>
+          <a:xfrm>
+            <a:off x="1068356" y="816225"/>
+            <a:ext cx="1555" cy="993919"/>
+          </a:xfrm>
+          <a:prstGeom prst="straightConnector1">
+            <a:avLst/>
+          </a:prstGeom>
+          <a:ln>
+            <a:solidFill>
+              <a:schemeClr val="accent2"/>
+            </a:solidFill>
+            <a:tailEnd type="triangle"/>
+          </a:ln>
+        </p:spPr>
+        <p:style>
+          <a:lnRef idx="1">
+            <a:schemeClr val="accent1"/>
+          </a:lnRef>
+          <a:fillRef idx="0">
+            <a:schemeClr val="accent1"/>
+          </a:fillRef>
+          <a:effectRef idx="0">
+            <a:schemeClr val="accent1"/>
+          </a:effectRef>
+          <a:fontRef idx="minor">
+            <a:schemeClr val="tx1"/>
+          </a:fontRef>
+        </p:style>
+      </p:cxnSp>
+      <p:cxnSp>
+        <p:nvCxnSpPr>
+          <p:cNvPr id="32" name="曲线连接符 31">
+            <a:extLst>
+              <a:ext uri="{FF2B5EF4-FFF2-40B4-BE49-F238E27FC236}">
+                <a16:creationId xmlns:a16="http://schemas.microsoft.com/office/drawing/2014/main" id="{23EFAD44-96CE-0B4E-AC82-92136265D092}"/>
+              </a:ext>
+            </a:extLst>
+          </p:cNvPr>
+          <p:cNvCxnSpPr>
+            <a:cxnSpLocks/>
+            <a:stCxn id="25" idx="4"/>
+            <a:endCxn id="3" idx="0"/>
+          </p:cNvCxnSpPr>
+          <p:nvPr/>
+        </p:nvCxnSpPr>
+        <p:spPr>
+          <a:xfrm rot="16200000" flipH="1">
+            <a:off x="1027819" y="856761"/>
+            <a:ext cx="993919" cy="912845"/>
+          </a:xfrm>
+          <a:prstGeom prst="curvedConnector3">
+            <a:avLst>
+              <a:gd name="adj1" fmla="val 50000"/>
+            </a:avLst>
+          </a:prstGeom>
+          <a:ln>
+            <a:solidFill>
+              <a:schemeClr val="accent2"/>
+            </a:solidFill>
+            <a:tailEnd type="triangle"/>
+          </a:ln>
+        </p:spPr>
+        <p:style>
+          <a:lnRef idx="1">
+            <a:schemeClr val="accent1"/>
+          </a:lnRef>
+          <a:fillRef idx="0">
+            <a:schemeClr val="accent1"/>
+          </a:fillRef>
+          <a:effectRef idx="0">
+            <a:schemeClr val="accent1"/>
+          </a:effectRef>
+          <a:fontRef idx="minor">
+            <a:schemeClr val="tx1"/>
+          </a:fontRef>
+        </p:style>
+      </p:cxnSp>
+      <p:cxnSp>
+        <p:nvCxnSpPr>
+          <p:cNvPr id="35" name="曲线连接符 34">
+            <a:extLst>
+              <a:ext uri="{FF2B5EF4-FFF2-40B4-BE49-F238E27FC236}">
+                <a16:creationId xmlns:a16="http://schemas.microsoft.com/office/drawing/2014/main" id="{A0D9A73D-29F5-4240-AFB1-A017BB8F9B54}"/>
+              </a:ext>
+            </a:extLst>
+          </p:cNvPr>
+          <p:cNvCxnSpPr>
+            <a:cxnSpLocks/>
+            <a:stCxn id="25" idx="4"/>
+            <a:endCxn id="4" idx="0"/>
+          </p:cNvCxnSpPr>
+          <p:nvPr/>
+        </p:nvCxnSpPr>
+        <p:spPr>
+          <a:xfrm rot="16200000" flipH="1">
+            <a:off x="1483464" y="401116"/>
+            <a:ext cx="993919" cy="1824135"/>
+          </a:xfrm>
+          <a:prstGeom prst="curvedConnector3">
+            <a:avLst>
+              <a:gd name="adj1" fmla="val 50000"/>
+            </a:avLst>
+          </a:prstGeom>
+          <a:ln>
+            <a:solidFill>
+              <a:schemeClr val="accent2"/>
+            </a:solidFill>
+            <a:tailEnd type="triangle"/>
+          </a:ln>
+        </p:spPr>
+        <p:style>
+          <a:lnRef idx="1">
+            <a:schemeClr val="accent1"/>
+          </a:lnRef>
+          <a:fillRef idx="0">
+            <a:schemeClr val="accent1"/>
+          </a:fillRef>
+          <a:effectRef idx="0">
+            <a:schemeClr val="accent1"/>
+          </a:effectRef>
+          <a:fontRef idx="minor">
+            <a:schemeClr val="tx1"/>
+          </a:fontRef>
+        </p:style>
+      </p:cxnSp>
+      <p:cxnSp>
+        <p:nvCxnSpPr>
+          <p:cNvPr id="38" name="曲线连接符 37">
+            <a:extLst>
+              <a:ext uri="{FF2B5EF4-FFF2-40B4-BE49-F238E27FC236}">
+                <a16:creationId xmlns:a16="http://schemas.microsoft.com/office/drawing/2014/main" id="{F1611836-7781-B247-BF86-CFF3EB9CC8AD}"/>
+              </a:ext>
+            </a:extLst>
+          </p:cNvPr>
+          <p:cNvCxnSpPr>
+            <a:cxnSpLocks/>
+            <a:stCxn id="25" idx="4"/>
+            <a:endCxn id="5" idx="0"/>
+          </p:cNvCxnSpPr>
+          <p:nvPr/>
+        </p:nvCxnSpPr>
+        <p:spPr>
+          <a:xfrm rot="16200000" flipH="1">
+            <a:off x="1939109" y="-54529"/>
+            <a:ext cx="993919" cy="2735425"/>
+          </a:xfrm>
+          <a:prstGeom prst="curvedConnector3">
+            <a:avLst>
+              <a:gd name="adj1" fmla="val 50000"/>
+            </a:avLst>
+          </a:prstGeom>
+          <a:ln>
+            <a:solidFill>
+              <a:schemeClr val="accent2"/>
+            </a:solidFill>
+            <a:tailEnd type="triangle"/>
+          </a:ln>
+        </p:spPr>
+        <p:style>
+          <a:lnRef idx="1">
+            <a:schemeClr val="accent1"/>
+          </a:lnRef>
+          <a:fillRef idx="0">
+            <a:schemeClr val="accent1"/>
+          </a:fillRef>
+          <a:effectRef idx="0">
+            <a:schemeClr val="accent1"/>
+          </a:effectRef>
+          <a:fontRef idx="minor">
+            <a:schemeClr val="tx1"/>
+          </a:fontRef>
+        </p:style>
+      </p:cxnSp>
+      <p:cxnSp>
+        <p:nvCxnSpPr>
+          <p:cNvPr id="47" name="曲线连接符 46">
+            <a:extLst>
+              <a:ext uri="{FF2B5EF4-FFF2-40B4-BE49-F238E27FC236}">
+                <a16:creationId xmlns:a16="http://schemas.microsoft.com/office/drawing/2014/main" id="{7682F27C-A0F8-A440-9050-B423C3178AC2}"/>
+              </a:ext>
+            </a:extLst>
+          </p:cNvPr>
+          <p:cNvCxnSpPr>
+            <a:cxnSpLocks/>
+            <a:stCxn id="25" idx="2"/>
+            <a:endCxn id="6" idx="1"/>
+          </p:cNvCxnSpPr>
+          <p:nvPr/>
+        </p:nvCxnSpPr>
+        <p:spPr>
+          <a:xfrm rot="10800000" flipH="1" flipV="1">
+            <a:off x="824205" y="572073"/>
+            <a:ext cx="3110" cy="2292429"/>
+          </a:xfrm>
+          <a:prstGeom prst="curvedConnector3">
+            <a:avLst>
+              <a:gd name="adj1" fmla="val -18551222"/>
+            </a:avLst>
+          </a:prstGeom>
+          <a:ln w="12700">
+            <a:solidFill>
+              <a:schemeClr val="tx1">
+                <a:lumMod val="85000"/>
+                <a:lumOff val="15000"/>
+              </a:schemeClr>
+            </a:solidFill>
+            <a:tailEnd type="triangle"/>
+          </a:ln>
+        </p:spPr>
+        <p:style>
+          <a:lnRef idx="1">
+            <a:schemeClr val="accent1"/>
+          </a:lnRef>
+          <a:fillRef idx="0">
+            <a:schemeClr val="accent1"/>
+          </a:fillRef>
+          <a:effectRef idx="0">
+            <a:schemeClr val="accent1"/>
+          </a:effectRef>
+          <a:fontRef idx="minor">
+            <a:schemeClr val="tx1"/>
+          </a:fontRef>
+        </p:style>
+      </p:cxnSp>
+      <p:sp>
+        <p:nvSpPr>
+          <p:cNvPr id="51" name="文本框 50">
+            <a:extLst>
+              <a:ext uri="{FF2B5EF4-FFF2-40B4-BE49-F238E27FC236}">
+                <a16:creationId xmlns:a16="http://schemas.microsoft.com/office/drawing/2014/main" id="{D14E08BF-7FDB-3E4A-AD04-574923C086B3}"/>
+              </a:ext>
+            </a:extLst>
+          </p:cNvPr>
+          <p:cNvSpPr txBox="1"/>
+          <p:nvPr/>
+        </p:nvSpPr>
+        <p:spPr>
+          <a:xfrm>
+            <a:off x="824204" y="3253277"/>
+            <a:ext cx="3219063" cy="238848"/>
+          </a:xfrm>
+          <a:prstGeom prst="rect">
+            <a:avLst/>
+          </a:prstGeom>
+          <a:noFill/>
+        </p:spPr>
+        <p:txBody>
+          <a:bodyPr wrap="square" rtlCol="0">
+            <a:spAutoFit/>
+          </a:bodyPr>
+          <a:lstStyle/>
+          <a:p>
+            <a:pPr algn="ctr"/>
+            <a:r>
+              <a:rPr kumimoji="1" lang="zh-CN" altLang="en-US"/>
+              <a:t>分布式</a:t>
+            </a:r>
+          </a:p>
+        </p:txBody>
+      </p:sp>
+      <p:cxnSp>
+        <p:nvCxnSpPr>
+          <p:cNvPr id="52" name="直线箭头连接符 51">
+            <a:extLst>
+              <a:ext uri="{FF2B5EF4-FFF2-40B4-BE49-F238E27FC236}">
+                <a16:creationId xmlns:a16="http://schemas.microsoft.com/office/drawing/2014/main" id="{897184E1-5307-B342-86A8-CB706E8C5EBE}"/>
+              </a:ext>
+            </a:extLst>
+          </p:cNvPr>
+          <p:cNvCxnSpPr>
+            <a:cxnSpLocks/>
+          </p:cNvCxnSpPr>
+          <p:nvPr/>
+        </p:nvCxnSpPr>
+        <p:spPr>
+          <a:xfrm flipV="1">
+            <a:off x="822650" y="3253277"/>
+            <a:ext cx="3219063" cy="2"/>
+          </a:xfrm>
+          <a:prstGeom prst="straightConnector1">
+            <a:avLst/>
+          </a:prstGeom>
+          <a:ln>
+            <a:solidFill>
+              <a:schemeClr val="bg1">
+                <a:lumMod val="50000"/>
+              </a:schemeClr>
+            </a:solidFill>
+          </a:ln>
+        </p:spPr>
+        <p:style>
+          <a:lnRef idx="1">
+            <a:schemeClr val="accent1"/>
+          </a:lnRef>
+          <a:fillRef idx="0">
+            <a:schemeClr val="accent1"/>
+          </a:fillRef>
+          <a:effectRef idx="0">
+            <a:schemeClr val="accent1"/>
+          </a:effectRef>
+          <a:fontRef idx="minor">
+            <a:schemeClr val="tx1"/>
+          </a:fontRef>
+        </p:style>
+      </p:cxnSp>
+    </p:spTree>
+    <p:extLst>
+      <p:ext uri="{BB962C8B-B14F-4D97-AF65-F5344CB8AC3E}">
+        <p14:creationId xmlns:p14="http://schemas.microsoft.com/office/powerpoint/2010/main" val="1301347211"/>
+      </p:ext>
+    </p:extLst>
+  </p:cSld>
+  <p:clrMapOvr>
+    <a:masterClrMapping/>
+  </p:clrMapOvr>
+</p:sld>
+</file>
+
+<file path=ppt/slides/slide9.xml><?xml version="1.0" encoding="utf-8"?>
+<p:sld xmlns:a="http://schemas.openxmlformats.org/drawingml/2006/main" xmlns:r="http://schemas.openxmlformats.org/officeDocument/2006/relationships" xmlns:p="http://schemas.openxmlformats.org/presentationml/2006/main">
+  <p:cSld>
+    <p:spTree>
+      <p:nvGrpSpPr>
+        <p:cNvPr id="1" name=""/>
+        <p:cNvGrpSpPr/>
+        <p:nvPr/>
+      </p:nvGrpSpPr>
+      <p:grpSpPr>
+        <a:xfrm>
+          <a:off x="0" y="0"/>
+          <a:ext cx="0" cy="0"/>
+          <a:chOff x="0" y="0"/>
+          <a:chExt cx="0" cy="0"/>
+        </a:xfrm>
+      </p:grpSpPr>
+      <p:sp>
+        <p:nvSpPr>
+          <p:cNvPr id="6" name="圆角矩形 5"/>
+          <p:cNvSpPr/>
+          <p:nvPr/>
+        </p:nvSpPr>
+        <p:spPr>
+          <a:xfrm>
+            <a:off x="1014413" y="1866905"/>
+            <a:ext cx="900112" cy="1290638"/>
+          </a:xfrm>
+          <a:prstGeom prst="roundRect">
+            <a:avLst>
+              <a:gd name="adj" fmla="val 4498"/>
+            </a:avLst>
+          </a:prstGeom>
+          <a:solidFill>
+            <a:schemeClr val="accent2">
+              <a:lumMod val="75000"/>
+            </a:schemeClr>
+          </a:solidFill>
+          <a:ln>
+            <a:noFill/>
+          </a:ln>
+        </p:spPr>
+        <p:style>
+          <a:lnRef idx="2">
+            <a:schemeClr val="accent1">
+              <a:shade val="50000"/>
+            </a:schemeClr>
+          </a:lnRef>
+          <a:fillRef idx="1">
+            <a:schemeClr val="accent1"/>
+          </a:fillRef>
+          <a:effectRef idx="0">
+            <a:schemeClr val="accent1"/>
+          </a:effectRef>
+          <a:fontRef idx="minor">
+            <a:schemeClr val="lt1"/>
+          </a:fontRef>
+        </p:style>
+        <p:txBody>
+          <a:bodyPr rtlCol="0" anchor="ctr"/>
+          <a:lstStyle/>
+          <a:p>
+            <a:pPr algn="ctr"/>
+            <a:endParaRPr lang="zh-CN" altLang="en-US">
+              <a:solidFill>
+                <a:srgbClr val="FF0000"/>
+              </a:solidFill>
+            </a:endParaRPr>
+          </a:p>
+        </p:txBody>
+      </p:sp>
+      <p:sp>
+        <p:nvSpPr>
+          <p:cNvPr id="2" name="圆角矩形 1"/>
+          <p:cNvSpPr/>
+          <p:nvPr/>
+        </p:nvSpPr>
+        <p:spPr>
+          <a:xfrm>
+            <a:off x="1081087" y="1914527"/>
+            <a:ext cx="771526" cy="271462"/>
+          </a:xfrm>
+          <a:prstGeom prst="roundRect">
+            <a:avLst>
+              <a:gd name="adj" fmla="val 12328"/>
+            </a:avLst>
+          </a:prstGeom>
+          <a:noFill/>
+          <a:ln>
+            <a:noFill/>
+          </a:ln>
+        </p:spPr>
+        <p:style>
+          <a:lnRef idx="2">
+            <a:schemeClr val="accent1">
+              <a:shade val="50000"/>
+            </a:schemeClr>
+          </a:lnRef>
+          <a:fillRef idx="1">
+            <a:schemeClr val="accent1"/>
+          </a:fillRef>
+          <a:effectRef idx="0">
+            <a:schemeClr val="accent1"/>
+          </a:effectRef>
+          <a:fontRef idx="minor">
+            <a:schemeClr val="lt1"/>
+          </a:fontRef>
+        </p:style>
+        <p:txBody>
+          <a:bodyPr rtlCol="0" anchor="ctr"/>
+          <a:lstStyle/>
+          <a:p>
+            <a:pPr algn="ctr"/>
+            <a:r>
+              <a:rPr lang="en-US" altLang="zh-CN" sz="900">
+                <a:solidFill>
+                  <a:schemeClr val="bg1"/>
+                </a:solidFill>
+                <a:latin typeface="+mj-ea"/>
+                <a:ea typeface="+mj-ea"/>
+              </a:rPr>
+              <a:t>RPC </a:t>
+            </a:r>
+            <a:r>
+              <a:rPr lang="zh-CN" altLang="en-US" sz="900">
+                <a:solidFill>
+                  <a:schemeClr val="bg1"/>
+                </a:solidFill>
+                <a:latin typeface="+mj-ea"/>
+                <a:ea typeface="+mj-ea"/>
+              </a:rPr>
+              <a:t>协议</a:t>
+            </a:r>
+          </a:p>
+        </p:txBody>
+      </p:sp>
+      <p:sp>
+        <p:nvSpPr>
+          <p:cNvPr id="3" name="圆角矩形 2"/>
+          <p:cNvSpPr/>
+          <p:nvPr/>
+        </p:nvSpPr>
+        <p:spPr>
+          <a:xfrm>
+            <a:off x="1081087" y="2247905"/>
+            <a:ext cx="771526" cy="271462"/>
+          </a:xfrm>
+          <a:prstGeom prst="roundRect">
+            <a:avLst>
+              <a:gd name="adj" fmla="val 12328"/>
+            </a:avLst>
+          </a:prstGeom>
+          <a:noFill/>
+          <a:ln w="6350">
+            <a:solidFill>
+              <a:schemeClr val="bg1"/>
+            </a:solidFill>
+          </a:ln>
+        </p:spPr>
+        <p:style>
+          <a:lnRef idx="2">
+            <a:schemeClr val="accent1">
+              <a:shade val="50000"/>
+            </a:schemeClr>
+          </a:lnRef>
+          <a:fillRef idx="1">
+            <a:schemeClr val="accent1"/>
+          </a:fillRef>
+          <a:effectRef idx="0">
+            <a:schemeClr val="accent1"/>
+          </a:effectRef>
+          <a:fontRef idx="minor">
+            <a:schemeClr val="lt1"/>
+          </a:fontRef>
+        </p:style>
+        <p:txBody>
+          <a:bodyPr rtlCol="0" anchor="ctr"/>
+          <a:lstStyle/>
+          <a:p>
+            <a:pPr algn="ctr"/>
+            <a:r>
+              <a:rPr lang="zh-CN" altLang="en-US" sz="900">
+                <a:solidFill>
+                  <a:schemeClr val="bg1"/>
+                </a:solidFill>
+                <a:latin typeface="+mj-ea"/>
+                <a:ea typeface="+mj-ea"/>
+              </a:rPr>
+              <a:t>协议编码</a:t>
+            </a:r>
+          </a:p>
+        </p:txBody>
+      </p:sp>
+      <p:sp>
+        <p:nvSpPr>
+          <p:cNvPr id="4" name="圆角矩形 3"/>
+          <p:cNvSpPr/>
+          <p:nvPr/>
+        </p:nvSpPr>
+        <p:spPr>
+          <a:xfrm>
+            <a:off x="1081087" y="2543179"/>
+            <a:ext cx="771526" cy="271462"/>
+          </a:xfrm>
+          <a:prstGeom prst="roundRect">
+            <a:avLst>
+              <a:gd name="adj" fmla="val 12328"/>
+            </a:avLst>
+          </a:prstGeom>
+          <a:noFill/>
+          <a:ln w="6350">
+            <a:solidFill>
+              <a:schemeClr val="bg1"/>
+            </a:solidFill>
+          </a:ln>
+        </p:spPr>
+        <p:style>
+          <a:lnRef idx="2">
+            <a:schemeClr val="accent1">
+              <a:shade val="50000"/>
+            </a:schemeClr>
+          </a:lnRef>
+          <a:fillRef idx="1">
+            <a:schemeClr val="accent1"/>
+          </a:fillRef>
+          <a:effectRef idx="0">
+            <a:schemeClr val="accent1"/>
+          </a:effectRef>
+          <a:fontRef idx="minor">
+            <a:schemeClr val="lt1"/>
+          </a:fontRef>
+        </p:style>
+        <p:txBody>
+          <a:bodyPr rtlCol="0" anchor="ctr"/>
+          <a:lstStyle/>
+          <a:p>
+            <a:pPr algn="ctr"/>
+            <a:r>
+              <a:rPr lang="zh-CN" altLang="en-US" sz="900">
+                <a:solidFill>
+                  <a:schemeClr val="bg1"/>
+                </a:solidFill>
+                <a:latin typeface="+mj-ea"/>
+                <a:ea typeface="+mj-ea"/>
+              </a:rPr>
+              <a:t>序列化</a:t>
+            </a:r>
+          </a:p>
+        </p:txBody>
+      </p:sp>
+      <p:sp>
+        <p:nvSpPr>
+          <p:cNvPr id="5" name="圆角矩形 4"/>
+          <p:cNvSpPr/>
+          <p:nvPr/>
+        </p:nvSpPr>
+        <p:spPr>
+          <a:xfrm>
+            <a:off x="1081087" y="2838453"/>
+            <a:ext cx="771526" cy="271462"/>
+          </a:xfrm>
+          <a:prstGeom prst="roundRect">
+            <a:avLst>
+              <a:gd name="adj" fmla="val 12328"/>
+            </a:avLst>
+          </a:prstGeom>
+          <a:noFill/>
+          <a:ln w="6350">
+            <a:solidFill>
+              <a:schemeClr val="bg1"/>
+            </a:solidFill>
+          </a:ln>
+        </p:spPr>
+        <p:style>
+          <a:lnRef idx="2">
+            <a:schemeClr val="accent1">
+              <a:shade val="50000"/>
+            </a:schemeClr>
+          </a:lnRef>
+          <a:fillRef idx="1">
+            <a:schemeClr val="accent1"/>
+          </a:fillRef>
+          <a:effectRef idx="0">
+            <a:schemeClr val="accent1"/>
+          </a:effectRef>
+          <a:fontRef idx="minor">
+            <a:schemeClr val="lt1"/>
+          </a:fontRef>
+        </p:style>
+        <p:txBody>
+          <a:bodyPr rtlCol="0" anchor="ctr"/>
+          <a:lstStyle/>
+          <a:p>
+            <a:pPr algn="ctr"/>
+            <a:r>
+              <a:rPr lang="en-US" altLang="zh-CN" sz="900">
+                <a:solidFill>
+                  <a:schemeClr val="bg1"/>
+                </a:solidFill>
+                <a:latin typeface="+mj-ea"/>
+                <a:ea typeface="+mj-ea"/>
+              </a:rPr>
+              <a:t>TCP/IP</a:t>
+            </a:r>
+            <a:endParaRPr lang="zh-CN" altLang="en-US" sz="900">
+              <a:solidFill>
+                <a:schemeClr val="bg1"/>
+              </a:solidFill>
+              <a:latin typeface="+mj-ea"/>
+              <a:ea typeface="+mj-ea"/>
+            </a:endParaRPr>
+          </a:p>
+        </p:txBody>
+      </p:sp>
+      <p:sp>
+        <p:nvSpPr>
+          <p:cNvPr id="7" name="圆角矩形 6"/>
+          <p:cNvSpPr/>
+          <p:nvPr/>
+        </p:nvSpPr>
+        <p:spPr>
+          <a:xfrm>
+            <a:off x="2752726" y="1866905"/>
+            <a:ext cx="900112" cy="1290638"/>
+          </a:xfrm>
+          <a:prstGeom prst="roundRect">
+            <a:avLst>
+              <a:gd name="adj" fmla="val 4498"/>
+            </a:avLst>
+          </a:prstGeom>
+          <a:solidFill>
+            <a:schemeClr val="accent2">
+              <a:lumMod val="75000"/>
+            </a:schemeClr>
+          </a:solidFill>
+          <a:ln>
+            <a:noFill/>
+          </a:ln>
+        </p:spPr>
+        <p:style>
+          <a:lnRef idx="2">
+            <a:schemeClr val="accent1">
+              <a:shade val="50000"/>
+            </a:schemeClr>
+          </a:lnRef>
+          <a:fillRef idx="1">
+            <a:schemeClr val="accent1"/>
+          </a:fillRef>
+          <a:effectRef idx="0">
+            <a:schemeClr val="accent1"/>
+          </a:effectRef>
+          <a:fontRef idx="minor">
+            <a:schemeClr val="lt1"/>
+          </a:fontRef>
+        </p:style>
+        <p:txBody>
+          <a:bodyPr rtlCol="0" anchor="ctr"/>
+          <a:lstStyle/>
+          <a:p>
+            <a:pPr algn="ctr"/>
+            <a:endParaRPr lang="zh-CN" altLang="en-US">
+              <a:solidFill>
+                <a:srgbClr val="FF0000"/>
+              </a:solidFill>
+            </a:endParaRPr>
+          </a:p>
+        </p:txBody>
+      </p:sp>
+      <p:sp>
+        <p:nvSpPr>
+          <p:cNvPr id="8" name="圆角矩形 7"/>
+          <p:cNvSpPr/>
+          <p:nvPr/>
+        </p:nvSpPr>
+        <p:spPr>
+          <a:xfrm>
+            <a:off x="2819400" y="1914527"/>
+            <a:ext cx="771526" cy="271462"/>
+          </a:xfrm>
+          <a:prstGeom prst="roundRect">
+            <a:avLst>
+              <a:gd name="adj" fmla="val 12328"/>
+            </a:avLst>
+          </a:prstGeom>
+          <a:noFill/>
+          <a:ln>
+            <a:noFill/>
+          </a:ln>
+        </p:spPr>
+        <p:style>
+          <a:lnRef idx="2">
+            <a:schemeClr val="accent1">
+              <a:shade val="50000"/>
+            </a:schemeClr>
+          </a:lnRef>
+          <a:fillRef idx="1">
+            <a:schemeClr val="accent1"/>
+          </a:fillRef>
+          <a:effectRef idx="0">
+            <a:schemeClr val="accent1"/>
+          </a:effectRef>
+          <a:fontRef idx="minor">
+            <a:schemeClr val="lt1"/>
+          </a:fontRef>
+        </p:style>
+        <p:txBody>
+          <a:bodyPr rtlCol="0" anchor="ctr"/>
+          <a:lstStyle/>
+          <a:p>
+            <a:pPr algn="ctr"/>
+            <a:r>
+              <a:rPr lang="en-US" altLang="zh-CN" sz="900">
+                <a:solidFill>
+                  <a:schemeClr val="bg1"/>
+                </a:solidFill>
+                <a:latin typeface="+mj-ea"/>
+                <a:ea typeface="+mj-ea"/>
+              </a:rPr>
+              <a:t>RPC </a:t>
+            </a:r>
+            <a:r>
+              <a:rPr lang="zh-CN" altLang="en-US" sz="900">
+                <a:solidFill>
+                  <a:schemeClr val="bg1"/>
+                </a:solidFill>
+                <a:latin typeface="+mj-ea"/>
+                <a:ea typeface="+mj-ea"/>
+              </a:rPr>
+              <a:t>协议</a:t>
+            </a:r>
+          </a:p>
+        </p:txBody>
+      </p:sp>
+      <p:sp>
+        <p:nvSpPr>
+          <p:cNvPr id="9" name="圆角矩形 8"/>
+          <p:cNvSpPr/>
+          <p:nvPr/>
+        </p:nvSpPr>
+        <p:spPr>
+          <a:xfrm>
+            <a:off x="2819400" y="2247905"/>
+            <a:ext cx="771526" cy="271462"/>
+          </a:xfrm>
+          <a:prstGeom prst="roundRect">
+            <a:avLst>
+              <a:gd name="adj" fmla="val 12328"/>
+            </a:avLst>
+          </a:prstGeom>
+          <a:noFill/>
+          <a:ln w="6350">
+            <a:solidFill>
+              <a:schemeClr val="bg1"/>
+            </a:solidFill>
+          </a:ln>
+        </p:spPr>
+        <p:style>
+          <a:lnRef idx="2">
+            <a:schemeClr val="accent1">
+              <a:shade val="50000"/>
+            </a:schemeClr>
+          </a:lnRef>
+          <a:fillRef idx="1">
+            <a:schemeClr val="accent1"/>
+          </a:fillRef>
+          <a:effectRef idx="0">
+            <a:schemeClr val="accent1"/>
+          </a:effectRef>
+          <a:fontRef idx="minor">
+            <a:schemeClr val="lt1"/>
+          </a:fontRef>
+        </p:style>
+        <p:txBody>
+          <a:bodyPr rtlCol="0" anchor="ctr"/>
+          <a:lstStyle/>
+          <a:p>
+            <a:pPr algn="ctr"/>
+            <a:r>
+              <a:rPr lang="zh-CN" altLang="en-US" sz="900">
+                <a:solidFill>
+                  <a:schemeClr val="bg1"/>
+                </a:solidFill>
+                <a:latin typeface="+mj-ea"/>
+                <a:ea typeface="+mj-ea"/>
+              </a:rPr>
+              <a:t>协议解码</a:t>
+            </a:r>
+          </a:p>
+        </p:txBody>
+      </p:sp>
+      <p:sp>
+        <p:nvSpPr>
+          <p:cNvPr id="10" name="圆角矩形 9"/>
+          <p:cNvSpPr/>
+          <p:nvPr/>
+        </p:nvSpPr>
+        <p:spPr>
+          <a:xfrm>
+            <a:off x="2819400" y="2543179"/>
+            <a:ext cx="771526" cy="271462"/>
+          </a:xfrm>
+          <a:prstGeom prst="roundRect">
+            <a:avLst>
+              <a:gd name="adj" fmla="val 12328"/>
+            </a:avLst>
+          </a:prstGeom>
+          <a:noFill/>
+          <a:ln w="6350">
+            <a:solidFill>
+              <a:schemeClr val="bg1"/>
+            </a:solidFill>
+          </a:ln>
+        </p:spPr>
+        <p:style>
+          <a:lnRef idx="2">
+            <a:schemeClr val="accent1">
+              <a:shade val="50000"/>
+            </a:schemeClr>
+          </a:lnRef>
+          <a:fillRef idx="1">
+            <a:schemeClr val="accent1"/>
+          </a:fillRef>
+          <a:effectRef idx="0">
+            <a:schemeClr val="accent1"/>
+          </a:effectRef>
+          <a:fontRef idx="minor">
+            <a:schemeClr val="lt1"/>
+          </a:fontRef>
+        </p:style>
+        <p:txBody>
+          <a:bodyPr rtlCol="0" anchor="ctr"/>
+          <a:lstStyle/>
+          <a:p>
+            <a:pPr algn="ctr"/>
+            <a:r>
+              <a:rPr lang="zh-CN" altLang="en-US" sz="900">
+                <a:solidFill>
+                  <a:schemeClr val="bg1"/>
+                </a:solidFill>
+                <a:latin typeface="+mj-ea"/>
+                <a:ea typeface="+mj-ea"/>
+              </a:rPr>
+              <a:t>反序列化</a:t>
+            </a:r>
+          </a:p>
+        </p:txBody>
+      </p:sp>
+      <p:sp>
+        <p:nvSpPr>
+          <p:cNvPr id="11" name="圆角矩形 10"/>
+          <p:cNvSpPr/>
+          <p:nvPr/>
+        </p:nvSpPr>
+        <p:spPr>
+          <a:xfrm>
+            <a:off x="2819400" y="2838453"/>
+            <a:ext cx="771526" cy="271462"/>
+          </a:xfrm>
+          <a:prstGeom prst="roundRect">
+            <a:avLst>
+              <a:gd name="adj" fmla="val 12328"/>
+            </a:avLst>
+          </a:prstGeom>
+          <a:noFill/>
+          <a:ln w="6350">
+            <a:solidFill>
+              <a:schemeClr val="bg1"/>
+            </a:solidFill>
+          </a:ln>
+        </p:spPr>
+        <p:style>
+          <a:lnRef idx="2">
+            <a:schemeClr val="accent1">
+              <a:shade val="50000"/>
+            </a:schemeClr>
+          </a:lnRef>
+          <a:fillRef idx="1">
+            <a:schemeClr val="accent1"/>
+          </a:fillRef>
+          <a:effectRef idx="0">
+            <a:schemeClr val="accent1"/>
+          </a:effectRef>
+          <a:fontRef idx="minor">
+            <a:schemeClr val="lt1"/>
+          </a:fontRef>
+        </p:style>
+        <p:txBody>
+          <a:bodyPr rtlCol="0" anchor="ctr"/>
+          <a:lstStyle/>
+          <a:p>
+            <a:pPr algn="ctr"/>
+            <a:r>
+              <a:rPr lang="en-US" altLang="zh-CN" sz="900">
+                <a:solidFill>
+                  <a:schemeClr val="bg1"/>
+                </a:solidFill>
+                <a:latin typeface="+mj-ea"/>
+                <a:ea typeface="+mj-ea"/>
+              </a:rPr>
+              <a:t>TCP/IP</a:t>
+            </a:r>
+            <a:endParaRPr lang="zh-CN" altLang="en-US" sz="900">
+              <a:solidFill>
+                <a:schemeClr val="bg1"/>
+              </a:solidFill>
+              <a:latin typeface="+mj-ea"/>
+              <a:ea typeface="+mj-ea"/>
+            </a:endParaRPr>
+          </a:p>
+        </p:txBody>
+      </p:sp>
+      <p:cxnSp>
+        <p:nvCxnSpPr>
+          <p:cNvPr id="13" name="直接箭头连接符 12"/>
+          <p:cNvCxnSpPr/>
+          <p:nvPr/>
+        </p:nvCxnSpPr>
+        <p:spPr>
+          <a:xfrm>
+            <a:off x="1852613" y="2926560"/>
+            <a:ext cx="900113" cy="0"/>
+          </a:xfrm>
+          <a:prstGeom prst="straightConnector1">
+            <a:avLst/>
+          </a:prstGeom>
+          <a:ln>
+            <a:solidFill>
+              <a:schemeClr val="accent2"/>
+            </a:solidFill>
+            <a:tailEnd type="triangle"/>
+          </a:ln>
+        </p:spPr>
+        <p:style>
+          <a:lnRef idx="1">
+            <a:schemeClr val="accent1"/>
+          </a:lnRef>
+          <a:fillRef idx="0">
+            <a:schemeClr val="accent1"/>
+          </a:fillRef>
+          <a:effectRef idx="0">
+            <a:schemeClr val="accent1"/>
+          </a:effectRef>
+          <a:fontRef idx="minor">
+            <a:schemeClr val="tx1"/>
+          </a:fontRef>
+        </p:style>
+      </p:cxnSp>
+      <p:cxnSp>
+        <p:nvCxnSpPr>
+          <p:cNvPr id="17" name="直接箭头连接符 16"/>
+          <p:cNvCxnSpPr/>
+          <p:nvPr/>
+        </p:nvCxnSpPr>
+        <p:spPr>
+          <a:xfrm flipH="1">
+            <a:off x="1914525" y="3017046"/>
+            <a:ext cx="904875" cy="0"/>
+          </a:xfrm>
+          <a:prstGeom prst="straightConnector1">
+            <a:avLst/>
+          </a:prstGeom>
+          <a:ln>
+            <a:solidFill>
+              <a:schemeClr val="accent2"/>
+            </a:solidFill>
+            <a:tailEnd type="triangle"/>
+          </a:ln>
+        </p:spPr>
+        <p:style>
+          <a:lnRef idx="1">
+            <a:schemeClr val="accent1"/>
+          </a:lnRef>
+          <a:fillRef idx="0">
+            <a:schemeClr val="accent1"/>
+          </a:fillRef>
+          <a:effectRef idx="0">
+            <a:schemeClr val="accent1"/>
+          </a:effectRef>
+          <a:fontRef idx="minor">
+            <a:schemeClr val="tx1"/>
+          </a:fontRef>
+        </p:style>
+      </p:cxnSp>
+      <p:sp>
+        <p:nvSpPr>
+          <p:cNvPr id="22" name="文本框 21"/>
+          <p:cNvSpPr txBox="1"/>
+          <p:nvPr/>
+        </p:nvSpPr>
+        <p:spPr>
+          <a:xfrm>
+            <a:off x="1014413" y="3185392"/>
+            <a:ext cx="900112" cy="238848"/>
+          </a:xfrm>
+          <a:prstGeom prst="rect">
+            <a:avLst/>
+          </a:prstGeom>
+          <a:noFill/>
+        </p:spPr>
+        <p:txBody>
+          <a:bodyPr wrap="square" rtlCol="0">
+            <a:spAutoFit/>
+          </a:bodyPr>
+          <a:lstStyle/>
+          <a:p>
+            <a:pPr algn="ctr"/>
+            <a:r>
+              <a:rPr lang="zh-CN" altLang="en-US" sz="900"/>
+              <a:t>客户端</a:t>
+            </a:r>
+          </a:p>
+        </p:txBody>
+      </p:sp>
+      <p:sp>
+        <p:nvSpPr>
+          <p:cNvPr id="23" name="文本框 22"/>
+          <p:cNvSpPr txBox="1"/>
+          <p:nvPr/>
+        </p:nvSpPr>
+        <p:spPr>
+          <a:xfrm>
+            <a:off x="2752726" y="3181355"/>
+            <a:ext cx="900112" cy="238848"/>
+          </a:xfrm>
+          <a:prstGeom prst="rect">
+            <a:avLst/>
+          </a:prstGeom>
+          <a:noFill/>
+        </p:spPr>
+        <p:txBody>
+          <a:bodyPr wrap="square" rtlCol="0">
+            <a:spAutoFit/>
+          </a:bodyPr>
+          <a:lstStyle/>
+          <a:p>
+            <a:pPr algn="ctr"/>
+            <a:r>
+              <a:rPr lang="zh-CN" altLang="en-US" sz="900"/>
+              <a:t>服务端</a:t>
+            </a:r>
+          </a:p>
+        </p:txBody>
+      </p:sp>
+      <p:sp>
+        <p:nvSpPr>
+          <p:cNvPr id="24" name="文本框 23"/>
+          <p:cNvSpPr txBox="1"/>
+          <p:nvPr/>
+        </p:nvSpPr>
+        <p:spPr>
+          <a:xfrm>
+            <a:off x="2009507" y="2765168"/>
+            <a:ext cx="646331" cy="184666"/>
+          </a:xfrm>
+          <a:prstGeom prst="rect">
+            <a:avLst/>
+          </a:prstGeom>
+          <a:noFill/>
+        </p:spPr>
+        <p:txBody>
+          <a:bodyPr wrap="none" rtlCol="0">
+            <a:spAutoFit/>
+          </a:bodyPr>
+          <a:lstStyle/>
+          <a:p>
+            <a:r>
+              <a:rPr lang="zh-CN" altLang="en-US" sz="600"/>
+              <a:t>代理请求信息</a:t>
+            </a:r>
+          </a:p>
+        </p:txBody>
+      </p:sp>
+      <p:sp>
+        <p:nvSpPr>
+          <p:cNvPr id="25" name="文本框 24"/>
+          <p:cNvSpPr txBox="1"/>
+          <p:nvPr/>
+        </p:nvSpPr>
+        <p:spPr>
+          <a:xfrm>
+            <a:off x="2009508" y="2991926"/>
+            <a:ext cx="646331" cy="184666"/>
+          </a:xfrm>
+          <a:prstGeom prst="rect">
+            <a:avLst/>
+          </a:prstGeom>
+          <a:noFill/>
+        </p:spPr>
+        <p:txBody>
+          <a:bodyPr wrap="none" rtlCol="0">
+            <a:spAutoFit/>
+          </a:bodyPr>
+          <a:lstStyle/>
+          <a:p>
+            <a:r>
+              <a:rPr lang="zh-CN" altLang="en-US" sz="600"/>
+              <a:t>反射调用结果</a:t>
+            </a:r>
+          </a:p>
+        </p:txBody>
+      </p:sp>
+      <p:sp>
+        <p:nvSpPr>
+          <p:cNvPr id="26" name="圆角矩形 25"/>
+          <p:cNvSpPr/>
+          <p:nvPr/>
+        </p:nvSpPr>
+        <p:spPr>
+          <a:xfrm>
+            <a:off x="2752726" y="1537104"/>
+            <a:ext cx="900112" cy="271462"/>
+          </a:xfrm>
+          <a:prstGeom prst="roundRect">
+            <a:avLst>
+              <a:gd name="adj" fmla="val 11940"/>
+            </a:avLst>
+          </a:prstGeom>
+          <a:solidFill>
+            <a:schemeClr val="accent2">
+              <a:lumMod val="75000"/>
+            </a:schemeClr>
+          </a:solidFill>
+          <a:ln>
+            <a:noFill/>
+          </a:ln>
+        </p:spPr>
+        <p:style>
+          <a:lnRef idx="2">
+            <a:schemeClr val="accent1">
+              <a:shade val="50000"/>
+            </a:schemeClr>
+          </a:lnRef>
+          <a:fillRef idx="1">
+            <a:schemeClr val="accent1"/>
+          </a:fillRef>
+          <a:effectRef idx="0">
+            <a:schemeClr val="accent1"/>
+          </a:effectRef>
+          <a:fontRef idx="minor">
+            <a:schemeClr val="lt1"/>
+          </a:fontRef>
+        </p:style>
+        <p:txBody>
+          <a:bodyPr rtlCol="0" anchor="ctr"/>
+          <a:lstStyle/>
+          <a:p>
+            <a:pPr algn="ctr"/>
+            <a:r>
+              <a:rPr lang="zh-CN" altLang="en-US">
+                <a:solidFill>
+                  <a:schemeClr val="bg1"/>
+                </a:solidFill>
+              </a:rPr>
+              <a:t>线程池</a:t>
+            </a:r>
+          </a:p>
+        </p:txBody>
+      </p:sp>
+      <p:sp>
+        <p:nvSpPr>
+          <p:cNvPr id="27" name="圆角矩形 26"/>
+          <p:cNvSpPr/>
+          <p:nvPr/>
+        </p:nvSpPr>
+        <p:spPr>
+          <a:xfrm>
+            <a:off x="2752726" y="1204922"/>
+            <a:ext cx="900112" cy="271462"/>
+          </a:xfrm>
+          <a:prstGeom prst="roundRect">
+            <a:avLst>
+              <a:gd name="adj" fmla="val 11940"/>
+            </a:avLst>
+          </a:prstGeom>
+          <a:solidFill>
+            <a:schemeClr val="accent2">
+              <a:lumMod val="75000"/>
+            </a:schemeClr>
+          </a:solidFill>
+          <a:ln>
+            <a:noFill/>
+          </a:ln>
+        </p:spPr>
+        <p:style>
+          <a:lnRef idx="2">
+            <a:schemeClr val="accent1">
+              <a:shade val="50000"/>
+            </a:schemeClr>
+          </a:lnRef>
+          <a:fillRef idx="1">
+            <a:schemeClr val="accent1"/>
+          </a:fillRef>
+          <a:effectRef idx="0">
+            <a:schemeClr val="accent1"/>
+          </a:effectRef>
+          <a:fontRef idx="minor">
+            <a:schemeClr val="lt1"/>
+          </a:fontRef>
+        </p:style>
+        <p:txBody>
+          <a:bodyPr rtlCol="0" anchor="ctr"/>
+          <a:lstStyle/>
+          <a:p>
+            <a:pPr algn="ctr"/>
+            <a:r>
+              <a:rPr lang="zh-CN" altLang="zh-CN" sz="700" b="1">
+                <a:solidFill>
+                  <a:schemeClr val="bg1"/>
+                </a:solidFill>
+                <a:latin typeface="宋体" panose="02010600030101010101" pitchFamily="2" charset="-122"/>
+                <a:ea typeface="宋体" panose="02010600030101010101" pitchFamily="2" charset="-122"/>
+              </a:rPr>
+              <a:t>MyServerHandler</a:t>
+            </a:r>
+            <a:endParaRPr lang="zh-CN" altLang="en-US" sz="800" b="1">
+              <a:solidFill>
+                <a:schemeClr val="bg1"/>
+              </a:solidFill>
+            </a:endParaRPr>
+          </a:p>
+        </p:txBody>
+      </p:sp>
+      <p:sp>
+        <p:nvSpPr>
+          <p:cNvPr id="28" name="圆角矩形 27"/>
+          <p:cNvSpPr/>
+          <p:nvPr/>
+        </p:nvSpPr>
+        <p:spPr>
+          <a:xfrm>
+            <a:off x="2752726" y="875121"/>
+            <a:ext cx="900112" cy="271462"/>
+          </a:xfrm>
+          <a:prstGeom prst="roundRect">
+            <a:avLst>
+              <a:gd name="adj" fmla="val 11940"/>
+            </a:avLst>
+          </a:prstGeom>
+          <a:solidFill>
+            <a:schemeClr val="accent2">
+              <a:lumMod val="75000"/>
+            </a:schemeClr>
+          </a:solidFill>
+          <a:ln>
+            <a:noFill/>
+          </a:ln>
+        </p:spPr>
+        <p:style>
+          <a:lnRef idx="2">
+            <a:schemeClr val="accent1">
+              <a:shade val="50000"/>
+            </a:schemeClr>
+          </a:lnRef>
+          <a:fillRef idx="1">
+            <a:schemeClr val="accent1"/>
+          </a:fillRef>
+          <a:effectRef idx="0">
+            <a:schemeClr val="accent1"/>
+          </a:effectRef>
+          <a:fontRef idx="minor">
+            <a:schemeClr val="lt1"/>
+          </a:fontRef>
+        </p:style>
+        <p:txBody>
+          <a:bodyPr rtlCol="0" anchor="ctr"/>
+          <a:lstStyle/>
+          <a:p>
+            <a:pPr algn="ctr"/>
+            <a:r>
+              <a:rPr lang="zh-CN" altLang="en-US">
+                <a:solidFill>
+                  <a:schemeClr val="bg1"/>
+                </a:solidFill>
+              </a:rPr>
+              <a:t>服务注册</a:t>
+            </a:r>
+          </a:p>
+        </p:txBody>
+      </p:sp>
+      <p:sp>
+        <p:nvSpPr>
+          <p:cNvPr id="29" name="圆角矩形 28"/>
+          <p:cNvSpPr/>
+          <p:nvPr/>
+        </p:nvSpPr>
+        <p:spPr>
+          <a:xfrm>
+            <a:off x="1014413" y="875121"/>
+            <a:ext cx="900112" cy="271462"/>
+          </a:xfrm>
+          <a:prstGeom prst="roundRect">
+            <a:avLst>
+              <a:gd name="adj" fmla="val 11940"/>
+            </a:avLst>
+          </a:prstGeom>
+          <a:solidFill>
+            <a:schemeClr val="accent2">
+              <a:lumMod val="75000"/>
+            </a:schemeClr>
+          </a:solidFill>
+          <a:ln>
+            <a:noFill/>
+          </a:ln>
+        </p:spPr>
+        <p:style>
+          <a:lnRef idx="2">
+            <a:schemeClr val="accent1">
+              <a:shade val="50000"/>
+            </a:schemeClr>
+          </a:lnRef>
+          <a:fillRef idx="1">
+            <a:schemeClr val="accent1"/>
+          </a:fillRef>
+          <a:effectRef idx="0">
+            <a:schemeClr val="accent1"/>
+          </a:effectRef>
+          <a:fontRef idx="minor">
+            <a:schemeClr val="lt1"/>
+          </a:fontRef>
+        </p:style>
+        <p:txBody>
+          <a:bodyPr rtlCol="0" anchor="ctr"/>
+          <a:lstStyle/>
+          <a:p>
+            <a:pPr algn="ctr"/>
+            <a:r>
+              <a:rPr lang="zh-CN" altLang="en-US">
+                <a:solidFill>
+                  <a:schemeClr val="bg1"/>
+                </a:solidFill>
+              </a:rPr>
+              <a:t>服务发现</a:t>
+            </a:r>
+          </a:p>
+        </p:txBody>
+      </p:sp>
+      <p:sp>
+        <p:nvSpPr>
+          <p:cNvPr id="31" name="圆角矩形 30"/>
+          <p:cNvSpPr/>
+          <p:nvPr/>
+        </p:nvSpPr>
+        <p:spPr>
+          <a:xfrm>
+            <a:off x="1014413" y="1198966"/>
+            <a:ext cx="900112" cy="609599"/>
+          </a:xfrm>
+          <a:prstGeom prst="roundRect">
+            <a:avLst>
+              <a:gd name="adj" fmla="val 4909"/>
+            </a:avLst>
+          </a:prstGeom>
+          <a:solidFill>
+            <a:schemeClr val="accent2">
+              <a:lumMod val="75000"/>
+            </a:schemeClr>
+          </a:solidFill>
+          <a:ln>
+            <a:noFill/>
+          </a:ln>
+        </p:spPr>
+        <p:style>
+          <a:lnRef idx="2">
+            <a:schemeClr val="accent1">
+              <a:shade val="50000"/>
+            </a:schemeClr>
+          </a:lnRef>
+          <a:fillRef idx="1">
+            <a:schemeClr val="accent1"/>
+          </a:fillRef>
+          <a:effectRef idx="0">
+            <a:schemeClr val="accent1"/>
+          </a:effectRef>
+          <a:fontRef idx="minor">
+            <a:schemeClr val="lt1"/>
+          </a:fontRef>
+        </p:style>
+        <p:txBody>
+          <a:bodyPr rtlCol="0" anchor="ctr"/>
+          <a:lstStyle/>
+          <a:p>
+            <a:pPr algn="ctr"/>
+            <a:r>
+              <a:rPr lang="en-US" altLang="zh-CN">
+                <a:solidFill>
+                  <a:schemeClr val="bg1"/>
+                </a:solidFill>
+              </a:rPr>
+              <a:t>API </a:t>
+            </a:r>
+            <a:r>
+              <a:rPr lang="zh-CN" altLang="en-US">
+                <a:solidFill>
+                  <a:schemeClr val="bg1"/>
+                </a:solidFill>
+              </a:rPr>
+              <a:t>使用</a:t>
+            </a:r>
+          </a:p>
+        </p:txBody>
+      </p:sp>
+      <p:sp>
+        <p:nvSpPr>
+          <p:cNvPr id="32" name="圆角矩形 31"/>
+          <p:cNvSpPr/>
+          <p:nvPr/>
+        </p:nvSpPr>
+        <p:spPr>
+          <a:xfrm>
+            <a:off x="1013459" y="404823"/>
+            <a:ext cx="2638425" cy="271462"/>
+          </a:xfrm>
+          <a:prstGeom prst="roundRect">
+            <a:avLst/>
+          </a:prstGeom>
+          <a:solidFill>
+            <a:schemeClr val="accent2">
+              <a:lumMod val="75000"/>
+            </a:schemeClr>
+          </a:solidFill>
+          <a:ln>
+            <a:noFill/>
+          </a:ln>
+        </p:spPr>
+        <p:style>
+          <a:lnRef idx="2">
+            <a:schemeClr val="accent1">
+              <a:shade val="50000"/>
+            </a:schemeClr>
+          </a:lnRef>
+          <a:fillRef idx="1">
+            <a:schemeClr val="accent1"/>
+          </a:fillRef>
+          <a:effectRef idx="0">
+            <a:schemeClr val="accent1"/>
+          </a:effectRef>
+          <a:fontRef idx="minor">
+            <a:schemeClr val="lt1"/>
+          </a:fontRef>
+        </p:style>
+        <p:txBody>
+          <a:bodyPr rtlCol="0" anchor="ctr"/>
+          <a:lstStyle/>
+          <a:p>
+            <a:pPr algn="ctr"/>
+            <a:r>
+              <a:rPr lang="zh-CN" altLang="en-US">
+                <a:solidFill>
+                  <a:schemeClr val="bg1"/>
+                </a:solidFill>
+              </a:rPr>
+              <a:t>注册中心</a:t>
+            </a:r>
+          </a:p>
+        </p:txBody>
+      </p:sp>
+      <p:cxnSp>
+        <p:nvCxnSpPr>
+          <p:cNvPr id="34" name="直接箭头连接符 33"/>
+          <p:cNvCxnSpPr>
+            <a:stCxn id="28" idx="0"/>
+          </p:cNvCxnSpPr>
+          <p:nvPr/>
+        </p:nvCxnSpPr>
+        <p:spPr>
+          <a:xfrm flipV="1">
+            <a:off x="3202782" y="656640"/>
+            <a:ext cx="0" cy="218481"/>
+          </a:xfrm>
+          <a:prstGeom prst="straightConnector1">
+            <a:avLst/>
+          </a:prstGeom>
+          <a:ln>
+            <a:solidFill>
+              <a:schemeClr val="accent2"/>
+            </a:solidFill>
+            <a:tailEnd type="triangle"/>
+          </a:ln>
+        </p:spPr>
+        <p:style>
+          <a:lnRef idx="1">
+            <a:schemeClr val="accent1"/>
+          </a:lnRef>
+          <a:fillRef idx="0">
+            <a:schemeClr val="accent1"/>
+          </a:fillRef>
+          <a:effectRef idx="0">
+            <a:schemeClr val="accent1"/>
+          </a:effectRef>
+          <a:fontRef idx="minor">
+            <a:schemeClr val="tx1"/>
+          </a:fontRef>
+        </p:style>
+      </p:cxnSp>
+      <p:cxnSp>
+        <p:nvCxnSpPr>
+          <p:cNvPr id="36" name="直接箭头连接符 35"/>
+          <p:cNvCxnSpPr>
+            <a:endCxn id="29" idx="0"/>
+          </p:cNvCxnSpPr>
+          <p:nvPr/>
+        </p:nvCxnSpPr>
+        <p:spPr>
+          <a:xfrm>
+            <a:off x="1464469" y="656640"/>
+            <a:ext cx="0" cy="218481"/>
+          </a:xfrm>
+          <a:prstGeom prst="straightConnector1">
+            <a:avLst/>
+          </a:prstGeom>
+          <a:ln>
+            <a:solidFill>
+              <a:schemeClr val="accent2"/>
+            </a:solidFill>
+            <a:tailEnd type="triangle"/>
+          </a:ln>
+        </p:spPr>
+        <p:style>
+          <a:lnRef idx="1">
+            <a:schemeClr val="accent1"/>
+          </a:lnRef>
+          <a:fillRef idx="0">
+            <a:schemeClr val="accent1"/>
+          </a:fillRef>
+          <a:effectRef idx="0">
+            <a:schemeClr val="accent1"/>
+          </a:effectRef>
+          <a:fontRef idx="minor">
+            <a:schemeClr val="tx1"/>
+          </a:fontRef>
+        </p:style>
+      </p:cxnSp>
+      <p:cxnSp>
+        <p:nvCxnSpPr>
+          <p:cNvPr id="12" name="直线箭头连接符 11">
+            <a:extLst>
+              <a:ext uri="{FF2B5EF4-FFF2-40B4-BE49-F238E27FC236}">
+                <a16:creationId xmlns:a16="http://schemas.microsoft.com/office/drawing/2014/main" id="{D2CE9A0E-76D1-EA4E-8107-0A5011E15842}"/>
+              </a:ext>
+            </a:extLst>
+          </p:cNvPr>
+          <p:cNvCxnSpPr>
+            <a:cxnSpLocks/>
+            <a:stCxn id="29" idx="3"/>
+            <a:endCxn id="28" idx="1"/>
+          </p:cNvCxnSpPr>
+          <p:nvPr/>
+        </p:nvCxnSpPr>
+        <p:spPr>
+          <a:xfrm>
+            <a:off x="1914525" y="1010852"/>
+            <a:ext cx="838201" cy="0"/>
+          </a:xfrm>
+          <a:prstGeom prst="straightConnector1">
+            <a:avLst/>
+          </a:prstGeom>
+          <a:ln>
+            <a:solidFill>
+              <a:schemeClr val="accent2"/>
+            </a:solidFill>
+            <a:tailEnd type="triangle"/>
+          </a:ln>
+        </p:spPr>
+        <p:style>
+          <a:lnRef idx="1">
+            <a:schemeClr val="accent1"/>
+          </a:lnRef>
+          <a:fillRef idx="0">
+            <a:schemeClr val="accent1"/>
+          </a:fillRef>
+          <a:effectRef idx="0">
+            <a:schemeClr val="accent1"/>
+          </a:effectRef>
+          <a:fontRef idx="minor">
+            <a:schemeClr val="tx1"/>
+          </a:fontRef>
+        </p:style>
+      </p:cxnSp>
+    </p:spTree>
+    <p:extLst>
+      <p:ext uri="{BB962C8B-B14F-4D97-AF65-F5344CB8AC3E}">
+        <p14:creationId xmlns:p14="http://schemas.microsoft.com/office/powerpoint/2010/main" val="2557788740"/>
       </p:ext>
     </p:extLst>
   </p:cSld>
